--- a/绘图/图.pptx
+++ b/绘图/图.pptx
@@ -7,6 +7,7 @@
   <p:sldIdLst>
     <p:sldId id="256" r:id="rId2"/>
     <p:sldId id="257" r:id="rId3"/>
+    <p:sldId id="258" r:id="rId4"/>
   </p:sldIdLst>
   <p:sldSz cx="12192000" cy="6858000"/>
   <p:notesSz cx="6858000" cy="9144000"/>
@@ -244,7 +245,7 @@
           <a:p>
             <a:fld id="{3A297114-D4EC-4FC4-90A3-B6E3F0C38B6C}" type="datetimeFigureOut">
               <a:rPr lang="zh-CN" altLang="en-US" smtClean="0"/>
-              <a:t>2019/1/14</a:t>
+              <a:t>2019/1/16</a:t>
             </a:fld>
             <a:endParaRPr lang="zh-CN" altLang="en-US"/>
           </a:p>
@@ -414,7 +415,7 @@
           <a:p>
             <a:fld id="{3A297114-D4EC-4FC4-90A3-B6E3F0C38B6C}" type="datetimeFigureOut">
               <a:rPr lang="zh-CN" altLang="en-US" smtClean="0"/>
-              <a:t>2019/1/14</a:t>
+              <a:t>2019/1/16</a:t>
             </a:fld>
             <a:endParaRPr lang="zh-CN" altLang="en-US"/>
           </a:p>
@@ -594,7 +595,7 @@
           <a:p>
             <a:fld id="{3A297114-D4EC-4FC4-90A3-B6E3F0C38B6C}" type="datetimeFigureOut">
               <a:rPr lang="zh-CN" altLang="en-US" smtClean="0"/>
-              <a:t>2019/1/14</a:t>
+              <a:t>2019/1/16</a:t>
             </a:fld>
             <a:endParaRPr lang="zh-CN" altLang="en-US"/>
           </a:p>
@@ -764,7 +765,7 @@
           <a:p>
             <a:fld id="{3A297114-D4EC-4FC4-90A3-B6E3F0C38B6C}" type="datetimeFigureOut">
               <a:rPr lang="zh-CN" altLang="en-US" smtClean="0"/>
-              <a:t>2019/1/14</a:t>
+              <a:t>2019/1/16</a:t>
             </a:fld>
             <a:endParaRPr lang="zh-CN" altLang="en-US"/>
           </a:p>
@@ -1010,7 +1011,7 @@
           <a:p>
             <a:fld id="{3A297114-D4EC-4FC4-90A3-B6E3F0C38B6C}" type="datetimeFigureOut">
               <a:rPr lang="zh-CN" altLang="en-US" smtClean="0"/>
-              <a:t>2019/1/14</a:t>
+              <a:t>2019/1/16</a:t>
             </a:fld>
             <a:endParaRPr lang="zh-CN" altLang="en-US"/>
           </a:p>
@@ -1242,7 +1243,7 @@
           <a:p>
             <a:fld id="{3A297114-D4EC-4FC4-90A3-B6E3F0C38B6C}" type="datetimeFigureOut">
               <a:rPr lang="zh-CN" altLang="en-US" smtClean="0"/>
-              <a:t>2019/1/14</a:t>
+              <a:t>2019/1/16</a:t>
             </a:fld>
             <a:endParaRPr lang="zh-CN" altLang="en-US"/>
           </a:p>
@@ -1609,7 +1610,7 @@
           <a:p>
             <a:fld id="{3A297114-D4EC-4FC4-90A3-B6E3F0C38B6C}" type="datetimeFigureOut">
               <a:rPr lang="zh-CN" altLang="en-US" smtClean="0"/>
-              <a:t>2019/1/14</a:t>
+              <a:t>2019/1/16</a:t>
             </a:fld>
             <a:endParaRPr lang="zh-CN" altLang="en-US"/>
           </a:p>
@@ -1727,7 +1728,7 @@
           <a:p>
             <a:fld id="{3A297114-D4EC-4FC4-90A3-B6E3F0C38B6C}" type="datetimeFigureOut">
               <a:rPr lang="zh-CN" altLang="en-US" smtClean="0"/>
-              <a:t>2019/1/14</a:t>
+              <a:t>2019/1/16</a:t>
             </a:fld>
             <a:endParaRPr lang="zh-CN" altLang="en-US"/>
           </a:p>
@@ -1822,7 +1823,7 @@
           <a:p>
             <a:fld id="{3A297114-D4EC-4FC4-90A3-B6E3F0C38B6C}" type="datetimeFigureOut">
               <a:rPr lang="zh-CN" altLang="en-US" smtClean="0"/>
-              <a:t>2019/1/14</a:t>
+              <a:t>2019/1/16</a:t>
             </a:fld>
             <a:endParaRPr lang="zh-CN" altLang="en-US"/>
           </a:p>
@@ -2099,7 +2100,7 @@
           <a:p>
             <a:fld id="{3A297114-D4EC-4FC4-90A3-B6E3F0C38B6C}" type="datetimeFigureOut">
               <a:rPr lang="zh-CN" altLang="en-US" smtClean="0"/>
-              <a:t>2019/1/14</a:t>
+              <a:t>2019/1/16</a:t>
             </a:fld>
             <a:endParaRPr lang="zh-CN" altLang="en-US"/>
           </a:p>
@@ -2352,7 +2353,7 @@
           <a:p>
             <a:fld id="{3A297114-D4EC-4FC4-90A3-B6E3F0C38B6C}" type="datetimeFigureOut">
               <a:rPr lang="zh-CN" altLang="en-US" smtClean="0"/>
-              <a:t>2019/1/14</a:t>
+              <a:t>2019/1/16</a:t>
             </a:fld>
             <a:endParaRPr lang="zh-CN" altLang="en-US"/>
           </a:p>
@@ -2565,7 +2566,7 @@
           <a:p>
             <a:fld id="{3A297114-D4EC-4FC4-90A3-B6E3F0C38B6C}" type="datetimeFigureOut">
               <a:rPr lang="zh-CN" altLang="en-US" smtClean="0"/>
-              <a:t>2019/1/14</a:t>
+              <a:t>2019/1/16</a:t>
             </a:fld>
             <a:endParaRPr lang="zh-CN" altLang="en-US"/>
           </a:p>
@@ -4406,7 +4407,6 @@
               <a:rPr lang="zh-CN" altLang="en-US" sz="1200" dirty="0"/>
               <a:t>对象被第二次标记</a:t>
             </a:r>
-            <a:endParaRPr lang="zh-CN" altLang="en-US" sz="1200" dirty="0"/>
           </a:p>
         </p:txBody>
       </p:sp>
@@ -4902,6 +4902,3113 @@
   <p:clrMapOvr>
     <a:masterClrMapping/>
   </p:clrMapOvr>
+  <p:timing>
+    <p:tnLst>
+      <p:par>
+        <p:cTn id="1" dur="indefinite" restart="never" nodeType="tmRoot"/>
+      </p:par>
+    </p:tnLst>
+  </p:timing>
+</p:sld>
+</file>
+
+<file path=ppt/slides/slide3.xml><?xml version="1.0" encoding="utf-8"?>
+<p:sld xmlns:a="http://schemas.openxmlformats.org/drawingml/2006/main" xmlns:r="http://schemas.openxmlformats.org/officeDocument/2006/relationships" xmlns:p="http://schemas.openxmlformats.org/presentationml/2006/main">
+  <p:cSld>
+    <p:spTree>
+      <p:nvGrpSpPr>
+        <p:cNvPr id="1" name=""/>
+        <p:cNvGrpSpPr/>
+        <p:nvPr/>
+      </p:nvGrpSpPr>
+      <p:grpSpPr>
+        <a:xfrm>
+          <a:off x="0" y="0"/>
+          <a:ext cx="0" cy="0"/>
+          <a:chOff x="0" y="0"/>
+          <a:chExt cx="0" cy="0"/>
+        </a:xfrm>
+      </p:grpSpPr>
+      <p:sp>
+        <p:nvSpPr>
+          <p:cNvPr id="4" name="矩形 3"/>
+          <p:cNvSpPr/>
+          <p:nvPr/>
+        </p:nvSpPr>
+        <p:spPr>
+          <a:xfrm>
+            <a:off x="1493811" y="1053885"/>
+            <a:ext cx="914400" cy="325464"/>
+          </a:xfrm>
+          <a:prstGeom prst="rect">
+            <a:avLst/>
+          </a:prstGeom>
+          <a:ln/>
+        </p:spPr>
+        <p:style>
+          <a:lnRef idx="2">
+            <a:schemeClr val="accent2">
+              <a:shade val="50000"/>
+            </a:schemeClr>
+          </a:lnRef>
+          <a:fillRef idx="1">
+            <a:schemeClr val="accent2"/>
+          </a:fillRef>
+          <a:effectRef idx="0">
+            <a:schemeClr val="accent2"/>
+          </a:effectRef>
+          <a:fontRef idx="minor">
+            <a:schemeClr val="lt1"/>
+          </a:fontRef>
+        </p:style>
+        <p:txBody>
+          <a:bodyPr rtlCol="0" anchor="ctr"/>
+          <a:lstStyle/>
+          <a:p>
+            <a:pPr algn="ctr"/>
+            <a:endParaRPr lang="zh-CN" altLang="en-US"/>
+          </a:p>
+        </p:txBody>
+      </p:sp>
+      <p:sp>
+        <p:nvSpPr>
+          <p:cNvPr id="5" name="矩形 4"/>
+          <p:cNvSpPr/>
+          <p:nvPr/>
+        </p:nvSpPr>
+        <p:spPr>
+          <a:xfrm>
+            <a:off x="2408211" y="1053885"/>
+            <a:ext cx="914400" cy="325464"/>
+          </a:xfrm>
+          <a:prstGeom prst="rect">
+            <a:avLst/>
+          </a:prstGeom>
+          <a:ln/>
+        </p:spPr>
+        <p:style>
+          <a:lnRef idx="2">
+            <a:schemeClr val="accent6">
+              <a:shade val="50000"/>
+            </a:schemeClr>
+          </a:lnRef>
+          <a:fillRef idx="1">
+            <a:schemeClr val="accent6"/>
+          </a:fillRef>
+          <a:effectRef idx="0">
+            <a:schemeClr val="accent6"/>
+          </a:effectRef>
+          <a:fontRef idx="minor">
+            <a:schemeClr val="lt1"/>
+          </a:fontRef>
+        </p:style>
+        <p:txBody>
+          <a:bodyPr rtlCol="0" anchor="ctr"/>
+          <a:lstStyle/>
+          <a:p>
+            <a:pPr algn="ctr"/>
+            <a:endParaRPr lang="zh-CN" altLang="en-US"/>
+          </a:p>
+        </p:txBody>
+      </p:sp>
+      <p:sp>
+        <p:nvSpPr>
+          <p:cNvPr id="6" name="矩形 5"/>
+          <p:cNvSpPr/>
+          <p:nvPr/>
+        </p:nvSpPr>
+        <p:spPr>
+          <a:xfrm>
+            <a:off x="3332136" y="1053885"/>
+            <a:ext cx="914400" cy="325464"/>
+          </a:xfrm>
+          <a:prstGeom prst="rect">
+            <a:avLst/>
+          </a:prstGeom>
+          <a:ln/>
+        </p:spPr>
+        <p:style>
+          <a:lnRef idx="2">
+            <a:schemeClr val="accent6">
+              <a:shade val="50000"/>
+            </a:schemeClr>
+          </a:lnRef>
+          <a:fillRef idx="1">
+            <a:schemeClr val="accent6"/>
+          </a:fillRef>
+          <a:effectRef idx="0">
+            <a:schemeClr val="accent6"/>
+          </a:effectRef>
+          <a:fontRef idx="minor">
+            <a:schemeClr val="lt1"/>
+          </a:fontRef>
+        </p:style>
+        <p:txBody>
+          <a:bodyPr rtlCol="0" anchor="ctr"/>
+          <a:lstStyle/>
+          <a:p>
+            <a:pPr algn="ctr"/>
+            <a:endParaRPr lang="zh-CN" altLang="en-US"/>
+          </a:p>
+        </p:txBody>
+      </p:sp>
+      <p:sp>
+        <p:nvSpPr>
+          <p:cNvPr id="7" name="矩形 6"/>
+          <p:cNvSpPr/>
+          <p:nvPr/>
+        </p:nvSpPr>
+        <p:spPr>
+          <a:xfrm>
+            <a:off x="4246536" y="1053885"/>
+            <a:ext cx="914400" cy="325464"/>
+          </a:xfrm>
+          <a:prstGeom prst="rect">
+            <a:avLst/>
+          </a:prstGeom>
+          <a:solidFill>
+            <a:schemeClr val="bg1"/>
+          </a:solidFill>
+          <a:ln>
+            <a:solidFill>
+              <a:schemeClr val="tx1"/>
+            </a:solidFill>
+          </a:ln>
+        </p:spPr>
+        <p:style>
+          <a:lnRef idx="2">
+            <a:schemeClr val="accent1">
+              <a:shade val="50000"/>
+            </a:schemeClr>
+          </a:lnRef>
+          <a:fillRef idx="1">
+            <a:schemeClr val="accent1"/>
+          </a:fillRef>
+          <a:effectRef idx="0">
+            <a:schemeClr val="accent1"/>
+          </a:effectRef>
+          <a:fontRef idx="minor">
+            <a:schemeClr val="lt1"/>
+          </a:fontRef>
+        </p:style>
+        <p:txBody>
+          <a:bodyPr rtlCol="0" anchor="ctr"/>
+          <a:lstStyle/>
+          <a:p>
+            <a:pPr algn="ctr"/>
+            <a:endParaRPr lang="zh-CN" altLang="en-US"/>
+          </a:p>
+        </p:txBody>
+      </p:sp>
+      <p:sp>
+        <p:nvSpPr>
+          <p:cNvPr id="8" name="矩形 7"/>
+          <p:cNvSpPr/>
+          <p:nvPr/>
+        </p:nvSpPr>
+        <p:spPr>
+          <a:xfrm>
+            <a:off x="5160936" y="1053885"/>
+            <a:ext cx="914400" cy="325464"/>
+          </a:xfrm>
+          <a:prstGeom prst="rect">
+            <a:avLst/>
+          </a:prstGeom>
+          <a:solidFill>
+            <a:schemeClr val="bg1"/>
+          </a:solidFill>
+          <a:ln>
+            <a:solidFill>
+              <a:schemeClr val="tx1"/>
+            </a:solidFill>
+          </a:ln>
+        </p:spPr>
+        <p:style>
+          <a:lnRef idx="2">
+            <a:schemeClr val="accent6">
+              <a:shade val="50000"/>
+            </a:schemeClr>
+          </a:lnRef>
+          <a:fillRef idx="1">
+            <a:schemeClr val="accent6"/>
+          </a:fillRef>
+          <a:effectRef idx="0">
+            <a:schemeClr val="accent6"/>
+          </a:effectRef>
+          <a:fontRef idx="minor">
+            <a:schemeClr val="lt1"/>
+          </a:fontRef>
+        </p:style>
+        <p:txBody>
+          <a:bodyPr rtlCol="0" anchor="ctr"/>
+          <a:lstStyle/>
+          <a:p>
+            <a:pPr algn="ctr"/>
+            <a:endParaRPr lang="zh-CN" altLang="en-US"/>
+          </a:p>
+        </p:txBody>
+      </p:sp>
+      <p:sp>
+        <p:nvSpPr>
+          <p:cNvPr id="9" name="矩形 8"/>
+          <p:cNvSpPr/>
+          <p:nvPr/>
+        </p:nvSpPr>
+        <p:spPr>
+          <a:xfrm>
+            <a:off x="6075336" y="1053885"/>
+            <a:ext cx="914400" cy="325464"/>
+          </a:xfrm>
+          <a:prstGeom prst="rect">
+            <a:avLst/>
+          </a:prstGeom>
+          <a:solidFill>
+            <a:schemeClr val="bg1"/>
+          </a:solidFill>
+          <a:ln>
+            <a:solidFill>
+              <a:schemeClr val="tx1"/>
+            </a:solidFill>
+          </a:ln>
+        </p:spPr>
+        <p:style>
+          <a:lnRef idx="2">
+            <a:schemeClr val="accent2">
+              <a:shade val="50000"/>
+            </a:schemeClr>
+          </a:lnRef>
+          <a:fillRef idx="1">
+            <a:schemeClr val="accent2"/>
+          </a:fillRef>
+          <a:effectRef idx="0">
+            <a:schemeClr val="accent2"/>
+          </a:effectRef>
+          <a:fontRef idx="minor">
+            <a:schemeClr val="lt1"/>
+          </a:fontRef>
+        </p:style>
+        <p:txBody>
+          <a:bodyPr rtlCol="0" anchor="ctr"/>
+          <a:lstStyle/>
+          <a:p>
+            <a:pPr algn="ctr"/>
+            <a:endParaRPr lang="zh-CN" altLang="en-US"/>
+          </a:p>
+        </p:txBody>
+      </p:sp>
+      <p:sp>
+        <p:nvSpPr>
+          <p:cNvPr id="10" name="矩形 9"/>
+          <p:cNvSpPr/>
+          <p:nvPr/>
+        </p:nvSpPr>
+        <p:spPr>
+          <a:xfrm>
+            <a:off x="6989736" y="1053885"/>
+            <a:ext cx="914400" cy="325464"/>
+          </a:xfrm>
+          <a:prstGeom prst="rect">
+            <a:avLst/>
+          </a:prstGeom>
+          <a:solidFill>
+            <a:schemeClr val="bg1"/>
+          </a:solidFill>
+          <a:ln>
+            <a:solidFill>
+              <a:schemeClr val="tx1"/>
+            </a:solidFill>
+          </a:ln>
+        </p:spPr>
+        <p:style>
+          <a:lnRef idx="2">
+            <a:schemeClr val="accent1">
+              <a:shade val="50000"/>
+            </a:schemeClr>
+          </a:lnRef>
+          <a:fillRef idx="1">
+            <a:schemeClr val="accent1"/>
+          </a:fillRef>
+          <a:effectRef idx="0">
+            <a:schemeClr val="accent1"/>
+          </a:effectRef>
+          <a:fontRef idx="minor">
+            <a:schemeClr val="lt1"/>
+          </a:fontRef>
+        </p:style>
+        <p:txBody>
+          <a:bodyPr rtlCol="0" anchor="ctr"/>
+          <a:lstStyle/>
+          <a:p>
+            <a:pPr algn="ctr"/>
+            <a:endParaRPr lang="zh-CN" altLang="en-US"/>
+          </a:p>
+        </p:txBody>
+      </p:sp>
+      <p:sp>
+        <p:nvSpPr>
+          <p:cNvPr id="11" name="矩形 10"/>
+          <p:cNvSpPr/>
+          <p:nvPr/>
+        </p:nvSpPr>
+        <p:spPr>
+          <a:xfrm>
+            <a:off x="7902383" y="1053885"/>
+            <a:ext cx="914400" cy="325464"/>
+          </a:xfrm>
+          <a:prstGeom prst="rect">
+            <a:avLst/>
+          </a:prstGeom>
+          <a:solidFill>
+            <a:schemeClr val="bg1"/>
+          </a:solidFill>
+          <a:ln>
+            <a:solidFill>
+              <a:schemeClr val="tx1"/>
+            </a:solidFill>
+          </a:ln>
+        </p:spPr>
+        <p:style>
+          <a:lnRef idx="2">
+            <a:schemeClr val="accent6">
+              <a:shade val="50000"/>
+            </a:schemeClr>
+          </a:lnRef>
+          <a:fillRef idx="1">
+            <a:schemeClr val="accent6"/>
+          </a:fillRef>
+          <a:effectRef idx="0">
+            <a:schemeClr val="accent6"/>
+          </a:effectRef>
+          <a:fontRef idx="minor">
+            <a:schemeClr val="lt1"/>
+          </a:fontRef>
+        </p:style>
+        <p:txBody>
+          <a:bodyPr rtlCol="0" anchor="ctr"/>
+          <a:lstStyle/>
+          <a:p>
+            <a:pPr algn="ctr"/>
+            <a:endParaRPr lang="zh-CN" altLang="en-US"/>
+          </a:p>
+        </p:txBody>
+      </p:sp>
+      <p:sp>
+        <p:nvSpPr>
+          <p:cNvPr id="13" name="矩形 12"/>
+          <p:cNvSpPr/>
+          <p:nvPr/>
+        </p:nvSpPr>
+        <p:spPr>
+          <a:xfrm>
+            <a:off x="1493811" y="1379349"/>
+            <a:ext cx="914400" cy="325464"/>
+          </a:xfrm>
+          <a:prstGeom prst="rect">
+            <a:avLst/>
+          </a:prstGeom>
+          <a:solidFill>
+            <a:schemeClr val="bg1"/>
+          </a:solidFill>
+          <a:ln>
+            <a:solidFill>
+              <a:schemeClr val="tx1"/>
+            </a:solidFill>
+          </a:ln>
+        </p:spPr>
+        <p:style>
+          <a:lnRef idx="2">
+            <a:schemeClr val="accent1">
+              <a:shade val="50000"/>
+            </a:schemeClr>
+          </a:lnRef>
+          <a:fillRef idx="1">
+            <a:schemeClr val="accent1"/>
+          </a:fillRef>
+          <a:effectRef idx="0">
+            <a:schemeClr val="accent1"/>
+          </a:effectRef>
+          <a:fontRef idx="minor">
+            <a:schemeClr val="lt1"/>
+          </a:fontRef>
+        </p:style>
+        <p:txBody>
+          <a:bodyPr rtlCol="0" anchor="ctr"/>
+          <a:lstStyle/>
+          <a:p>
+            <a:pPr algn="ctr"/>
+            <a:endParaRPr lang="zh-CN" altLang="en-US"/>
+          </a:p>
+        </p:txBody>
+      </p:sp>
+      <p:sp>
+        <p:nvSpPr>
+          <p:cNvPr id="14" name="矩形 13"/>
+          <p:cNvSpPr/>
+          <p:nvPr/>
+        </p:nvSpPr>
+        <p:spPr>
+          <a:xfrm>
+            <a:off x="2417736" y="1379349"/>
+            <a:ext cx="914400" cy="325464"/>
+          </a:xfrm>
+          <a:prstGeom prst="rect">
+            <a:avLst/>
+          </a:prstGeom>
+          <a:ln/>
+        </p:spPr>
+        <p:style>
+          <a:lnRef idx="2">
+            <a:schemeClr val="accent2">
+              <a:shade val="50000"/>
+            </a:schemeClr>
+          </a:lnRef>
+          <a:fillRef idx="1">
+            <a:schemeClr val="accent2"/>
+          </a:fillRef>
+          <a:effectRef idx="0">
+            <a:schemeClr val="accent2"/>
+          </a:effectRef>
+          <a:fontRef idx="minor">
+            <a:schemeClr val="lt1"/>
+          </a:fontRef>
+        </p:style>
+        <p:txBody>
+          <a:bodyPr rtlCol="0" anchor="ctr"/>
+          <a:lstStyle/>
+          <a:p>
+            <a:pPr algn="ctr"/>
+            <a:endParaRPr lang="zh-CN" altLang="en-US"/>
+          </a:p>
+        </p:txBody>
+      </p:sp>
+      <p:sp>
+        <p:nvSpPr>
+          <p:cNvPr id="15" name="矩形 14"/>
+          <p:cNvSpPr/>
+          <p:nvPr/>
+        </p:nvSpPr>
+        <p:spPr>
+          <a:xfrm>
+            <a:off x="3332136" y="1369824"/>
+            <a:ext cx="914400" cy="325464"/>
+          </a:xfrm>
+          <a:prstGeom prst="rect">
+            <a:avLst/>
+          </a:prstGeom>
+          <a:ln/>
+        </p:spPr>
+        <p:style>
+          <a:lnRef idx="2">
+            <a:schemeClr val="accent2">
+              <a:shade val="50000"/>
+            </a:schemeClr>
+          </a:lnRef>
+          <a:fillRef idx="1">
+            <a:schemeClr val="accent2"/>
+          </a:fillRef>
+          <a:effectRef idx="0">
+            <a:schemeClr val="accent2"/>
+          </a:effectRef>
+          <a:fontRef idx="minor">
+            <a:schemeClr val="lt1"/>
+          </a:fontRef>
+        </p:style>
+        <p:txBody>
+          <a:bodyPr rtlCol="0" anchor="ctr"/>
+          <a:lstStyle/>
+          <a:p>
+            <a:pPr algn="ctr"/>
+            <a:endParaRPr lang="zh-CN" altLang="en-US"/>
+          </a:p>
+        </p:txBody>
+      </p:sp>
+      <p:sp>
+        <p:nvSpPr>
+          <p:cNvPr id="16" name="矩形 15"/>
+          <p:cNvSpPr/>
+          <p:nvPr/>
+        </p:nvSpPr>
+        <p:spPr>
+          <a:xfrm>
+            <a:off x="4246536" y="1379349"/>
+            <a:ext cx="914400" cy="325464"/>
+          </a:xfrm>
+          <a:prstGeom prst="rect">
+            <a:avLst/>
+          </a:prstGeom>
+          <a:ln/>
+        </p:spPr>
+        <p:style>
+          <a:lnRef idx="2">
+            <a:schemeClr val="accent6">
+              <a:shade val="50000"/>
+            </a:schemeClr>
+          </a:lnRef>
+          <a:fillRef idx="1">
+            <a:schemeClr val="accent6"/>
+          </a:fillRef>
+          <a:effectRef idx="0">
+            <a:schemeClr val="accent6"/>
+          </a:effectRef>
+          <a:fontRef idx="minor">
+            <a:schemeClr val="lt1"/>
+          </a:fontRef>
+        </p:style>
+        <p:txBody>
+          <a:bodyPr rtlCol="0" anchor="ctr"/>
+          <a:lstStyle/>
+          <a:p>
+            <a:pPr algn="ctr"/>
+            <a:endParaRPr lang="zh-CN" altLang="en-US"/>
+          </a:p>
+        </p:txBody>
+      </p:sp>
+      <p:sp>
+        <p:nvSpPr>
+          <p:cNvPr id="17" name="矩形 16"/>
+          <p:cNvSpPr/>
+          <p:nvPr/>
+        </p:nvSpPr>
+        <p:spPr>
+          <a:xfrm>
+            <a:off x="5160936" y="1379349"/>
+            <a:ext cx="914400" cy="325464"/>
+          </a:xfrm>
+          <a:prstGeom prst="rect">
+            <a:avLst/>
+          </a:prstGeom>
+          <a:solidFill>
+            <a:schemeClr val="bg1"/>
+          </a:solidFill>
+          <a:ln>
+            <a:solidFill>
+              <a:schemeClr val="tx1"/>
+            </a:solidFill>
+          </a:ln>
+        </p:spPr>
+        <p:style>
+          <a:lnRef idx="2">
+            <a:schemeClr val="accent1">
+              <a:shade val="50000"/>
+            </a:schemeClr>
+          </a:lnRef>
+          <a:fillRef idx="1">
+            <a:schemeClr val="accent1"/>
+          </a:fillRef>
+          <a:effectRef idx="0">
+            <a:schemeClr val="accent1"/>
+          </a:effectRef>
+          <a:fontRef idx="minor">
+            <a:schemeClr val="lt1"/>
+          </a:fontRef>
+        </p:style>
+        <p:txBody>
+          <a:bodyPr rtlCol="0" anchor="ctr"/>
+          <a:lstStyle/>
+          <a:p>
+            <a:pPr algn="ctr"/>
+            <a:endParaRPr lang="zh-CN" altLang="en-US"/>
+          </a:p>
+        </p:txBody>
+      </p:sp>
+      <p:sp>
+        <p:nvSpPr>
+          <p:cNvPr id="18" name="矩形 17"/>
+          <p:cNvSpPr/>
+          <p:nvPr/>
+        </p:nvSpPr>
+        <p:spPr>
+          <a:xfrm>
+            <a:off x="6075336" y="1379349"/>
+            <a:ext cx="914400" cy="325464"/>
+          </a:xfrm>
+          <a:prstGeom prst="rect">
+            <a:avLst/>
+          </a:prstGeom>
+          <a:ln/>
+        </p:spPr>
+        <p:style>
+          <a:lnRef idx="2">
+            <a:schemeClr val="accent6">
+              <a:shade val="50000"/>
+            </a:schemeClr>
+          </a:lnRef>
+          <a:fillRef idx="1">
+            <a:schemeClr val="accent6"/>
+          </a:fillRef>
+          <a:effectRef idx="0">
+            <a:schemeClr val="accent6"/>
+          </a:effectRef>
+          <a:fontRef idx="minor">
+            <a:schemeClr val="lt1"/>
+          </a:fontRef>
+        </p:style>
+        <p:txBody>
+          <a:bodyPr rtlCol="0" anchor="ctr"/>
+          <a:lstStyle/>
+          <a:p>
+            <a:pPr algn="ctr"/>
+            <a:endParaRPr lang="zh-CN" altLang="en-US"/>
+          </a:p>
+        </p:txBody>
+      </p:sp>
+      <p:sp>
+        <p:nvSpPr>
+          <p:cNvPr id="19" name="矩形 18"/>
+          <p:cNvSpPr/>
+          <p:nvPr/>
+        </p:nvSpPr>
+        <p:spPr>
+          <a:xfrm>
+            <a:off x="6989736" y="1379349"/>
+            <a:ext cx="914400" cy="325464"/>
+          </a:xfrm>
+          <a:prstGeom prst="rect">
+            <a:avLst/>
+          </a:prstGeom>
+          <a:solidFill>
+            <a:schemeClr val="bg1"/>
+          </a:solidFill>
+          <a:ln>
+            <a:solidFill>
+              <a:schemeClr val="tx1"/>
+            </a:solidFill>
+          </a:ln>
+        </p:spPr>
+        <p:style>
+          <a:lnRef idx="2">
+            <a:schemeClr val="accent2">
+              <a:shade val="50000"/>
+            </a:schemeClr>
+          </a:lnRef>
+          <a:fillRef idx="1">
+            <a:schemeClr val="accent2"/>
+          </a:fillRef>
+          <a:effectRef idx="0">
+            <a:schemeClr val="accent2"/>
+          </a:effectRef>
+          <a:fontRef idx="minor">
+            <a:schemeClr val="lt1"/>
+          </a:fontRef>
+        </p:style>
+        <p:txBody>
+          <a:bodyPr rtlCol="0" anchor="ctr"/>
+          <a:lstStyle/>
+          <a:p>
+            <a:pPr algn="ctr"/>
+            <a:endParaRPr lang="zh-CN" altLang="en-US"/>
+          </a:p>
+        </p:txBody>
+      </p:sp>
+      <p:sp>
+        <p:nvSpPr>
+          <p:cNvPr id="20" name="矩形 19"/>
+          <p:cNvSpPr/>
+          <p:nvPr/>
+        </p:nvSpPr>
+        <p:spPr>
+          <a:xfrm>
+            <a:off x="7902383" y="1379349"/>
+            <a:ext cx="914400" cy="325464"/>
+          </a:xfrm>
+          <a:prstGeom prst="rect">
+            <a:avLst/>
+          </a:prstGeom>
+          <a:ln/>
+        </p:spPr>
+        <p:style>
+          <a:lnRef idx="2">
+            <a:schemeClr val="accent2">
+              <a:shade val="50000"/>
+            </a:schemeClr>
+          </a:lnRef>
+          <a:fillRef idx="1">
+            <a:schemeClr val="accent2"/>
+          </a:fillRef>
+          <a:effectRef idx="0">
+            <a:schemeClr val="accent2"/>
+          </a:effectRef>
+          <a:fontRef idx="minor">
+            <a:schemeClr val="lt1"/>
+          </a:fontRef>
+        </p:style>
+        <p:txBody>
+          <a:bodyPr rtlCol="0" anchor="ctr"/>
+          <a:lstStyle/>
+          <a:p>
+            <a:pPr algn="ctr"/>
+            <a:endParaRPr lang="zh-CN" altLang="en-US"/>
+          </a:p>
+        </p:txBody>
+      </p:sp>
+      <p:sp>
+        <p:nvSpPr>
+          <p:cNvPr id="21" name="矩形 20"/>
+          <p:cNvSpPr/>
+          <p:nvPr/>
+        </p:nvSpPr>
+        <p:spPr>
+          <a:xfrm>
+            <a:off x="1493811" y="1689315"/>
+            <a:ext cx="914400" cy="325464"/>
+          </a:xfrm>
+          <a:prstGeom prst="rect">
+            <a:avLst/>
+          </a:prstGeom>
+          <a:solidFill>
+            <a:schemeClr val="bg1"/>
+          </a:solidFill>
+          <a:ln>
+            <a:solidFill>
+              <a:schemeClr val="tx1"/>
+            </a:solidFill>
+          </a:ln>
+        </p:spPr>
+        <p:style>
+          <a:lnRef idx="2">
+            <a:schemeClr val="accent1">
+              <a:shade val="50000"/>
+            </a:schemeClr>
+          </a:lnRef>
+          <a:fillRef idx="1">
+            <a:schemeClr val="accent1"/>
+          </a:fillRef>
+          <a:effectRef idx="0">
+            <a:schemeClr val="accent1"/>
+          </a:effectRef>
+          <a:fontRef idx="minor">
+            <a:schemeClr val="lt1"/>
+          </a:fontRef>
+        </p:style>
+        <p:txBody>
+          <a:bodyPr rtlCol="0" anchor="ctr"/>
+          <a:lstStyle/>
+          <a:p>
+            <a:pPr algn="ctr"/>
+            <a:endParaRPr lang="zh-CN" altLang="en-US"/>
+          </a:p>
+        </p:txBody>
+      </p:sp>
+      <p:sp>
+        <p:nvSpPr>
+          <p:cNvPr id="22" name="矩形 21"/>
+          <p:cNvSpPr/>
+          <p:nvPr/>
+        </p:nvSpPr>
+        <p:spPr>
+          <a:xfrm>
+            <a:off x="2417736" y="1689315"/>
+            <a:ext cx="914400" cy="325464"/>
+          </a:xfrm>
+          <a:prstGeom prst="rect">
+            <a:avLst/>
+          </a:prstGeom>
+          <a:ln/>
+        </p:spPr>
+        <p:style>
+          <a:lnRef idx="2">
+            <a:schemeClr val="accent6">
+              <a:shade val="50000"/>
+            </a:schemeClr>
+          </a:lnRef>
+          <a:fillRef idx="1">
+            <a:schemeClr val="accent6"/>
+          </a:fillRef>
+          <a:effectRef idx="0">
+            <a:schemeClr val="accent6"/>
+          </a:effectRef>
+          <a:fontRef idx="minor">
+            <a:schemeClr val="lt1"/>
+          </a:fontRef>
+        </p:style>
+        <p:txBody>
+          <a:bodyPr rtlCol="0" anchor="ctr"/>
+          <a:lstStyle/>
+          <a:p>
+            <a:pPr algn="ctr"/>
+            <a:endParaRPr lang="zh-CN" altLang="en-US"/>
+          </a:p>
+        </p:txBody>
+      </p:sp>
+      <p:sp>
+        <p:nvSpPr>
+          <p:cNvPr id="24" name="矩形 23"/>
+          <p:cNvSpPr/>
+          <p:nvPr/>
+        </p:nvSpPr>
+        <p:spPr>
+          <a:xfrm>
+            <a:off x="4246536" y="1689315"/>
+            <a:ext cx="914400" cy="325464"/>
+          </a:xfrm>
+          <a:prstGeom prst="rect">
+            <a:avLst/>
+          </a:prstGeom>
+          <a:solidFill>
+            <a:schemeClr val="bg1"/>
+          </a:solidFill>
+          <a:ln>
+            <a:solidFill>
+              <a:schemeClr val="tx1"/>
+            </a:solidFill>
+          </a:ln>
+        </p:spPr>
+        <p:style>
+          <a:lnRef idx="2">
+            <a:schemeClr val="accent1">
+              <a:shade val="50000"/>
+            </a:schemeClr>
+          </a:lnRef>
+          <a:fillRef idx="1">
+            <a:schemeClr val="accent1"/>
+          </a:fillRef>
+          <a:effectRef idx="0">
+            <a:schemeClr val="accent1"/>
+          </a:effectRef>
+          <a:fontRef idx="minor">
+            <a:schemeClr val="lt1"/>
+          </a:fontRef>
+        </p:style>
+        <p:txBody>
+          <a:bodyPr rtlCol="0" anchor="ctr"/>
+          <a:lstStyle/>
+          <a:p>
+            <a:pPr algn="ctr"/>
+            <a:endParaRPr lang="zh-CN" altLang="en-US"/>
+          </a:p>
+        </p:txBody>
+      </p:sp>
+      <p:sp>
+        <p:nvSpPr>
+          <p:cNvPr id="25" name="矩形 24"/>
+          <p:cNvSpPr/>
+          <p:nvPr/>
+        </p:nvSpPr>
+        <p:spPr>
+          <a:xfrm>
+            <a:off x="5160936" y="1689315"/>
+            <a:ext cx="914400" cy="325464"/>
+          </a:xfrm>
+          <a:prstGeom prst="rect">
+            <a:avLst/>
+          </a:prstGeom>
+          <a:solidFill>
+            <a:schemeClr val="bg1"/>
+          </a:solidFill>
+          <a:ln>
+            <a:solidFill>
+              <a:schemeClr val="tx1"/>
+            </a:solidFill>
+          </a:ln>
+        </p:spPr>
+        <p:style>
+          <a:lnRef idx="2">
+            <a:schemeClr val="accent2">
+              <a:shade val="50000"/>
+            </a:schemeClr>
+          </a:lnRef>
+          <a:fillRef idx="1">
+            <a:schemeClr val="accent2"/>
+          </a:fillRef>
+          <a:effectRef idx="0">
+            <a:schemeClr val="accent2"/>
+          </a:effectRef>
+          <a:fontRef idx="minor">
+            <a:schemeClr val="lt1"/>
+          </a:fontRef>
+        </p:style>
+        <p:txBody>
+          <a:bodyPr rtlCol="0" anchor="ctr"/>
+          <a:lstStyle/>
+          <a:p>
+            <a:pPr algn="ctr"/>
+            <a:endParaRPr lang="zh-CN" altLang="en-US"/>
+          </a:p>
+        </p:txBody>
+      </p:sp>
+      <p:sp>
+        <p:nvSpPr>
+          <p:cNvPr id="26" name="矩形 25"/>
+          <p:cNvSpPr/>
+          <p:nvPr/>
+        </p:nvSpPr>
+        <p:spPr>
+          <a:xfrm>
+            <a:off x="6075336" y="1689315"/>
+            <a:ext cx="914400" cy="325464"/>
+          </a:xfrm>
+          <a:prstGeom prst="rect">
+            <a:avLst/>
+          </a:prstGeom>
+          <a:ln/>
+        </p:spPr>
+        <p:style>
+          <a:lnRef idx="2">
+            <a:schemeClr val="accent2">
+              <a:shade val="50000"/>
+            </a:schemeClr>
+          </a:lnRef>
+          <a:fillRef idx="1">
+            <a:schemeClr val="accent2"/>
+          </a:fillRef>
+          <a:effectRef idx="0">
+            <a:schemeClr val="accent2"/>
+          </a:effectRef>
+          <a:fontRef idx="minor">
+            <a:schemeClr val="lt1"/>
+          </a:fontRef>
+        </p:style>
+        <p:txBody>
+          <a:bodyPr rtlCol="0" anchor="ctr"/>
+          <a:lstStyle/>
+          <a:p>
+            <a:pPr algn="ctr"/>
+            <a:endParaRPr lang="zh-CN" altLang="en-US"/>
+          </a:p>
+        </p:txBody>
+      </p:sp>
+      <p:sp>
+        <p:nvSpPr>
+          <p:cNvPr id="27" name="矩形 26"/>
+          <p:cNvSpPr/>
+          <p:nvPr/>
+        </p:nvSpPr>
+        <p:spPr>
+          <a:xfrm>
+            <a:off x="6989736" y="1689315"/>
+            <a:ext cx="914400" cy="325464"/>
+          </a:xfrm>
+          <a:prstGeom prst="rect">
+            <a:avLst/>
+          </a:prstGeom>
+          <a:ln/>
+        </p:spPr>
+        <p:style>
+          <a:lnRef idx="2">
+            <a:schemeClr val="accent6">
+              <a:shade val="50000"/>
+            </a:schemeClr>
+          </a:lnRef>
+          <a:fillRef idx="1">
+            <a:schemeClr val="accent6"/>
+          </a:fillRef>
+          <a:effectRef idx="0">
+            <a:schemeClr val="accent6"/>
+          </a:effectRef>
+          <a:fontRef idx="minor">
+            <a:schemeClr val="lt1"/>
+          </a:fontRef>
+        </p:style>
+        <p:txBody>
+          <a:bodyPr rtlCol="0" anchor="ctr"/>
+          <a:lstStyle/>
+          <a:p>
+            <a:pPr algn="ctr"/>
+            <a:endParaRPr lang="zh-CN" altLang="en-US"/>
+          </a:p>
+        </p:txBody>
+      </p:sp>
+      <p:sp>
+        <p:nvSpPr>
+          <p:cNvPr id="28" name="矩形 27"/>
+          <p:cNvSpPr/>
+          <p:nvPr/>
+        </p:nvSpPr>
+        <p:spPr>
+          <a:xfrm>
+            <a:off x="7902383" y="1689315"/>
+            <a:ext cx="914400" cy="325464"/>
+          </a:xfrm>
+          <a:prstGeom prst="rect">
+            <a:avLst/>
+          </a:prstGeom>
+          <a:solidFill>
+            <a:schemeClr val="bg1"/>
+          </a:solidFill>
+          <a:ln>
+            <a:solidFill>
+              <a:schemeClr val="tx1"/>
+            </a:solidFill>
+          </a:ln>
+        </p:spPr>
+        <p:style>
+          <a:lnRef idx="2">
+            <a:schemeClr val="accent6">
+              <a:shade val="50000"/>
+            </a:schemeClr>
+          </a:lnRef>
+          <a:fillRef idx="1">
+            <a:schemeClr val="accent6"/>
+          </a:fillRef>
+          <a:effectRef idx="0">
+            <a:schemeClr val="accent6"/>
+          </a:effectRef>
+          <a:fontRef idx="minor">
+            <a:schemeClr val="lt1"/>
+          </a:fontRef>
+        </p:style>
+        <p:txBody>
+          <a:bodyPr rtlCol="0" anchor="ctr"/>
+          <a:lstStyle/>
+          <a:p>
+            <a:pPr algn="ctr"/>
+            <a:endParaRPr lang="zh-CN" altLang="en-US"/>
+          </a:p>
+        </p:txBody>
+      </p:sp>
+      <p:sp>
+        <p:nvSpPr>
+          <p:cNvPr id="29" name="矩形 28"/>
+          <p:cNvSpPr/>
+          <p:nvPr/>
+        </p:nvSpPr>
+        <p:spPr>
+          <a:xfrm>
+            <a:off x="1490939" y="1996991"/>
+            <a:ext cx="914400" cy="325464"/>
+          </a:xfrm>
+          <a:prstGeom prst="rect">
+            <a:avLst/>
+          </a:prstGeom>
+          <a:solidFill>
+            <a:schemeClr val="bg1"/>
+          </a:solidFill>
+          <a:ln>
+            <a:solidFill>
+              <a:schemeClr val="tx1"/>
+            </a:solidFill>
+          </a:ln>
+        </p:spPr>
+        <p:style>
+          <a:lnRef idx="2">
+            <a:schemeClr val="accent1">
+              <a:shade val="50000"/>
+            </a:schemeClr>
+          </a:lnRef>
+          <a:fillRef idx="1">
+            <a:schemeClr val="accent1"/>
+          </a:fillRef>
+          <a:effectRef idx="0">
+            <a:schemeClr val="accent1"/>
+          </a:effectRef>
+          <a:fontRef idx="minor">
+            <a:schemeClr val="lt1"/>
+          </a:fontRef>
+        </p:style>
+        <p:txBody>
+          <a:bodyPr rtlCol="0" anchor="ctr"/>
+          <a:lstStyle/>
+          <a:p>
+            <a:pPr algn="ctr"/>
+            <a:endParaRPr lang="zh-CN" altLang="en-US"/>
+          </a:p>
+        </p:txBody>
+      </p:sp>
+      <p:sp>
+        <p:nvSpPr>
+          <p:cNvPr id="30" name="矩形 29"/>
+          <p:cNvSpPr/>
+          <p:nvPr/>
+        </p:nvSpPr>
+        <p:spPr>
+          <a:xfrm>
+            <a:off x="2414864" y="1996991"/>
+            <a:ext cx="914400" cy="325464"/>
+          </a:xfrm>
+          <a:prstGeom prst="rect">
+            <a:avLst/>
+          </a:prstGeom>
+          <a:ln/>
+        </p:spPr>
+        <p:style>
+          <a:lnRef idx="2">
+            <a:schemeClr val="accent6">
+              <a:shade val="50000"/>
+            </a:schemeClr>
+          </a:lnRef>
+          <a:fillRef idx="1">
+            <a:schemeClr val="accent6"/>
+          </a:fillRef>
+          <a:effectRef idx="0">
+            <a:schemeClr val="accent6"/>
+          </a:effectRef>
+          <a:fontRef idx="minor">
+            <a:schemeClr val="lt1"/>
+          </a:fontRef>
+        </p:style>
+        <p:txBody>
+          <a:bodyPr rtlCol="0" anchor="ctr"/>
+          <a:lstStyle/>
+          <a:p>
+            <a:pPr algn="ctr"/>
+            <a:endParaRPr lang="zh-CN" altLang="en-US"/>
+          </a:p>
+        </p:txBody>
+      </p:sp>
+      <p:sp>
+        <p:nvSpPr>
+          <p:cNvPr id="31" name="矩形 30"/>
+          <p:cNvSpPr/>
+          <p:nvPr/>
+        </p:nvSpPr>
+        <p:spPr>
+          <a:xfrm>
+            <a:off x="3329264" y="1996991"/>
+            <a:ext cx="914400" cy="325464"/>
+          </a:xfrm>
+          <a:prstGeom prst="rect">
+            <a:avLst/>
+          </a:prstGeom>
+          <a:ln/>
+        </p:spPr>
+        <p:style>
+          <a:lnRef idx="2">
+            <a:schemeClr val="accent2">
+              <a:shade val="50000"/>
+            </a:schemeClr>
+          </a:lnRef>
+          <a:fillRef idx="1">
+            <a:schemeClr val="accent2"/>
+          </a:fillRef>
+          <a:effectRef idx="0">
+            <a:schemeClr val="accent2"/>
+          </a:effectRef>
+          <a:fontRef idx="minor">
+            <a:schemeClr val="lt1"/>
+          </a:fontRef>
+        </p:style>
+        <p:txBody>
+          <a:bodyPr rtlCol="0" anchor="ctr"/>
+          <a:lstStyle/>
+          <a:p>
+            <a:pPr algn="ctr"/>
+            <a:endParaRPr lang="zh-CN" altLang="en-US"/>
+          </a:p>
+        </p:txBody>
+      </p:sp>
+      <p:sp>
+        <p:nvSpPr>
+          <p:cNvPr id="32" name="矩形 31"/>
+          <p:cNvSpPr/>
+          <p:nvPr/>
+        </p:nvSpPr>
+        <p:spPr>
+          <a:xfrm>
+            <a:off x="4243664" y="1996360"/>
+            <a:ext cx="914400" cy="325464"/>
+          </a:xfrm>
+          <a:prstGeom prst="rect">
+            <a:avLst/>
+          </a:prstGeom>
+          <a:solidFill>
+            <a:schemeClr val="bg1"/>
+          </a:solidFill>
+          <a:ln>
+            <a:solidFill>
+              <a:schemeClr val="tx1"/>
+            </a:solidFill>
+          </a:ln>
+        </p:spPr>
+        <p:style>
+          <a:lnRef idx="2">
+            <a:schemeClr val="accent1">
+              <a:shade val="50000"/>
+            </a:schemeClr>
+          </a:lnRef>
+          <a:fillRef idx="1">
+            <a:schemeClr val="accent1"/>
+          </a:fillRef>
+          <a:effectRef idx="0">
+            <a:schemeClr val="accent1"/>
+          </a:effectRef>
+          <a:fontRef idx="minor">
+            <a:schemeClr val="lt1"/>
+          </a:fontRef>
+        </p:style>
+        <p:txBody>
+          <a:bodyPr rtlCol="0" anchor="ctr"/>
+          <a:lstStyle/>
+          <a:p>
+            <a:pPr algn="ctr"/>
+            <a:endParaRPr lang="zh-CN" altLang="en-US"/>
+          </a:p>
+        </p:txBody>
+      </p:sp>
+      <p:sp>
+        <p:nvSpPr>
+          <p:cNvPr id="33" name="矩形 32"/>
+          <p:cNvSpPr/>
+          <p:nvPr/>
+        </p:nvSpPr>
+        <p:spPr>
+          <a:xfrm>
+            <a:off x="5158064" y="1996991"/>
+            <a:ext cx="914400" cy="325464"/>
+          </a:xfrm>
+          <a:prstGeom prst="rect">
+            <a:avLst/>
+          </a:prstGeom>
+          <a:solidFill>
+            <a:schemeClr val="bg1"/>
+          </a:solidFill>
+          <a:ln>
+            <a:solidFill>
+              <a:schemeClr val="tx1"/>
+            </a:solidFill>
+          </a:ln>
+        </p:spPr>
+        <p:style>
+          <a:lnRef idx="2">
+            <a:schemeClr val="accent2">
+              <a:shade val="50000"/>
+            </a:schemeClr>
+          </a:lnRef>
+          <a:fillRef idx="1">
+            <a:schemeClr val="accent2"/>
+          </a:fillRef>
+          <a:effectRef idx="0">
+            <a:schemeClr val="accent2"/>
+          </a:effectRef>
+          <a:fontRef idx="minor">
+            <a:schemeClr val="lt1"/>
+          </a:fontRef>
+        </p:style>
+        <p:txBody>
+          <a:bodyPr rtlCol="0" anchor="ctr"/>
+          <a:lstStyle/>
+          <a:p>
+            <a:pPr algn="ctr"/>
+            <a:endParaRPr lang="zh-CN" altLang="en-US"/>
+          </a:p>
+        </p:txBody>
+      </p:sp>
+      <p:sp>
+        <p:nvSpPr>
+          <p:cNvPr id="34" name="矩形 33"/>
+          <p:cNvSpPr/>
+          <p:nvPr/>
+        </p:nvSpPr>
+        <p:spPr>
+          <a:xfrm>
+            <a:off x="6072464" y="1996991"/>
+            <a:ext cx="914400" cy="325464"/>
+          </a:xfrm>
+          <a:prstGeom prst="rect">
+            <a:avLst/>
+          </a:prstGeom>
+          <a:solidFill>
+            <a:schemeClr val="bg1"/>
+          </a:solidFill>
+          <a:ln>
+            <a:solidFill>
+              <a:schemeClr val="tx1"/>
+            </a:solidFill>
+          </a:ln>
+        </p:spPr>
+        <p:style>
+          <a:lnRef idx="2">
+            <a:schemeClr val="accent1">
+              <a:shade val="50000"/>
+            </a:schemeClr>
+          </a:lnRef>
+          <a:fillRef idx="1">
+            <a:schemeClr val="accent1"/>
+          </a:fillRef>
+          <a:effectRef idx="0">
+            <a:schemeClr val="accent1"/>
+          </a:effectRef>
+          <a:fontRef idx="minor">
+            <a:schemeClr val="lt1"/>
+          </a:fontRef>
+        </p:style>
+        <p:txBody>
+          <a:bodyPr rtlCol="0" anchor="ctr"/>
+          <a:lstStyle/>
+          <a:p>
+            <a:pPr algn="ctr"/>
+            <a:endParaRPr lang="zh-CN" altLang="en-US"/>
+          </a:p>
+        </p:txBody>
+      </p:sp>
+      <p:sp>
+        <p:nvSpPr>
+          <p:cNvPr id="35" name="矩形 34"/>
+          <p:cNvSpPr/>
+          <p:nvPr/>
+        </p:nvSpPr>
+        <p:spPr>
+          <a:xfrm>
+            <a:off x="6986864" y="1996991"/>
+            <a:ext cx="914400" cy="325464"/>
+          </a:xfrm>
+          <a:prstGeom prst="rect">
+            <a:avLst/>
+          </a:prstGeom>
+          <a:solidFill>
+            <a:schemeClr val="bg1"/>
+          </a:solidFill>
+          <a:ln>
+            <a:solidFill>
+              <a:schemeClr val="tx1"/>
+            </a:solidFill>
+          </a:ln>
+        </p:spPr>
+        <p:style>
+          <a:lnRef idx="2">
+            <a:schemeClr val="accent2">
+              <a:shade val="50000"/>
+            </a:schemeClr>
+          </a:lnRef>
+          <a:fillRef idx="1">
+            <a:schemeClr val="accent2"/>
+          </a:fillRef>
+          <a:effectRef idx="0">
+            <a:schemeClr val="accent2"/>
+          </a:effectRef>
+          <a:fontRef idx="minor">
+            <a:schemeClr val="lt1"/>
+          </a:fontRef>
+        </p:style>
+        <p:txBody>
+          <a:bodyPr rtlCol="0" anchor="ctr"/>
+          <a:lstStyle/>
+          <a:p>
+            <a:pPr algn="ctr"/>
+            <a:endParaRPr lang="zh-CN" altLang="en-US"/>
+          </a:p>
+        </p:txBody>
+      </p:sp>
+      <p:sp>
+        <p:nvSpPr>
+          <p:cNvPr id="36" name="矩形 35"/>
+          <p:cNvSpPr/>
+          <p:nvPr/>
+        </p:nvSpPr>
+        <p:spPr>
+          <a:xfrm>
+            <a:off x="7909036" y="1996991"/>
+            <a:ext cx="914400" cy="325464"/>
+          </a:xfrm>
+          <a:prstGeom prst="rect">
+            <a:avLst/>
+          </a:prstGeom>
+          <a:solidFill>
+            <a:schemeClr val="bg1"/>
+          </a:solidFill>
+          <a:ln>
+            <a:solidFill>
+              <a:schemeClr val="tx1"/>
+            </a:solidFill>
+          </a:ln>
+        </p:spPr>
+        <p:style>
+          <a:lnRef idx="2">
+            <a:schemeClr val="accent1">
+              <a:shade val="50000"/>
+            </a:schemeClr>
+          </a:lnRef>
+          <a:fillRef idx="1">
+            <a:schemeClr val="accent1"/>
+          </a:fillRef>
+          <a:effectRef idx="0">
+            <a:schemeClr val="accent1"/>
+          </a:effectRef>
+          <a:fontRef idx="minor">
+            <a:schemeClr val="lt1"/>
+          </a:fontRef>
+        </p:style>
+        <p:txBody>
+          <a:bodyPr rtlCol="0" anchor="ctr"/>
+          <a:lstStyle/>
+          <a:p>
+            <a:pPr algn="ctr"/>
+            <a:endParaRPr lang="zh-CN" altLang="en-US"/>
+          </a:p>
+        </p:txBody>
+      </p:sp>
+      <p:sp>
+        <p:nvSpPr>
+          <p:cNvPr id="37" name="矩形 36"/>
+          <p:cNvSpPr/>
+          <p:nvPr/>
+        </p:nvSpPr>
+        <p:spPr>
+          <a:xfrm>
+            <a:off x="1490939" y="4816260"/>
+            <a:ext cx="914400" cy="325464"/>
+          </a:xfrm>
+          <a:prstGeom prst="rect">
+            <a:avLst/>
+          </a:prstGeom>
+          <a:ln/>
+        </p:spPr>
+        <p:style>
+          <a:lnRef idx="2">
+            <a:schemeClr val="accent6">
+              <a:shade val="50000"/>
+            </a:schemeClr>
+          </a:lnRef>
+          <a:fillRef idx="1">
+            <a:schemeClr val="accent6"/>
+          </a:fillRef>
+          <a:effectRef idx="0">
+            <a:schemeClr val="accent6"/>
+          </a:effectRef>
+          <a:fontRef idx="minor">
+            <a:schemeClr val="lt1"/>
+          </a:fontRef>
+        </p:style>
+        <p:txBody>
+          <a:bodyPr rtlCol="0" anchor="ctr"/>
+          <a:lstStyle/>
+          <a:p>
+            <a:pPr algn="ctr"/>
+            <a:r>
+              <a:rPr lang="zh-CN" altLang="en-US" sz="1200" dirty="0" smtClean="0">
+                <a:solidFill>
+                  <a:schemeClr val="tx1"/>
+                </a:solidFill>
+              </a:rPr>
+              <a:t>存活对象</a:t>
+            </a:r>
+            <a:endParaRPr lang="zh-CN" altLang="en-US" sz="1200" dirty="0">
+              <a:solidFill>
+                <a:schemeClr val="tx1"/>
+              </a:solidFill>
+            </a:endParaRPr>
+          </a:p>
+        </p:txBody>
+      </p:sp>
+      <p:sp>
+        <p:nvSpPr>
+          <p:cNvPr id="38" name="矩形 37"/>
+          <p:cNvSpPr/>
+          <p:nvPr/>
+        </p:nvSpPr>
+        <p:spPr>
+          <a:xfrm>
+            <a:off x="2741586" y="4816414"/>
+            <a:ext cx="914400" cy="325464"/>
+          </a:xfrm>
+          <a:prstGeom prst="rect">
+            <a:avLst/>
+          </a:prstGeom>
+          <a:ln/>
+        </p:spPr>
+        <p:style>
+          <a:lnRef idx="2">
+            <a:schemeClr val="accent2">
+              <a:shade val="50000"/>
+            </a:schemeClr>
+          </a:lnRef>
+          <a:fillRef idx="1">
+            <a:schemeClr val="accent2"/>
+          </a:fillRef>
+          <a:effectRef idx="0">
+            <a:schemeClr val="accent2"/>
+          </a:effectRef>
+          <a:fontRef idx="minor">
+            <a:schemeClr val="lt1"/>
+          </a:fontRef>
+        </p:style>
+        <p:txBody>
+          <a:bodyPr rtlCol="0" anchor="ctr"/>
+          <a:lstStyle/>
+          <a:p>
+            <a:pPr algn="ctr"/>
+            <a:r>
+              <a:rPr lang="zh-CN" altLang="en-US" sz="1200" dirty="0">
+                <a:solidFill>
+                  <a:schemeClr val="tx1"/>
+                </a:solidFill>
+              </a:rPr>
+              <a:t>可回收</a:t>
+            </a:r>
+          </a:p>
+        </p:txBody>
+      </p:sp>
+      <p:sp>
+        <p:nvSpPr>
+          <p:cNvPr id="40" name="矩形 39"/>
+          <p:cNvSpPr/>
+          <p:nvPr/>
+        </p:nvSpPr>
+        <p:spPr>
+          <a:xfrm>
+            <a:off x="3992233" y="4816260"/>
+            <a:ext cx="914400" cy="325464"/>
+          </a:xfrm>
+          <a:prstGeom prst="rect">
+            <a:avLst/>
+          </a:prstGeom>
+          <a:solidFill>
+            <a:schemeClr val="bg1"/>
+          </a:solidFill>
+          <a:ln>
+            <a:solidFill>
+              <a:schemeClr val="tx1"/>
+            </a:solidFill>
+          </a:ln>
+        </p:spPr>
+        <p:style>
+          <a:lnRef idx="2">
+            <a:schemeClr val="accent1">
+              <a:shade val="50000"/>
+            </a:schemeClr>
+          </a:lnRef>
+          <a:fillRef idx="1">
+            <a:schemeClr val="accent1"/>
+          </a:fillRef>
+          <a:effectRef idx="0">
+            <a:schemeClr val="accent1"/>
+          </a:effectRef>
+          <a:fontRef idx="minor">
+            <a:schemeClr val="lt1"/>
+          </a:fontRef>
+        </p:style>
+        <p:txBody>
+          <a:bodyPr rtlCol="0" anchor="ctr"/>
+          <a:lstStyle/>
+          <a:p>
+            <a:pPr algn="ctr"/>
+            <a:r>
+              <a:rPr lang="zh-CN" altLang="en-US" sz="1200" dirty="0" smtClean="0">
+                <a:solidFill>
+                  <a:schemeClr val="tx1"/>
+                </a:solidFill>
+              </a:rPr>
+              <a:t>未使用</a:t>
+            </a:r>
+            <a:endParaRPr lang="zh-CN" altLang="en-US" sz="1200" dirty="0">
+              <a:solidFill>
+                <a:schemeClr val="tx1"/>
+              </a:solidFill>
+            </a:endParaRPr>
+          </a:p>
+        </p:txBody>
+      </p:sp>
+      <p:sp>
+        <p:nvSpPr>
+          <p:cNvPr id="41" name="文本框 40"/>
+          <p:cNvSpPr txBox="1"/>
+          <p:nvPr/>
+        </p:nvSpPr>
+        <p:spPr>
+          <a:xfrm>
+            <a:off x="1409700" y="628650"/>
+            <a:ext cx="1789086" cy="276999"/>
+          </a:xfrm>
+          <a:prstGeom prst="rect">
+            <a:avLst/>
+          </a:prstGeom>
+          <a:noFill/>
+        </p:spPr>
+        <p:txBody>
+          <a:bodyPr wrap="square" rtlCol="0">
+            <a:spAutoFit/>
+          </a:bodyPr>
+          <a:lstStyle/>
+          <a:p>
+            <a:r>
+              <a:rPr lang="zh-CN" altLang="en-US" sz="1200" dirty="0" smtClean="0"/>
+              <a:t>回收前状态：</a:t>
+            </a:r>
+            <a:endParaRPr lang="zh-CN" altLang="en-US" sz="1200" dirty="0"/>
+          </a:p>
+        </p:txBody>
+      </p:sp>
+      <p:sp>
+        <p:nvSpPr>
+          <p:cNvPr id="42" name="文本框 41"/>
+          <p:cNvSpPr txBox="1"/>
+          <p:nvPr/>
+        </p:nvSpPr>
+        <p:spPr>
+          <a:xfrm>
+            <a:off x="1409700" y="2648147"/>
+            <a:ext cx="1789086" cy="276999"/>
+          </a:xfrm>
+          <a:prstGeom prst="rect">
+            <a:avLst/>
+          </a:prstGeom>
+          <a:noFill/>
+        </p:spPr>
+        <p:txBody>
+          <a:bodyPr wrap="square" rtlCol="0">
+            <a:spAutoFit/>
+          </a:bodyPr>
+          <a:lstStyle/>
+          <a:p>
+            <a:r>
+              <a:rPr lang="zh-CN" altLang="en-US" sz="1200" dirty="0" smtClean="0"/>
+              <a:t>回收后状态：</a:t>
+            </a:r>
+            <a:endParaRPr lang="zh-CN" altLang="en-US" sz="1200" dirty="0"/>
+          </a:p>
+        </p:txBody>
+      </p:sp>
+      <p:sp>
+        <p:nvSpPr>
+          <p:cNvPr id="77" name="矩形 76"/>
+          <p:cNvSpPr/>
+          <p:nvPr/>
+        </p:nvSpPr>
+        <p:spPr>
+          <a:xfrm>
+            <a:off x="3332136" y="1687292"/>
+            <a:ext cx="914400" cy="325464"/>
+          </a:xfrm>
+          <a:prstGeom prst="rect">
+            <a:avLst/>
+          </a:prstGeom>
+          <a:solidFill>
+            <a:schemeClr val="bg1"/>
+          </a:solidFill>
+          <a:ln>
+            <a:solidFill>
+              <a:schemeClr val="tx1"/>
+            </a:solidFill>
+          </a:ln>
+        </p:spPr>
+        <p:style>
+          <a:lnRef idx="2">
+            <a:schemeClr val="accent1">
+              <a:shade val="50000"/>
+            </a:schemeClr>
+          </a:lnRef>
+          <a:fillRef idx="1">
+            <a:schemeClr val="accent1"/>
+          </a:fillRef>
+          <a:effectRef idx="0">
+            <a:schemeClr val="accent1"/>
+          </a:effectRef>
+          <a:fontRef idx="minor">
+            <a:schemeClr val="lt1"/>
+          </a:fontRef>
+        </p:style>
+        <p:txBody>
+          <a:bodyPr rtlCol="0" anchor="ctr"/>
+          <a:lstStyle/>
+          <a:p>
+            <a:pPr algn="ctr"/>
+            <a:endParaRPr lang="zh-CN" altLang="en-US"/>
+          </a:p>
+        </p:txBody>
+      </p:sp>
+      <p:sp>
+        <p:nvSpPr>
+          <p:cNvPr id="79" name="矩形 78"/>
+          <p:cNvSpPr/>
+          <p:nvPr/>
+        </p:nvSpPr>
+        <p:spPr>
+          <a:xfrm>
+            <a:off x="2408211" y="3073609"/>
+            <a:ext cx="914400" cy="325464"/>
+          </a:xfrm>
+          <a:prstGeom prst="rect">
+            <a:avLst/>
+          </a:prstGeom>
+          <a:ln/>
+        </p:spPr>
+        <p:style>
+          <a:lnRef idx="2">
+            <a:schemeClr val="accent6">
+              <a:shade val="50000"/>
+            </a:schemeClr>
+          </a:lnRef>
+          <a:fillRef idx="1">
+            <a:schemeClr val="accent6"/>
+          </a:fillRef>
+          <a:effectRef idx="0">
+            <a:schemeClr val="accent6"/>
+          </a:effectRef>
+          <a:fontRef idx="minor">
+            <a:schemeClr val="lt1"/>
+          </a:fontRef>
+        </p:style>
+        <p:txBody>
+          <a:bodyPr rtlCol="0" anchor="ctr"/>
+          <a:lstStyle/>
+          <a:p>
+            <a:pPr algn="ctr"/>
+            <a:endParaRPr lang="zh-CN" altLang="en-US"/>
+          </a:p>
+        </p:txBody>
+      </p:sp>
+      <p:sp>
+        <p:nvSpPr>
+          <p:cNvPr id="80" name="矩形 79"/>
+          <p:cNvSpPr/>
+          <p:nvPr/>
+        </p:nvSpPr>
+        <p:spPr>
+          <a:xfrm>
+            <a:off x="3332136" y="3073609"/>
+            <a:ext cx="914400" cy="325464"/>
+          </a:xfrm>
+          <a:prstGeom prst="rect">
+            <a:avLst/>
+          </a:prstGeom>
+          <a:ln/>
+        </p:spPr>
+        <p:style>
+          <a:lnRef idx="2">
+            <a:schemeClr val="accent6">
+              <a:shade val="50000"/>
+            </a:schemeClr>
+          </a:lnRef>
+          <a:fillRef idx="1">
+            <a:schemeClr val="accent6"/>
+          </a:fillRef>
+          <a:effectRef idx="0">
+            <a:schemeClr val="accent6"/>
+          </a:effectRef>
+          <a:fontRef idx="minor">
+            <a:schemeClr val="lt1"/>
+          </a:fontRef>
+        </p:style>
+        <p:txBody>
+          <a:bodyPr rtlCol="0" anchor="ctr"/>
+          <a:lstStyle/>
+          <a:p>
+            <a:pPr algn="ctr"/>
+            <a:endParaRPr lang="zh-CN" altLang="en-US"/>
+          </a:p>
+        </p:txBody>
+      </p:sp>
+      <p:sp>
+        <p:nvSpPr>
+          <p:cNvPr id="81" name="矩形 80"/>
+          <p:cNvSpPr/>
+          <p:nvPr/>
+        </p:nvSpPr>
+        <p:spPr>
+          <a:xfrm>
+            <a:off x="4246536" y="3073609"/>
+            <a:ext cx="914400" cy="325464"/>
+          </a:xfrm>
+          <a:prstGeom prst="rect">
+            <a:avLst/>
+          </a:prstGeom>
+          <a:ln/>
+        </p:spPr>
+        <p:style>
+          <a:lnRef idx="2">
+            <a:schemeClr val="accent6">
+              <a:shade val="50000"/>
+            </a:schemeClr>
+          </a:lnRef>
+          <a:fillRef idx="1">
+            <a:schemeClr val="accent6"/>
+          </a:fillRef>
+          <a:effectRef idx="0">
+            <a:schemeClr val="accent6"/>
+          </a:effectRef>
+          <a:fontRef idx="minor">
+            <a:schemeClr val="lt1"/>
+          </a:fontRef>
+        </p:style>
+        <p:txBody>
+          <a:bodyPr rtlCol="0" anchor="ctr"/>
+          <a:lstStyle/>
+          <a:p>
+            <a:pPr algn="ctr"/>
+            <a:endParaRPr lang="zh-CN" altLang="en-US"/>
+          </a:p>
+        </p:txBody>
+      </p:sp>
+      <p:sp>
+        <p:nvSpPr>
+          <p:cNvPr id="82" name="矩形 81"/>
+          <p:cNvSpPr/>
+          <p:nvPr/>
+        </p:nvSpPr>
+        <p:spPr>
+          <a:xfrm>
+            <a:off x="5160936" y="3073609"/>
+            <a:ext cx="914400" cy="325464"/>
+          </a:xfrm>
+          <a:prstGeom prst="rect">
+            <a:avLst/>
+          </a:prstGeom>
+          <a:ln/>
+        </p:spPr>
+        <p:style>
+          <a:lnRef idx="2">
+            <a:schemeClr val="accent6">
+              <a:shade val="50000"/>
+            </a:schemeClr>
+          </a:lnRef>
+          <a:fillRef idx="1">
+            <a:schemeClr val="accent6"/>
+          </a:fillRef>
+          <a:effectRef idx="0">
+            <a:schemeClr val="accent6"/>
+          </a:effectRef>
+          <a:fontRef idx="minor">
+            <a:schemeClr val="lt1"/>
+          </a:fontRef>
+        </p:style>
+        <p:txBody>
+          <a:bodyPr rtlCol="0" anchor="ctr"/>
+          <a:lstStyle/>
+          <a:p>
+            <a:pPr algn="ctr"/>
+            <a:endParaRPr lang="zh-CN" altLang="en-US"/>
+          </a:p>
+        </p:txBody>
+      </p:sp>
+      <p:sp>
+        <p:nvSpPr>
+          <p:cNvPr id="83" name="矩形 82"/>
+          <p:cNvSpPr/>
+          <p:nvPr/>
+        </p:nvSpPr>
+        <p:spPr>
+          <a:xfrm>
+            <a:off x="6075336" y="3073609"/>
+            <a:ext cx="914400" cy="325464"/>
+          </a:xfrm>
+          <a:prstGeom prst="rect">
+            <a:avLst/>
+          </a:prstGeom>
+          <a:ln/>
+        </p:spPr>
+        <p:style>
+          <a:lnRef idx="2">
+            <a:schemeClr val="accent6">
+              <a:shade val="50000"/>
+            </a:schemeClr>
+          </a:lnRef>
+          <a:fillRef idx="1">
+            <a:schemeClr val="accent6"/>
+          </a:fillRef>
+          <a:effectRef idx="0">
+            <a:schemeClr val="accent6"/>
+          </a:effectRef>
+          <a:fontRef idx="minor">
+            <a:schemeClr val="lt1"/>
+          </a:fontRef>
+        </p:style>
+        <p:txBody>
+          <a:bodyPr rtlCol="0" anchor="ctr"/>
+          <a:lstStyle/>
+          <a:p>
+            <a:pPr algn="ctr"/>
+            <a:endParaRPr lang="zh-CN" altLang="en-US"/>
+          </a:p>
+        </p:txBody>
+      </p:sp>
+      <p:sp>
+        <p:nvSpPr>
+          <p:cNvPr id="84" name="矩形 83"/>
+          <p:cNvSpPr/>
+          <p:nvPr/>
+        </p:nvSpPr>
+        <p:spPr>
+          <a:xfrm>
+            <a:off x="6989736" y="3073609"/>
+            <a:ext cx="914400" cy="325464"/>
+          </a:xfrm>
+          <a:prstGeom prst="rect">
+            <a:avLst/>
+          </a:prstGeom>
+          <a:ln/>
+        </p:spPr>
+        <p:style>
+          <a:lnRef idx="2">
+            <a:schemeClr val="accent6">
+              <a:shade val="50000"/>
+            </a:schemeClr>
+          </a:lnRef>
+          <a:fillRef idx="1">
+            <a:schemeClr val="accent6"/>
+          </a:fillRef>
+          <a:effectRef idx="0">
+            <a:schemeClr val="accent6"/>
+          </a:effectRef>
+          <a:fontRef idx="minor">
+            <a:schemeClr val="lt1"/>
+          </a:fontRef>
+        </p:style>
+        <p:txBody>
+          <a:bodyPr rtlCol="0" anchor="ctr"/>
+          <a:lstStyle/>
+          <a:p>
+            <a:pPr algn="ctr"/>
+            <a:endParaRPr lang="zh-CN" altLang="en-US"/>
+          </a:p>
+        </p:txBody>
+      </p:sp>
+      <p:sp>
+        <p:nvSpPr>
+          <p:cNvPr id="85" name="矩形 84"/>
+          <p:cNvSpPr/>
+          <p:nvPr/>
+        </p:nvSpPr>
+        <p:spPr>
+          <a:xfrm>
+            <a:off x="7902383" y="3073609"/>
+            <a:ext cx="914400" cy="325464"/>
+          </a:xfrm>
+          <a:prstGeom prst="rect">
+            <a:avLst/>
+          </a:prstGeom>
+          <a:solidFill>
+            <a:schemeClr val="bg1"/>
+          </a:solidFill>
+          <a:ln>
+            <a:solidFill>
+              <a:schemeClr val="tx1"/>
+            </a:solidFill>
+          </a:ln>
+        </p:spPr>
+        <p:style>
+          <a:lnRef idx="2">
+            <a:schemeClr val="accent6">
+              <a:shade val="50000"/>
+            </a:schemeClr>
+          </a:lnRef>
+          <a:fillRef idx="1">
+            <a:schemeClr val="accent6"/>
+          </a:fillRef>
+          <a:effectRef idx="0">
+            <a:schemeClr val="accent6"/>
+          </a:effectRef>
+          <a:fontRef idx="minor">
+            <a:schemeClr val="lt1"/>
+          </a:fontRef>
+        </p:style>
+        <p:txBody>
+          <a:bodyPr rtlCol="0" anchor="ctr"/>
+          <a:lstStyle/>
+          <a:p>
+            <a:pPr algn="ctr"/>
+            <a:endParaRPr lang="zh-CN" altLang="en-US"/>
+          </a:p>
+        </p:txBody>
+      </p:sp>
+      <p:sp>
+        <p:nvSpPr>
+          <p:cNvPr id="86" name="矩形 85"/>
+          <p:cNvSpPr/>
+          <p:nvPr/>
+        </p:nvSpPr>
+        <p:spPr>
+          <a:xfrm>
+            <a:off x="1503336" y="3399073"/>
+            <a:ext cx="914400" cy="325464"/>
+          </a:xfrm>
+          <a:prstGeom prst="rect">
+            <a:avLst/>
+          </a:prstGeom>
+          <a:solidFill>
+            <a:schemeClr val="bg1"/>
+          </a:solidFill>
+          <a:ln>
+            <a:solidFill>
+              <a:schemeClr val="tx1"/>
+            </a:solidFill>
+          </a:ln>
+        </p:spPr>
+        <p:style>
+          <a:lnRef idx="2">
+            <a:schemeClr val="accent1">
+              <a:shade val="50000"/>
+            </a:schemeClr>
+          </a:lnRef>
+          <a:fillRef idx="1">
+            <a:schemeClr val="accent1"/>
+          </a:fillRef>
+          <a:effectRef idx="0">
+            <a:schemeClr val="accent1"/>
+          </a:effectRef>
+          <a:fontRef idx="minor">
+            <a:schemeClr val="lt1"/>
+          </a:fontRef>
+        </p:style>
+        <p:txBody>
+          <a:bodyPr rtlCol="0" anchor="ctr"/>
+          <a:lstStyle/>
+          <a:p>
+            <a:pPr algn="ctr"/>
+            <a:endParaRPr lang="zh-CN" altLang="en-US"/>
+          </a:p>
+        </p:txBody>
+      </p:sp>
+      <p:sp>
+        <p:nvSpPr>
+          <p:cNvPr id="87" name="矩形 86"/>
+          <p:cNvSpPr/>
+          <p:nvPr/>
+        </p:nvSpPr>
+        <p:spPr>
+          <a:xfrm>
+            <a:off x="2417736" y="3399073"/>
+            <a:ext cx="914400" cy="325464"/>
+          </a:xfrm>
+          <a:prstGeom prst="rect">
+            <a:avLst/>
+          </a:prstGeom>
+          <a:ln/>
+        </p:spPr>
+        <p:style>
+          <a:lnRef idx="2">
+            <a:schemeClr val="dk1"/>
+          </a:lnRef>
+          <a:fillRef idx="1">
+            <a:schemeClr val="lt1"/>
+          </a:fillRef>
+          <a:effectRef idx="0">
+            <a:schemeClr val="dk1"/>
+          </a:effectRef>
+          <a:fontRef idx="minor">
+            <a:schemeClr val="dk1"/>
+          </a:fontRef>
+        </p:style>
+        <p:txBody>
+          <a:bodyPr rtlCol="0" anchor="ctr"/>
+          <a:lstStyle/>
+          <a:p>
+            <a:pPr algn="ctr"/>
+            <a:endParaRPr lang="zh-CN" altLang="en-US"/>
+          </a:p>
+        </p:txBody>
+      </p:sp>
+      <p:sp>
+        <p:nvSpPr>
+          <p:cNvPr id="88" name="矩形 87"/>
+          <p:cNvSpPr/>
+          <p:nvPr/>
+        </p:nvSpPr>
+        <p:spPr>
+          <a:xfrm>
+            <a:off x="3332136" y="3389548"/>
+            <a:ext cx="914400" cy="325464"/>
+          </a:xfrm>
+          <a:prstGeom prst="rect">
+            <a:avLst/>
+          </a:prstGeom>
+          <a:ln/>
+        </p:spPr>
+        <p:style>
+          <a:lnRef idx="2">
+            <a:schemeClr val="dk1"/>
+          </a:lnRef>
+          <a:fillRef idx="1">
+            <a:schemeClr val="lt1"/>
+          </a:fillRef>
+          <a:effectRef idx="0">
+            <a:schemeClr val="dk1"/>
+          </a:effectRef>
+          <a:fontRef idx="minor">
+            <a:schemeClr val="dk1"/>
+          </a:fontRef>
+        </p:style>
+        <p:txBody>
+          <a:bodyPr rtlCol="0" anchor="ctr"/>
+          <a:lstStyle/>
+          <a:p>
+            <a:pPr algn="ctr"/>
+            <a:endParaRPr lang="zh-CN" altLang="en-US"/>
+          </a:p>
+        </p:txBody>
+      </p:sp>
+      <p:sp>
+        <p:nvSpPr>
+          <p:cNvPr id="89" name="矩形 88"/>
+          <p:cNvSpPr/>
+          <p:nvPr/>
+        </p:nvSpPr>
+        <p:spPr>
+          <a:xfrm>
+            <a:off x="4246536" y="3399073"/>
+            <a:ext cx="914400" cy="325464"/>
+          </a:xfrm>
+          <a:prstGeom prst="rect">
+            <a:avLst/>
+          </a:prstGeom>
+          <a:ln/>
+        </p:spPr>
+        <p:style>
+          <a:lnRef idx="2">
+            <a:schemeClr val="dk1"/>
+          </a:lnRef>
+          <a:fillRef idx="1">
+            <a:schemeClr val="lt1"/>
+          </a:fillRef>
+          <a:effectRef idx="0">
+            <a:schemeClr val="dk1"/>
+          </a:effectRef>
+          <a:fontRef idx="minor">
+            <a:schemeClr val="dk1"/>
+          </a:fontRef>
+        </p:style>
+        <p:txBody>
+          <a:bodyPr rtlCol="0" anchor="ctr"/>
+          <a:lstStyle/>
+          <a:p>
+            <a:pPr algn="ctr"/>
+            <a:endParaRPr lang="zh-CN" altLang="en-US"/>
+          </a:p>
+        </p:txBody>
+      </p:sp>
+      <p:sp>
+        <p:nvSpPr>
+          <p:cNvPr id="90" name="矩形 89"/>
+          <p:cNvSpPr/>
+          <p:nvPr/>
+        </p:nvSpPr>
+        <p:spPr>
+          <a:xfrm>
+            <a:off x="5160936" y="3399073"/>
+            <a:ext cx="914400" cy="325464"/>
+          </a:xfrm>
+          <a:prstGeom prst="rect">
+            <a:avLst/>
+          </a:prstGeom>
+          <a:solidFill>
+            <a:schemeClr val="bg1"/>
+          </a:solidFill>
+          <a:ln>
+            <a:solidFill>
+              <a:schemeClr val="tx1"/>
+            </a:solidFill>
+          </a:ln>
+        </p:spPr>
+        <p:style>
+          <a:lnRef idx="2">
+            <a:schemeClr val="accent1">
+              <a:shade val="50000"/>
+            </a:schemeClr>
+          </a:lnRef>
+          <a:fillRef idx="1">
+            <a:schemeClr val="accent1"/>
+          </a:fillRef>
+          <a:effectRef idx="0">
+            <a:schemeClr val="accent1"/>
+          </a:effectRef>
+          <a:fontRef idx="minor">
+            <a:schemeClr val="lt1"/>
+          </a:fontRef>
+        </p:style>
+        <p:txBody>
+          <a:bodyPr rtlCol="0" anchor="ctr"/>
+          <a:lstStyle/>
+          <a:p>
+            <a:pPr algn="ctr"/>
+            <a:endParaRPr lang="zh-CN" altLang="en-US"/>
+          </a:p>
+        </p:txBody>
+      </p:sp>
+      <p:sp>
+        <p:nvSpPr>
+          <p:cNvPr id="91" name="矩形 90"/>
+          <p:cNvSpPr/>
+          <p:nvPr/>
+        </p:nvSpPr>
+        <p:spPr>
+          <a:xfrm>
+            <a:off x="6075336" y="3399073"/>
+            <a:ext cx="914400" cy="325464"/>
+          </a:xfrm>
+          <a:prstGeom prst="rect">
+            <a:avLst/>
+          </a:prstGeom>
+          <a:ln/>
+        </p:spPr>
+        <p:style>
+          <a:lnRef idx="2">
+            <a:schemeClr val="dk1"/>
+          </a:lnRef>
+          <a:fillRef idx="1">
+            <a:schemeClr val="lt1"/>
+          </a:fillRef>
+          <a:effectRef idx="0">
+            <a:schemeClr val="dk1"/>
+          </a:effectRef>
+          <a:fontRef idx="minor">
+            <a:schemeClr val="dk1"/>
+          </a:fontRef>
+        </p:style>
+        <p:txBody>
+          <a:bodyPr rtlCol="0" anchor="ctr"/>
+          <a:lstStyle/>
+          <a:p>
+            <a:pPr algn="ctr"/>
+            <a:endParaRPr lang="zh-CN" altLang="en-US"/>
+          </a:p>
+        </p:txBody>
+      </p:sp>
+      <p:sp>
+        <p:nvSpPr>
+          <p:cNvPr id="92" name="矩形 91"/>
+          <p:cNvSpPr/>
+          <p:nvPr/>
+        </p:nvSpPr>
+        <p:spPr>
+          <a:xfrm>
+            <a:off x="6989736" y="3399073"/>
+            <a:ext cx="914400" cy="325464"/>
+          </a:xfrm>
+          <a:prstGeom prst="rect">
+            <a:avLst/>
+          </a:prstGeom>
+          <a:solidFill>
+            <a:schemeClr val="bg1"/>
+          </a:solidFill>
+          <a:ln>
+            <a:solidFill>
+              <a:schemeClr val="tx1"/>
+            </a:solidFill>
+          </a:ln>
+        </p:spPr>
+        <p:style>
+          <a:lnRef idx="2">
+            <a:schemeClr val="accent2">
+              <a:shade val="50000"/>
+            </a:schemeClr>
+          </a:lnRef>
+          <a:fillRef idx="1">
+            <a:schemeClr val="accent2"/>
+          </a:fillRef>
+          <a:effectRef idx="0">
+            <a:schemeClr val="accent2"/>
+          </a:effectRef>
+          <a:fontRef idx="minor">
+            <a:schemeClr val="lt1"/>
+          </a:fontRef>
+        </p:style>
+        <p:txBody>
+          <a:bodyPr rtlCol="0" anchor="ctr"/>
+          <a:lstStyle/>
+          <a:p>
+            <a:pPr algn="ctr"/>
+            <a:endParaRPr lang="zh-CN" altLang="en-US"/>
+          </a:p>
+        </p:txBody>
+      </p:sp>
+      <p:sp>
+        <p:nvSpPr>
+          <p:cNvPr id="93" name="矩形 92"/>
+          <p:cNvSpPr/>
+          <p:nvPr/>
+        </p:nvSpPr>
+        <p:spPr>
+          <a:xfrm>
+            <a:off x="7902383" y="3399073"/>
+            <a:ext cx="914400" cy="325464"/>
+          </a:xfrm>
+          <a:prstGeom prst="rect">
+            <a:avLst/>
+          </a:prstGeom>
+          <a:ln/>
+        </p:spPr>
+        <p:style>
+          <a:lnRef idx="2">
+            <a:schemeClr val="dk1"/>
+          </a:lnRef>
+          <a:fillRef idx="1">
+            <a:schemeClr val="lt1"/>
+          </a:fillRef>
+          <a:effectRef idx="0">
+            <a:schemeClr val="dk1"/>
+          </a:effectRef>
+          <a:fontRef idx="minor">
+            <a:schemeClr val="dk1"/>
+          </a:fontRef>
+        </p:style>
+        <p:txBody>
+          <a:bodyPr rtlCol="0" anchor="ctr"/>
+          <a:lstStyle/>
+          <a:p>
+            <a:pPr algn="ctr"/>
+            <a:endParaRPr lang="zh-CN" altLang="en-US"/>
+          </a:p>
+        </p:txBody>
+      </p:sp>
+      <p:sp>
+        <p:nvSpPr>
+          <p:cNvPr id="94" name="矩形 93"/>
+          <p:cNvSpPr/>
+          <p:nvPr/>
+        </p:nvSpPr>
+        <p:spPr>
+          <a:xfrm>
+            <a:off x="1503336" y="3709039"/>
+            <a:ext cx="914400" cy="325464"/>
+          </a:xfrm>
+          <a:prstGeom prst="rect">
+            <a:avLst/>
+          </a:prstGeom>
+          <a:solidFill>
+            <a:schemeClr val="bg1"/>
+          </a:solidFill>
+          <a:ln>
+            <a:solidFill>
+              <a:schemeClr val="tx1"/>
+            </a:solidFill>
+          </a:ln>
+        </p:spPr>
+        <p:style>
+          <a:lnRef idx="2">
+            <a:schemeClr val="accent1">
+              <a:shade val="50000"/>
+            </a:schemeClr>
+          </a:lnRef>
+          <a:fillRef idx="1">
+            <a:schemeClr val="accent1"/>
+          </a:fillRef>
+          <a:effectRef idx="0">
+            <a:schemeClr val="accent1"/>
+          </a:effectRef>
+          <a:fontRef idx="minor">
+            <a:schemeClr val="lt1"/>
+          </a:fontRef>
+        </p:style>
+        <p:txBody>
+          <a:bodyPr rtlCol="0" anchor="ctr"/>
+          <a:lstStyle/>
+          <a:p>
+            <a:pPr algn="ctr"/>
+            <a:endParaRPr lang="zh-CN" altLang="en-US"/>
+          </a:p>
+        </p:txBody>
+      </p:sp>
+      <p:sp>
+        <p:nvSpPr>
+          <p:cNvPr id="95" name="矩形 94"/>
+          <p:cNvSpPr/>
+          <p:nvPr/>
+        </p:nvSpPr>
+        <p:spPr>
+          <a:xfrm>
+            <a:off x="2417736" y="3709039"/>
+            <a:ext cx="914400" cy="325464"/>
+          </a:xfrm>
+          <a:prstGeom prst="rect">
+            <a:avLst/>
+          </a:prstGeom>
+          <a:ln/>
+        </p:spPr>
+        <p:style>
+          <a:lnRef idx="2">
+            <a:schemeClr val="dk1"/>
+          </a:lnRef>
+          <a:fillRef idx="1">
+            <a:schemeClr val="lt1"/>
+          </a:fillRef>
+          <a:effectRef idx="0">
+            <a:schemeClr val="dk1"/>
+          </a:effectRef>
+          <a:fontRef idx="minor">
+            <a:schemeClr val="dk1"/>
+          </a:fontRef>
+        </p:style>
+        <p:txBody>
+          <a:bodyPr rtlCol="0" anchor="ctr"/>
+          <a:lstStyle/>
+          <a:p>
+            <a:pPr algn="ctr"/>
+            <a:endParaRPr lang="zh-CN" altLang="en-US"/>
+          </a:p>
+        </p:txBody>
+      </p:sp>
+      <p:sp>
+        <p:nvSpPr>
+          <p:cNvPr id="96" name="矩形 95"/>
+          <p:cNvSpPr/>
+          <p:nvPr/>
+        </p:nvSpPr>
+        <p:spPr>
+          <a:xfrm>
+            <a:off x="4246536" y="3709039"/>
+            <a:ext cx="914400" cy="325464"/>
+          </a:xfrm>
+          <a:prstGeom prst="rect">
+            <a:avLst/>
+          </a:prstGeom>
+          <a:solidFill>
+            <a:schemeClr val="bg1"/>
+          </a:solidFill>
+          <a:ln>
+            <a:solidFill>
+              <a:schemeClr val="tx1"/>
+            </a:solidFill>
+          </a:ln>
+        </p:spPr>
+        <p:style>
+          <a:lnRef idx="2">
+            <a:schemeClr val="accent1">
+              <a:shade val="50000"/>
+            </a:schemeClr>
+          </a:lnRef>
+          <a:fillRef idx="1">
+            <a:schemeClr val="accent1"/>
+          </a:fillRef>
+          <a:effectRef idx="0">
+            <a:schemeClr val="accent1"/>
+          </a:effectRef>
+          <a:fontRef idx="minor">
+            <a:schemeClr val="lt1"/>
+          </a:fontRef>
+        </p:style>
+        <p:txBody>
+          <a:bodyPr rtlCol="0" anchor="ctr"/>
+          <a:lstStyle/>
+          <a:p>
+            <a:pPr algn="ctr"/>
+            <a:endParaRPr lang="zh-CN" altLang="en-US"/>
+          </a:p>
+        </p:txBody>
+      </p:sp>
+      <p:sp>
+        <p:nvSpPr>
+          <p:cNvPr id="97" name="矩形 96"/>
+          <p:cNvSpPr/>
+          <p:nvPr/>
+        </p:nvSpPr>
+        <p:spPr>
+          <a:xfrm>
+            <a:off x="5160936" y="3709039"/>
+            <a:ext cx="914400" cy="325464"/>
+          </a:xfrm>
+          <a:prstGeom prst="rect">
+            <a:avLst/>
+          </a:prstGeom>
+          <a:solidFill>
+            <a:schemeClr val="bg1"/>
+          </a:solidFill>
+          <a:ln>
+            <a:solidFill>
+              <a:schemeClr val="tx1"/>
+            </a:solidFill>
+          </a:ln>
+        </p:spPr>
+        <p:style>
+          <a:lnRef idx="2">
+            <a:schemeClr val="accent2">
+              <a:shade val="50000"/>
+            </a:schemeClr>
+          </a:lnRef>
+          <a:fillRef idx="1">
+            <a:schemeClr val="accent2"/>
+          </a:fillRef>
+          <a:effectRef idx="0">
+            <a:schemeClr val="accent2"/>
+          </a:effectRef>
+          <a:fontRef idx="minor">
+            <a:schemeClr val="lt1"/>
+          </a:fontRef>
+        </p:style>
+        <p:txBody>
+          <a:bodyPr rtlCol="0" anchor="ctr"/>
+          <a:lstStyle/>
+          <a:p>
+            <a:pPr algn="ctr"/>
+            <a:endParaRPr lang="zh-CN" altLang="en-US"/>
+          </a:p>
+        </p:txBody>
+      </p:sp>
+      <p:sp>
+        <p:nvSpPr>
+          <p:cNvPr id="98" name="矩形 97"/>
+          <p:cNvSpPr/>
+          <p:nvPr/>
+        </p:nvSpPr>
+        <p:spPr>
+          <a:xfrm>
+            <a:off x="6075336" y="3709039"/>
+            <a:ext cx="914400" cy="325464"/>
+          </a:xfrm>
+          <a:prstGeom prst="rect">
+            <a:avLst/>
+          </a:prstGeom>
+          <a:ln/>
+        </p:spPr>
+        <p:style>
+          <a:lnRef idx="2">
+            <a:schemeClr val="dk1"/>
+          </a:lnRef>
+          <a:fillRef idx="1">
+            <a:schemeClr val="lt1"/>
+          </a:fillRef>
+          <a:effectRef idx="0">
+            <a:schemeClr val="dk1"/>
+          </a:effectRef>
+          <a:fontRef idx="minor">
+            <a:schemeClr val="dk1"/>
+          </a:fontRef>
+        </p:style>
+        <p:txBody>
+          <a:bodyPr rtlCol="0" anchor="ctr"/>
+          <a:lstStyle/>
+          <a:p>
+            <a:pPr algn="ctr"/>
+            <a:endParaRPr lang="zh-CN" altLang="en-US"/>
+          </a:p>
+        </p:txBody>
+      </p:sp>
+      <p:sp>
+        <p:nvSpPr>
+          <p:cNvPr id="99" name="矩形 98"/>
+          <p:cNvSpPr/>
+          <p:nvPr/>
+        </p:nvSpPr>
+        <p:spPr>
+          <a:xfrm>
+            <a:off x="6989736" y="3709039"/>
+            <a:ext cx="914400" cy="325464"/>
+          </a:xfrm>
+          <a:prstGeom prst="rect">
+            <a:avLst/>
+          </a:prstGeom>
+          <a:ln/>
+        </p:spPr>
+        <p:style>
+          <a:lnRef idx="2">
+            <a:schemeClr val="dk1"/>
+          </a:lnRef>
+          <a:fillRef idx="1">
+            <a:schemeClr val="lt1"/>
+          </a:fillRef>
+          <a:effectRef idx="0">
+            <a:schemeClr val="dk1"/>
+          </a:effectRef>
+          <a:fontRef idx="minor">
+            <a:schemeClr val="dk1"/>
+          </a:fontRef>
+        </p:style>
+        <p:txBody>
+          <a:bodyPr rtlCol="0" anchor="ctr"/>
+          <a:lstStyle/>
+          <a:p>
+            <a:pPr algn="ctr"/>
+            <a:endParaRPr lang="zh-CN" altLang="en-US"/>
+          </a:p>
+        </p:txBody>
+      </p:sp>
+      <p:sp>
+        <p:nvSpPr>
+          <p:cNvPr id="100" name="矩形 99"/>
+          <p:cNvSpPr/>
+          <p:nvPr/>
+        </p:nvSpPr>
+        <p:spPr>
+          <a:xfrm>
+            <a:off x="7902383" y="3709039"/>
+            <a:ext cx="914400" cy="325464"/>
+          </a:xfrm>
+          <a:prstGeom prst="rect">
+            <a:avLst/>
+          </a:prstGeom>
+          <a:solidFill>
+            <a:schemeClr val="bg1"/>
+          </a:solidFill>
+          <a:ln>
+            <a:solidFill>
+              <a:schemeClr val="tx1"/>
+            </a:solidFill>
+          </a:ln>
+        </p:spPr>
+        <p:style>
+          <a:lnRef idx="2">
+            <a:schemeClr val="accent6">
+              <a:shade val="50000"/>
+            </a:schemeClr>
+          </a:lnRef>
+          <a:fillRef idx="1">
+            <a:schemeClr val="accent6"/>
+          </a:fillRef>
+          <a:effectRef idx="0">
+            <a:schemeClr val="accent6"/>
+          </a:effectRef>
+          <a:fontRef idx="minor">
+            <a:schemeClr val="lt1"/>
+          </a:fontRef>
+        </p:style>
+        <p:txBody>
+          <a:bodyPr rtlCol="0" anchor="ctr"/>
+          <a:lstStyle/>
+          <a:p>
+            <a:pPr algn="ctr"/>
+            <a:endParaRPr lang="zh-CN" altLang="en-US"/>
+          </a:p>
+        </p:txBody>
+      </p:sp>
+      <p:sp>
+        <p:nvSpPr>
+          <p:cNvPr id="101" name="矩形 100"/>
+          <p:cNvSpPr/>
+          <p:nvPr/>
+        </p:nvSpPr>
+        <p:spPr>
+          <a:xfrm>
+            <a:off x="1500464" y="4016715"/>
+            <a:ext cx="914400" cy="325464"/>
+          </a:xfrm>
+          <a:prstGeom prst="rect">
+            <a:avLst/>
+          </a:prstGeom>
+          <a:solidFill>
+            <a:schemeClr val="bg1"/>
+          </a:solidFill>
+          <a:ln>
+            <a:solidFill>
+              <a:schemeClr val="tx1"/>
+            </a:solidFill>
+          </a:ln>
+        </p:spPr>
+        <p:style>
+          <a:lnRef idx="2">
+            <a:schemeClr val="accent1">
+              <a:shade val="50000"/>
+            </a:schemeClr>
+          </a:lnRef>
+          <a:fillRef idx="1">
+            <a:schemeClr val="accent1"/>
+          </a:fillRef>
+          <a:effectRef idx="0">
+            <a:schemeClr val="accent1"/>
+          </a:effectRef>
+          <a:fontRef idx="minor">
+            <a:schemeClr val="lt1"/>
+          </a:fontRef>
+        </p:style>
+        <p:txBody>
+          <a:bodyPr rtlCol="0" anchor="ctr"/>
+          <a:lstStyle/>
+          <a:p>
+            <a:pPr algn="ctr"/>
+            <a:endParaRPr lang="zh-CN" altLang="en-US"/>
+          </a:p>
+        </p:txBody>
+      </p:sp>
+      <p:sp>
+        <p:nvSpPr>
+          <p:cNvPr id="102" name="矩形 101"/>
+          <p:cNvSpPr/>
+          <p:nvPr/>
+        </p:nvSpPr>
+        <p:spPr>
+          <a:xfrm>
+            <a:off x="2414864" y="4016715"/>
+            <a:ext cx="914400" cy="325464"/>
+          </a:xfrm>
+          <a:prstGeom prst="rect">
+            <a:avLst/>
+          </a:prstGeom>
+          <a:ln/>
+        </p:spPr>
+        <p:style>
+          <a:lnRef idx="2">
+            <a:schemeClr val="dk1"/>
+          </a:lnRef>
+          <a:fillRef idx="1">
+            <a:schemeClr val="lt1"/>
+          </a:fillRef>
+          <a:effectRef idx="0">
+            <a:schemeClr val="dk1"/>
+          </a:effectRef>
+          <a:fontRef idx="minor">
+            <a:schemeClr val="dk1"/>
+          </a:fontRef>
+        </p:style>
+        <p:txBody>
+          <a:bodyPr rtlCol="0" anchor="ctr"/>
+          <a:lstStyle/>
+          <a:p>
+            <a:pPr algn="ctr"/>
+            <a:endParaRPr lang="zh-CN" altLang="en-US"/>
+          </a:p>
+        </p:txBody>
+      </p:sp>
+      <p:sp>
+        <p:nvSpPr>
+          <p:cNvPr id="103" name="矩形 102"/>
+          <p:cNvSpPr/>
+          <p:nvPr/>
+        </p:nvSpPr>
+        <p:spPr>
+          <a:xfrm>
+            <a:off x="3329264" y="4016715"/>
+            <a:ext cx="914400" cy="325464"/>
+          </a:xfrm>
+          <a:prstGeom prst="rect">
+            <a:avLst/>
+          </a:prstGeom>
+          <a:ln/>
+        </p:spPr>
+        <p:style>
+          <a:lnRef idx="2">
+            <a:schemeClr val="dk1"/>
+          </a:lnRef>
+          <a:fillRef idx="1">
+            <a:schemeClr val="lt1"/>
+          </a:fillRef>
+          <a:effectRef idx="0">
+            <a:schemeClr val="dk1"/>
+          </a:effectRef>
+          <a:fontRef idx="minor">
+            <a:schemeClr val="dk1"/>
+          </a:fontRef>
+        </p:style>
+        <p:txBody>
+          <a:bodyPr rtlCol="0" anchor="ctr"/>
+          <a:lstStyle/>
+          <a:p>
+            <a:pPr algn="ctr"/>
+            <a:endParaRPr lang="zh-CN" altLang="en-US"/>
+          </a:p>
+        </p:txBody>
+      </p:sp>
+      <p:sp>
+        <p:nvSpPr>
+          <p:cNvPr id="104" name="矩形 103"/>
+          <p:cNvSpPr/>
+          <p:nvPr/>
+        </p:nvSpPr>
+        <p:spPr>
+          <a:xfrm>
+            <a:off x="4243664" y="4016084"/>
+            <a:ext cx="914400" cy="325464"/>
+          </a:xfrm>
+          <a:prstGeom prst="rect">
+            <a:avLst/>
+          </a:prstGeom>
+          <a:solidFill>
+            <a:schemeClr val="bg1"/>
+          </a:solidFill>
+          <a:ln>
+            <a:solidFill>
+              <a:schemeClr val="tx1"/>
+            </a:solidFill>
+          </a:ln>
+        </p:spPr>
+        <p:style>
+          <a:lnRef idx="2">
+            <a:schemeClr val="accent1">
+              <a:shade val="50000"/>
+            </a:schemeClr>
+          </a:lnRef>
+          <a:fillRef idx="1">
+            <a:schemeClr val="accent1"/>
+          </a:fillRef>
+          <a:effectRef idx="0">
+            <a:schemeClr val="accent1"/>
+          </a:effectRef>
+          <a:fontRef idx="minor">
+            <a:schemeClr val="lt1"/>
+          </a:fontRef>
+        </p:style>
+        <p:txBody>
+          <a:bodyPr rtlCol="0" anchor="ctr"/>
+          <a:lstStyle/>
+          <a:p>
+            <a:pPr algn="ctr"/>
+            <a:endParaRPr lang="zh-CN" altLang="en-US"/>
+          </a:p>
+        </p:txBody>
+      </p:sp>
+      <p:sp>
+        <p:nvSpPr>
+          <p:cNvPr id="105" name="矩形 104"/>
+          <p:cNvSpPr/>
+          <p:nvPr/>
+        </p:nvSpPr>
+        <p:spPr>
+          <a:xfrm>
+            <a:off x="5158064" y="4016715"/>
+            <a:ext cx="914400" cy="325464"/>
+          </a:xfrm>
+          <a:prstGeom prst="rect">
+            <a:avLst/>
+          </a:prstGeom>
+          <a:solidFill>
+            <a:schemeClr val="bg1"/>
+          </a:solidFill>
+          <a:ln>
+            <a:solidFill>
+              <a:schemeClr val="tx1"/>
+            </a:solidFill>
+          </a:ln>
+        </p:spPr>
+        <p:style>
+          <a:lnRef idx="2">
+            <a:schemeClr val="accent2">
+              <a:shade val="50000"/>
+            </a:schemeClr>
+          </a:lnRef>
+          <a:fillRef idx="1">
+            <a:schemeClr val="accent2"/>
+          </a:fillRef>
+          <a:effectRef idx="0">
+            <a:schemeClr val="accent2"/>
+          </a:effectRef>
+          <a:fontRef idx="minor">
+            <a:schemeClr val="lt1"/>
+          </a:fontRef>
+        </p:style>
+        <p:txBody>
+          <a:bodyPr rtlCol="0" anchor="ctr"/>
+          <a:lstStyle/>
+          <a:p>
+            <a:pPr algn="ctr"/>
+            <a:endParaRPr lang="zh-CN" altLang="en-US"/>
+          </a:p>
+        </p:txBody>
+      </p:sp>
+      <p:sp>
+        <p:nvSpPr>
+          <p:cNvPr id="106" name="矩形 105"/>
+          <p:cNvSpPr/>
+          <p:nvPr/>
+        </p:nvSpPr>
+        <p:spPr>
+          <a:xfrm>
+            <a:off x="6072464" y="4016715"/>
+            <a:ext cx="914400" cy="325464"/>
+          </a:xfrm>
+          <a:prstGeom prst="rect">
+            <a:avLst/>
+          </a:prstGeom>
+          <a:solidFill>
+            <a:schemeClr val="bg1"/>
+          </a:solidFill>
+          <a:ln>
+            <a:solidFill>
+              <a:schemeClr val="tx1"/>
+            </a:solidFill>
+          </a:ln>
+        </p:spPr>
+        <p:style>
+          <a:lnRef idx="2">
+            <a:schemeClr val="accent1">
+              <a:shade val="50000"/>
+            </a:schemeClr>
+          </a:lnRef>
+          <a:fillRef idx="1">
+            <a:schemeClr val="accent1"/>
+          </a:fillRef>
+          <a:effectRef idx="0">
+            <a:schemeClr val="accent1"/>
+          </a:effectRef>
+          <a:fontRef idx="minor">
+            <a:schemeClr val="lt1"/>
+          </a:fontRef>
+        </p:style>
+        <p:txBody>
+          <a:bodyPr rtlCol="0" anchor="ctr"/>
+          <a:lstStyle/>
+          <a:p>
+            <a:pPr algn="ctr"/>
+            <a:endParaRPr lang="zh-CN" altLang="en-US"/>
+          </a:p>
+        </p:txBody>
+      </p:sp>
+      <p:sp>
+        <p:nvSpPr>
+          <p:cNvPr id="107" name="矩形 106"/>
+          <p:cNvSpPr/>
+          <p:nvPr/>
+        </p:nvSpPr>
+        <p:spPr>
+          <a:xfrm>
+            <a:off x="6986864" y="4016715"/>
+            <a:ext cx="914400" cy="325464"/>
+          </a:xfrm>
+          <a:prstGeom prst="rect">
+            <a:avLst/>
+          </a:prstGeom>
+          <a:solidFill>
+            <a:schemeClr val="bg1"/>
+          </a:solidFill>
+          <a:ln>
+            <a:solidFill>
+              <a:schemeClr val="tx1"/>
+            </a:solidFill>
+          </a:ln>
+        </p:spPr>
+        <p:style>
+          <a:lnRef idx="2">
+            <a:schemeClr val="accent2">
+              <a:shade val="50000"/>
+            </a:schemeClr>
+          </a:lnRef>
+          <a:fillRef idx="1">
+            <a:schemeClr val="accent2"/>
+          </a:fillRef>
+          <a:effectRef idx="0">
+            <a:schemeClr val="accent2"/>
+          </a:effectRef>
+          <a:fontRef idx="minor">
+            <a:schemeClr val="lt1"/>
+          </a:fontRef>
+        </p:style>
+        <p:txBody>
+          <a:bodyPr rtlCol="0" anchor="ctr"/>
+          <a:lstStyle/>
+          <a:p>
+            <a:pPr algn="ctr"/>
+            <a:endParaRPr lang="zh-CN" altLang="en-US"/>
+          </a:p>
+        </p:txBody>
+      </p:sp>
+      <p:sp>
+        <p:nvSpPr>
+          <p:cNvPr id="108" name="矩形 107"/>
+          <p:cNvSpPr/>
+          <p:nvPr/>
+        </p:nvSpPr>
+        <p:spPr>
+          <a:xfrm>
+            <a:off x="7909036" y="4016715"/>
+            <a:ext cx="914400" cy="325464"/>
+          </a:xfrm>
+          <a:prstGeom prst="rect">
+            <a:avLst/>
+          </a:prstGeom>
+          <a:solidFill>
+            <a:schemeClr val="bg1"/>
+          </a:solidFill>
+          <a:ln>
+            <a:solidFill>
+              <a:schemeClr val="tx1"/>
+            </a:solidFill>
+          </a:ln>
+        </p:spPr>
+        <p:style>
+          <a:lnRef idx="2">
+            <a:schemeClr val="accent1">
+              <a:shade val="50000"/>
+            </a:schemeClr>
+          </a:lnRef>
+          <a:fillRef idx="1">
+            <a:schemeClr val="accent1"/>
+          </a:fillRef>
+          <a:effectRef idx="0">
+            <a:schemeClr val="accent1"/>
+          </a:effectRef>
+          <a:fontRef idx="minor">
+            <a:schemeClr val="lt1"/>
+          </a:fontRef>
+        </p:style>
+        <p:txBody>
+          <a:bodyPr rtlCol="0" anchor="ctr"/>
+          <a:lstStyle/>
+          <a:p>
+            <a:pPr algn="ctr"/>
+            <a:endParaRPr lang="zh-CN" altLang="en-US"/>
+          </a:p>
+        </p:txBody>
+      </p:sp>
+      <p:sp>
+        <p:nvSpPr>
+          <p:cNvPr id="109" name="矩形 108"/>
+          <p:cNvSpPr/>
+          <p:nvPr/>
+        </p:nvSpPr>
+        <p:spPr>
+          <a:xfrm>
+            <a:off x="3332136" y="3707016"/>
+            <a:ext cx="914400" cy="325464"/>
+          </a:xfrm>
+          <a:prstGeom prst="rect">
+            <a:avLst/>
+          </a:prstGeom>
+          <a:solidFill>
+            <a:schemeClr val="bg1"/>
+          </a:solidFill>
+          <a:ln>
+            <a:solidFill>
+              <a:schemeClr val="tx1"/>
+            </a:solidFill>
+          </a:ln>
+        </p:spPr>
+        <p:style>
+          <a:lnRef idx="2">
+            <a:schemeClr val="accent1">
+              <a:shade val="50000"/>
+            </a:schemeClr>
+          </a:lnRef>
+          <a:fillRef idx="1">
+            <a:schemeClr val="accent1"/>
+          </a:fillRef>
+          <a:effectRef idx="0">
+            <a:schemeClr val="accent1"/>
+          </a:effectRef>
+          <a:fontRef idx="minor">
+            <a:schemeClr val="lt1"/>
+          </a:fontRef>
+        </p:style>
+        <p:txBody>
+          <a:bodyPr rtlCol="0" anchor="ctr"/>
+          <a:lstStyle/>
+          <a:p>
+            <a:pPr algn="ctr"/>
+            <a:endParaRPr lang="zh-CN" altLang="en-US"/>
+          </a:p>
+        </p:txBody>
+      </p:sp>
+      <p:sp>
+        <p:nvSpPr>
+          <p:cNvPr id="110" name="矩形 109"/>
+          <p:cNvSpPr/>
+          <p:nvPr/>
+        </p:nvSpPr>
+        <p:spPr>
+          <a:xfrm>
+            <a:off x="1503336" y="3073609"/>
+            <a:ext cx="914400" cy="325464"/>
+          </a:xfrm>
+          <a:prstGeom prst="rect">
+            <a:avLst/>
+          </a:prstGeom>
+          <a:ln/>
+        </p:spPr>
+        <p:style>
+          <a:lnRef idx="2">
+            <a:schemeClr val="accent6">
+              <a:shade val="50000"/>
+            </a:schemeClr>
+          </a:lnRef>
+          <a:fillRef idx="1">
+            <a:schemeClr val="accent6"/>
+          </a:fillRef>
+          <a:effectRef idx="0">
+            <a:schemeClr val="accent6"/>
+          </a:effectRef>
+          <a:fontRef idx="minor">
+            <a:schemeClr val="lt1"/>
+          </a:fontRef>
+        </p:style>
+        <p:txBody>
+          <a:bodyPr rtlCol="0" anchor="ctr"/>
+          <a:lstStyle/>
+          <a:p>
+            <a:pPr algn="ctr"/>
+            <a:endParaRPr lang="zh-CN" altLang="en-US"/>
+          </a:p>
+        </p:txBody>
+      </p:sp>
+    </p:spTree>
+    <p:extLst>
+      <p:ext uri="{BB962C8B-B14F-4D97-AF65-F5344CB8AC3E}">
+        <p14:creationId xmlns:p14="http://schemas.microsoft.com/office/powerpoint/2010/main" val="683365010"/>
+      </p:ext>
+    </p:extLst>
+  </p:cSld>
+  <p:clrMapOvr>
+    <a:masterClrMapping/>
+  </p:clrMapOvr>
+  <p:timing>
+    <p:tnLst>
+      <p:par>
+        <p:cTn id="1" dur="indefinite" restart="never" nodeType="tmRoot"/>
+      </p:par>
+    </p:tnLst>
+  </p:timing>
 </p:sld>
 </file>
 

--- a/绘图/图.pptx
+++ b/绘图/图.pptx
@@ -245,7 +245,7 @@
           <a:p>
             <a:fld id="{3A297114-D4EC-4FC4-90A3-B6E3F0C38B6C}" type="datetimeFigureOut">
               <a:rPr lang="zh-CN" altLang="en-US" smtClean="0"/>
-              <a:t>2019/1/16</a:t>
+              <a:t>2019/1/19</a:t>
             </a:fld>
             <a:endParaRPr lang="zh-CN" altLang="en-US"/>
           </a:p>
@@ -415,7 +415,7 @@
           <a:p>
             <a:fld id="{3A297114-D4EC-4FC4-90A3-B6E3F0C38B6C}" type="datetimeFigureOut">
               <a:rPr lang="zh-CN" altLang="en-US" smtClean="0"/>
-              <a:t>2019/1/16</a:t>
+              <a:t>2019/1/19</a:t>
             </a:fld>
             <a:endParaRPr lang="zh-CN" altLang="en-US"/>
           </a:p>
@@ -595,7 +595,7 @@
           <a:p>
             <a:fld id="{3A297114-D4EC-4FC4-90A3-B6E3F0C38B6C}" type="datetimeFigureOut">
               <a:rPr lang="zh-CN" altLang="en-US" smtClean="0"/>
-              <a:t>2019/1/16</a:t>
+              <a:t>2019/1/19</a:t>
             </a:fld>
             <a:endParaRPr lang="zh-CN" altLang="en-US"/>
           </a:p>
@@ -765,7 +765,7 @@
           <a:p>
             <a:fld id="{3A297114-D4EC-4FC4-90A3-B6E3F0C38B6C}" type="datetimeFigureOut">
               <a:rPr lang="zh-CN" altLang="en-US" smtClean="0"/>
-              <a:t>2019/1/16</a:t>
+              <a:t>2019/1/19</a:t>
             </a:fld>
             <a:endParaRPr lang="zh-CN" altLang="en-US"/>
           </a:p>
@@ -1011,7 +1011,7 @@
           <a:p>
             <a:fld id="{3A297114-D4EC-4FC4-90A3-B6E3F0C38B6C}" type="datetimeFigureOut">
               <a:rPr lang="zh-CN" altLang="en-US" smtClean="0"/>
-              <a:t>2019/1/16</a:t>
+              <a:t>2019/1/19</a:t>
             </a:fld>
             <a:endParaRPr lang="zh-CN" altLang="en-US"/>
           </a:p>
@@ -1243,7 +1243,7 @@
           <a:p>
             <a:fld id="{3A297114-D4EC-4FC4-90A3-B6E3F0C38B6C}" type="datetimeFigureOut">
               <a:rPr lang="zh-CN" altLang="en-US" smtClean="0"/>
-              <a:t>2019/1/16</a:t>
+              <a:t>2019/1/19</a:t>
             </a:fld>
             <a:endParaRPr lang="zh-CN" altLang="en-US"/>
           </a:p>
@@ -1610,7 +1610,7 @@
           <a:p>
             <a:fld id="{3A297114-D4EC-4FC4-90A3-B6E3F0C38B6C}" type="datetimeFigureOut">
               <a:rPr lang="zh-CN" altLang="en-US" smtClean="0"/>
-              <a:t>2019/1/16</a:t>
+              <a:t>2019/1/19</a:t>
             </a:fld>
             <a:endParaRPr lang="zh-CN" altLang="en-US"/>
           </a:p>
@@ -1728,7 +1728,7 @@
           <a:p>
             <a:fld id="{3A297114-D4EC-4FC4-90A3-B6E3F0C38B6C}" type="datetimeFigureOut">
               <a:rPr lang="zh-CN" altLang="en-US" smtClean="0"/>
-              <a:t>2019/1/16</a:t>
+              <a:t>2019/1/19</a:t>
             </a:fld>
             <a:endParaRPr lang="zh-CN" altLang="en-US"/>
           </a:p>
@@ -1823,7 +1823,7 @@
           <a:p>
             <a:fld id="{3A297114-D4EC-4FC4-90A3-B6E3F0C38B6C}" type="datetimeFigureOut">
               <a:rPr lang="zh-CN" altLang="en-US" smtClean="0"/>
-              <a:t>2019/1/16</a:t>
+              <a:t>2019/1/19</a:t>
             </a:fld>
             <a:endParaRPr lang="zh-CN" altLang="en-US"/>
           </a:p>
@@ -2100,7 +2100,7 @@
           <a:p>
             <a:fld id="{3A297114-D4EC-4FC4-90A3-B6E3F0C38B6C}" type="datetimeFigureOut">
               <a:rPr lang="zh-CN" altLang="en-US" smtClean="0"/>
-              <a:t>2019/1/16</a:t>
+              <a:t>2019/1/19</a:t>
             </a:fld>
             <a:endParaRPr lang="zh-CN" altLang="en-US"/>
           </a:p>
@@ -2353,7 +2353,7 @@
           <a:p>
             <a:fld id="{3A297114-D4EC-4FC4-90A3-B6E3F0C38B6C}" type="datetimeFigureOut">
               <a:rPr lang="zh-CN" altLang="en-US" smtClean="0"/>
-              <a:t>2019/1/16</a:t>
+              <a:t>2019/1/19</a:t>
             </a:fld>
             <a:endParaRPr lang="zh-CN" altLang="en-US"/>
           </a:p>
@@ -2566,7 +2566,7 @@
           <a:p>
             <a:fld id="{3A297114-D4EC-4FC4-90A3-B6E3F0C38B6C}" type="datetimeFigureOut">
               <a:rPr lang="zh-CN" altLang="en-US" smtClean="0"/>
-              <a:t>2019/1/16</a:t>
+              <a:t>2019/1/19</a:t>
             </a:fld>
             <a:endParaRPr lang="zh-CN" altLang="en-US"/>
           </a:p>
@@ -3461,46 +3461,40 @@
       </p:sp>
       <p:sp>
         <p:nvSpPr>
-          <p:cNvPr id="11" name="矩形 10"/>
-          <p:cNvSpPr/>
-          <p:nvPr/>
-        </p:nvSpPr>
-        <p:spPr>
-          <a:xfrm>
-            <a:off x="1901952" y="4444492"/>
-            <a:ext cx="1962912" cy="926592"/>
-          </a:xfrm>
-          <a:prstGeom prst="rect">
-            <a:avLst/>
-          </a:prstGeom>
-        </p:spPr>
-        <p:style>
-          <a:lnRef idx="1">
-            <a:schemeClr val="accent6"/>
-          </a:lnRef>
-          <a:fillRef idx="2">
-            <a:schemeClr val="accent6"/>
-          </a:fillRef>
-          <a:effectRef idx="1">
-            <a:schemeClr val="accent6"/>
-          </a:effectRef>
-          <a:fontRef idx="minor">
-            <a:schemeClr val="dk1"/>
-          </a:fontRef>
-        </p:style>
-        <p:txBody>
-          <a:bodyPr rtlCol="0" anchor="ctr"/>
-          <a:lstStyle/>
-          <a:p>
-            <a:pPr algn="ctr"/>
-            <a:r>
-              <a:rPr lang="zh-CN" altLang="en-US" dirty="0" smtClean="0">
-                <a:solidFill>
-                  <a:schemeClr val="tx1"/>
-                </a:solidFill>
-              </a:rPr>
-              <a:t>执行引擎</a:t>
-            </a:r>
+          <p:cNvPr id="21" name="矩形 20"/>
+          <p:cNvSpPr/>
+          <p:nvPr/>
+        </p:nvSpPr>
+        <p:spPr>
+          <a:xfrm>
+            <a:off x="1901952" y="3899527"/>
+            <a:ext cx="634449" cy="288367"/>
+          </a:xfrm>
+          <a:prstGeom prst="rect">
+            <a:avLst/>
+          </a:prstGeom>
+        </p:spPr>
+        <p:style>
+          <a:lnRef idx="2">
+            <a:schemeClr val="accent2">
+              <a:shade val="50000"/>
+            </a:schemeClr>
+          </a:lnRef>
+          <a:fillRef idx="1">
+            <a:schemeClr val="accent2"/>
+          </a:fillRef>
+          <a:effectRef idx="0">
+            <a:schemeClr val="accent2"/>
+          </a:effectRef>
+          <a:fontRef idx="minor">
+            <a:schemeClr val="lt1"/>
+          </a:fontRef>
+        </p:style>
+        <p:txBody>
+          <a:bodyPr rtlCol="0" anchor="ctr"/>
+          <a:lstStyle/>
+          <a:p>
+            <a:pPr algn="ctr"/>
             <a:endParaRPr lang="zh-CN" altLang="en-US" dirty="0">
               <a:solidFill>
                 <a:schemeClr val="tx1"/>
@@ -3511,14 +3505,14 @@
       </p:sp>
       <p:sp>
         <p:nvSpPr>
-          <p:cNvPr id="12" name="矩形 11"/>
-          <p:cNvSpPr/>
-          <p:nvPr/>
-        </p:nvSpPr>
-        <p:spPr>
-          <a:xfrm>
-            <a:off x="5260848" y="4444492"/>
-            <a:ext cx="1962912" cy="926592"/>
+          <p:cNvPr id="22" name="矩形 21"/>
+          <p:cNvSpPr/>
+          <p:nvPr/>
+        </p:nvSpPr>
+        <p:spPr>
+          <a:xfrm>
+            <a:off x="5673190" y="3888861"/>
+            <a:ext cx="634449" cy="288038"/>
           </a:xfrm>
           <a:prstGeom prst="rect">
             <a:avLst/>
@@ -3526,13 +3520,13 @@
         </p:spPr>
         <p:style>
           <a:lnRef idx="1">
-            <a:schemeClr val="accent6"/>
+            <a:schemeClr val="accent4"/>
           </a:lnRef>
           <a:fillRef idx="2">
-            <a:schemeClr val="accent6"/>
+            <a:schemeClr val="accent4"/>
           </a:fillRef>
           <a:effectRef idx="1">
-            <a:schemeClr val="accent6"/>
+            <a:schemeClr val="accent4"/>
           </a:effectRef>
           <a:fontRef idx="minor">
             <a:schemeClr val="dk1"/>
@@ -3543,14 +3537,6 @@
           <a:lstStyle/>
           <a:p>
             <a:pPr algn="ctr"/>
-            <a:r>
-              <a:rPr lang="zh-CN" altLang="en-US" dirty="0" smtClean="0">
-                <a:solidFill>
-                  <a:schemeClr val="tx1"/>
-                </a:solidFill>
-              </a:rPr>
-              <a:t>本地库接口</a:t>
-            </a:r>
             <a:endParaRPr lang="zh-CN" altLang="en-US" dirty="0">
               <a:solidFill>
                 <a:schemeClr val="tx1"/>
@@ -3561,277 +3547,13 @@
       </p:sp>
       <p:sp>
         <p:nvSpPr>
-          <p:cNvPr id="13" name="上箭头 12"/>
-          <p:cNvSpPr/>
-          <p:nvPr/>
-        </p:nvSpPr>
-        <p:spPr>
-          <a:xfrm>
-            <a:off x="3099816" y="3594100"/>
-            <a:ext cx="329184" cy="719328"/>
-          </a:xfrm>
-          <a:prstGeom prst="upArrow">
-            <a:avLst/>
-          </a:prstGeom>
-        </p:spPr>
-        <p:style>
-          <a:lnRef idx="2">
-            <a:schemeClr val="accent1">
-              <a:shade val="50000"/>
-            </a:schemeClr>
-          </a:lnRef>
-          <a:fillRef idx="1">
-            <a:schemeClr val="accent1"/>
-          </a:fillRef>
-          <a:effectRef idx="0">
-            <a:schemeClr val="accent1"/>
-          </a:effectRef>
-          <a:fontRef idx="minor">
-            <a:schemeClr val="lt1"/>
-          </a:fontRef>
-        </p:style>
-        <p:txBody>
-          <a:bodyPr rtlCol="0" anchor="ctr"/>
-          <a:lstStyle/>
-          <a:p>
-            <a:pPr algn="ctr"/>
-            <a:endParaRPr lang="zh-CN" altLang="en-US">
-              <a:solidFill>
-                <a:schemeClr val="tx1"/>
-              </a:solidFill>
-            </a:endParaRPr>
-          </a:p>
-        </p:txBody>
-      </p:sp>
-      <p:sp>
-        <p:nvSpPr>
-          <p:cNvPr id="14" name="上箭头 13"/>
-          <p:cNvSpPr/>
-          <p:nvPr/>
-        </p:nvSpPr>
-        <p:spPr>
-          <a:xfrm rot="10800000">
-            <a:off x="2378964" y="3609340"/>
-            <a:ext cx="329184" cy="719328"/>
-          </a:xfrm>
-          <a:prstGeom prst="upArrow">
-            <a:avLst/>
-          </a:prstGeom>
-        </p:spPr>
-        <p:style>
-          <a:lnRef idx="2">
-            <a:schemeClr val="accent1">
-              <a:shade val="50000"/>
-            </a:schemeClr>
-          </a:lnRef>
-          <a:fillRef idx="1">
-            <a:schemeClr val="accent1"/>
-          </a:fillRef>
-          <a:effectRef idx="0">
-            <a:schemeClr val="accent1"/>
-          </a:effectRef>
-          <a:fontRef idx="minor">
-            <a:schemeClr val="lt1"/>
-          </a:fontRef>
-        </p:style>
-        <p:txBody>
-          <a:bodyPr rtlCol="0" anchor="ctr"/>
-          <a:lstStyle/>
-          <a:p>
-            <a:pPr algn="ctr"/>
-            <a:endParaRPr lang="zh-CN" altLang="en-US">
-              <a:solidFill>
-                <a:schemeClr val="tx1"/>
-              </a:solidFill>
-            </a:endParaRPr>
-          </a:p>
-        </p:txBody>
-      </p:sp>
-      <p:sp>
-        <p:nvSpPr>
-          <p:cNvPr id="15" name="上箭头 14"/>
-          <p:cNvSpPr/>
-          <p:nvPr/>
-        </p:nvSpPr>
-        <p:spPr>
-          <a:xfrm rot="5400000">
-            <a:off x="4203192" y="4481068"/>
-            <a:ext cx="329184" cy="719328"/>
-          </a:xfrm>
-          <a:prstGeom prst="upArrow">
-            <a:avLst/>
-          </a:prstGeom>
-        </p:spPr>
-        <p:style>
-          <a:lnRef idx="2">
-            <a:schemeClr val="accent1">
-              <a:shade val="50000"/>
-            </a:schemeClr>
-          </a:lnRef>
-          <a:fillRef idx="1">
-            <a:schemeClr val="accent1"/>
-          </a:fillRef>
-          <a:effectRef idx="0">
-            <a:schemeClr val="accent1"/>
-          </a:effectRef>
-          <a:fontRef idx="minor">
-            <a:schemeClr val="lt1"/>
-          </a:fontRef>
-        </p:style>
-        <p:txBody>
-          <a:bodyPr rtlCol="0" anchor="ctr"/>
-          <a:lstStyle/>
-          <a:p>
-            <a:pPr algn="ctr"/>
-            <a:endParaRPr lang="zh-CN" altLang="en-US">
-              <a:solidFill>
-                <a:schemeClr val="tx1"/>
-              </a:solidFill>
-            </a:endParaRPr>
-          </a:p>
-        </p:txBody>
-      </p:sp>
-      <p:sp>
-        <p:nvSpPr>
-          <p:cNvPr id="16" name="上箭头 15"/>
-          <p:cNvSpPr/>
-          <p:nvPr/>
-        </p:nvSpPr>
-        <p:spPr>
-          <a:xfrm rot="10800000">
-            <a:off x="5682996" y="3624580"/>
-            <a:ext cx="329184" cy="719328"/>
-          </a:xfrm>
-          <a:prstGeom prst="upArrow">
-            <a:avLst/>
-          </a:prstGeom>
-        </p:spPr>
-        <p:style>
-          <a:lnRef idx="2">
-            <a:schemeClr val="accent1">
-              <a:shade val="50000"/>
-            </a:schemeClr>
-          </a:lnRef>
-          <a:fillRef idx="1">
-            <a:schemeClr val="accent1"/>
-          </a:fillRef>
-          <a:effectRef idx="0">
-            <a:schemeClr val="accent1"/>
-          </a:effectRef>
-          <a:fontRef idx="minor">
-            <a:schemeClr val="lt1"/>
-          </a:fontRef>
-        </p:style>
-        <p:txBody>
-          <a:bodyPr rtlCol="0" anchor="ctr"/>
-          <a:lstStyle/>
-          <a:p>
-            <a:pPr algn="ctr"/>
-            <a:endParaRPr lang="zh-CN" altLang="en-US">
-              <a:solidFill>
-                <a:schemeClr val="tx1"/>
-              </a:solidFill>
-            </a:endParaRPr>
-          </a:p>
-        </p:txBody>
-      </p:sp>
-      <p:sp>
-        <p:nvSpPr>
-          <p:cNvPr id="18" name="上箭头 17"/>
-          <p:cNvSpPr/>
-          <p:nvPr/>
-        </p:nvSpPr>
-        <p:spPr>
-          <a:xfrm>
-            <a:off x="6504432" y="3594100"/>
-            <a:ext cx="329184" cy="719328"/>
-          </a:xfrm>
-          <a:prstGeom prst="upArrow">
-            <a:avLst/>
-          </a:prstGeom>
-        </p:spPr>
-        <p:style>
-          <a:lnRef idx="2">
-            <a:schemeClr val="accent1">
-              <a:shade val="50000"/>
-            </a:schemeClr>
-          </a:lnRef>
-          <a:fillRef idx="1">
-            <a:schemeClr val="accent1"/>
-          </a:fillRef>
-          <a:effectRef idx="0">
-            <a:schemeClr val="accent1"/>
-          </a:effectRef>
-          <a:fontRef idx="minor">
-            <a:schemeClr val="lt1"/>
-          </a:fontRef>
-        </p:style>
-        <p:txBody>
-          <a:bodyPr rtlCol="0" anchor="ctr"/>
-          <a:lstStyle/>
-          <a:p>
-            <a:pPr algn="ctr"/>
-            <a:endParaRPr lang="zh-CN" altLang="en-US">
-              <a:solidFill>
-                <a:schemeClr val="tx1"/>
-              </a:solidFill>
-            </a:endParaRPr>
-          </a:p>
-        </p:txBody>
-      </p:sp>
-      <p:sp>
-        <p:nvSpPr>
-          <p:cNvPr id="19" name="上箭头 18"/>
-          <p:cNvSpPr/>
-          <p:nvPr/>
-        </p:nvSpPr>
-        <p:spPr>
-          <a:xfrm rot="5400000">
-            <a:off x="7662672" y="4481068"/>
-            <a:ext cx="329184" cy="719328"/>
-          </a:xfrm>
-          <a:prstGeom prst="upArrow">
-            <a:avLst/>
-          </a:prstGeom>
-        </p:spPr>
-        <p:style>
-          <a:lnRef idx="2">
-            <a:schemeClr val="accent1">
-              <a:shade val="50000"/>
-            </a:schemeClr>
-          </a:lnRef>
-          <a:fillRef idx="1">
-            <a:schemeClr val="accent1"/>
-          </a:fillRef>
-          <a:effectRef idx="0">
-            <a:schemeClr val="accent1"/>
-          </a:effectRef>
-          <a:fontRef idx="minor">
-            <a:schemeClr val="lt1"/>
-          </a:fontRef>
-        </p:style>
-        <p:txBody>
-          <a:bodyPr rtlCol="0" anchor="ctr"/>
-          <a:lstStyle/>
-          <a:p>
-            <a:pPr algn="ctr"/>
-            <a:endParaRPr lang="zh-CN" altLang="en-US">
-              <a:solidFill>
-                <a:schemeClr val="tx1"/>
-              </a:solidFill>
-            </a:endParaRPr>
-          </a:p>
-        </p:txBody>
-      </p:sp>
-      <p:sp>
-        <p:nvSpPr>
-          <p:cNvPr id="20" name="文本框 19"/>
+          <p:cNvPr id="23" name="文本框 22"/>
           <p:cNvSpPr txBox="1"/>
           <p:nvPr/>
         </p:nvSpPr>
         <p:spPr>
           <a:xfrm>
-            <a:off x="8430769" y="4635992"/>
+            <a:off x="2718816" y="3859044"/>
             <a:ext cx="2645664" cy="369332"/>
           </a:xfrm>
           <a:prstGeom prst="rect">
@@ -3847,122 +3569,6 @@
           <a:p>
             <a:r>
               <a:rPr lang="zh-CN" altLang="en-US" dirty="0" smtClean="0"/>
-              <a:t>本地方法库</a:t>
-            </a:r>
-            <a:endParaRPr lang="zh-CN" altLang="en-US" dirty="0"/>
-          </a:p>
-        </p:txBody>
-      </p:sp>
-      <p:sp>
-        <p:nvSpPr>
-          <p:cNvPr id="21" name="矩形 20"/>
-          <p:cNvSpPr/>
-          <p:nvPr/>
-        </p:nvSpPr>
-        <p:spPr>
-          <a:xfrm>
-            <a:off x="1562099" y="5618237"/>
-            <a:ext cx="634449" cy="288367"/>
-          </a:xfrm>
-          <a:prstGeom prst="rect">
-            <a:avLst/>
-          </a:prstGeom>
-        </p:spPr>
-        <p:style>
-          <a:lnRef idx="2">
-            <a:schemeClr val="accent2">
-              <a:shade val="50000"/>
-            </a:schemeClr>
-          </a:lnRef>
-          <a:fillRef idx="1">
-            <a:schemeClr val="accent2"/>
-          </a:fillRef>
-          <a:effectRef idx="0">
-            <a:schemeClr val="accent2"/>
-          </a:effectRef>
-          <a:fontRef idx="minor">
-            <a:schemeClr val="lt1"/>
-          </a:fontRef>
-        </p:style>
-        <p:txBody>
-          <a:bodyPr rtlCol="0" anchor="ctr"/>
-          <a:lstStyle/>
-          <a:p>
-            <a:pPr algn="ctr"/>
-            <a:endParaRPr lang="zh-CN" altLang="en-US" dirty="0">
-              <a:solidFill>
-                <a:schemeClr val="tx1"/>
-              </a:solidFill>
-            </a:endParaRPr>
-          </a:p>
-        </p:txBody>
-      </p:sp>
-      <p:sp>
-        <p:nvSpPr>
-          <p:cNvPr id="22" name="矩形 21"/>
-          <p:cNvSpPr/>
-          <p:nvPr/>
-        </p:nvSpPr>
-        <p:spPr>
-          <a:xfrm>
-            <a:off x="1562099" y="6083389"/>
-            <a:ext cx="634449" cy="288038"/>
-          </a:xfrm>
-          <a:prstGeom prst="rect">
-            <a:avLst/>
-          </a:prstGeom>
-        </p:spPr>
-        <p:style>
-          <a:lnRef idx="1">
-            <a:schemeClr val="accent4"/>
-          </a:lnRef>
-          <a:fillRef idx="2">
-            <a:schemeClr val="accent4"/>
-          </a:fillRef>
-          <a:effectRef idx="1">
-            <a:schemeClr val="accent4"/>
-          </a:effectRef>
-          <a:fontRef idx="minor">
-            <a:schemeClr val="dk1"/>
-          </a:fontRef>
-        </p:style>
-        <p:txBody>
-          <a:bodyPr rtlCol="0" anchor="ctr"/>
-          <a:lstStyle/>
-          <a:p>
-            <a:pPr algn="ctr"/>
-            <a:endParaRPr lang="zh-CN" altLang="en-US" dirty="0">
-              <a:solidFill>
-                <a:schemeClr val="tx1"/>
-              </a:solidFill>
-            </a:endParaRPr>
-          </a:p>
-        </p:txBody>
-      </p:sp>
-      <p:sp>
-        <p:nvSpPr>
-          <p:cNvPr id="23" name="文本框 22"/>
-          <p:cNvSpPr txBox="1"/>
-          <p:nvPr/>
-        </p:nvSpPr>
-        <p:spPr>
-          <a:xfrm>
-            <a:off x="2378963" y="5577754"/>
-            <a:ext cx="2645664" cy="369332"/>
-          </a:xfrm>
-          <a:prstGeom prst="rect">
-            <a:avLst/>
-          </a:prstGeom>
-          <a:noFill/>
-        </p:spPr>
-        <p:txBody>
-          <a:bodyPr wrap="square" rtlCol="0">
-            <a:spAutoFit/>
-          </a:bodyPr>
-          <a:lstStyle/>
-          <a:p>
-            <a:r>
-              <a:rPr lang="zh-CN" altLang="en-US" dirty="0" smtClean="0"/>
               <a:t>线程共享的数据区</a:t>
             </a:r>
             <a:endParaRPr lang="zh-CN" altLang="en-US" dirty="0"/>
@@ -3977,7 +3583,7 @@
         </p:nvSpPr>
         <p:spPr>
           <a:xfrm>
-            <a:off x="2393341" y="6053572"/>
+            <a:off x="6504432" y="3859044"/>
             <a:ext cx="2645664" cy="369332"/>
           </a:xfrm>
           <a:prstGeom prst="rect">

--- a/绘图/图.pptx
+++ b/绘图/图.pptx
@@ -8,6 +8,13 @@
     <p:sldId id="256" r:id="rId2"/>
     <p:sldId id="257" r:id="rId3"/>
     <p:sldId id="258" r:id="rId4"/>
+    <p:sldId id="259" r:id="rId5"/>
+    <p:sldId id="260" r:id="rId6"/>
+    <p:sldId id="261" r:id="rId7"/>
+    <p:sldId id="262" r:id="rId8"/>
+    <p:sldId id="263" r:id="rId9"/>
+    <p:sldId id="264" r:id="rId10"/>
+    <p:sldId id="265" r:id="rId11"/>
   </p:sldIdLst>
   <p:sldSz cx="12192000" cy="6858000"/>
   <p:notesSz cx="6858000" cy="9144000"/>
@@ -156,10 +163,9 @@
           </a:lstStyle>
           <a:p>
             <a:r>
-              <a:rPr lang="zh-CN" altLang="en-US" smtClean="0"/>
+              <a:rPr lang="zh-CN" altLang="en-US"/>
               <a:t>单击此处编辑母版标题样式</a:t>
             </a:r>
-            <a:endParaRPr lang="zh-CN" altLang="en-US"/>
           </a:p>
         </p:txBody>
       </p:sp>
@@ -221,10 +227,9 @@
           </a:lstStyle>
           <a:p>
             <a:r>
-              <a:rPr lang="zh-CN" altLang="en-US" smtClean="0"/>
+              <a:rPr lang="zh-CN" altLang="en-US"/>
               <a:t>单击此处编辑母版副标题样式</a:t>
             </a:r>
-            <a:endParaRPr lang="zh-CN" altLang="en-US"/>
           </a:p>
         </p:txBody>
       </p:sp>
@@ -245,7 +250,7 @@
           <a:p>
             <a:fld id="{3A297114-D4EC-4FC4-90A3-B6E3F0C38B6C}" type="datetimeFigureOut">
               <a:rPr lang="zh-CN" altLang="en-US" smtClean="0"/>
-              <a:t>2019/1/19</a:t>
+              <a:t>2019/1/25</a:t>
             </a:fld>
             <a:endParaRPr lang="zh-CN" altLang="en-US"/>
           </a:p>
@@ -339,10 +344,9 @@
           <a:lstStyle/>
           <a:p>
             <a:r>
-              <a:rPr lang="zh-CN" altLang="en-US" smtClean="0"/>
+              <a:rPr lang="zh-CN" altLang="en-US"/>
               <a:t>单击此处编辑母版标题样式</a:t>
             </a:r>
-            <a:endParaRPr lang="zh-CN" altLang="en-US"/>
           </a:p>
         </p:txBody>
       </p:sp>
@@ -363,38 +367,37 @@
           <a:p>
             <a:pPr lvl="0"/>
             <a:r>
-              <a:rPr lang="zh-CN" altLang="en-US" smtClean="0"/>
+              <a:rPr lang="zh-CN" altLang="en-US"/>
               <a:t>单击此处编辑母版文本样式</a:t>
             </a:r>
           </a:p>
           <a:p>
             <a:pPr lvl="1"/>
             <a:r>
-              <a:rPr lang="zh-CN" altLang="en-US" smtClean="0"/>
+              <a:rPr lang="zh-CN" altLang="en-US"/>
               <a:t>第二级</a:t>
             </a:r>
           </a:p>
           <a:p>
             <a:pPr lvl="2"/>
             <a:r>
-              <a:rPr lang="zh-CN" altLang="en-US" smtClean="0"/>
+              <a:rPr lang="zh-CN" altLang="en-US"/>
               <a:t>第三级</a:t>
             </a:r>
           </a:p>
           <a:p>
             <a:pPr lvl="3"/>
             <a:r>
-              <a:rPr lang="zh-CN" altLang="en-US" smtClean="0"/>
+              <a:rPr lang="zh-CN" altLang="en-US"/>
               <a:t>第四级</a:t>
             </a:r>
           </a:p>
           <a:p>
             <a:pPr lvl="4"/>
             <a:r>
-              <a:rPr lang="zh-CN" altLang="en-US" smtClean="0"/>
+              <a:rPr lang="zh-CN" altLang="en-US"/>
               <a:t>第五级</a:t>
             </a:r>
-            <a:endParaRPr lang="zh-CN" altLang="en-US"/>
           </a:p>
         </p:txBody>
       </p:sp>
@@ -415,7 +418,7 @@
           <a:p>
             <a:fld id="{3A297114-D4EC-4FC4-90A3-B6E3F0C38B6C}" type="datetimeFigureOut">
               <a:rPr lang="zh-CN" altLang="en-US" smtClean="0"/>
-              <a:t>2019/1/19</a:t>
+              <a:t>2019/1/25</a:t>
             </a:fld>
             <a:endParaRPr lang="zh-CN" altLang="en-US"/>
           </a:p>
@@ -514,10 +517,9 @@
           <a:lstStyle/>
           <a:p>
             <a:r>
-              <a:rPr lang="zh-CN" altLang="en-US" smtClean="0"/>
+              <a:rPr lang="zh-CN" altLang="en-US"/>
               <a:t>单击此处编辑母版标题样式</a:t>
             </a:r>
-            <a:endParaRPr lang="zh-CN" altLang="en-US"/>
           </a:p>
         </p:txBody>
       </p:sp>
@@ -543,38 +545,37 @@
           <a:p>
             <a:pPr lvl="0"/>
             <a:r>
-              <a:rPr lang="zh-CN" altLang="en-US" smtClean="0"/>
+              <a:rPr lang="zh-CN" altLang="en-US"/>
               <a:t>单击此处编辑母版文本样式</a:t>
             </a:r>
           </a:p>
           <a:p>
             <a:pPr lvl="1"/>
             <a:r>
-              <a:rPr lang="zh-CN" altLang="en-US" smtClean="0"/>
+              <a:rPr lang="zh-CN" altLang="en-US"/>
               <a:t>第二级</a:t>
             </a:r>
           </a:p>
           <a:p>
             <a:pPr lvl="2"/>
             <a:r>
-              <a:rPr lang="zh-CN" altLang="en-US" smtClean="0"/>
+              <a:rPr lang="zh-CN" altLang="en-US"/>
               <a:t>第三级</a:t>
             </a:r>
           </a:p>
           <a:p>
             <a:pPr lvl="3"/>
             <a:r>
-              <a:rPr lang="zh-CN" altLang="en-US" smtClean="0"/>
+              <a:rPr lang="zh-CN" altLang="en-US"/>
               <a:t>第四级</a:t>
             </a:r>
           </a:p>
           <a:p>
             <a:pPr lvl="4"/>
             <a:r>
-              <a:rPr lang="zh-CN" altLang="en-US" smtClean="0"/>
+              <a:rPr lang="zh-CN" altLang="en-US"/>
               <a:t>第五级</a:t>
             </a:r>
-            <a:endParaRPr lang="zh-CN" altLang="en-US"/>
           </a:p>
         </p:txBody>
       </p:sp>
@@ -595,7 +596,7 @@
           <a:p>
             <a:fld id="{3A297114-D4EC-4FC4-90A3-B6E3F0C38B6C}" type="datetimeFigureOut">
               <a:rPr lang="zh-CN" altLang="en-US" smtClean="0"/>
-              <a:t>2019/1/19</a:t>
+              <a:t>2019/1/25</a:t>
             </a:fld>
             <a:endParaRPr lang="zh-CN" altLang="en-US"/>
           </a:p>
@@ -689,10 +690,9 @@
           <a:lstStyle/>
           <a:p>
             <a:r>
-              <a:rPr lang="zh-CN" altLang="en-US" smtClean="0"/>
+              <a:rPr lang="zh-CN" altLang="en-US"/>
               <a:t>单击此处编辑母版标题样式</a:t>
             </a:r>
-            <a:endParaRPr lang="zh-CN" altLang="en-US"/>
           </a:p>
         </p:txBody>
       </p:sp>
@@ -713,38 +713,37 @@
           <a:p>
             <a:pPr lvl="0"/>
             <a:r>
-              <a:rPr lang="zh-CN" altLang="en-US" smtClean="0"/>
+              <a:rPr lang="zh-CN" altLang="en-US"/>
               <a:t>单击此处编辑母版文本样式</a:t>
             </a:r>
           </a:p>
           <a:p>
             <a:pPr lvl="1"/>
             <a:r>
-              <a:rPr lang="zh-CN" altLang="en-US" smtClean="0"/>
+              <a:rPr lang="zh-CN" altLang="en-US"/>
               <a:t>第二级</a:t>
             </a:r>
           </a:p>
           <a:p>
             <a:pPr lvl="2"/>
             <a:r>
-              <a:rPr lang="zh-CN" altLang="en-US" smtClean="0"/>
+              <a:rPr lang="zh-CN" altLang="en-US"/>
               <a:t>第三级</a:t>
             </a:r>
           </a:p>
           <a:p>
             <a:pPr lvl="3"/>
             <a:r>
-              <a:rPr lang="zh-CN" altLang="en-US" smtClean="0"/>
+              <a:rPr lang="zh-CN" altLang="en-US"/>
               <a:t>第四级</a:t>
             </a:r>
           </a:p>
           <a:p>
             <a:pPr lvl="4"/>
             <a:r>
-              <a:rPr lang="zh-CN" altLang="en-US" smtClean="0"/>
+              <a:rPr lang="zh-CN" altLang="en-US"/>
               <a:t>第五级</a:t>
             </a:r>
-            <a:endParaRPr lang="zh-CN" altLang="en-US"/>
           </a:p>
         </p:txBody>
       </p:sp>
@@ -765,7 +764,7 @@
           <a:p>
             <a:fld id="{3A297114-D4EC-4FC4-90A3-B6E3F0C38B6C}" type="datetimeFigureOut">
               <a:rPr lang="zh-CN" altLang="en-US" smtClean="0"/>
-              <a:t>2019/1/19</a:t>
+              <a:t>2019/1/25</a:t>
             </a:fld>
             <a:endParaRPr lang="zh-CN" altLang="en-US"/>
           </a:p>
@@ -868,10 +867,9 @@
           </a:lstStyle>
           <a:p>
             <a:r>
-              <a:rPr lang="zh-CN" altLang="en-US" smtClean="0"/>
+              <a:rPr lang="zh-CN" altLang="en-US"/>
               <a:t>单击此处编辑母版标题样式</a:t>
             </a:r>
-            <a:endParaRPr lang="zh-CN" altLang="en-US"/>
           </a:p>
         </p:txBody>
       </p:sp>
@@ -988,7 +986,7 @@
           <a:p>
             <a:pPr lvl="0"/>
             <a:r>
-              <a:rPr lang="zh-CN" altLang="en-US" smtClean="0"/>
+              <a:rPr lang="zh-CN" altLang="en-US"/>
               <a:t>单击此处编辑母版文本样式</a:t>
             </a:r>
           </a:p>
@@ -1011,7 +1009,7 @@
           <a:p>
             <a:fld id="{3A297114-D4EC-4FC4-90A3-B6E3F0C38B6C}" type="datetimeFigureOut">
               <a:rPr lang="zh-CN" altLang="en-US" smtClean="0"/>
-              <a:t>2019/1/19</a:t>
+              <a:t>2019/1/25</a:t>
             </a:fld>
             <a:endParaRPr lang="zh-CN" altLang="en-US"/>
           </a:p>
@@ -1105,10 +1103,9 @@
           <a:lstStyle/>
           <a:p>
             <a:r>
-              <a:rPr lang="zh-CN" altLang="en-US" smtClean="0"/>
+              <a:rPr lang="zh-CN" altLang="en-US"/>
               <a:t>单击此处编辑母版标题样式</a:t>
             </a:r>
-            <a:endParaRPr lang="zh-CN" altLang="en-US"/>
           </a:p>
         </p:txBody>
       </p:sp>
@@ -1134,38 +1131,37 @@
           <a:p>
             <a:pPr lvl="0"/>
             <a:r>
-              <a:rPr lang="zh-CN" altLang="en-US" smtClean="0"/>
+              <a:rPr lang="zh-CN" altLang="en-US"/>
               <a:t>单击此处编辑母版文本样式</a:t>
             </a:r>
           </a:p>
           <a:p>
             <a:pPr lvl="1"/>
             <a:r>
-              <a:rPr lang="zh-CN" altLang="en-US" smtClean="0"/>
+              <a:rPr lang="zh-CN" altLang="en-US"/>
               <a:t>第二级</a:t>
             </a:r>
           </a:p>
           <a:p>
             <a:pPr lvl="2"/>
             <a:r>
-              <a:rPr lang="zh-CN" altLang="en-US" smtClean="0"/>
+              <a:rPr lang="zh-CN" altLang="en-US"/>
               <a:t>第三级</a:t>
             </a:r>
           </a:p>
           <a:p>
             <a:pPr lvl="3"/>
             <a:r>
-              <a:rPr lang="zh-CN" altLang="en-US" smtClean="0"/>
+              <a:rPr lang="zh-CN" altLang="en-US"/>
               <a:t>第四级</a:t>
             </a:r>
           </a:p>
           <a:p>
             <a:pPr lvl="4"/>
             <a:r>
-              <a:rPr lang="zh-CN" altLang="en-US" smtClean="0"/>
+              <a:rPr lang="zh-CN" altLang="en-US"/>
               <a:t>第五级</a:t>
             </a:r>
-            <a:endParaRPr lang="zh-CN" altLang="en-US"/>
           </a:p>
         </p:txBody>
       </p:sp>
@@ -1191,38 +1187,37 @@
           <a:p>
             <a:pPr lvl="0"/>
             <a:r>
-              <a:rPr lang="zh-CN" altLang="en-US" smtClean="0"/>
+              <a:rPr lang="zh-CN" altLang="en-US"/>
               <a:t>单击此处编辑母版文本样式</a:t>
             </a:r>
           </a:p>
           <a:p>
             <a:pPr lvl="1"/>
             <a:r>
-              <a:rPr lang="zh-CN" altLang="en-US" smtClean="0"/>
+              <a:rPr lang="zh-CN" altLang="en-US"/>
               <a:t>第二级</a:t>
             </a:r>
           </a:p>
           <a:p>
             <a:pPr lvl="2"/>
             <a:r>
-              <a:rPr lang="zh-CN" altLang="en-US" smtClean="0"/>
+              <a:rPr lang="zh-CN" altLang="en-US"/>
               <a:t>第三级</a:t>
             </a:r>
           </a:p>
           <a:p>
             <a:pPr lvl="3"/>
             <a:r>
-              <a:rPr lang="zh-CN" altLang="en-US" smtClean="0"/>
+              <a:rPr lang="zh-CN" altLang="en-US"/>
               <a:t>第四级</a:t>
             </a:r>
           </a:p>
           <a:p>
             <a:pPr lvl="4"/>
             <a:r>
-              <a:rPr lang="zh-CN" altLang="en-US" smtClean="0"/>
+              <a:rPr lang="zh-CN" altLang="en-US"/>
               <a:t>第五级</a:t>
             </a:r>
-            <a:endParaRPr lang="zh-CN" altLang="en-US"/>
           </a:p>
         </p:txBody>
       </p:sp>
@@ -1243,7 +1238,7 @@
           <a:p>
             <a:fld id="{3A297114-D4EC-4FC4-90A3-B6E3F0C38B6C}" type="datetimeFigureOut">
               <a:rPr lang="zh-CN" altLang="en-US" smtClean="0"/>
-              <a:t>2019/1/19</a:t>
+              <a:t>2019/1/25</a:t>
             </a:fld>
             <a:endParaRPr lang="zh-CN" altLang="en-US"/>
           </a:p>
@@ -1342,10 +1337,9 @@
           <a:lstStyle/>
           <a:p>
             <a:r>
-              <a:rPr lang="zh-CN" altLang="en-US" smtClean="0"/>
+              <a:rPr lang="zh-CN" altLang="en-US"/>
               <a:t>单击此处编辑母版标题样式</a:t>
             </a:r>
-            <a:endParaRPr lang="zh-CN" altLang="en-US"/>
           </a:p>
         </p:txBody>
       </p:sp>
@@ -1408,7 +1402,7 @@
           <a:p>
             <a:pPr lvl="0"/>
             <a:r>
-              <a:rPr lang="zh-CN" altLang="en-US" smtClean="0"/>
+              <a:rPr lang="zh-CN" altLang="en-US"/>
               <a:t>单击此处编辑母版文本样式</a:t>
             </a:r>
           </a:p>
@@ -1436,38 +1430,37 @@
           <a:p>
             <a:pPr lvl="0"/>
             <a:r>
-              <a:rPr lang="zh-CN" altLang="en-US" smtClean="0"/>
+              <a:rPr lang="zh-CN" altLang="en-US"/>
               <a:t>单击此处编辑母版文本样式</a:t>
             </a:r>
           </a:p>
           <a:p>
             <a:pPr lvl="1"/>
             <a:r>
-              <a:rPr lang="zh-CN" altLang="en-US" smtClean="0"/>
+              <a:rPr lang="zh-CN" altLang="en-US"/>
               <a:t>第二级</a:t>
             </a:r>
           </a:p>
           <a:p>
             <a:pPr lvl="2"/>
             <a:r>
-              <a:rPr lang="zh-CN" altLang="en-US" smtClean="0"/>
+              <a:rPr lang="zh-CN" altLang="en-US"/>
               <a:t>第三级</a:t>
             </a:r>
           </a:p>
           <a:p>
             <a:pPr lvl="3"/>
             <a:r>
-              <a:rPr lang="zh-CN" altLang="en-US" smtClean="0"/>
+              <a:rPr lang="zh-CN" altLang="en-US"/>
               <a:t>第四级</a:t>
             </a:r>
           </a:p>
           <a:p>
             <a:pPr lvl="4"/>
             <a:r>
-              <a:rPr lang="zh-CN" altLang="en-US" smtClean="0"/>
+              <a:rPr lang="zh-CN" altLang="en-US"/>
               <a:t>第五级</a:t>
             </a:r>
-            <a:endParaRPr lang="zh-CN" altLang="en-US"/>
           </a:p>
         </p:txBody>
       </p:sp>
@@ -1530,7 +1523,7 @@
           <a:p>
             <a:pPr lvl="0"/>
             <a:r>
-              <a:rPr lang="zh-CN" altLang="en-US" smtClean="0"/>
+              <a:rPr lang="zh-CN" altLang="en-US"/>
               <a:t>单击此处编辑母版文本样式</a:t>
             </a:r>
           </a:p>
@@ -1558,38 +1551,37 @@
           <a:p>
             <a:pPr lvl="0"/>
             <a:r>
-              <a:rPr lang="zh-CN" altLang="en-US" smtClean="0"/>
+              <a:rPr lang="zh-CN" altLang="en-US"/>
               <a:t>单击此处编辑母版文本样式</a:t>
             </a:r>
           </a:p>
           <a:p>
             <a:pPr lvl="1"/>
             <a:r>
-              <a:rPr lang="zh-CN" altLang="en-US" smtClean="0"/>
+              <a:rPr lang="zh-CN" altLang="en-US"/>
               <a:t>第二级</a:t>
             </a:r>
           </a:p>
           <a:p>
             <a:pPr lvl="2"/>
             <a:r>
-              <a:rPr lang="zh-CN" altLang="en-US" smtClean="0"/>
+              <a:rPr lang="zh-CN" altLang="en-US"/>
               <a:t>第三级</a:t>
             </a:r>
           </a:p>
           <a:p>
             <a:pPr lvl="3"/>
             <a:r>
-              <a:rPr lang="zh-CN" altLang="en-US" smtClean="0"/>
+              <a:rPr lang="zh-CN" altLang="en-US"/>
               <a:t>第四级</a:t>
             </a:r>
           </a:p>
           <a:p>
             <a:pPr lvl="4"/>
             <a:r>
-              <a:rPr lang="zh-CN" altLang="en-US" smtClean="0"/>
+              <a:rPr lang="zh-CN" altLang="en-US"/>
               <a:t>第五级</a:t>
             </a:r>
-            <a:endParaRPr lang="zh-CN" altLang="en-US"/>
           </a:p>
         </p:txBody>
       </p:sp>
@@ -1610,7 +1602,7 @@
           <a:p>
             <a:fld id="{3A297114-D4EC-4FC4-90A3-B6E3F0C38B6C}" type="datetimeFigureOut">
               <a:rPr lang="zh-CN" altLang="en-US" smtClean="0"/>
-              <a:t>2019/1/19</a:t>
+              <a:t>2019/1/25</a:t>
             </a:fld>
             <a:endParaRPr lang="zh-CN" altLang="en-US"/>
           </a:p>
@@ -1704,10 +1696,9 @@
           <a:lstStyle/>
           <a:p>
             <a:r>
-              <a:rPr lang="zh-CN" altLang="en-US" smtClean="0"/>
+              <a:rPr lang="zh-CN" altLang="en-US"/>
               <a:t>单击此处编辑母版标题样式</a:t>
             </a:r>
-            <a:endParaRPr lang="zh-CN" altLang="en-US"/>
           </a:p>
         </p:txBody>
       </p:sp>
@@ -1728,7 +1719,7 @@
           <a:p>
             <a:fld id="{3A297114-D4EC-4FC4-90A3-B6E3F0C38B6C}" type="datetimeFigureOut">
               <a:rPr lang="zh-CN" altLang="en-US" smtClean="0"/>
-              <a:t>2019/1/19</a:t>
+              <a:t>2019/1/25</a:t>
             </a:fld>
             <a:endParaRPr lang="zh-CN" altLang="en-US"/>
           </a:p>
@@ -1823,7 +1814,7 @@
           <a:p>
             <a:fld id="{3A297114-D4EC-4FC4-90A3-B6E3F0C38B6C}" type="datetimeFigureOut">
               <a:rPr lang="zh-CN" altLang="en-US" smtClean="0"/>
-              <a:t>2019/1/19</a:t>
+              <a:t>2019/1/25</a:t>
             </a:fld>
             <a:endParaRPr lang="zh-CN" altLang="en-US"/>
           </a:p>
@@ -1926,10 +1917,9 @@
           </a:lstStyle>
           <a:p>
             <a:r>
-              <a:rPr lang="zh-CN" altLang="en-US" smtClean="0"/>
+              <a:rPr lang="zh-CN" altLang="en-US"/>
               <a:t>单击此处编辑母版标题样式</a:t>
             </a:r>
-            <a:endParaRPr lang="zh-CN" altLang="en-US"/>
           </a:p>
         </p:txBody>
       </p:sp>
@@ -1983,38 +1973,37 @@
           <a:p>
             <a:pPr lvl="0"/>
             <a:r>
-              <a:rPr lang="zh-CN" altLang="en-US" smtClean="0"/>
+              <a:rPr lang="zh-CN" altLang="en-US"/>
               <a:t>单击此处编辑母版文本样式</a:t>
             </a:r>
           </a:p>
           <a:p>
             <a:pPr lvl="1"/>
             <a:r>
-              <a:rPr lang="zh-CN" altLang="en-US" smtClean="0"/>
+              <a:rPr lang="zh-CN" altLang="en-US"/>
               <a:t>第二级</a:t>
             </a:r>
           </a:p>
           <a:p>
             <a:pPr lvl="2"/>
             <a:r>
-              <a:rPr lang="zh-CN" altLang="en-US" smtClean="0"/>
+              <a:rPr lang="zh-CN" altLang="en-US"/>
               <a:t>第三级</a:t>
             </a:r>
           </a:p>
           <a:p>
             <a:pPr lvl="3"/>
             <a:r>
-              <a:rPr lang="zh-CN" altLang="en-US" smtClean="0"/>
+              <a:rPr lang="zh-CN" altLang="en-US"/>
               <a:t>第四级</a:t>
             </a:r>
           </a:p>
           <a:p>
             <a:pPr lvl="4"/>
             <a:r>
-              <a:rPr lang="zh-CN" altLang="en-US" smtClean="0"/>
+              <a:rPr lang="zh-CN" altLang="en-US"/>
               <a:t>第五级</a:t>
             </a:r>
-            <a:endParaRPr lang="zh-CN" altLang="en-US"/>
           </a:p>
         </p:txBody>
       </p:sp>
@@ -2077,7 +2066,7 @@
           <a:p>
             <a:pPr lvl="0"/>
             <a:r>
-              <a:rPr lang="zh-CN" altLang="en-US" smtClean="0"/>
+              <a:rPr lang="zh-CN" altLang="en-US"/>
               <a:t>单击此处编辑母版文本样式</a:t>
             </a:r>
           </a:p>
@@ -2100,7 +2089,7 @@
           <a:p>
             <a:fld id="{3A297114-D4EC-4FC4-90A3-B6E3F0C38B6C}" type="datetimeFigureOut">
               <a:rPr lang="zh-CN" altLang="en-US" smtClean="0"/>
-              <a:t>2019/1/19</a:t>
+              <a:t>2019/1/25</a:t>
             </a:fld>
             <a:endParaRPr lang="zh-CN" altLang="en-US"/>
           </a:p>
@@ -2203,10 +2192,9 @@
           </a:lstStyle>
           <a:p>
             <a:r>
-              <a:rPr lang="zh-CN" altLang="en-US" smtClean="0"/>
+              <a:rPr lang="zh-CN" altLang="en-US"/>
               <a:t>单击此处编辑母版标题样式</a:t>
             </a:r>
-            <a:endParaRPr lang="zh-CN" altLang="en-US"/>
           </a:p>
         </p:txBody>
       </p:sp>
@@ -2330,7 +2318,7 @@
           <a:p>
             <a:pPr lvl="0"/>
             <a:r>
-              <a:rPr lang="zh-CN" altLang="en-US" smtClean="0"/>
+              <a:rPr lang="zh-CN" altLang="en-US"/>
               <a:t>单击此处编辑母版文本样式</a:t>
             </a:r>
           </a:p>
@@ -2353,7 +2341,7 @@
           <a:p>
             <a:fld id="{3A297114-D4EC-4FC4-90A3-B6E3F0C38B6C}" type="datetimeFigureOut">
               <a:rPr lang="zh-CN" altLang="en-US" smtClean="0"/>
-              <a:t>2019/1/19</a:t>
+              <a:t>2019/1/25</a:t>
             </a:fld>
             <a:endParaRPr lang="zh-CN" altLang="en-US"/>
           </a:p>
@@ -2462,10 +2450,9 @@
           <a:lstStyle/>
           <a:p>
             <a:r>
-              <a:rPr lang="zh-CN" altLang="en-US" smtClean="0"/>
+              <a:rPr lang="zh-CN" altLang="en-US"/>
               <a:t>单击此处编辑母版标题样式</a:t>
             </a:r>
-            <a:endParaRPr lang="zh-CN" altLang="en-US"/>
           </a:p>
         </p:txBody>
       </p:sp>
@@ -2496,38 +2483,37 @@
           <a:p>
             <a:pPr lvl="0"/>
             <a:r>
-              <a:rPr lang="zh-CN" altLang="en-US" smtClean="0"/>
+              <a:rPr lang="zh-CN" altLang="en-US"/>
               <a:t>单击此处编辑母版文本样式</a:t>
             </a:r>
           </a:p>
           <a:p>
             <a:pPr lvl="1"/>
             <a:r>
-              <a:rPr lang="zh-CN" altLang="en-US" smtClean="0"/>
+              <a:rPr lang="zh-CN" altLang="en-US"/>
               <a:t>第二级</a:t>
             </a:r>
           </a:p>
           <a:p>
             <a:pPr lvl="2"/>
             <a:r>
-              <a:rPr lang="zh-CN" altLang="en-US" smtClean="0"/>
+              <a:rPr lang="zh-CN" altLang="en-US"/>
               <a:t>第三级</a:t>
             </a:r>
           </a:p>
           <a:p>
             <a:pPr lvl="3"/>
             <a:r>
-              <a:rPr lang="zh-CN" altLang="en-US" smtClean="0"/>
+              <a:rPr lang="zh-CN" altLang="en-US"/>
               <a:t>第四级</a:t>
             </a:r>
           </a:p>
           <a:p>
             <a:pPr lvl="4"/>
             <a:r>
-              <a:rPr lang="zh-CN" altLang="en-US" smtClean="0"/>
+              <a:rPr lang="zh-CN" altLang="en-US"/>
               <a:t>第五级</a:t>
             </a:r>
-            <a:endParaRPr lang="zh-CN" altLang="en-US"/>
           </a:p>
         </p:txBody>
       </p:sp>
@@ -2566,7 +2552,7 @@
           <a:p>
             <a:fld id="{3A297114-D4EC-4FC4-90A3-B6E3F0C38B6C}" type="datetimeFigureOut">
               <a:rPr lang="zh-CN" altLang="en-US" smtClean="0"/>
-              <a:t>2019/1/19</a:t>
+              <a:t>2019/1/25</a:t>
             </a:fld>
             <a:endParaRPr lang="zh-CN" altLang="en-US"/>
           </a:p>
@@ -3052,14 +3038,14 @@
           <a:p>
             <a:pPr algn="ctr"/>
             <a:r>
-              <a:rPr lang="zh-CN" altLang="en-US" dirty="0" smtClean="0">
+              <a:rPr lang="zh-CN" altLang="en-US" dirty="0">
                 <a:solidFill>
                   <a:schemeClr val="tx1"/>
                 </a:solidFill>
               </a:rPr>
               <a:t>方法区</a:t>
             </a:r>
-            <a:endParaRPr lang="en-US" altLang="zh-CN" dirty="0" smtClean="0">
+            <a:endParaRPr lang="en-US" altLang="zh-CN" dirty="0">
               <a:solidFill>
                 <a:schemeClr val="tx1"/>
               </a:solidFill>
@@ -3068,7 +3054,7 @@
           <a:p>
             <a:pPr algn="ctr"/>
             <a:r>
-              <a:rPr lang="zh-CN" altLang="en-US" dirty="0" smtClean="0">
+              <a:rPr lang="zh-CN" altLang="en-US" dirty="0">
                 <a:solidFill>
                   <a:schemeClr val="tx1"/>
                 </a:solidFill>
@@ -3076,7 +3062,7 @@
               <a:t>（</a:t>
             </a:r>
             <a:r>
-              <a:rPr lang="en-US" altLang="zh-CN" dirty="0" smtClean="0">
+              <a:rPr lang="en-US" altLang="zh-CN" dirty="0">
                 <a:solidFill>
                   <a:schemeClr val="tx1"/>
                 </a:solidFill>
@@ -3084,13 +3070,391 @@
               <a:t>Method Area</a:t>
             </a:r>
             <a:r>
-              <a:rPr lang="zh-CN" altLang="en-US" dirty="0" smtClean="0">
+              <a:rPr lang="zh-CN" altLang="en-US" dirty="0">
                 <a:solidFill>
                   <a:schemeClr val="tx1"/>
                 </a:solidFill>
               </a:rPr>
               <a:t>）</a:t>
             </a:r>
+          </a:p>
+        </p:txBody>
+      </p:sp>
+      <p:sp>
+        <p:nvSpPr>
+          <p:cNvPr id="6" name="矩形 5"/>
+          <p:cNvSpPr/>
+          <p:nvPr/>
+        </p:nvSpPr>
+        <p:spPr>
+          <a:xfrm>
+            <a:off x="1901952" y="2256028"/>
+            <a:ext cx="1962912" cy="926592"/>
+          </a:xfrm>
+          <a:prstGeom prst="rect">
+            <a:avLst/>
+          </a:prstGeom>
+        </p:spPr>
+        <p:style>
+          <a:lnRef idx="2">
+            <a:schemeClr val="accent2">
+              <a:shade val="50000"/>
+            </a:schemeClr>
+          </a:lnRef>
+          <a:fillRef idx="1">
+            <a:schemeClr val="accent2"/>
+          </a:fillRef>
+          <a:effectRef idx="0">
+            <a:schemeClr val="accent2"/>
+          </a:effectRef>
+          <a:fontRef idx="minor">
+            <a:schemeClr val="lt1"/>
+          </a:fontRef>
+        </p:style>
+        <p:txBody>
+          <a:bodyPr rtlCol="0" anchor="ctr"/>
+          <a:lstStyle/>
+          <a:p>
+            <a:pPr algn="ctr"/>
+            <a:r>
+              <a:rPr lang="zh-CN" altLang="en-US" dirty="0">
+                <a:solidFill>
+                  <a:schemeClr val="tx1"/>
+                </a:solidFill>
+              </a:rPr>
+              <a:t>堆</a:t>
+            </a:r>
+            <a:endParaRPr lang="en-US" altLang="zh-CN" dirty="0">
+              <a:solidFill>
+                <a:schemeClr val="tx1"/>
+              </a:solidFill>
+            </a:endParaRPr>
+          </a:p>
+          <a:p>
+            <a:pPr algn="ctr"/>
+            <a:r>
+              <a:rPr lang="zh-CN" altLang="en-US" dirty="0">
+                <a:solidFill>
+                  <a:schemeClr val="tx1"/>
+                </a:solidFill>
+              </a:rPr>
+              <a:t>（</a:t>
+            </a:r>
+            <a:r>
+              <a:rPr lang="en-US" altLang="zh-CN" dirty="0">
+                <a:solidFill>
+                  <a:schemeClr val="tx1"/>
+                </a:solidFill>
+              </a:rPr>
+              <a:t>Heap</a:t>
+            </a:r>
+            <a:r>
+              <a:rPr lang="zh-CN" altLang="en-US" dirty="0">
+                <a:solidFill>
+                  <a:schemeClr val="tx1"/>
+                </a:solidFill>
+              </a:rPr>
+              <a:t>）</a:t>
+            </a:r>
+          </a:p>
+        </p:txBody>
+      </p:sp>
+      <p:sp>
+        <p:nvSpPr>
+          <p:cNvPr id="7" name="矩形 6"/>
+          <p:cNvSpPr/>
+          <p:nvPr/>
+        </p:nvSpPr>
+        <p:spPr>
+          <a:xfrm>
+            <a:off x="4559808" y="1042924"/>
+            <a:ext cx="2273808" cy="926592"/>
+          </a:xfrm>
+          <a:prstGeom prst="rect">
+            <a:avLst/>
+          </a:prstGeom>
+        </p:spPr>
+        <p:style>
+          <a:lnRef idx="1">
+            <a:schemeClr val="accent4"/>
+          </a:lnRef>
+          <a:fillRef idx="2">
+            <a:schemeClr val="accent4"/>
+          </a:fillRef>
+          <a:effectRef idx="1">
+            <a:schemeClr val="accent4"/>
+          </a:effectRef>
+          <a:fontRef idx="minor">
+            <a:schemeClr val="dk1"/>
+          </a:fontRef>
+        </p:style>
+        <p:txBody>
+          <a:bodyPr rtlCol="0" anchor="ctr"/>
+          <a:lstStyle/>
+          <a:p>
+            <a:pPr algn="ctr"/>
+            <a:r>
+              <a:rPr lang="zh-CN" altLang="en-US" dirty="0">
+                <a:solidFill>
+                  <a:schemeClr val="tx1"/>
+                </a:solidFill>
+              </a:rPr>
+              <a:t>虚拟机栈</a:t>
+            </a:r>
+            <a:endParaRPr lang="en-US" altLang="zh-CN" dirty="0">
+              <a:solidFill>
+                <a:schemeClr val="tx1"/>
+              </a:solidFill>
+            </a:endParaRPr>
+          </a:p>
+          <a:p>
+            <a:pPr algn="ctr"/>
+            <a:r>
+              <a:rPr lang="zh-CN" altLang="en-US" dirty="0">
+                <a:solidFill>
+                  <a:schemeClr val="tx1"/>
+                </a:solidFill>
+              </a:rPr>
+              <a:t>（</a:t>
+            </a:r>
+            <a:r>
+              <a:rPr lang="en-US" altLang="zh-CN" dirty="0">
+                <a:solidFill>
+                  <a:schemeClr val="tx1"/>
+                </a:solidFill>
+              </a:rPr>
+              <a:t>VM Stack</a:t>
+            </a:r>
+            <a:r>
+              <a:rPr lang="zh-CN" altLang="en-US" dirty="0">
+                <a:solidFill>
+                  <a:schemeClr val="tx1"/>
+                </a:solidFill>
+              </a:rPr>
+              <a:t>）</a:t>
+            </a:r>
+          </a:p>
+        </p:txBody>
+      </p:sp>
+      <p:sp>
+        <p:nvSpPr>
+          <p:cNvPr id="8" name="矩形 7"/>
+          <p:cNvSpPr/>
+          <p:nvPr/>
+        </p:nvSpPr>
+        <p:spPr>
+          <a:xfrm>
+            <a:off x="7022592" y="1042924"/>
+            <a:ext cx="2584704" cy="926592"/>
+          </a:xfrm>
+          <a:prstGeom prst="rect">
+            <a:avLst/>
+          </a:prstGeom>
+        </p:spPr>
+        <p:style>
+          <a:lnRef idx="1">
+            <a:schemeClr val="accent4"/>
+          </a:lnRef>
+          <a:fillRef idx="2">
+            <a:schemeClr val="accent4"/>
+          </a:fillRef>
+          <a:effectRef idx="1">
+            <a:schemeClr val="accent4"/>
+          </a:effectRef>
+          <a:fontRef idx="minor">
+            <a:schemeClr val="dk1"/>
+          </a:fontRef>
+        </p:style>
+        <p:txBody>
+          <a:bodyPr rtlCol="0" anchor="ctr"/>
+          <a:lstStyle/>
+          <a:p>
+            <a:pPr algn="ctr"/>
+            <a:r>
+              <a:rPr lang="zh-CN" altLang="en-US" dirty="0">
+                <a:solidFill>
+                  <a:schemeClr val="tx1"/>
+                </a:solidFill>
+              </a:rPr>
+              <a:t>本地方法栈</a:t>
+            </a:r>
+            <a:endParaRPr lang="en-US" altLang="zh-CN" dirty="0">
+              <a:solidFill>
+                <a:schemeClr val="tx1"/>
+              </a:solidFill>
+            </a:endParaRPr>
+          </a:p>
+          <a:p>
+            <a:pPr algn="ctr"/>
+            <a:r>
+              <a:rPr lang="zh-CN" altLang="en-US" dirty="0">
+                <a:solidFill>
+                  <a:schemeClr val="tx1"/>
+                </a:solidFill>
+              </a:rPr>
+              <a:t>（</a:t>
+            </a:r>
+            <a:r>
+              <a:rPr lang="en-US" altLang="zh-CN" dirty="0">
+                <a:solidFill>
+                  <a:schemeClr val="tx1"/>
+                </a:solidFill>
+              </a:rPr>
+              <a:t>Native Method Stack</a:t>
+            </a:r>
+            <a:r>
+              <a:rPr lang="zh-CN" altLang="en-US" dirty="0">
+                <a:solidFill>
+                  <a:schemeClr val="tx1"/>
+                </a:solidFill>
+              </a:rPr>
+              <a:t>）</a:t>
+            </a:r>
+          </a:p>
+        </p:txBody>
+      </p:sp>
+      <p:sp>
+        <p:nvSpPr>
+          <p:cNvPr id="9" name="矩形 8"/>
+          <p:cNvSpPr/>
+          <p:nvPr/>
+        </p:nvSpPr>
+        <p:spPr>
+          <a:xfrm>
+            <a:off x="4559808" y="2256028"/>
+            <a:ext cx="5047488" cy="926592"/>
+          </a:xfrm>
+          <a:prstGeom prst="rect">
+            <a:avLst/>
+          </a:prstGeom>
+        </p:spPr>
+        <p:style>
+          <a:lnRef idx="1">
+            <a:schemeClr val="accent4"/>
+          </a:lnRef>
+          <a:fillRef idx="2">
+            <a:schemeClr val="accent4"/>
+          </a:fillRef>
+          <a:effectRef idx="1">
+            <a:schemeClr val="accent4"/>
+          </a:effectRef>
+          <a:fontRef idx="minor">
+            <a:schemeClr val="dk1"/>
+          </a:fontRef>
+        </p:style>
+        <p:txBody>
+          <a:bodyPr rtlCol="0" anchor="ctr"/>
+          <a:lstStyle/>
+          <a:p>
+            <a:pPr algn="ctr"/>
+            <a:r>
+              <a:rPr lang="zh-CN" altLang="en-US" dirty="0">
+                <a:solidFill>
+                  <a:schemeClr val="tx1"/>
+                </a:solidFill>
+              </a:rPr>
+              <a:t>程序计数器</a:t>
+            </a:r>
+            <a:endParaRPr lang="en-US" altLang="zh-CN" dirty="0">
+              <a:solidFill>
+                <a:schemeClr val="tx1"/>
+              </a:solidFill>
+            </a:endParaRPr>
+          </a:p>
+          <a:p>
+            <a:pPr algn="ctr"/>
+            <a:r>
+              <a:rPr lang="zh-CN" altLang="en-US" dirty="0">
+                <a:solidFill>
+                  <a:schemeClr val="tx1"/>
+                </a:solidFill>
+              </a:rPr>
+              <a:t>（</a:t>
+            </a:r>
+            <a:r>
+              <a:rPr lang="en-US" altLang="zh-CN" dirty="0">
+                <a:solidFill>
+                  <a:schemeClr val="tx1"/>
+                </a:solidFill>
+              </a:rPr>
+              <a:t>Program Counter Register</a:t>
+            </a:r>
+            <a:r>
+              <a:rPr lang="zh-CN" altLang="en-US" dirty="0">
+                <a:solidFill>
+                  <a:schemeClr val="tx1"/>
+                </a:solidFill>
+              </a:rPr>
+              <a:t>）</a:t>
+            </a:r>
+          </a:p>
+        </p:txBody>
+      </p:sp>
+      <p:sp>
+        <p:nvSpPr>
+          <p:cNvPr id="10" name="文本框 9"/>
+          <p:cNvSpPr txBox="1"/>
+          <p:nvPr/>
+        </p:nvSpPr>
+        <p:spPr>
+          <a:xfrm>
+            <a:off x="5181600" y="438634"/>
+            <a:ext cx="2645664" cy="369332"/>
+          </a:xfrm>
+          <a:prstGeom prst="rect">
+            <a:avLst/>
+          </a:prstGeom>
+          <a:noFill/>
+        </p:spPr>
+        <p:txBody>
+          <a:bodyPr wrap="square" rtlCol="0">
+            <a:spAutoFit/>
+          </a:bodyPr>
+          <a:lstStyle/>
+          <a:p>
+            <a:r>
+              <a:rPr lang="zh-CN" altLang="en-US" dirty="0"/>
+              <a:t>运行时数据区</a:t>
+            </a:r>
+          </a:p>
+        </p:txBody>
+      </p:sp>
+      <p:sp>
+        <p:nvSpPr>
+          <p:cNvPr id="21" name="矩形 20"/>
+          <p:cNvSpPr/>
+          <p:nvPr/>
+        </p:nvSpPr>
+        <p:spPr>
+          <a:xfrm>
+            <a:off x="1901952" y="3899527"/>
+            <a:ext cx="634449" cy="288367"/>
+          </a:xfrm>
+          <a:prstGeom prst="rect">
+            <a:avLst/>
+          </a:prstGeom>
+        </p:spPr>
+        <p:style>
+          <a:lnRef idx="2">
+            <a:schemeClr val="accent2">
+              <a:shade val="50000"/>
+            </a:schemeClr>
+          </a:lnRef>
+          <a:fillRef idx="1">
+            <a:schemeClr val="accent2"/>
+          </a:fillRef>
+          <a:effectRef idx="0">
+            <a:schemeClr val="accent2"/>
+          </a:effectRef>
+          <a:fontRef idx="minor">
+            <a:schemeClr val="lt1"/>
+          </a:fontRef>
+        </p:style>
+        <p:txBody>
+          <a:bodyPr rtlCol="0" anchor="ctr"/>
+          <a:lstStyle/>
+          <a:p>
+            <a:pPr algn="ctr"/>
             <a:endParaRPr lang="zh-CN" altLang="en-US" dirty="0">
               <a:solidFill>
                 <a:schemeClr val="tx1"/>
@@ -3101,33 +3465,31 @@
       </p:sp>
       <p:sp>
         <p:nvSpPr>
-          <p:cNvPr id="6" name="矩形 5"/>
+          <p:cNvPr id="22" name="矩形 21"/>
           <p:cNvSpPr/>
           <p:nvPr/>
         </p:nvSpPr>
         <p:spPr>
           <a:xfrm>
-            <a:off x="1901952" y="2256028"/>
-            <a:ext cx="1962912" cy="926592"/>
-          </a:xfrm>
-          <a:prstGeom prst="rect">
-            <a:avLst/>
-          </a:prstGeom>
-        </p:spPr>
-        <p:style>
-          <a:lnRef idx="2">
-            <a:schemeClr val="accent2">
-              <a:shade val="50000"/>
-            </a:schemeClr>
-          </a:lnRef>
-          <a:fillRef idx="1">
-            <a:schemeClr val="accent2"/>
-          </a:fillRef>
-          <a:effectRef idx="0">
-            <a:schemeClr val="accent2"/>
-          </a:effectRef>
-          <a:fontRef idx="minor">
-            <a:schemeClr val="lt1"/>
+            <a:off x="5673190" y="3888861"/>
+            <a:ext cx="634449" cy="288038"/>
+          </a:xfrm>
+          <a:prstGeom prst="rect">
+            <a:avLst/>
+          </a:prstGeom>
+        </p:spPr>
+        <p:style>
+          <a:lnRef idx="1">
+            <a:schemeClr val="accent4"/>
+          </a:lnRef>
+          <a:fillRef idx="2">
+            <a:schemeClr val="accent4"/>
+          </a:fillRef>
+          <a:effectRef idx="1">
+            <a:schemeClr val="accent4"/>
+          </a:effectRef>
+          <a:fontRef idx="minor">
+            <a:schemeClr val="dk1"/>
           </a:fontRef>
         </p:style>
         <p:txBody>
@@ -3135,46 +3497,6 @@
           <a:lstStyle/>
           <a:p>
             <a:pPr algn="ctr"/>
-            <a:r>
-              <a:rPr lang="zh-CN" altLang="en-US" dirty="0" smtClean="0">
-                <a:solidFill>
-                  <a:schemeClr val="tx1"/>
-                </a:solidFill>
-              </a:rPr>
-              <a:t>堆</a:t>
-            </a:r>
-            <a:endParaRPr lang="en-US" altLang="zh-CN" dirty="0" smtClean="0">
-              <a:solidFill>
-                <a:schemeClr val="tx1"/>
-              </a:solidFill>
-            </a:endParaRPr>
-          </a:p>
-          <a:p>
-            <a:pPr algn="ctr"/>
-            <a:r>
-              <a:rPr lang="zh-CN" altLang="en-US" dirty="0" smtClean="0">
-                <a:solidFill>
-                  <a:schemeClr val="tx1"/>
-                </a:solidFill>
-              </a:rPr>
-              <a:t>（</a:t>
-            </a:r>
-            <a:r>
-              <a:rPr lang="en-US" altLang="zh-CN" dirty="0" smtClean="0">
-                <a:solidFill>
-                  <a:schemeClr val="tx1"/>
-                </a:solidFill>
-              </a:rPr>
-              <a:t>Heap</a:t>
-            </a:r>
-            <a:r>
-              <a:rPr lang="zh-CN" altLang="en-US" dirty="0" smtClean="0">
-                <a:solidFill>
-                  <a:schemeClr val="tx1"/>
-                </a:solidFill>
-              </a:rPr>
-              <a:t>）</a:t>
-            </a:r>
             <a:endParaRPr lang="zh-CN" altLang="en-US" dirty="0">
               <a:solidFill>
                 <a:schemeClr val="tx1"/>
@@ -3185,259 +3507,13 @@
       </p:sp>
       <p:sp>
         <p:nvSpPr>
-          <p:cNvPr id="7" name="矩形 6"/>
-          <p:cNvSpPr/>
-          <p:nvPr/>
-        </p:nvSpPr>
-        <p:spPr>
-          <a:xfrm>
-            <a:off x="4559808" y="1042924"/>
-            <a:ext cx="2273808" cy="926592"/>
-          </a:xfrm>
-          <a:prstGeom prst="rect">
-            <a:avLst/>
-          </a:prstGeom>
-        </p:spPr>
-        <p:style>
-          <a:lnRef idx="1">
-            <a:schemeClr val="accent4"/>
-          </a:lnRef>
-          <a:fillRef idx="2">
-            <a:schemeClr val="accent4"/>
-          </a:fillRef>
-          <a:effectRef idx="1">
-            <a:schemeClr val="accent4"/>
-          </a:effectRef>
-          <a:fontRef idx="minor">
-            <a:schemeClr val="dk1"/>
-          </a:fontRef>
-        </p:style>
-        <p:txBody>
-          <a:bodyPr rtlCol="0" anchor="ctr"/>
-          <a:lstStyle/>
-          <a:p>
-            <a:pPr algn="ctr"/>
-            <a:r>
-              <a:rPr lang="zh-CN" altLang="en-US" dirty="0" smtClean="0">
-                <a:solidFill>
-                  <a:schemeClr val="tx1"/>
-                </a:solidFill>
-              </a:rPr>
-              <a:t>虚拟机栈</a:t>
-            </a:r>
-            <a:endParaRPr lang="en-US" altLang="zh-CN" dirty="0" smtClean="0">
-              <a:solidFill>
-                <a:schemeClr val="tx1"/>
-              </a:solidFill>
-            </a:endParaRPr>
-          </a:p>
-          <a:p>
-            <a:pPr algn="ctr"/>
-            <a:r>
-              <a:rPr lang="zh-CN" altLang="en-US" dirty="0" smtClean="0">
-                <a:solidFill>
-                  <a:schemeClr val="tx1"/>
-                </a:solidFill>
-              </a:rPr>
-              <a:t>（</a:t>
-            </a:r>
-            <a:r>
-              <a:rPr lang="en-US" altLang="zh-CN" dirty="0" smtClean="0">
-                <a:solidFill>
-                  <a:schemeClr val="tx1"/>
-                </a:solidFill>
-              </a:rPr>
-              <a:t>VM Stack</a:t>
-            </a:r>
-            <a:r>
-              <a:rPr lang="zh-CN" altLang="en-US" dirty="0" smtClean="0">
-                <a:solidFill>
-                  <a:schemeClr val="tx1"/>
-                </a:solidFill>
-              </a:rPr>
-              <a:t>）</a:t>
-            </a:r>
-            <a:endParaRPr lang="zh-CN" altLang="en-US" dirty="0">
-              <a:solidFill>
-                <a:schemeClr val="tx1"/>
-              </a:solidFill>
-            </a:endParaRPr>
-          </a:p>
-        </p:txBody>
-      </p:sp>
-      <p:sp>
-        <p:nvSpPr>
-          <p:cNvPr id="8" name="矩形 7"/>
-          <p:cNvSpPr/>
-          <p:nvPr/>
-        </p:nvSpPr>
-        <p:spPr>
-          <a:xfrm>
-            <a:off x="7022592" y="1042924"/>
-            <a:ext cx="2584704" cy="926592"/>
-          </a:xfrm>
-          <a:prstGeom prst="rect">
-            <a:avLst/>
-          </a:prstGeom>
-        </p:spPr>
-        <p:style>
-          <a:lnRef idx="1">
-            <a:schemeClr val="accent4"/>
-          </a:lnRef>
-          <a:fillRef idx="2">
-            <a:schemeClr val="accent4"/>
-          </a:fillRef>
-          <a:effectRef idx="1">
-            <a:schemeClr val="accent4"/>
-          </a:effectRef>
-          <a:fontRef idx="minor">
-            <a:schemeClr val="dk1"/>
-          </a:fontRef>
-        </p:style>
-        <p:txBody>
-          <a:bodyPr rtlCol="0" anchor="ctr"/>
-          <a:lstStyle/>
-          <a:p>
-            <a:pPr algn="ctr"/>
-            <a:r>
-              <a:rPr lang="zh-CN" altLang="en-US" dirty="0" smtClean="0">
-                <a:solidFill>
-                  <a:schemeClr val="tx1"/>
-                </a:solidFill>
-              </a:rPr>
-              <a:t>本地方法栈</a:t>
-            </a:r>
-            <a:endParaRPr lang="en-US" altLang="zh-CN" dirty="0" smtClean="0">
-              <a:solidFill>
-                <a:schemeClr val="tx1"/>
-              </a:solidFill>
-            </a:endParaRPr>
-          </a:p>
-          <a:p>
-            <a:pPr algn="ctr"/>
-            <a:r>
-              <a:rPr lang="zh-CN" altLang="en-US" dirty="0" smtClean="0">
-                <a:solidFill>
-                  <a:schemeClr val="tx1"/>
-                </a:solidFill>
-              </a:rPr>
-              <a:t>（</a:t>
-            </a:r>
-            <a:r>
-              <a:rPr lang="en-US" altLang="zh-CN" dirty="0" smtClean="0">
-                <a:solidFill>
-                  <a:schemeClr val="tx1"/>
-                </a:solidFill>
-              </a:rPr>
-              <a:t>Native Method Stack</a:t>
-            </a:r>
-            <a:r>
-              <a:rPr lang="zh-CN" altLang="en-US" dirty="0" smtClean="0">
-                <a:solidFill>
-                  <a:schemeClr val="tx1"/>
-                </a:solidFill>
-              </a:rPr>
-              <a:t>）</a:t>
-            </a:r>
-            <a:endParaRPr lang="zh-CN" altLang="en-US" dirty="0">
-              <a:solidFill>
-                <a:schemeClr val="tx1"/>
-              </a:solidFill>
-            </a:endParaRPr>
-          </a:p>
-        </p:txBody>
-      </p:sp>
-      <p:sp>
-        <p:nvSpPr>
-          <p:cNvPr id="9" name="矩形 8"/>
-          <p:cNvSpPr/>
-          <p:nvPr/>
-        </p:nvSpPr>
-        <p:spPr>
-          <a:xfrm>
-            <a:off x="4559808" y="2256028"/>
-            <a:ext cx="5047488" cy="926592"/>
-          </a:xfrm>
-          <a:prstGeom prst="rect">
-            <a:avLst/>
-          </a:prstGeom>
-        </p:spPr>
-        <p:style>
-          <a:lnRef idx="1">
-            <a:schemeClr val="accent4"/>
-          </a:lnRef>
-          <a:fillRef idx="2">
-            <a:schemeClr val="accent4"/>
-          </a:fillRef>
-          <a:effectRef idx="1">
-            <a:schemeClr val="accent4"/>
-          </a:effectRef>
-          <a:fontRef idx="minor">
-            <a:schemeClr val="dk1"/>
-          </a:fontRef>
-        </p:style>
-        <p:txBody>
-          <a:bodyPr rtlCol="0" anchor="ctr"/>
-          <a:lstStyle/>
-          <a:p>
-            <a:pPr algn="ctr"/>
-            <a:r>
-              <a:rPr lang="zh-CN" altLang="en-US" dirty="0" smtClean="0">
-                <a:solidFill>
-                  <a:schemeClr val="tx1"/>
-                </a:solidFill>
-              </a:rPr>
-              <a:t>程序计数器</a:t>
-            </a:r>
-            <a:endParaRPr lang="en-US" altLang="zh-CN" dirty="0" smtClean="0">
-              <a:solidFill>
-                <a:schemeClr val="tx1"/>
-              </a:solidFill>
-            </a:endParaRPr>
-          </a:p>
-          <a:p>
-            <a:pPr algn="ctr"/>
-            <a:r>
-              <a:rPr lang="zh-CN" altLang="en-US" dirty="0" smtClean="0">
-                <a:solidFill>
-                  <a:schemeClr val="tx1"/>
-                </a:solidFill>
-              </a:rPr>
-              <a:t>（</a:t>
-            </a:r>
-            <a:r>
-              <a:rPr lang="en-US" altLang="zh-CN" dirty="0" smtClean="0">
-                <a:solidFill>
-                  <a:schemeClr val="tx1"/>
-                </a:solidFill>
-              </a:rPr>
-              <a:t>Program Counter Register</a:t>
-            </a:r>
-            <a:r>
-              <a:rPr lang="zh-CN" altLang="en-US" dirty="0" smtClean="0">
-                <a:solidFill>
-                  <a:schemeClr val="tx1"/>
-                </a:solidFill>
-              </a:rPr>
-              <a:t>）</a:t>
-            </a:r>
-            <a:endParaRPr lang="zh-CN" altLang="en-US" dirty="0">
-              <a:solidFill>
-                <a:schemeClr val="tx1"/>
-              </a:solidFill>
-            </a:endParaRPr>
-          </a:p>
-        </p:txBody>
-      </p:sp>
-      <p:sp>
-        <p:nvSpPr>
-          <p:cNvPr id="10" name="文本框 9"/>
+          <p:cNvPr id="23" name="文本框 22"/>
           <p:cNvSpPr txBox="1"/>
           <p:nvPr/>
         </p:nvSpPr>
         <p:spPr>
           <a:xfrm>
-            <a:off x="5181600" y="438634"/>
+            <a:off x="2718816" y="3859044"/>
             <a:ext cx="2645664" cy="369332"/>
           </a:xfrm>
           <a:prstGeom prst="rect">
@@ -3452,108 +3528,21 @@
           <a:lstStyle/>
           <a:p>
             <a:r>
-              <a:rPr lang="zh-CN" altLang="en-US" dirty="0" smtClean="0"/>
-              <a:t>运行时数据区</a:t>
-            </a:r>
-            <a:endParaRPr lang="zh-CN" altLang="en-US" dirty="0"/>
-          </a:p>
-        </p:txBody>
-      </p:sp>
-      <p:sp>
-        <p:nvSpPr>
-          <p:cNvPr id="21" name="矩形 20"/>
-          <p:cNvSpPr/>
-          <p:nvPr/>
-        </p:nvSpPr>
-        <p:spPr>
-          <a:xfrm>
-            <a:off x="1901952" y="3899527"/>
-            <a:ext cx="634449" cy="288367"/>
-          </a:xfrm>
-          <a:prstGeom prst="rect">
-            <a:avLst/>
-          </a:prstGeom>
-        </p:spPr>
-        <p:style>
-          <a:lnRef idx="2">
-            <a:schemeClr val="accent2">
-              <a:shade val="50000"/>
-            </a:schemeClr>
-          </a:lnRef>
-          <a:fillRef idx="1">
-            <a:schemeClr val="accent2"/>
-          </a:fillRef>
-          <a:effectRef idx="0">
-            <a:schemeClr val="accent2"/>
-          </a:effectRef>
-          <a:fontRef idx="minor">
-            <a:schemeClr val="lt1"/>
-          </a:fontRef>
-        </p:style>
-        <p:txBody>
-          <a:bodyPr rtlCol="0" anchor="ctr"/>
-          <a:lstStyle/>
-          <a:p>
-            <a:pPr algn="ctr"/>
-            <a:endParaRPr lang="zh-CN" altLang="en-US" dirty="0">
-              <a:solidFill>
-                <a:schemeClr val="tx1"/>
-              </a:solidFill>
-            </a:endParaRPr>
-          </a:p>
-        </p:txBody>
-      </p:sp>
-      <p:sp>
-        <p:nvSpPr>
-          <p:cNvPr id="22" name="矩形 21"/>
-          <p:cNvSpPr/>
-          <p:nvPr/>
-        </p:nvSpPr>
-        <p:spPr>
-          <a:xfrm>
-            <a:off x="5673190" y="3888861"/>
-            <a:ext cx="634449" cy="288038"/>
-          </a:xfrm>
-          <a:prstGeom prst="rect">
-            <a:avLst/>
-          </a:prstGeom>
-        </p:spPr>
-        <p:style>
-          <a:lnRef idx="1">
-            <a:schemeClr val="accent4"/>
-          </a:lnRef>
-          <a:fillRef idx="2">
-            <a:schemeClr val="accent4"/>
-          </a:fillRef>
-          <a:effectRef idx="1">
-            <a:schemeClr val="accent4"/>
-          </a:effectRef>
-          <a:fontRef idx="minor">
-            <a:schemeClr val="dk1"/>
-          </a:fontRef>
-        </p:style>
-        <p:txBody>
-          <a:bodyPr rtlCol="0" anchor="ctr"/>
-          <a:lstStyle/>
-          <a:p>
-            <a:pPr algn="ctr"/>
-            <a:endParaRPr lang="zh-CN" altLang="en-US" dirty="0">
-              <a:solidFill>
-                <a:schemeClr val="tx1"/>
-              </a:solidFill>
-            </a:endParaRPr>
-          </a:p>
-        </p:txBody>
-      </p:sp>
-      <p:sp>
-        <p:nvSpPr>
-          <p:cNvPr id="23" name="文本框 22"/>
+              <a:rPr lang="zh-CN" altLang="en-US" dirty="0"/>
+              <a:t>线程共享的数据区</a:t>
+            </a:r>
+          </a:p>
+        </p:txBody>
+      </p:sp>
+      <p:sp>
+        <p:nvSpPr>
+          <p:cNvPr id="24" name="文本框 23"/>
           <p:cNvSpPr txBox="1"/>
           <p:nvPr/>
         </p:nvSpPr>
         <p:spPr>
           <a:xfrm>
-            <a:off x="2718816" y="3859044"/>
+            <a:off x="6504432" y="3859044"/>
             <a:ext cx="2645664" cy="369332"/>
           </a:xfrm>
           <a:prstGeom prst="rect">
@@ -3568,40 +3557,9 @@
           <a:lstStyle/>
           <a:p>
             <a:r>
-              <a:rPr lang="zh-CN" altLang="en-US" dirty="0" smtClean="0"/>
-              <a:t>线程共享的数据区</a:t>
-            </a:r>
-            <a:endParaRPr lang="zh-CN" altLang="en-US" dirty="0"/>
-          </a:p>
-        </p:txBody>
-      </p:sp>
-      <p:sp>
-        <p:nvSpPr>
-          <p:cNvPr id="24" name="文本框 23"/>
-          <p:cNvSpPr txBox="1"/>
-          <p:nvPr/>
-        </p:nvSpPr>
-        <p:spPr>
-          <a:xfrm>
-            <a:off x="6504432" y="3859044"/>
-            <a:ext cx="2645664" cy="369332"/>
-          </a:xfrm>
-          <a:prstGeom prst="rect">
-            <a:avLst/>
-          </a:prstGeom>
-          <a:noFill/>
-        </p:spPr>
-        <p:txBody>
-          <a:bodyPr wrap="square" rtlCol="0">
-            <a:spAutoFit/>
-          </a:bodyPr>
-          <a:lstStyle/>
-          <a:p>
-            <a:r>
-              <a:rPr lang="zh-CN" altLang="en-US" dirty="0" smtClean="0"/>
+              <a:rPr lang="zh-CN" altLang="en-US" dirty="0"/>
               <a:t>线程隔离的数据区</a:t>
             </a:r>
-            <a:endParaRPr lang="zh-CN" altLang="en-US" dirty="0"/>
           </a:p>
         </p:txBody>
       </p:sp>
@@ -3609,6 +3567,36 @@
     <p:extLst>
       <p:ext uri="{BB962C8B-B14F-4D97-AF65-F5344CB8AC3E}">
         <p14:creationId xmlns:p14="http://schemas.microsoft.com/office/powerpoint/2010/main" val="1091646619"/>
+      </p:ext>
+    </p:extLst>
+  </p:cSld>
+  <p:clrMapOvr>
+    <a:masterClrMapping/>
+  </p:clrMapOvr>
+</p:sld>
+</file>
+
+<file path=ppt/slides/slide10.xml><?xml version="1.0" encoding="utf-8"?>
+<p:sld xmlns:a="http://schemas.openxmlformats.org/drawingml/2006/main" xmlns:r="http://schemas.openxmlformats.org/officeDocument/2006/relationships" xmlns:p="http://schemas.openxmlformats.org/presentationml/2006/main">
+  <p:cSld>
+    <p:spTree>
+      <p:nvGrpSpPr>
+        <p:cNvPr id="1" name=""/>
+        <p:cNvGrpSpPr/>
+        <p:nvPr/>
+      </p:nvGrpSpPr>
+      <p:grpSpPr>
+        <a:xfrm>
+          <a:off x="0" y="0"/>
+          <a:ext cx="0" cy="0"/>
+          <a:chOff x="0" y="0"/>
+          <a:chExt cx="0" cy="0"/>
+        </a:xfrm>
+      </p:grpSpPr>
+    </p:spTree>
+    <p:extLst>
+      <p:ext uri="{BB962C8B-B14F-4D97-AF65-F5344CB8AC3E}">
+        <p14:creationId xmlns:p14="http://schemas.microsoft.com/office/powerpoint/2010/main" val="3862802396"/>
       </p:ext>
     </p:extLst>
   </p:cSld>
@@ -3673,13 +3661,8 @@
             <a:pPr algn="ctr"/>
             <a:r>
               <a:rPr lang="zh-CN" altLang="en-US" sz="1200" dirty="0"/>
-              <a:t>不可</a:t>
-            </a:r>
-            <a:r>
-              <a:rPr lang="zh-CN" altLang="en-US" sz="1200" dirty="0" smtClean="0"/>
-              <a:t>达对象</a:t>
-            </a:r>
-            <a:endParaRPr lang="zh-CN" altLang="en-US" sz="1200" dirty="0"/>
+              <a:t>不可达对象</a:t>
+            </a:r>
           </a:p>
         </p:txBody>
       </p:sp>
@@ -3720,10 +3703,9 @@
           <a:p>
             <a:pPr algn="ctr"/>
             <a:r>
-              <a:rPr lang="zh-CN" altLang="en-US" sz="1200" dirty="0" smtClean="0"/>
+              <a:rPr lang="zh-CN" altLang="en-US" sz="1200" dirty="0"/>
               <a:t>对象被第一次标记</a:t>
             </a:r>
-            <a:endParaRPr lang="zh-CN" altLang="en-US" sz="1200" dirty="0"/>
           </a:p>
         </p:txBody>
       </p:sp>
@@ -3762,18 +3744,17 @@
           <a:p>
             <a:pPr algn="ctr"/>
             <a:r>
-              <a:rPr lang="zh-CN" altLang="en-US" sz="1200" dirty="0" smtClean="0"/>
+              <a:rPr lang="zh-CN" altLang="en-US" sz="1200" dirty="0"/>
               <a:t>是否有必要执行</a:t>
             </a:r>
             <a:r>
-              <a:rPr lang="en-US" altLang="zh-CN" sz="1200" dirty="0" smtClean="0"/>
+              <a:rPr lang="en-US" altLang="zh-CN" sz="1200" dirty="0"/>
               <a:t>finalize()</a:t>
             </a:r>
             <a:r>
-              <a:rPr lang="zh-CN" altLang="en-US" sz="1200" dirty="0" smtClean="0"/>
+              <a:rPr lang="zh-CN" altLang="en-US" sz="1200" dirty="0"/>
               <a:t>方法</a:t>
             </a:r>
-            <a:endParaRPr lang="zh-CN" altLang="en-US" sz="1200" dirty="0"/>
           </a:p>
         </p:txBody>
       </p:sp>
@@ -3814,22 +3795,21 @@
           <a:p>
             <a:pPr algn="ctr"/>
             <a:r>
-              <a:rPr lang="zh-CN" altLang="en-US" sz="1200" dirty="0" smtClean="0"/>
+              <a:rPr lang="zh-CN" altLang="en-US" sz="1200" dirty="0"/>
               <a:t>对象被加入</a:t>
             </a:r>
-            <a:endParaRPr lang="en-US" altLang="zh-CN" sz="1200" dirty="0" smtClean="0"/>
-          </a:p>
-          <a:p>
-            <a:pPr algn="ctr"/>
-            <a:r>
-              <a:rPr lang="en-US" altLang="zh-CN" sz="1200" dirty="0" smtClean="0"/>
+            <a:endParaRPr lang="en-US" altLang="zh-CN" sz="1200" dirty="0"/>
+          </a:p>
+          <a:p>
+            <a:pPr algn="ctr"/>
+            <a:r>
+              <a:rPr lang="en-US" altLang="zh-CN" sz="1200" dirty="0"/>
               <a:t>F-Queue</a:t>
             </a:r>
             <a:r>
-              <a:rPr lang="zh-CN" altLang="en-US" sz="1200" dirty="0" smtClean="0"/>
+              <a:rPr lang="zh-CN" altLang="en-US" sz="1200" dirty="0"/>
               <a:t>队列</a:t>
             </a:r>
-            <a:endParaRPr lang="zh-CN" altLang="en-US" sz="1200" dirty="0"/>
           </a:p>
         </p:txBody>
       </p:sp>
@@ -3870,10 +3850,9 @@
           <a:p>
             <a:pPr algn="ctr"/>
             <a:r>
-              <a:rPr lang="zh-CN" altLang="en-US" sz="1200" dirty="0" smtClean="0"/>
+              <a:rPr lang="zh-CN" altLang="en-US" sz="1200" dirty="0"/>
               <a:t>对象被第二次标记</a:t>
             </a:r>
-            <a:endParaRPr lang="zh-CN" altLang="en-US" sz="1200" dirty="0"/>
           </a:p>
         </p:txBody>
       </p:sp>
@@ -3914,10 +3893,9 @@
           <a:p>
             <a:pPr algn="ctr"/>
             <a:r>
-              <a:rPr lang="zh-CN" altLang="en-US" sz="1200" dirty="0" smtClean="0"/>
+              <a:rPr lang="zh-CN" altLang="en-US" sz="1200" dirty="0"/>
               <a:t>对象回收</a:t>
             </a:r>
-            <a:endParaRPr lang="zh-CN" altLang="en-US" sz="1200" dirty="0"/>
           </a:p>
         </p:txBody>
       </p:sp>
@@ -3958,18 +3936,17 @@
           <a:p>
             <a:pPr algn="ctr"/>
             <a:r>
-              <a:rPr lang="zh-CN" altLang="en-US" sz="1200" dirty="0" smtClean="0"/>
+              <a:rPr lang="zh-CN" altLang="en-US" sz="1200" dirty="0"/>
               <a:t>对象在</a:t>
             </a:r>
             <a:r>
-              <a:rPr lang="en-US" altLang="zh-CN" sz="1200" dirty="0" smtClean="0"/>
+              <a:rPr lang="en-US" altLang="zh-CN" sz="1200" dirty="0"/>
               <a:t>finalize()</a:t>
             </a:r>
             <a:r>
-              <a:rPr lang="zh-CN" altLang="en-US" sz="1200" dirty="0" smtClean="0"/>
+              <a:rPr lang="zh-CN" altLang="en-US" sz="1200" dirty="0"/>
               <a:t>方法中自救</a:t>
             </a:r>
-            <a:endParaRPr lang="zh-CN" altLang="en-US" sz="1200" dirty="0"/>
           </a:p>
         </p:txBody>
       </p:sp>
@@ -4316,7 +4293,7 @@
           <a:lstStyle/>
           <a:p>
             <a:r>
-              <a:rPr lang="en-US" altLang="zh-CN" sz="1200" dirty="0" smtClean="0"/>
+              <a:rPr lang="en-US" altLang="zh-CN" sz="1200" dirty="0"/>
               <a:t>N</a:t>
             </a:r>
             <a:endParaRPr lang="zh-CN" altLang="en-US" sz="1200" dirty="0"/>
@@ -4346,7 +4323,7 @@
           <a:lstStyle/>
           <a:p>
             <a:r>
-              <a:rPr lang="en-US" altLang="zh-CN" sz="1200" dirty="0" smtClean="0"/>
+              <a:rPr lang="en-US" altLang="zh-CN" sz="1200" dirty="0"/>
               <a:t>Y</a:t>
             </a:r>
             <a:endParaRPr lang="zh-CN" altLang="en-US" sz="1200" dirty="0"/>
@@ -4376,7 +4353,7 @@
           <a:lstStyle/>
           <a:p>
             <a:r>
-              <a:rPr lang="en-US" altLang="zh-CN" sz="1200" dirty="0" smtClean="0"/>
+              <a:rPr lang="en-US" altLang="zh-CN" sz="1200" dirty="0"/>
               <a:t>N</a:t>
             </a:r>
             <a:endParaRPr lang="zh-CN" altLang="en-US" sz="1200" dirty="0"/>
@@ -4420,18 +4397,17 @@
           <a:p>
             <a:pPr algn="ctr"/>
             <a:r>
-              <a:rPr lang="zh-CN" altLang="en-US" sz="1200" dirty="0" smtClean="0"/>
+              <a:rPr lang="zh-CN" altLang="en-US" sz="1200" dirty="0"/>
               <a:t>对象被移出</a:t>
             </a:r>
-            <a:endParaRPr lang="en-US" altLang="zh-CN" sz="1200" dirty="0" smtClean="0"/>
-          </a:p>
-          <a:p>
-            <a:pPr algn="ctr"/>
-            <a:r>
-              <a:rPr lang="zh-CN" altLang="en-US" sz="1200" dirty="0" smtClean="0"/>
+            <a:endParaRPr lang="en-US" altLang="zh-CN" sz="1200" dirty="0"/>
+          </a:p>
+          <a:p>
+            <a:pPr algn="ctr"/>
+            <a:r>
+              <a:rPr lang="zh-CN" altLang="en-US" sz="1200" dirty="0"/>
               <a:t>回收队列</a:t>
             </a:r>
-            <a:endParaRPr lang="zh-CN" altLang="en-US" sz="1200" dirty="0"/>
           </a:p>
         </p:txBody>
       </p:sp>
@@ -4491,7 +4467,7 @@
           <a:lstStyle/>
           <a:p>
             <a:r>
-              <a:rPr lang="en-US" altLang="zh-CN" sz="1200" dirty="0" smtClean="0"/>
+              <a:rPr lang="en-US" altLang="zh-CN" sz="1200" dirty="0"/>
               <a:t>Y</a:t>
             </a:r>
             <a:endParaRPr lang="zh-CN" altLang="en-US" sz="1200" dirty="0"/>
@@ -4508,13 +4484,6 @@
   <p:clrMapOvr>
     <a:masterClrMapping/>
   </p:clrMapOvr>
-  <p:timing>
-    <p:tnLst>
-      <p:par>
-        <p:cTn id="1" dur="indefinite" restart="never" nodeType="tmRoot"/>
-      </p:par>
-    </p:tnLst>
-  </p:timing>
 </p:sld>
 </file>
 
@@ -5970,18 +5939,13 @@
           <a:p>
             <a:pPr algn="ctr"/>
             <a:r>
-              <a:rPr lang="zh-CN" altLang="en-US" sz="1200" dirty="0" smtClean="0">
+              <a:rPr lang="zh-CN" altLang="en-US" sz="1200" dirty="0">
                 <a:solidFill>
                   <a:schemeClr val="tx1"/>
                 </a:solidFill>
               </a:rPr>
               <a:t>存活对象</a:t>
             </a:r>
-            <a:endParaRPr lang="zh-CN" altLang="en-US" sz="1200" dirty="0">
-              <a:solidFill>
-                <a:schemeClr val="tx1"/>
-              </a:solidFill>
-            </a:endParaRPr>
           </a:p>
         </p:txBody>
       </p:sp>
@@ -6078,18 +6042,13 @@
           <a:p>
             <a:pPr algn="ctr"/>
             <a:r>
-              <a:rPr lang="zh-CN" altLang="en-US" sz="1200" dirty="0" smtClean="0">
+              <a:rPr lang="zh-CN" altLang="en-US" sz="1200" dirty="0">
                 <a:solidFill>
                   <a:schemeClr val="tx1"/>
                 </a:solidFill>
               </a:rPr>
               <a:t>未使用</a:t>
             </a:r>
-            <a:endParaRPr lang="zh-CN" altLang="en-US" sz="1200" dirty="0">
-              <a:solidFill>
-                <a:schemeClr val="tx1"/>
-              </a:solidFill>
-            </a:endParaRPr>
           </a:p>
         </p:txBody>
       </p:sp>
@@ -6116,10 +6075,9 @@
           <a:lstStyle/>
           <a:p>
             <a:r>
-              <a:rPr lang="zh-CN" altLang="en-US" sz="1200" dirty="0" smtClean="0"/>
+              <a:rPr lang="zh-CN" altLang="en-US" sz="1200" dirty="0"/>
               <a:t>回收前状态：</a:t>
             </a:r>
-            <a:endParaRPr lang="zh-CN" altLang="en-US" sz="1200" dirty="0"/>
           </a:p>
         </p:txBody>
       </p:sp>
@@ -6146,10 +6104,9 @@
           <a:lstStyle/>
           <a:p>
             <a:r>
-              <a:rPr lang="zh-CN" altLang="en-US" sz="1200" dirty="0" smtClean="0"/>
+              <a:rPr lang="zh-CN" altLang="en-US" sz="1200" dirty="0"/>
               <a:t>回收后状态：</a:t>
             </a:r>
-            <a:endParaRPr lang="zh-CN" altLang="en-US" sz="1200" dirty="0"/>
           </a:p>
         </p:txBody>
       </p:sp>
@@ -7608,13 +7565,5145 @@
   <p:clrMapOvr>
     <a:masterClrMapping/>
   </p:clrMapOvr>
-  <p:timing>
-    <p:tnLst>
-      <p:par>
-        <p:cTn id="1" dur="indefinite" restart="never" nodeType="tmRoot"/>
-      </p:par>
-    </p:tnLst>
-  </p:timing>
+</p:sld>
+</file>
+
+<file path=ppt/slides/slide4.xml><?xml version="1.0" encoding="utf-8"?>
+<p:sld xmlns:a="http://schemas.openxmlformats.org/drawingml/2006/main" xmlns:r="http://schemas.openxmlformats.org/officeDocument/2006/relationships" xmlns:p="http://schemas.openxmlformats.org/presentationml/2006/main">
+  <p:cSld>
+    <p:spTree>
+      <p:nvGrpSpPr>
+        <p:cNvPr id="1" name=""/>
+        <p:cNvGrpSpPr/>
+        <p:nvPr/>
+      </p:nvGrpSpPr>
+      <p:grpSpPr>
+        <a:xfrm>
+          <a:off x="0" y="0"/>
+          <a:ext cx="0" cy="0"/>
+          <a:chOff x="0" y="0"/>
+          <a:chExt cx="0" cy="0"/>
+        </a:xfrm>
+      </p:grpSpPr>
+      <p:sp>
+        <p:nvSpPr>
+          <p:cNvPr id="4" name="矩形 3">
+            <a:extLst>
+              <a:ext uri="{FF2B5EF4-FFF2-40B4-BE49-F238E27FC236}">
+                <a16:creationId xmlns:a16="http://schemas.microsoft.com/office/drawing/2014/main" id="{E2364B44-65BF-4B76-9C78-F3EA50840076}"/>
+              </a:ext>
+            </a:extLst>
+          </p:cNvPr>
+          <p:cNvSpPr/>
+          <p:nvPr/>
+        </p:nvSpPr>
+        <p:spPr>
+          <a:xfrm>
+            <a:off x="1180730" y="896644"/>
+            <a:ext cx="3053918" cy="4314547"/>
+          </a:xfrm>
+          <a:prstGeom prst="rect">
+            <a:avLst/>
+          </a:prstGeom>
+          <a:solidFill>
+            <a:schemeClr val="accent6">
+              <a:lumMod val="40000"/>
+              <a:lumOff val="60000"/>
+            </a:schemeClr>
+          </a:solidFill>
+        </p:spPr>
+        <p:style>
+          <a:lnRef idx="2">
+            <a:schemeClr val="accent6">
+              <a:shade val="50000"/>
+            </a:schemeClr>
+          </a:lnRef>
+          <a:fillRef idx="1">
+            <a:schemeClr val="accent6"/>
+          </a:fillRef>
+          <a:effectRef idx="0">
+            <a:schemeClr val="accent6"/>
+          </a:effectRef>
+          <a:fontRef idx="minor">
+            <a:schemeClr val="lt1"/>
+          </a:fontRef>
+        </p:style>
+        <p:txBody>
+          <a:bodyPr rtlCol="0" anchor="ctr"/>
+          <a:lstStyle/>
+          <a:p>
+            <a:pPr algn="ctr"/>
+            <a:endParaRPr lang="zh-CN" altLang="en-US" dirty="0">
+              <a:solidFill>
+                <a:srgbClr val="FF0000"/>
+              </a:solidFill>
+            </a:endParaRPr>
+          </a:p>
+        </p:txBody>
+      </p:sp>
+      <p:sp>
+        <p:nvSpPr>
+          <p:cNvPr id="5" name="矩形 4">
+            <a:extLst>
+              <a:ext uri="{FF2B5EF4-FFF2-40B4-BE49-F238E27FC236}">
+                <a16:creationId xmlns:a16="http://schemas.microsoft.com/office/drawing/2014/main" id="{292C6ED1-4D53-4364-95C7-DD8C827AF266}"/>
+              </a:ext>
+            </a:extLst>
+          </p:cNvPr>
+          <p:cNvSpPr/>
+          <p:nvPr/>
+        </p:nvSpPr>
+        <p:spPr>
+          <a:xfrm>
+            <a:off x="5971342" y="927796"/>
+            <a:ext cx="3053918" cy="4314547"/>
+          </a:xfrm>
+          <a:prstGeom prst="rect">
+            <a:avLst/>
+          </a:prstGeom>
+          <a:solidFill>
+            <a:schemeClr val="accent1">
+              <a:lumMod val="40000"/>
+              <a:lumOff val="60000"/>
+            </a:schemeClr>
+          </a:solidFill>
+          <a:ln>
+            <a:solidFill>
+              <a:schemeClr val="accent5">
+                <a:lumMod val="40000"/>
+                <a:lumOff val="60000"/>
+              </a:schemeClr>
+            </a:solidFill>
+          </a:ln>
+        </p:spPr>
+        <p:style>
+          <a:lnRef idx="1">
+            <a:schemeClr val="accent6"/>
+          </a:lnRef>
+          <a:fillRef idx="3">
+            <a:schemeClr val="accent6"/>
+          </a:fillRef>
+          <a:effectRef idx="2">
+            <a:schemeClr val="accent6"/>
+          </a:effectRef>
+          <a:fontRef idx="minor">
+            <a:schemeClr val="lt1"/>
+          </a:fontRef>
+        </p:style>
+        <p:txBody>
+          <a:bodyPr rtlCol="0" anchor="ctr"/>
+          <a:lstStyle/>
+          <a:p>
+            <a:pPr algn="ctr"/>
+            <a:endParaRPr lang="zh-CN" altLang="en-US" dirty="0"/>
+          </a:p>
+        </p:txBody>
+      </p:sp>
+      <p:sp>
+        <p:nvSpPr>
+          <p:cNvPr id="8" name="矩形 7">
+            <a:extLst>
+              <a:ext uri="{FF2B5EF4-FFF2-40B4-BE49-F238E27FC236}">
+                <a16:creationId xmlns:a16="http://schemas.microsoft.com/office/drawing/2014/main" id="{08894674-613B-4C24-BD83-E0A2275E0A4D}"/>
+              </a:ext>
+            </a:extLst>
+          </p:cNvPr>
+          <p:cNvSpPr/>
+          <p:nvPr/>
+        </p:nvSpPr>
+        <p:spPr>
+          <a:xfrm>
+            <a:off x="1809937" y="4065970"/>
+            <a:ext cx="1740764" cy="514905"/>
+          </a:xfrm>
+          <a:prstGeom prst="rect">
+            <a:avLst/>
+          </a:prstGeom>
+          <a:ln>
+            <a:solidFill>
+              <a:schemeClr val="tx1"/>
+            </a:solidFill>
+          </a:ln>
+        </p:spPr>
+        <p:style>
+          <a:lnRef idx="2">
+            <a:schemeClr val="accent5">
+              <a:shade val="50000"/>
+            </a:schemeClr>
+          </a:lnRef>
+          <a:fillRef idx="1">
+            <a:schemeClr val="accent5"/>
+          </a:fillRef>
+          <a:effectRef idx="0">
+            <a:schemeClr val="accent5"/>
+          </a:effectRef>
+          <a:fontRef idx="minor">
+            <a:schemeClr val="lt1"/>
+          </a:fontRef>
+        </p:style>
+        <p:txBody>
+          <a:bodyPr rtlCol="0" anchor="ctr"/>
+          <a:lstStyle/>
+          <a:p>
+            <a:pPr algn="ctr"/>
+            <a:r>
+              <a:rPr lang="en-US" altLang="zh-CN" dirty="0">
+                <a:solidFill>
+                  <a:schemeClr val="tx1"/>
+                </a:solidFill>
+              </a:rPr>
+              <a:t>TransferActivity</a:t>
+            </a:r>
+            <a:endParaRPr lang="zh-CN" altLang="en-US" dirty="0">
+              <a:solidFill>
+                <a:schemeClr val="tx1"/>
+              </a:solidFill>
+            </a:endParaRPr>
+          </a:p>
+        </p:txBody>
+      </p:sp>
+      <p:sp>
+        <p:nvSpPr>
+          <p:cNvPr id="9" name="矩形 8">
+            <a:extLst>
+              <a:ext uri="{FF2B5EF4-FFF2-40B4-BE49-F238E27FC236}">
+                <a16:creationId xmlns:a16="http://schemas.microsoft.com/office/drawing/2014/main" id="{768CDF67-DBA9-4CE7-9C8E-3755F3B0F684}"/>
+              </a:ext>
+            </a:extLst>
+          </p:cNvPr>
+          <p:cNvSpPr/>
+          <p:nvPr/>
+        </p:nvSpPr>
+        <p:spPr>
+          <a:xfrm>
+            <a:off x="6575456" y="4065970"/>
+            <a:ext cx="1740764" cy="514905"/>
+          </a:xfrm>
+          <a:prstGeom prst="rect">
+            <a:avLst/>
+          </a:prstGeom>
+          <a:ln>
+            <a:solidFill>
+              <a:schemeClr val="tx1"/>
+            </a:solidFill>
+          </a:ln>
+        </p:spPr>
+        <p:style>
+          <a:lnRef idx="2">
+            <a:schemeClr val="accent5">
+              <a:shade val="50000"/>
+            </a:schemeClr>
+          </a:lnRef>
+          <a:fillRef idx="1">
+            <a:schemeClr val="accent5"/>
+          </a:fillRef>
+          <a:effectRef idx="0">
+            <a:schemeClr val="accent5"/>
+          </a:effectRef>
+          <a:fontRef idx="minor">
+            <a:schemeClr val="lt1"/>
+          </a:fontRef>
+        </p:style>
+        <p:txBody>
+          <a:bodyPr rtlCol="0" anchor="ctr"/>
+          <a:lstStyle/>
+          <a:p>
+            <a:pPr algn="ctr"/>
+            <a:r>
+              <a:rPr lang="en-US" altLang="zh-CN" dirty="0">
+                <a:solidFill>
+                  <a:schemeClr val="tx1"/>
+                </a:solidFill>
+              </a:rPr>
+              <a:t>TransferActivity</a:t>
+            </a:r>
+            <a:endParaRPr lang="zh-CN" altLang="en-US" dirty="0">
+              <a:solidFill>
+                <a:schemeClr val="tx1"/>
+              </a:solidFill>
+            </a:endParaRPr>
+          </a:p>
+        </p:txBody>
+      </p:sp>
+      <p:sp>
+        <p:nvSpPr>
+          <p:cNvPr id="10" name="矩形 9">
+            <a:extLst>
+              <a:ext uri="{FF2B5EF4-FFF2-40B4-BE49-F238E27FC236}">
+                <a16:creationId xmlns:a16="http://schemas.microsoft.com/office/drawing/2014/main" id="{92A3829A-3A0A-4C5D-A943-0468855B533A}"/>
+              </a:ext>
+            </a:extLst>
+          </p:cNvPr>
+          <p:cNvSpPr/>
+          <p:nvPr/>
+        </p:nvSpPr>
+        <p:spPr>
+          <a:xfrm>
+            <a:off x="1805867" y="1390738"/>
+            <a:ext cx="1740764" cy="1864310"/>
+          </a:xfrm>
+          <a:prstGeom prst="rect">
+            <a:avLst/>
+          </a:prstGeom>
+          <a:ln>
+            <a:solidFill>
+              <a:schemeClr val="tx1"/>
+            </a:solidFill>
+          </a:ln>
+        </p:spPr>
+        <p:style>
+          <a:lnRef idx="1">
+            <a:schemeClr val="accent4"/>
+          </a:lnRef>
+          <a:fillRef idx="2">
+            <a:schemeClr val="accent4"/>
+          </a:fillRef>
+          <a:effectRef idx="1">
+            <a:schemeClr val="accent4"/>
+          </a:effectRef>
+          <a:fontRef idx="minor">
+            <a:schemeClr val="dk1"/>
+          </a:fontRef>
+        </p:style>
+        <p:txBody>
+          <a:bodyPr rtlCol="0" anchor="ctr"/>
+          <a:lstStyle/>
+          <a:p>
+            <a:pPr algn="ctr"/>
+            <a:endParaRPr lang="zh-CN" altLang="en-US" dirty="0"/>
+          </a:p>
+        </p:txBody>
+      </p:sp>
+      <p:sp>
+        <p:nvSpPr>
+          <p:cNvPr id="12" name="矩形 11">
+            <a:extLst>
+              <a:ext uri="{FF2B5EF4-FFF2-40B4-BE49-F238E27FC236}">
+                <a16:creationId xmlns:a16="http://schemas.microsoft.com/office/drawing/2014/main" id="{983A2EBE-70CE-46D1-8FD2-B12694DAD77D}"/>
+              </a:ext>
+            </a:extLst>
+          </p:cNvPr>
+          <p:cNvSpPr/>
+          <p:nvPr/>
+        </p:nvSpPr>
+        <p:spPr>
+          <a:xfrm>
+            <a:off x="6575456" y="1390738"/>
+            <a:ext cx="1740764" cy="1864311"/>
+          </a:xfrm>
+          <a:prstGeom prst="rect">
+            <a:avLst/>
+          </a:prstGeom>
+          <a:ln>
+            <a:solidFill>
+              <a:schemeClr val="tx1"/>
+            </a:solidFill>
+          </a:ln>
+        </p:spPr>
+        <p:style>
+          <a:lnRef idx="1">
+            <a:schemeClr val="accent4"/>
+          </a:lnRef>
+          <a:fillRef idx="2">
+            <a:schemeClr val="accent4"/>
+          </a:fillRef>
+          <a:effectRef idx="1">
+            <a:schemeClr val="accent4"/>
+          </a:effectRef>
+          <a:fontRef idx="minor">
+            <a:schemeClr val="dk1"/>
+          </a:fontRef>
+        </p:style>
+        <p:txBody>
+          <a:bodyPr rtlCol="0" anchor="ctr"/>
+          <a:lstStyle/>
+          <a:p>
+            <a:pPr algn="ctr"/>
+            <a:endParaRPr lang="zh-CN" altLang="en-US" dirty="0"/>
+          </a:p>
+        </p:txBody>
+      </p:sp>
+      <p:sp>
+        <p:nvSpPr>
+          <p:cNvPr id="21" name="文本框 20">
+            <a:extLst>
+              <a:ext uri="{FF2B5EF4-FFF2-40B4-BE49-F238E27FC236}">
+                <a16:creationId xmlns:a16="http://schemas.microsoft.com/office/drawing/2014/main" id="{4EE77156-F1B3-491F-8DD9-3076E32F2A70}"/>
+              </a:ext>
+            </a:extLst>
+          </p:cNvPr>
+          <p:cNvSpPr txBox="1"/>
+          <p:nvPr/>
+        </p:nvSpPr>
+        <p:spPr>
+          <a:xfrm>
+            <a:off x="4472313" y="1996856"/>
+            <a:ext cx="1385657" cy="369332"/>
+          </a:xfrm>
+          <a:prstGeom prst="rect">
+            <a:avLst/>
+          </a:prstGeom>
+          <a:noFill/>
+        </p:spPr>
+        <p:txBody>
+          <a:bodyPr wrap="square" rtlCol="0">
+            <a:spAutoFit/>
+          </a:bodyPr>
+          <a:lstStyle/>
+          <a:p>
+            <a:r>
+              <a:rPr lang="en-US" altLang="zh-CN" dirty="0"/>
+              <a:t>bindService</a:t>
+            </a:r>
+            <a:endParaRPr lang="zh-CN" altLang="en-US" dirty="0"/>
+          </a:p>
+        </p:txBody>
+      </p:sp>
+      <p:sp>
+        <p:nvSpPr>
+          <p:cNvPr id="23" name="矩形 22">
+            <a:extLst>
+              <a:ext uri="{FF2B5EF4-FFF2-40B4-BE49-F238E27FC236}">
+                <a16:creationId xmlns:a16="http://schemas.microsoft.com/office/drawing/2014/main" id="{F36DB166-98A8-4500-A094-4A36D97CA7EC}"/>
+              </a:ext>
+            </a:extLst>
+          </p:cNvPr>
+          <p:cNvSpPr/>
+          <p:nvPr/>
+        </p:nvSpPr>
+        <p:spPr>
+          <a:xfrm>
+            <a:off x="1180730" y="5471156"/>
+            <a:ext cx="7844530" cy="846910"/>
+          </a:xfrm>
+          <a:prstGeom prst="rect">
+            <a:avLst/>
+          </a:prstGeom>
+          <a:solidFill>
+            <a:schemeClr val="accent2">
+              <a:lumMod val="40000"/>
+              <a:lumOff val="60000"/>
+            </a:schemeClr>
+          </a:solidFill>
+        </p:spPr>
+        <p:style>
+          <a:lnRef idx="2">
+            <a:schemeClr val="accent1">
+              <a:shade val="50000"/>
+            </a:schemeClr>
+          </a:lnRef>
+          <a:fillRef idx="1">
+            <a:schemeClr val="accent1"/>
+          </a:fillRef>
+          <a:effectRef idx="0">
+            <a:schemeClr val="accent1"/>
+          </a:effectRef>
+          <a:fontRef idx="minor">
+            <a:schemeClr val="lt1"/>
+          </a:fontRef>
+        </p:style>
+        <p:txBody>
+          <a:bodyPr rtlCol="0" anchor="ctr"/>
+          <a:lstStyle/>
+          <a:p>
+            <a:pPr algn="ctr"/>
+            <a:r>
+              <a:rPr lang="en-US" altLang="zh-CN" dirty="0">
+                <a:solidFill>
+                  <a:schemeClr val="tx1"/>
+                </a:solidFill>
+              </a:rPr>
+              <a:t>Binder </a:t>
+            </a:r>
+            <a:r>
+              <a:rPr lang="zh-CN" altLang="en-US" dirty="0">
+                <a:solidFill>
+                  <a:schemeClr val="tx1"/>
+                </a:solidFill>
+              </a:rPr>
+              <a:t>驱动</a:t>
+            </a:r>
+          </a:p>
+        </p:txBody>
+      </p:sp>
+      <p:sp>
+        <p:nvSpPr>
+          <p:cNvPr id="25" name="文本框 24">
+            <a:extLst>
+              <a:ext uri="{FF2B5EF4-FFF2-40B4-BE49-F238E27FC236}">
+                <a16:creationId xmlns:a16="http://schemas.microsoft.com/office/drawing/2014/main" id="{F0A7CA61-3217-4286-A806-23894391D24D}"/>
+              </a:ext>
+            </a:extLst>
+          </p:cNvPr>
+          <p:cNvSpPr txBox="1"/>
+          <p:nvPr/>
+        </p:nvSpPr>
+        <p:spPr>
+          <a:xfrm>
+            <a:off x="1878923" y="1615657"/>
+            <a:ext cx="1740764" cy="369332"/>
+          </a:xfrm>
+          <a:prstGeom prst="rect">
+            <a:avLst/>
+          </a:prstGeom>
+          <a:noFill/>
+        </p:spPr>
+        <p:txBody>
+          <a:bodyPr wrap="square" rtlCol="0">
+            <a:spAutoFit/>
+          </a:bodyPr>
+          <a:lstStyle/>
+          <a:p>
+            <a:r>
+              <a:rPr lang="en-US" altLang="zh-CN" dirty="0"/>
+              <a:t>RemoteService</a:t>
+            </a:r>
+            <a:endParaRPr lang="zh-CN" altLang="en-US" dirty="0"/>
+          </a:p>
+        </p:txBody>
+      </p:sp>
+      <p:sp>
+        <p:nvSpPr>
+          <p:cNvPr id="27" name="矩形 26">
+            <a:extLst>
+              <a:ext uri="{FF2B5EF4-FFF2-40B4-BE49-F238E27FC236}">
+                <a16:creationId xmlns:a16="http://schemas.microsoft.com/office/drawing/2014/main" id="{3AEC3FFF-31E9-4C61-936E-DB3367CE9A75}"/>
+              </a:ext>
+            </a:extLst>
+          </p:cNvPr>
+          <p:cNvSpPr/>
+          <p:nvPr/>
+        </p:nvSpPr>
+        <p:spPr>
+          <a:xfrm>
+            <a:off x="1930339" y="2584348"/>
+            <a:ext cx="1491820" cy="369332"/>
+          </a:xfrm>
+          <a:prstGeom prst="rect">
+            <a:avLst/>
+          </a:prstGeom>
+          <a:ln>
+            <a:solidFill>
+              <a:schemeClr val="tx1"/>
+            </a:solidFill>
+          </a:ln>
+        </p:spPr>
+        <p:style>
+          <a:lnRef idx="1">
+            <a:schemeClr val="accent4"/>
+          </a:lnRef>
+          <a:fillRef idx="2">
+            <a:schemeClr val="accent4"/>
+          </a:fillRef>
+          <a:effectRef idx="1">
+            <a:schemeClr val="accent4"/>
+          </a:effectRef>
+          <a:fontRef idx="minor">
+            <a:schemeClr val="dk1"/>
+          </a:fontRef>
+        </p:style>
+        <p:txBody>
+          <a:bodyPr rtlCol="0" anchor="ctr"/>
+          <a:lstStyle/>
+          <a:p>
+            <a:pPr algn="ctr"/>
+            <a:r>
+              <a:rPr lang="en-US" altLang="zh-CN" sz="1400" dirty="0"/>
+              <a:t>Binder</a:t>
+            </a:r>
+            <a:r>
+              <a:rPr lang="zh-CN" altLang="en-US" sz="1400" dirty="0"/>
+              <a:t>服务实体</a:t>
+            </a:r>
+          </a:p>
+        </p:txBody>
+      </p:sp>
+      <p:sp>
+        <p:nvSpPr>
+          <p:cNvPr id="28" name="矩形 27">
+            <a:extLst>
+              <a:ext uri="{FF2B5EF4-FFF2-40B4-BE49-F238E27FC236}">
+                <a16:creationId xmlns:a16="http://schemas.microsoft.com/office/drawing/2014/main" id="{91793591-2A5C-42EB-B885-9F321E0F87E3}"/>
+              </a:ext>
+            </a:extLst>
+          </p:cNvPr>
+          <p:cNvSpPr/>
+          <p:nvPr/>
+        </p:nvSpPr>
+        <p:spPr>
+          <a:xfrm>
+            <a:off x="6719162" y="2584348"/>
+            <a:ext cx="1453351" cy="369332"/>
+          </a:xfrm>
+          <a:prstGeom prst="rect">
+            <a:avLst/>
+          </a:prstGeom>
+          <a:ln>
+            <a:solidFill>
+              <a:schemeClr val="tx1"/>
+            </a:solidFill>
+          </a:ln>
+        </p:spPr>
+        <p:style>
+          <a:lnRef idx="1">
+            <a:schemeClr val="accent4"/>
+          </a:lnRef>
+          <a:fillRef idx="2">
+            <a:schemeClr val="accent4"/>
+          </a:fillRef>
+          <a:effectRef idx="1">
+            <a:schemeClr val="accent4"/>
+          </a:effectRef>
+          <a:fontRef idx="minor">
+            <a:schemeClr val="dk1"/>
+          </a:fontRef>
+        </p:style>
+        <p:txBody>
+          <a:bodyPr rtlCol="0" anchor="ctr"/>
+          <a:lstStyle/>
+          <a:p>
+            <a:pPr algn="ctr"/>
+            <a:r>
+              <a:rPr lang="en-US" altLang="zh-CN" sz="1400" dirty="0"/>
+              <a:t>Binder</a:t>
+            </a:r>
+            <a:r>
+              <a:rPr lang="zh-CN" altLang="en-US" sz="1400" dirty="0"/>
+              <a:t>服务实体</a:t>
+            </a:r>
+          </a:p>
+        </p:txBody>
+      </p:sp>
+      <p:sp>
+        <p:nvSpPr>
+          <p:cNvPr id="29" name="文本框 28">
+            <a:extLst>
+              <a:ext uri="{FF2B5EF4-FFF2-40B4-BE49-F238E27FC236}">
+                <a16:creationId xmlns:a16="http://schemas.microsoft.com/office/drawing/2014/main" id="{760B2F17-A9EA-4C4A-A0A2-7CF6CAB0D003}"/>
+              </a:ext>
+            </a:extLst>
+          </p:cNvPr>
+          <p:cNvSpPr txBox="1"/>
+          <p:nvPr/>
+        </p:nvSpPr>
+        <p:spPr>
+          <a:xfrm>
+            <a:off x="6796221" y="1615657"/>
+            <a:ext cx="1453351" cy="369332"/>
+          </a:xfrm>
+          <a:prstGeom prst="rect">
+            <a:avLst/>
+          </a:prstGeom>
+          <a:noFill/>
+        </p:spPr>
+        <p:txBody>
+          <a:bodyPr wrap="square" rtlCol="0">
+            <a:spAutoFit/>
+          </a:bodyPr>
+          <a:lstStyle/>
+          <a:p>
+            <a:r>
+              <a:rPr lang="en-US" altLang="zh-CN" dirty="0"/>
+              <a:t>LocalService</a:t>
+            </a:r>
+            <a:endParaRPr lang="zh-CN" altLang="en-US" dirty="0"/>
+          </a:p>
+        </p:txBody>
+      </p:sp>
+      <p:cxnSp>
+        <p:nvCxnSpPr>
+          <p:cNvPr id="33" name="连接符: 曲线 32">
+            <a:extLst>
+              <a:ext uri="{FF2B5EF4-FFF2-40B4-BE49-F238E27FC236}">
+                <a16:creationId xmlns:a16="http://schemas.microsoft.com/office/drawing/2014/main" id="{12E436CC-39FB-4692-9904-DD786543B3C3}"/>
+              </a:ext>
+            </a:extLst>
+          </p:cNvPr>
+          <p:cNvCxnSpPr>
+            <a:stCxn id="4" idx="2"/>
+            <a:endCxn id="5" idx="2"/>
+          </p:cNvCxnSpPr>
+          <p:nvPr/>
+        </p:nvCxnSpPr>
+        <p:spPr>
+          <a:xfrm rot="16200000" flipH="1">
+            <a:off x="5087419" y="2831461"/>
+            <a:ext cx="31152" cy="4790612"/>
+          </a:xfrm>
+          <a:prstGeom prst="curvedConnector3">
+            <a:avLst>
+              <a:gd name="adj1" fmla="val 1147297"/>
+            </a:avLst>
+          </a:prstGeom>
+          <a:ln w="9525" cap="flat" cmpd="sng" algn="ctr">
+            <a:solidFill>
+              <a:srgbClr val="FF0000"/>
+            </a:solidFill>
+            <a:prstDash val="dash"/>
+            <a:round/>
+            <a:headEnd type="none" w="med" len="med"/>
+            <a:tailEnd type="none" w="med" len="med"/>
+          </a:ln>
+        </p:spPr>
+        <p:style>
+          <a:lnRef idx="0">
+            <a:scrgbClr r="0" g="0" b="0"/>
+          </a:lnRef>
+          <a:fillRef idx="0">
+            <a:scrgbClr r="0" g="0" b="0"/>
+          </a:fillRef>
+          <a:effectRef idx="0">
+            <a:scrgbClr r="0" g="0" b="0"/>
+          </a:effectRef>
+          <a:fontRef idx="minor">
+            <a:schemeClr val="tx1"/>
+          </a:fontRef>
+        </p:style>
+      </p:cxnSp>
+      <p:cxnSp>
+        <p:nvCxnSpPr>
+          <p:cNvPr id="40" name="直接箭头连接符 39">
+            <a:extLst>
+              <a:ext uri="{FF2B5EF4-FFF2-40B4-BE49-F238E27FC236}">
+                <a16:creationId xmlns:a16="http://schemas.microsoft.com/office/drawing/2014/main" id="{FEEF617A-1B7E-44FA-8021-9D2865AF17C4}"/>
+              </a:ext>
+            </a:extLst>
+          </p:cNvPr>
+          <p:cNvCxnSpPr>
+            <a:cxnSpLocks/>
+          </p:cNvCxnSpPr>
+          <p:nvPr/>
+        </p:nvCxnSpPr>
+        <p:spPr>
+          <a:xfrm flipH="1" flipV="1">
+            <a:off x="3546630" y="1878170"/>
+            <a:ext cx="3028825" cy="1"/>
+          </a:xfrm>
+          <a:prstGeom prst="straightConnector1">
+            <a:avLst/>
+          </a:prstGeom>
+          <a:ln>
+            <a:tailEnd type="triangle"/>
+          </a:ln>
+        </p:spPr>
+        <p:style>
+          <a:lnRef idx="2">
+            <a:schemeClr val="accent1"/>
+          </a:lnRef>
+          <a:fillRef idx="0">
+            <a:schemeClr val="accent1"/>
+          </a:fillRef>
+          <a:effectRef idx="1">
+            <a:schemeClr val="accent1"/>
+          </a:effectRef>
+          <a:fontRef idx="minor">
+            <a:schemeClr val="tx1"/>
+          </a:fontRef>
+        </p:style>
+      </p:cxnSp>
+      <p:cxnSp>
+        <p:nvCxnSpPr>
+          <p:cNvPr id="44" name="直接箭头连接符 43">
+            <a:extLst>
+              <a:ext uri="{FF2B5EF4-FFF2-40B4-BE49-F238E27FC236}">
+                <a16:creationId xmlns:a16="http://schemas.microsoft.com/office/drawing/2014/main" id="{492C9865-9954-4E62-894E-E0CDC0373D15}"/>
+              </a:ext>
+            </a:extLst>
+          </p:cNvPr>
+          <p:cNvCxnSpPr>
+            <a:cxnSpLocks/>
+          </p:cNvCxnSpPr>
+          <p:nvPr/>
+        </p:nvCxnSpPr>
+        <p:spPr>
+          <a:xfrm>
+            <a:off x="3546630" y="2584348"/>
+            <a:ext cx="3028824" cy="0"/>
+          </a:xfrm>
+          <a:prstGeom prst="straightConnector1">
+            <a:avLst/>
+          </a:prstGeom>
+          <a:ln>
+            <a:tailEnd type="triangle"/>
+          </a:ln>
+        </p:spPr>
+        <p:style>
+          <a:lnRef idx="1">
+            <a:schemeClr val="accent1"/>
+          </a:lnRef>
+          <a:fillRef idx="0">
+            <a:schemeClr val="accent1"/>
+          </a:fillRef>
+          <a:effectRef idx="0">
+            <a:schemeClr val="accent1"/>
+          </a:effectRef>
+          <a:fontRef idx="minor">
+            <a:schemeClr val="tx1"/>
+          </a:fontRef>
+        </p:style>
+      </p:cxnSp>
+      <p:cxnSp>
+        <p:nvCxnSpPr>
+          <p:cNvPr id="47" name="直接箭头连接符 46">
+            <a:extLst>
+              <a:ext uri="{FF2B5EF4-FFF2-40B4-BE49-F238E27FC236}">
+                <a16:creationId xmlns:a16="http://schemas.microsoft.com/office/drawing/2014/main" id="{5C43AD99-4C1A-4D90-9897-A8B739BA39D0}"/>
+              </a:ext>
+            </a:extLst>
+          </p:cNvPr>
+          <p:cNvCxnSpPr>
+            <a:cxnSpLocks/>
+          </p:cNvCxnSpPr>
+          <p:nvPr/>
+        </p:nvCxnSpPr>
+        <p:spPr>
+          <a:xfrm>
+            <a:off x="3127712" y="3266835"/>
+            <a:ext cx="4070" cy="810922"/>
+          </a:xfrm>
+          <a:prstGeom prst="straightConnector1">
+            <a:avLst/>
+          </a:prstGeom>
+          <a:ln>
+            <a:tailEnd type="triangle"/>
+          </a:ln>
+        </p:spPr>
+        <p:style>
+          <a:lnRef idx="2">
+            <a:schemeClr val="dk1"/>
+          </a:lnRef>
+          <a:fillRef idx="0">
+            <a:schemeClr val="dk1"/>
+          </a:fillRef>
+          <a:effectRef idx="1">
+            <a:schemeClr val="dk1"/>
+          </a:effectRef>
+          <a:fontRef idx="minor">
+            <a:schemeClr val="tx1"/>
+          </a:fontRef>
+        </p:style>
+      </p:cxnSp>
+      <p:cxnSp>
+        <p:nvCxnSpPr>
+          <p:cNvPr id="49" name="直接箭头连接符 48">
+            <a:extLst>
+              <a:ext uri="{FF2B5EF4-FFF2-40B4-BE49-F238E27FC236}">
+                <a16:creationId xmlns:a16="http://schemas.microsoft.com/office/drawing/2014/main" id="{615253FB-7D66-4DBA-AB51-292CF9F1B588}"/>
+              </a:ext>
+            </a:extLst>
+          </p:cNvPr>
+          <p:cNvCxnSpPr>
+            <a:cxnSpLocks/>
+          </p:cNvCxnSpPr>
+          <p:nvPr/>
+        </p:nvCxnSpPr>
+        <p:spPr>
+          <a:xfrm>
+            <a:off x="3546630" y="4205421"/>
+            <a:ext cx="3028825" cy="1"/>
+          </a:xfrm>
+          <a:prstGeom prst="straightConnector1">
+            <a:avLst/>
+          </a:prstGeom>
+          <a:ln>
+            <a:tailEnd type="triangle"/>
+          </a:ln>
+        </p:spPr>
+        <p:style>
+          <a:lnRef idx="2">
+            <a:schemeClr val="dk1"/>
+          </a:lnRef>
+          <a:fillRef idx="0">
+            <a:schemeClr val="dk1"/>
+          </a:fillRef>
+          <a:effectRef idx="1">
+            <a:schemeClr val="dk1"/>
+          </a:effectRef>
+          <a:fontRef idx="minor">
+            <a:schemeClr val="tx1"/>
+          </a:fontRef>
+        </p:style>
+      </p:cxnSp>
+      <p:cxnSp>
+        <p:nvCxnSpPr>
+          <p:cNvPr id="51" name="直接箭头连接符 50">
+            <a:extLst>
+              <a:ext uri="{FF2B5EF4-FFF2-40B4-BE49-F238E27FC236}">
+                <a16:creationId xmlns:a16="http://schemas.microsoft.com/office/drawing/2014/main" id="{8DC4EEC5-F155-41CE-8AF8-4AC845BD104D}"/>
+              </a:ext>
+            </a:extLst>
+          </p:cNvPr>
+          <p:cNvCxnSpPr>
+            <a:cxnSpLocks/>
+          </p:cNvCxnSpPr>
+          <p:nvPr/>
+        </p:nvCxnSpPr>
+        <p:spPr>
+          <a:xfrm flipV="1">
+            <a:off x="7259407" y="3255049"/>
+            <a:ext cx="0" cy="810921"/>
+          </a:xfrm>
+          <a:prstGeom prst="straightConnector1">
+            <a:avLst/>
+          </a:prstGeom>
+          <a:ln>
+            <a:tailEnd type="triangle"/>
+          </a:ln>
+        </p:spPr>
+        <p:style>
+          <a:lnRef idx="2">
+            <a:schemeClr val="dk1"/>
+          </a:lnRef>
+          <a:fillRef idx="0">
+            <a:schemeClr val="dk1"/>
+          </a:fillRef>
+          <a:effectRef idx="1">
+            <a:schemeClr val="dk1"/>
+          </a:effectRef>
+          <a:fontRef idx="minor">
+            <a:schemeClr val="tx1"/>
+          </a:fontRef>
+        </p:style>
+      </p:cxnSp>
+      <p:cxnSp>
+        <p:nvCxnSpPr>
+          <p:cNvPr id="58" name="直接箭头连接符 57">
+            <a:extLst>
+              <a:ext uri="{FF2B5EF4-FFF2-40B4-BE49-F238E27FC236}">
+                <a16:creationId xmlns:a16="http://schemas.microsoft.com/office/drawing/2014/main" id="{F7ECE1D6-04EE-4CBC-8D51-39BF3B0CE256}"/>
+              </a:ext>
+            </a:extLst>
+          </p:cNvPr>
+          <p:cNvCxnSpPr>
+            <a:cxnSpLocks/>
+          </p:cNvCxnSpPr>
+          <p:nvPr/>
+        </p:nvCxnSpPr>
+        <p:spPr>
+          <a:xfrm flipH="1">
+            <a:off x="3546630" y="4438833"/>
+            <a:ext cx="3028824" cy="0"/>
+          </a:xfrm>
+          <a:prstGeom prst="straightConnector1">
+            <a:avLst/>
+          </a:prstGeom>
+          <a:ln>
+            <a:tailEnd type="triangle"/>
+          </a:ln>
+        </p:spPr>
+        <p:style>
+          <a:lnRef idx="3">
+            <a:schemeClr val="accent2"/>
+          </a:lnRef>
+          <a:fillRef idx="0">
+            <a:schemeClr val="accent2"/>
+          </a:fillRef>
+          <a:effectRef idx="2">
+            <a:schemeClr val="accent2"/>
+          </a:effectRef>
+          <a:fontRef idx="minor">
+            <a:schemeClr val="tx1"/>
+          </a:fontRef>
+        </p:style>
+      </p:cxnSp>
+      <p:cxnSp>
+        <p:nvCxnSpPr>
+          <p:cNvPr id="61" name="直接箭头连接符 60">
+            <a:extLst>
+              <a:ext uri="{FF2B5EF4-FFF2-40B4-BE49-F238E27FC236}">
+                <a16:creationId xmlns:a16="http://schemas.microsoft.com/office/drawing/2014/main" id="{78B88B10-7ACA-47D2-96B5-E34061456039}"/>
+              </a:ext>
+            </a:extLst>
+          </p:cNvPr>
+          <p:cNvCxnSpPr/>
+          <p:nvPr/>
+        </p:nvCxnSpPr>
+        <p:spPr>
+          <a:xfrm flipV="1">
+            <a:off x="2317072" y="3255048"/>
+            <a:ext cx="0" cy="810922"/>
+          </a:xfrm>
+          <a:prstGeom prst="straightConnector1">
+            <a:avLst/>
+          </a:prstGeom>
+          <a:ln>
+            <a:tailEnd type="triangle"/>
+          </a:ln>
+        </p:spPr>
+        <p:style>
+          <a:lnRef idx="3">
+            <a:schemeClr val="accent2"/>
+          </a:lnRef>
+          <a:fillRef idx="0">
+            <a:schemeClr val="accent2"/>
+          </a:fillRef>
+          <a:effectRef idx="2">
+            <a:schemeClr val="accent2"/>
+          </a:effectRef>
+          <a:fontRef idx="minor">
+            <a:schemeClr val="tx1"/>
+          </a:fontRef>
+        </p:style>
+      </p:cxnSp>
+      <p:sp>
+        <p:nvSpPr>
+          <p:cNvPr id="66" name="文本框 65">
+            <a:extLst>
+              <a:ext uri="{FF2B5EF4-FFF2-40B4-BE49-F238E27FC236}">
+                <a16:creationId xmlns:a16="http://schemas.microsoft.com/office/drawing/2014/main" id="{3E433EE7-6317-4167-B463-550F8412D30B}"/>
+              </a:ext>
+            </a:extLst>
+          </p:cNvPr>
+          <p:cNvSpPr txBox="1"/>
+          <p:nvPr/>
+        </p:nvSpPr>
+        <p:spPr>
+          <a:xfrm>
+            <a:off x="4514296" y="5152009"/>
+            <a:ext cx="1301689" cy="338554"/>
+          </a:xfrm>
+          <a:prstGeom prst="rect">
+            <a:avLst/>
+          </a:prstGeom>
+          <a:noFill/>
+        </p:spPr>
+        <p:txBody>
+          <a:bodyPr wrap="square" rtlCol="0">
+            <a:spAutoFit/>
+          </a:bodyPr>
+          <a:lstStyle/>
+          <a:p>
+            <a:r>
+              <a:rPr lang="en-US" altLang="zh-CN" sz="1600" dirty="0"/>
+              <a:t>Binder </a:t>
+            </a:r>
+            <a:r>
+              <a:rPr lang="zh-CN" altLang="en-US" sz="1600" dirty="0"/>
+              <a:t>讣告</a:t>
+            </a:r>
+          </a:p>
+        </p:txBody>
+      </p:sp>
+      <p:cxnSp>
+        <p:nvCxnSpPr>
+          <p:cNvPr id="67" name="直接箭头连接符 66">
+            <a:extLst>
+              <a:ext uri="{FF2B5EF4-FFF2-40B4-BE49-F238E27FC236}">
+                <a16:creationId xmlns:a16="http://schemas.microsoft.com/office/drawing/2014/main" id="{7DD4FCE3-95CF-474E-BEA3-3C3AA8341DD1}"/>
+              </a:ext>
+            </a:extLst>
+          </p:cNvPr>
+          <p:cNvCxnSpPr>
+            <a:cxnSpLocks/>
+          </p:cNvCxnSpPr>
+          <p:nvPr/>
+        </p:nvCxnSpPr>
+        <p:spPr>
+          <a:xfrm>
+            <a:off x="7756126" y="3255048"/>
+            <a:ext cx="0" cy="810922"/>
+          </a:xfrm>
+          <a:prstGeom prst="straightConnector1">
+            <a:avLst/>
+          </a:prstGeom>
+          <a:ln>
+            <a:tailEnd type="triangle"/>
+          </a:ln>
+        </p:spPr>
+        <p:style>
+          <a:lnRef idx="3">
+            <a:schemeClr val="accent2"/>
+          </a:lnRef>
+          <a:fillRef idx="0">
+            <a:schemeClr val="accent2"/>
+          </a:fillRef>
+          <a:effectRef idx="2">
+            <a:schemeClr val="accent2"/>
+          </a:effectRef>
+          <a:fontRef idx="minor">
+            <a:schemeClr val="tx1"/>
+          </a:fontRef>
+        </p:style>
+      </p:cxnSp>
+      <p:sp>
+        <p:nvSpPr>
+          <p:cNvPr id="69" name="文本框 68">
+            <a:extLst>
+              <a:ext uri="{FF2B5EF4-FFF2-40B4-BE49-F238E27FC236}">
+                <a16:creationId xmlns:a16="http://schemas.microsoft.com/office/drawing/2014/main" id="{1D9C18DB-7496-48DB-98EC-AA4683B41D42}"/>
+              </a:ext>
+            </a:extLst>
+          </p:cNvPr>
+          <p:cNvSpPr txBox="1"/>
+          <p:nvPr/>
+        </p:nvSpPr>
+        <p:spPr>
+          <a:xfrm>
+            <a:off x="2120470" y="528500"/>
+            <a:ext cx="1301689" cy="338554"/>
+          </a:xfrm>
+          <a:prstGeom prst="rect">
+            <a:avLst/>
+          </a:prstGeom>
+          <a:noFill/>
+        </p:spPr>
+        <p:txBody>
+          <a:bodyPr wrap="square" rtlCol="0">
+            <a:spAutoFit/>
+          </a:bodyPr>
+          <a:lstStyle/>
+          <a:p>
+            <a:r>
+              <a:rPr lang="zh-CN" altLang="en-US" sz="1600" dirty="0"/>
+              <a:t>守护进程</a:t>
+            </a:r>
+          </a:p>
+        </p:txBody>
+      </p:sp>
+      <p:sp>
+        <p:nvSpPr>
+          <p:cNvPr id="71" name="文本框 70">
+            <a:extLst>
+              <a:ext uri="{FF2B5EF4-FFF2-40B4-BE49-F238E27FC236}">
+                <a16:creationId xmlns:a16="http://schemas.microsoft.com/office/drawing/2014/main" id="{5B102524-3FBB-49FA-A8D6-7AF04C5EDC12}"/>
+              </a:ext>
+            </a:extLst>
+          </p:cNvPr>
+          <p:cNvSpPr txBox="1"/>
+          <p:nvPr/>
+        </p:nvSpPr>
+        <p:spPr>
+          <a:xfrm>
+            <a:off x="6847456" y="528500"/>
+            <a:ext cx="1301689" cy="338554"/>
+          </a:xfrm>
+          <a:prstGeom prst="rect">
+            <a:avLst/>
+          </a:prstGeom>
+          <a:noFill/>
+        </p:spPr>
+        <p:txBody>
+          <a:bodyPr wrap="square" rtlCol="0">
+            <a:spAutoFit/>
+          </a:bodyPr>
+          <a:lstStyle/>
+          <a:p>
+            <a:r>
+              <a:rPr lang="zh-CN" altLang="en-US" sz="1600" dirty="0"/>
+              <a:t>保活进程</a:t>
+            </a:r>
+          </a:p>
+        </p:txBody>
+      </p:sp>
+    </p:spTree>
+    <p:extLst>
+      <p:ext uri="{BB962C8B-B14F-4D97-AF65-F5344CB8AC3E}">
+        <p14:creationId xmlns:p14="http://schemas.microsoft.com/office/powerpoint/2010/main" val="94865853"/>
+      </p:ext>
+    </p:extLst>
+  </p:cSld>
+  <p:clrMapOvr>
+    <a:masterClrMapping/>
+  </p:clrMapOvr>
+</p:sld>
+</file>
+
+<file path=ppt/slides/slide5.xml><?xml version="1.0" encoding="utf-8"?>
+<p:sld xmlns:a="http://schemas.openxmlformats.org/drawingml/2006/main" xmlns:r="http://schemas.openxmlformats.org/officeDocument/2006/relationships" xmlns:p="http://schemas.openxmlformats.org/presentationml/2006/main">
+  <p:cSld>
+    <p:spTree>
+      <p:nvGrpSpPr>
+        <p:cNvPr id="1" name=""/>
+        <p:cNvGrpSpPr/>
+        <p:nvPr/>
+      </p:nvGrpSpPr>
+      <p:grpSpPr>
+        <a:xfrm>
+          <a:off x="0" y="0"/>
+          <a:ext cx="0" cy="0"/>
+          <a:chOff x="0" y="0"/>
+          <a:chExt cx="0" cy="0"/>
+        </a:xfrm>
+      </p:grpSpPr>
+      <p:cxnSp>
+        <p:nvCxnSpPr>
+          <p:cNvPr id="10" name="直接箭头连接符 9">
+            <a:extLst>
+              <a:ext uri="{FF2B5EF4-FFF2-40B4-BE49-F238E27FC236}">
+                <a16:creationId xmlns:a16="http://schemas.microsoft.com/office/drawing/2014/main" id="{384F1B76-C2AF-4AC4-9F27-20384AD8103E}"/>
+              </a:ext>
+            </a:extLst>
+          </p:cNvPr>
+          <p:cNvCxnSpPr>
+            <a:cxnSpLocks/>
+          </p:cNvCxnSpPr>
+          <p:nvPr/>
+        </p:nvCxnSpPr>
+        <p:spPr>
+          <a:xfrm flipV="1">
+            <a:off x="2556770" y="292965"/>
+            <a:ext cx="0" cy="6471819"/>
+          </a:xfrm>
+          <a:prstGeom prst="straightConnector1">
+            <a:avLst/>
+          </a:prstGeom>
+          <a:ln>
+            <a:tailEnd type="triangle"/>
+          </a:ln>
+        </p:spPr>
+        <p:style>
+          <a:lnRef idx="1">
+            <a:schemeClr val="accent1"/>
+          </a:lnRef>
+          <a:fillRef idx="0">
+            <a:schemeClr val="accent1"/>
+          </a:fillRef>
+          <a:effectRef idx="0">
+            <a:schemeClr val="accent1"/>
+          </a:effectRef>
+          <a:fontRef idx="minor">
+            <a:schemeClr val="tx1"/>
+          </a:fontRef>
+        </p:style>
+      </p:cxnSp>
+      <p:cxnSp>
+        <p:nvCxnSpPr>
+          <p:cNvPr id="12" name="直接箭头连接符 11">
+            <a:extLst>
+              <a:ext uri="{FF2B5EF4-FFF2-40B4-BE49-F238E27FC236}">
+                <a16:creationId xmlns:a16="http://schemas.microsoft.com/office/drawing/2014/main" id="{FE2611AA-F6FA-4B2C-8A9F-DAE1E698BE6D}"/>
+              </a:ext>
+            </a:extLst>
+          </p:cNvPr>
+          <p:cNvCxnSpPr>
+            <a:cxnSpLocks/>
+          </p:cNvCxnSpPr>
+          <p:nvPr/>
+        </p:nvCxnSpPr>
+        <p:spPr>
+          <a:xfrm>
+            <a:off x="2556770" y="5353235"/>
+            <a:ext cx="7457243" cy="0"/>
+          </a:xfrm>
+          <a:prstGeom prst="straightConnector1">
+            <a:avLst/>
+          </a:prstGeom>
+          <a:ln>
+            <a:tailEnd type="triangle"/>
+          </a:ln>
+        </p:spPr>
+        <p:style>
+          <a:lnRef idx="1">
+            <a:schemeClr val="accent1"/>
+          </a:lnRef>
+          <a:fillRef idx="0">
+            <a:schemeClr val="accent1"/>
+          </a:fillRef>
+          <a:effectRef idx="0">
+            <a:schemeClr val="accent1"/>
+          </a:effectRef>
+          <a:fontRef idx="minor">
+            <a:schemeClr val="tx1"/>
+          </a:fontRef>
+        </p:style>
+      </p:cxnSp>
+      <p:cxnSp>
+        <p:nvCxnSpPr>
+          <p:cNvPr id="15" name="直接连接符 14">
+            <a:extLst>
+              <a:ext uri="{FF2B5EF4-FFF2-40B4-BE49-F238E27FC236}">
+                <a16:creationId xmlns:a16="http://schemas.microsoft.com/office/drawing/2014/main" id="{51CD70E7-B448-4129-8436-181EDEE423F2}"/>
+              </a:ext>
+            </a:extLst>
+          </p:cNvPr>
+          <p:cNvCxnSpPr>
+            <a:cxnSpLocks/>
+          </p:cNvCxnSpPr>
+          <p:nvPr/>
+        </p:nvCxnSpPr>
+        <p:spPr>
+          <a:xfrm>
+            <a:off x="3462293" y="1251752"/>
+            <a:ext cx="0" cy="5513032"/>
+          </a:xfrm>
+          <a:prstGeom prst="line">
+            <a:avLst/>
+          </a:prstGeom>
+          <a:ln w="9525" cap="flat" cmpd="sng" algn="ctr">
+            <a:solidFill>
+              <a:schemeClr val="accent2"/>
+            </a:solidFill>
+            <a:prstDash val="dash"/>
+            <a:round/>
+            <a:headEnd type="none" w="med" len="med"/>
+            <a:tailEnd type="none" w="med" len="med"/>
+          </a:ln>
+        </p:spPr>
+        <p:style>
+          <a:lnRef idx="0">
+            <a:scrgbClr r="0" g="0" b="0"/>
+          </a:lnRef>
+          <a:fillRef idx="0">
+            <a:scrgbClr r="0" g="0" b="0"/>
+          </a:fillRef>
+          <a:effectRef idx="0">
+            <a:scrgbClr r="0" g="0" b="0"/>
+          </a:effectRef>
+          <a:fontRef idx="minor">
+            <a:schemeClr val="tx1"/>
+          </a:fontRef>
+        </p:style>
+      </p:cxnSp>
+      <p:sp>
+        <p:nvSpPr>
+          <p:cNvPr id="19" name="任意多边形: 形状 18">
+            <a:extLst>
+              <a:ext uri="{FF2B5EF4-FFF2-40B4-BE49-F238E27FC236}">
+                <a16:creationId xmlns:a16="http://schemas.microsoft.com/office/drawing/2014/main" id="{0A67EE62-D906-440E-A540-D271ABC47641}"/>
+              </a:ext>
+            </a:extLst>
+          </p:cNvPr>
+          <p:cNvSpPr/>
+          <p:nvPr/>
+        </p:nvSpPr>
+        <p:spPr>
+          <a:xfrm>
+            <a:off x="2556771" y="739066"/>
+            <a:ext cx="7078460" cy="4598633"/>
+          </a:xfrm>
+          <a:custGeom>
+            <a:avLst/>
+            <a:gdLst>
+              <a:gd name="connsiteX0" fmla="*/ 0 w 7457243"/>
+              <a:gd name="connsiteY0" fmla="*/ 4598633 h 4598633"/>
+              <a:gd name="connsiteX1" fmla="*/ 816746 w 7457243"/>
+              <a:gd name="connsiteY1" fmla="*/ 452761 h 4598633"/>
+              <a:gd name="connsiteX2" fmla="*/ 2476870 w 7457243"/>
+              <a:gd name="connsiteY2" fmla="*/ 4208015 h 4598633"/>
+              <a:gd name="connsiteX3" fmla="*/ 4589756 w 7457243"/>
+              <a:gd name="connsiteY3" fmla="*/ 905522 h 4598633"/>
+              <a:gd name="connsiteX4" fmla="*/ 7457243 w 7457243"/>
+              <a:gd name="connsiteY4" fmla="*/ 0 h 4598633"/>
+              <a:gd name="connsiteX5" fmla="*/ 7457243 w 7457243"/>
+              <a:gd name="connsiteY5" fmla="*/ 0 h 4598633"/>
+            </a:gdLst>
+            <a:ahLst/>
+            <a:cxnLst>
+              <a:cxn ang="0">
+                <a:pos x="connsiteX0" y="connsiteY0"/>
+              </a:cxn>
+              <a:cxn ang="0">
+                <a:pos x="connsiteX1" y="connsiteY1"/>
+              </a:cxn>
+              <a:cxn ang="0">
+                <a:pos x="connsiteX2" y="connsiteY2"/>
+              </a:cxn>
+              <a:cxn ang="0">
+                <a:pos x="connsiteX3" y="connsiteY3"/>
+              </a:cxn>
+              <a:cxn ang="0">
+                <a:pos x="connsiteX4" y="connsiteY4"/>
+              </a:cxn>
+              <a:cxn ang="0">
+                <a:pos x="connsiteX5" y="connsiteY5"/>
+              </a:cxn>
+            </a:cxnLst>
+            <a:rect l="l" t="t" r="r" b="b"/>
+            <a:pathLst>
+              <a:path w="7457243" h="4598633">
+                <a:moveTo>
+                  <a:pt x="0" y="4598633"/>
+                </a:moveTo>
+                <a:cubicBezTo>
+                  <a:pt x="201967" y="2558248"/>
+                  <a:pt x="403934" y="517864"/>
+                  <a:pt x="816746" y="452761"/>
+                </a:cubicBezTo>
+                <a:cubicBezTo>
+                  <a:pt x="1229558" y="387658"/>
+                  <a:pt x="1848035" y="4132555"/>
+                  <a:pt x="2476870" y="4208015"/>
+                </a:cubicBezTo>
+                <a:cubicBezTo>
+                  <a:pt x="3105705" y="4283475"/>
+                  <a:pt x="3759694" y="1606858"/>
+                  <a:pt x="4589756" y="905522"/>
+                </a:cubicBezTo>
+                <a:cubicBezTo>
+                  <a:pt x="5419818" y="204186"/>
+                  <a:pt x="7457243" y="0"/>
+                  <a:pt x="7457243" y="0"/>
+                </a:cubicBezTo>
+                <a:lnTo>
+                  <a:pt x="7457243" y="0"/>
+                </a:lnTo>
+              </a:path>
+            </a:pathLst>
+          </a:custGeom>
+          <a:noFill/>
+        </p:spPr>
+        <p:style>
+          <a:lnRef idx="2">
+            <a:schemeClr val="accent1">
+              <a:shade val="50000"/>
+            </a:schemeClr>
+          </a:lnRef>
+          <a:fillRef idx="1">
+            <a:schemeClr val="accent1"/>
+          </a:fillRef>
+          <a:effectRef idx="0">
+            <a:schemeClr val="accent1"/>
+          </a:effectRef>
+          <a:fontRef idx="minor">
+            <a:schemeClr val="lt1"/>
+          </a:fontRef>
+        </p:style>
+        <p:txBody>
+          <a:bodyPr rtlCol="0" anchor="ctr"/>
+          <a:lstStyle/>
+          <a:p>
+            <a:pPr algn="ctr"/>
+            <a:endParaRPr lang="zh-CN" altLang="en-US" dirty="0"/>
+          </a:p>
+        </p:txBody>
+      </p:sp>
+      <p:sp>
+        <p:nvSpPr>
+          <p:cNvPr id="20" name="文本框 19">
+            <a:extLst>
+              <a:ext uri="{FF2B5EF4-FFF2-40B4-BE49-F238E27FC236}">
+                <a16:creationId xmlns:a16="http://schemas.microsoft.com/office/drawing/2014/main" id="{7093E31E-2E98-4D4A-8C18-3041354FCEEC}"/>
+              </a:ext>
+            </a:extLst>
+          </p:cNvPr>
+          <p:cNvSpPr txBox="1"/>
+          <p:nvPr/>
+        </p:nvSpPr>
+        <p:spPr>
+          <a:xfrm>
+            <a:off x="2778712" y="700428"/>
+            <a:ext cx="1171853" cy="369332"/>
+          </a:xfrm>
+          <a:prstGeom prst="rect">
+            <a:avLst/>
+          </a:prstGeom>
+          <a:noFill/>
+        </p:spPr>
+        <p:txBody>
+          <a:bodyPr wrap="square" rtlCol="0">
+            <a:spAutoFit/>
+          </a:bodyPr>
+          <a:lstStyle/>
+          <a:p>
+            <a:r>
+              <a:rPr lang="zh-CN" altLang="en-US" dirty="0"/>
+              <a:t>愚昧之巅</a:t>
+            </a:r>
+          </a:p>
+        </p:txBody>
+      </p:sp>
+      <p:sp>
+        <p:nvSpPr>
+          <p:cNvPr id="21" name="文本框 20">
+            <a:extLst>
+              <a:ext uri="{FF2B5EF4-FFF2-40B4-BE49-F238E27FC236}">
+                <a16:creationId xmlns:a16="http://schemas.microsoft.com/office/drawing/2014/main" id="{0C4124E8-32D6-49F3-93A7-0D56DF6E864B}"/>
+              </a:ext>
+            </a:extLst>
+          </p:cNvPr>
+          <p:cNvSpPr txBox="1"/>
+          <p:nvPr/>
+        </p:nvSpPr>
+        <p:spPr>
+          <a:xfrm rot="16200000">
+            <a:off x="1557123" y="2760955"/>
+            <a:ext cx="1242874" cy="369332"/>
+          </a:xfrm>
+          <a:prstGeom prst="rect">
+            <a:avLst/>
+          </a:prstGeom>
+          <a:noFill/>
+        </p:spPr>
+        <p:txBody>
+          <a:bodyPr wrap="square" rtlCol="0">
+            <a:spAutoFit/>
+          </a:bodyPr>
+          <a:lstStyle/>
+          <a:p>
+            <a:r>
+              <a:rPr lang="zh-CN" altLang="en-US" dirty="0"/>
+              <a:t>自信程度</a:t>
+            </a:r>
+          </a:p>
+        </p:txBody>
+      </p:sp>
+      <p:sp>
+        <p:nvSpPr>
+          <p:cNvPr id="23" name="文本框 22">
+            <a:extLst>
+              <a:ext uri="{FF2B5EF4-FFF2-40B4-BE49-F238E27FC236}">
+                <a16:creationId xmlns:a16="http://schemas.microsoft.com/office/drawing/2014/main" id="{B66DD459-74BF-4036-B863-ED537C5ABE93}"/>
+              </a:ext>
+            </a:extLst>
+          </p:cNvPr>
+          <p:cNvSpPr txBox="1"/>
+          <p:nvPr/>
+        </p:nvSpPr>
+        <p:spPr>
+          <a:xfrm rot="16200000">
+            <a:off x="2366471" y="3306930"/>
+            <a:ext cx="1435222" cy="369332"/>
+          </a:xfrm>
+          <a:prstGeom prst="rect">
+            <a:avLst/>
+          </a:prstGeom>
+          <a:noFill/>
+        </p:spPr>
+        <p:txBody>
+          <a:bodyPr wrap="square" rtlCol="0">
+            <a:spAutoFit/>
+          </a:bodyPr>
+          <a:lstStyle/>
+          <a:p>
+            <a:r>
+              <a:rPr lang="zh-CN" altLang="en-US" dirty="0"/>
+              <a:t>自信爆棚区</a:t>
+            </a:r>
+          </a:p>
+        </p:txBody>
+      </p:sp>
+      <p:sp>
+        <p:nvSpPr>
+          <p:cNvPr id="24" name="文本框 23">
+            <a:extLst>
+              <a:ext uri="{FF2B5EF4-FFF2-40B4-BE49-F238E27FC236}">
+                <a16:creationId xmlns:a16="http://schemas.microsoft.com/office/drawing/2014/main" id="{5CFCA0A9-E0B3-4B01-A10E-E26DD8EA203E}"/>
+              </a:ext>
+            </a:extLst>
+          </p:cNvPr>
+          <p:cNvSpPr txBox="1"/>
+          <p:nvPr/>
+        </p:nvSpPr>
+        <p:spPr>
+          <a:xfrm>
+            <a:off x="4527612" y="4968367"/>
+            <a:ext cx="1171853" cy="369332"/>
+          </a:xfrm>
+          <a:prstGeom prst="rect">
+            <a:avLst/>
+          </a:prstGeom>
+          <a:noFill/>
+        </p:spPr>
+        <p:txBody>
+          <a:bodyPr wrap="square" rtlCol="0">
+            <a:spAutoFit/>
+          </a:bodyPr>
+          <a:lstStyle/>
+          <a:p>
+            <a:r>
+              <a:rPr lang="zh-CN" altLang="en-US" dirty="0"/>
+              <a:t>绝望之谷</a:t>
+            </a:r>
+          </a:p>
+        </p:txBody>
+      </p:sp>
+      <p:sp>
+        <p:nvSpPr>
+          <p:cNvPr id="25" name="文本框 24">
+            <a:extLst>
+              <a:ext uri="{FF2B5EF4-FFF2-40B4-BE49-F238E27FC236}">
+                <a16:creationId xmlns:a16="http://schemas.microsoft.com/office/drawing/2014/main" id="{A0DD4A8C-50F5-4642-9102-C846D93EAB22}"/>
+              </a:ext>
+            </a:extLst>
+          </p:cNvPr>
+          <p:cNvSpPr txBox="1"/>
+          <p:nvPr/>
+        </p:nvSpPr>
+        <p:spPr>
+          <a:xfrm rot="17997526">
+            <a:off x="5377649" y="2589318"/>
+            <a:ext cx="1171853" cy="369332"/>
+          </a:xfrm>
+          <a:prstGeom prst="rect">
+            <a:avLst/>
+          </a:prstGeom>
+          <a:noFill/>
+        </p:spPr>
+        <p:txBody>
+          <a:bodyPr wrap="square" rtlCol="0">
+            <a:spAutoFit/>
+          </a:bodyPr>
+          <a:lstStyle/>
+          <a:p>
+            <a:r>
+              <a:rPr lang="zh-CN" altLang="en-US" dirty="0"/>
+              <a:t>开悟之坡</a:t>
+            </a:r>
+          </a:p>
+        </p:txBody>
+      </p:sp>
+      <p:cxnSp>
+        <p:nvCxnSpPr>
+          <p:cNvPr id="26" name="直接连接符 25">
+            <a:extLst>
+              <a:ext uri="{FF2B5EF4-FFF2-40B4-BE49-F238E27FC236}">
+                <a16:creationId xmlns:a16="http://schemas.microsoft.com/office/drawing/2014/main" id="{D47BE340-19CE-4ADE-AC1B-81D8F6BE38FB}"/>
+              </a:ext>
+            </a:extLst>
+          </p:cNvPr>
+          <p:cNvCxnSpPr>
+            <a:cxnSpLocks/>
+          </p:cNvCxnSpPr>
+          <p:nvPr/>
+        </p:nvCxnSpPr>
+        <p:spPr>
+          <a:xfrm>
+            <a:off x="7867096" y="1145791"/>
+            <a:ext cx="0" cy="5618993"/>
+          </a:xfrm>
+          <a:prstGeom prst="line">
+            <a:avLst/>
+          </a:prstGeom>
+          <a:ln w="9525" cap="flat" cmpd="sng" algn="ctr">
+            <a:solidFill>
+              <a:schemeClr val="accent2"/>
+            </a:solidFill>
+            <a:prstDash val="dash"/>
+            <a:round/>
+            <a:headEnd type="none" w="med" len="med"/>
+            <a:tailEnd type="none" w="med" len="med"/>
+          </a:ln>
+        </p:spPr>
+        <p:style>
+          <a:lnRef idx="0">
+            <a:scrgbClr r="0" g="0" b="0"/>
+          </a:lnRef>
+          <a:fillRef idx="0">
+            <a:scrgbClr r="0" g="0" b="0"/>
+          </a:fillRef>
+          <a:effectRef idx="0">
+            <a:scrgbClr r="0" g="0" b="0"/>
+          </a:effectRef>
+          <a:fontRef idx="minor">
+            <a:schemeClr val="tx1"/>
+          </a:fontRef>
+        </p:style>
+      </p:cxnSp>
+      <p:sp>
+        <p:nvSpPr>
+          <p:cNvPr id="29" name="文本框 28">
+            <a:extLst>
+              <a:ext uri="{FF2B5EF4-FFF2-40B4-BE49-F238E27FC236}">
+                <a16:creationId xmlns:a16="http://schemas.microsoft.com/office/drawing/2014/main" id="{D4349BA1-913E-410D-815F-53DB1E78ADB7}"/>
+              </a:ext>
+            </a:extLst>
+          </p:cNvPr>
+          <p:cNvSpPr txBox="1"/>
+          <p:nvPr/>
+        </p:nvSpPr>
+        <p:spPr>
+          <a:xfrm>
+            <a:off x="8532921" y="1145791"/>
+            <a:ext cx="1569865" cy="369332"/>
+          </a:xfrm>
+          <a:prstGeom prst="rect">
+            <a:avLst/>
+          </a:prstGeom>
+          <a:noFill/>
+        </p:spPr>
+        <p:txBody>
+          <a:bodyPr wrap="square" rtlCol="0">
+            <a:spAutoFit/>
+          </a:bodyPr>
+          <a:lstStyle/>
+          <a:p>
+            <a:r>
+              <a:rPr lang="zh-CN" altLang="en-US" dirty="0"/>
+              <a:t>持续平稳高原</a:t>
+            </a:r>
+          </a:p>
+        </p:txBody>
+      </p:sp>
+      <p:sp>
+        <p:nvSpPr>
+          <p:cNvPr id="34" name="文本框 33">
+            <a:extLst>
+              <a:ext uri="{FF2B5EF4-FFF2-40B4-BE49-F238E27FC236}">
+                <a16:creationId xmlns:a16="http://schemas.microsoft.com/office/drawing/2014/main" id="{14B3CC57-508F-471F-AC91-057E0CE5AC58}"/>
+              </a:ext>
+            </a:extLst>
+          </p:cNvPr>
+          <p:cNvSpPr txBox="1"/>
+          <p:nvPr/>
+        </p:nvSpPr>
+        <p:spPr>
+          <a:xfrm>
+            <a:off x="5113538" y="608095"/>
+            <a:ext cx="1171853" cy="276999"/>
+          </a:xfrm>
+          <a:prstGeom prst="rect">
+            <a:avLst/>
+          </a:prstGeom>
+          <a:noFill/>
+        </p:spPr>
+        <p:txBody>
+          <a:bodyPr wrap="square" rtlCol="0">
+            <a:spAutoFit/>
+          </a:bodyPr>
+          <a:lstStyle/>
+          <a:p>
+            <a:r>
+              <a:rPr lang="zh-CN" altLang="en-US" sz="1200" dirty="0"/>
+              <a:t>攻击辱骂</a:t>
+            </a:r>
+          </a:p>
+        </p:txBody>
+      </p:sp>
+      <p:cxnSp>
+        <p:nvCxnSpPr>
+          <p:cNvPr id="36" name="直接箭头连接符 35">
+            <a:extLst>
+              <a:ext uri="{FF2B5EF4-FFF2-40B4-BE49-F238E27FC236}">
+                <a16:creationId xmlns:a16="http://schemas.microsoft.com/office/drawing/2014/main" id="{B0AB6EEC-A98A-47C5-BADB-6FA1414DA107}"/>
+              </a:ext>
+            </a:extLst>
+          </p:cNvPr>
+          <p:cNvCxnSpPr/>
+          <p:nvPr/>
+        </p:nvCxnSpPr>
+        <p:spPr>
+          <a:xfrm>
+            <a:off x="3834414" y="885095"/>
+            <a:ext cx="4209495" cy="0"/>
+          </a:xfrm>
+          <a:prstGeom prst="straightConnector1">
+            <a:avLst/>
+          </a:prstGeom>
+          <a:ln>
+            <a:tailEnd type="triangle"/>
+          </a:ln>
+        </p:spPr>
+        <p:style>
+          <a:lnRef idx="1">
+            <a:schemeClr val="accent4"/>
+          </a:lnRef>
+          <a:fillRef idx="0">
+            <a:schemeClr val="accent4"/>
+          </a:fillRef>
+          <a:effectRef idx="0">
+            <a:schemeClr val="accent4"/>
+          </a:effectRef>
+          <a:fontRef idx="minor">
+            <a:schemeClr val="tx1"/>
+          </a:fontRef>
+        </p:style>
+      </p:cxnSp>
+      <p:cxnSp>
+        <p:nvCxnSpPr>
+          <p:cNvPr id="42" name="直接连接符 41">
+            <a:extLst>
+              <a:ext uri="{FF2B5EF4-FFF2-40B4-BE49-F238E27FC236}">
+                <a16:creationId xmlns:a16="http://schemas.microsoft.com/office/drawing/2014/main" id="{7BF469AD-CE32-4BF3-84BD-EB1C5EB36C65}"/>
+              </a:ext>
+            </a:extLst>
+          </p:cNvPr>
+          <p:cNvCxnSpPr>
+            <a:cxnSpLocks/>
+          </p:cNvCxnSpPr>
+          <p:nvPr/>
+        </p:nvCxnSpPr>
+        <p:spPr>
+          <a:xfrm>
+            <a:off x="4958919" y="1344968"/>
+            <a:ext cx="0" cy="5419816"/>
+          </a:xfrm>
+          <a:prstGeom prst="line">
+            <a:avLst/>
+          </a:prstGeom>
+          <a:ln w="9525" cap="flat" cmpd="sng" algn="ctr">
+            <a:solidFill>
+              <a:schemeClr val="accent2"/>
+            </a:solidFill>
+            <a:prstDash val="dash"/>
+            <a:round/>
+            <a:headEnd type="none" w="med" len="med"/>
+            <a:tailEnd type="none" w="med" len="med"/>
+          </a:ln>
+        </p:spPr>
+        <p:style>
+          <a:lnRef idx="0">
+            <a:scrgbClr r="0" g="0" b="0"/>
+          </a:lnRef>
+          <a:fillRef idx="0">
+            <a:scrgbClr r="0" g="0" b="0"/>
+          </a:fillRef>
+          <a:effectRef idx="0">
+            <a:scrgbClr r="0" g="0" b="0"/>
+          </a:effectRef>
+          <a:fontRef idx="minor">
+            <a:schemeClr val="tx1"/>
+          </a:fontRef>
+        </p:style>
+      </p:cxnSp>
+      <p:cxnSp>
+        <p:nvCxnSpPr>
+          <p:cNvPr id="43" name="直接连接符 42">
+            <a:extLst>
+              <a:ext uri="{FF2B5EF4-FFF2-40B4-BE49-F238E27FC236}">
+                <a16:creationId xmlns:a16="http://schemas.microsoft.com/office/drawing/2014/main" id="{DFDDB405-B891-4116-9A07-B1842F958E1E}"/>
+              </a:ext>
+            </a:extLst>
+          </p:cNvPr>
+          <p:cNvCxnSpPr>
+            <a:cxnSpLocks/>
+          </p:cNvCxnSpPr>
+          <p:nvPr/>
+        </p:nvCxnSpPr>
+        <p:spPr>
+          <a:xfrm flipH="1" flipV="1">
+            <a:off x="2556770" y="6157572"/>
+            <a:ext cx="7332955" cy="39042"/>
+          </a:xfrm>
+          <a:prstGeom prst="line">
+            <a:avLst/>
+          </a:prstGeom>
+        </p:spPr>
+        <p:style>
+          <a:lnRef idx="1">
+            <a:schemeClr val="accent1"/>
+          </a:lnRef>
+          <a:fillRef idx="0">
+            <a:schemeClr val="accent1"/>
+          </a:fillRef>
+          <a:effectRef idx="0">
+            <a:schemeClr val="accent1"/>
+          </a:effectRef>
+          <a:fontRef idx="minor">
+            <a:schemeClr val="tx1"/>
+          </a:fontRef>
+        </p:style>
+      </p:cxnSp>
+      <p:sp>
+        <p:nvSpPr>
+          <p:cNvPr id="47" name="文本框 46">
+            <a:extLst>
+              <a:ext uri="{FF2B5EF4-FFF2-40B4-BE49-F238E27FC236}">
+                <a16:creationId xmlns:a16="http://schemas.microsoft.com/office/drawing/2014/main" id="{04035B89-C4F6-4E83-9525-44314E88A8EA}"/>
+              </a:ext>
+            </a:extLst>
+          </p:cNvPr>
+          <p:cNvSpPr txBox="1"/>
+          <p:nvPr/>
+        </p:nvSpPr>
+        <p:spPr>
+          <a:xfrm>
+            <a:off x="2482963" y="6287794"/>
+            <a:ext cx="1171853" cy="276999"/>
+          </a:xfrm>
+          <a:prstGeom prst="rect">
+            <a:avLst/>
+          </a:prstGeom>
+          <a:noFill/>
+        </p:spPr>
+        <p:txBody>
+          <a:bodyPr wrap="square" rtlCol="0">
+            <a:spAutoFit/>
+          </a:bodyPr>
+          <a:lstStyle/>
+          <a:p>
+            <a:r>
+              <a:rPr lang="zh-CN" altLang="en-US" sz="1200" dirty="0"/>
+              <a:t>不知道不知道</a:t>
+            </a:r>
+          </a:p>
+        </p:txBody>
+      </p:sp>
+      <p:sp>
+        <p:nvSpPr>
+          <p:cNvPr id="48" name="文本框 47">
+            <a:extLst>
+              <a:ext uri="{FF2B5EF4-FFF2-40B4-BE49-F238E27FC236}">
+                <a16:creationId xmlns:a16="http://schemas.microsoft.com/office/drawing/2014/main" id="{BC4F941D-E23A-4504-8001-A4FBD4929DD4}"/>
+              </a:ext>
+            </a:extLst>
+          </p:cNvPr>
+          <p:cNvSpPr txBox="1"/>
+          <p:nvPr/>
+        </p:nvSpPr>
+        <p:spPr>
+          <a:xfrm>
+            <a:off x="3739096" y="6287795"/>
+            <a:ext cx="1171853" cy="276999"/>
+          </a:xfrm>
+          <a:prstGeom prst="rect">
+            <a:avLst/>
+          </a:prstGeom>
+          <a:noFill/>
+        </p:spPr>
+        <p:txBody>
+          <a:bodyPr wrap="square" rtlCol="0">
+            <a:spAutoFit/>
+          </a:bodyPr>
+          <a:lstStyle/>
+          <a:p>
+            <a:r>
+              <a:rPr lang="zh-CN" altLang="en-US" sz="1200" dirty="0"/>
+              <a:t>知道不知道</a:t>
+            </a:r>
+          </a:p>
+        </p:txBody>
+      </p:sp>
+      <p:sp>
+        <p:nvSpPr>
+          <p:cNvPr id="49" name="文本框 48">
+            <a:extLst>
+              <a:ext uri="{FF2B5EF4-FFF2-40B4-BE49-F238E27FC236}">
+                <a16:creationId xmlns:a16="http://schemas.microsoft.com/office/drawing/2014/main" id="{97389BA0-89E0-404D-86B9-C76189F4DD7C}"/>
+              </a:ext>
+            </a:extLst>
+          </p:cNvPr>
+          <p:cNvSpPr txBox="1"/>
+          <p:nvPr/>
+        </p:nvSpPr>
+        <p:spPr>
+          <a:xfrm>
+            <a:off x="5958511" y="6287796"/>
+            <a:ext cx="1171853" cy="276999"/>
+          </a:xfrm>
+          <a:prstGeom prst="rect">
+            <a:avLst/>
+          </a:prstGeom>
+          <a:noFill/>
+        </p:spPr>
+        <p:txBody>
+          <a:bodyPr wrap="square" rtlCol="0">
+            <a:spAutoFit/>
+          </a:bodyPr>
+          <a:lstStyle/>
+          <a:p>
+            <a:r>
+              <a:rPr lang="zh-CN" altLang="en-US" sz="1200" dirty="0"/>
+              <a:t>知道知道</a:t>
+            </a:r>
+          </a:p>
+        </p:txBody>
+      </p:sp>
+      <p:sp>
+        <p:nvSpPr>
+          <p:cNvPr id="50" name="文本框 49">
+            <a:extLst>
+              <a:ext uri="{FF2B5EF4-FFF2-40B4-BE49-F238E27FC236}">
+                <a16:creationId xmlns:a16="http://schemas.microsoft.com/office/drawing/2014/main" id="{7F0DB7F1-B82F-42CE-ACDC-37AC5C6954CA}"/>
+              </a:ext>
+            </a:extLst>
+          </p:cNvPr>
+          <p:cNvSpPr txBox="1"/>
+          <p:nvPr/>
+        </p:nvSpPr>
+        <p:spPr>
+          <a:xfrm>
+            <a:off x="8292484" y="6287797"/>
+            <a:ext cx="1171853" cy="276999"/>
+          </a:xfrm>
+          <a:prstGeom prst="rect">
+            <a:avLst/>
+          </a:prstGeom>
+          <a:noFill/>
+        </p:spPr>
+        <p:txBody>
+          <a:bodyPr wrap="square" rtlCol="0">
+            <a:spAutoFit/>
+          </a:bodyPr>
+          <a:lstStyle/>
+          <a:p>
+            <a:r>
+              <a:rPr lang="zh-CN" altLang="en-US" sz="1200" dirty="0"/>
+              <a:t>不知道知道</a:t>
+            </a:r>
+          </a:p>
+        </p:txBody>
+      </p:sp>
+      <p:sp>
+        <p:nvSpPr>
+          <p:cNvPr id="52" name="文本框 51">
+            <a:extLst>
+              <a:ext uri="{FF2B5EF4-FFF2-40B4-BE49-F238E27FC236}">
+                <a16:creationId xmlns:a16="http://schemas.microsoft.com/office/drawing/2014/main" id="{AC916A03-D144-4CD7-B730-9B1A311E64CE}"/>
+              </a:ext>
+            </a:extLst>
+          </p:cNvPr>
+          <p:cNvSpPr txBox="1"/>
+          <p:nvPr/>
+        </p:nvSpPr>
+        <p:spPr>
+          <a:xfrm>
+            <a:off x="2636325" y="5487085"/>
+            <a:ext cx="827582" cy="461665"/>
+          </a:xfrm>
+          <a:prstGeom prst="rect">
+            <a:avLst/>
+          </a:prstGeom>
+          <a:noFill/>
+        </p:spPr>
+        <p:txBody>
+          <a:bodyPr wrap="square" rtlCol="0">
+            <a:spAutoFit/>
+          </a:bodyPr>
+          <a:lstStyle/>
+          <a:p>
+            <a:r>
+              <a:rPr lang="zh-CN" altLang="en-US" sz="1200" dirty="0"/>
+              <a:t>绝大多数中国人</a:t>
+            </a:r>
+          </a:p>
+        </p:txBody>
+      </p:sp>
+      <p:sp>
+        <p:nvSpPr>
+          <p:cNvPr id="53" name="文本框 52">
+            <a:extLst>
+              <a:ext uri="{FF2B5EF4-FFF2-40B4-BE49-F238E27FC236}">
+                <a16:creationId xmlns:a16="http://schemas.microsoft.com/office/drawing/2014/main" id="{768AE94A-1229-47DE-BF96-017F39C3AC42}"/>
+              </a:ext>
+            </a:extLst>
+          </p:cNvPr>
+          <p:cNvSpPr txBox="1"/>
+          <p:nvPr/>
+        </p:nvSpPr>
+        <p:spPr>
+          <a:xfrm>
+            <a:off x="5450153" y="5455533"/>
+            <a:ext cx="1632245" cy="646331"/>
+          </a:xfrm>
+          <a:prstGeom prst="rect">
+            <a:avLst/>
+          </a:prstGeom>
+          <a:noFill/>
+        </p:spPr>
+        <p:txBody>
+          <a:bodyPr wrap="square" rtlCol="0">
+            <a:spAutoFit/>
+          </a:bodyPr>
+          <a:lstStyle/>
+          <a:p>
+            <a:pPr algn="ctr"/>
+            <a:r>
+              <a:rPr lang="zh-CN" altLang="en-US" dirty="0"/>
+              <a:t>智慧</a:t>
+            </a:r>
+            <a:r>
+              <a:rPr lang="en-US" altLang="zh-CN" dirty="0"/>
+              <a:t>/</a:t>
+            </a:r>
+            <a:r>
+              <a:rPr lang="zh-CN" altLang="en-US" dirty="0"/>
+              <a:t>认知</a:t>
+            </a:r>
+            <a:endParaRPr lang="en-US" altLang="zh-CN" dirty="0"/>
+          </a:p>
+          <a:p>
+            <a:r>
+              <a:rPr lang="zh-CN" altLang="en-US" dirty="0"/>
+              <a:t>（知识</a:t>
+            </a:r>
+            <a:r>
+              <a:rPr lang="en-US" altLang="zh-CN" dirty="0"/>
+              <a:t>+</a:t>
+            </a:r>
+            <a:r>
+              <a:rPr lang="zh-CN" altLang="en-US" dirty="0"/>
+              <a:t>经验）</a:t>
+            </a:r>
+          </a:p>
+        </p:txBody>
+      </p:sp>
+      <p:sp>
+        <p:nvSpPr>
+          <p:cNvPr id="54" name="文本框 53">
+            <a:extLst>
+              <a:ext uri="{FF2B5EF4-FFF2-40B4-BE49-F238E27FC236}">
+                <a16:creationId xmlns:a16="http://schemas.microsoft.com/office/drawing/2014/main" id="{9F570005-FC33-4F64-9C52-9A3BA87968C7}"/>
+              </a:ext>
+            </a:extLst>
+          </p:cNvPr>
+          <p:cNvSpPr txBox="1"/>
+          <p:nvPr/>
+        </p:nvSpPr>
+        <p:spPr>
+          <a:xfrm>
+            <a:off x="9500190" y="5478404"/>
+            <a:ext cx="910939" cy="276999"/>
+          </a:xfrm>
+          <a:prstGeom prst="rect">
+            <a:avLst/>
+          </a:prstGeom>
+          <a:noFill/>
+        </p:spPr>
+        <p:txBody>
+          <a:bodyPr wrap="square" rtlCol="0">
+            <a:spAutoFit/>
+          </a:bodyPr>
+          <a:lstStyle/>
+          <a:p>
+            <a:r>
+              <a:rPr lang="zh-CN" altLang="en-US" sz="1200" dirty="0"/>
+              <a:t>大师</a:t>
+            </a:r>
+          </a:p>
+        </p:txBody>
+      </p:sp>
+      <p:sp>
+        <p:nvSpPr>
+          <p:cNvPr id="56" name="文本框 55">
+            <a:extLst>
+              <a:ext uri="{FF2B5EF4-FFF2-40B4-BE49-F238E27FC236}">
+                <a16:creationId xmlns:a16="http://schemas.microsoft.com/office/drawing/2014/main" id="{DE91981C-7E7A-4864-877D-B37545D88BD6}"/>
+              </a:ext>
+            </a:extLst>
+          </p:cNvPr>
+          <p:cNvSpPr txBox="1"/>
+          <p:nvPr/>
+        </p:nvSpPr>
+        <p:spPr>
+          <a:xfrm>
+            <a:off x="4457504" y="2269102"/>
+            <a:ext cx="501416" cy="1477328"/>
+          </a:xfrm>
+          <a:prstGeom prst="rect">
+            <a:avLst/>
+          </a:prstGeom>
+          <a:noFill/>
+        </p:spPr>
+        <p:txBody>
+          <a:bodyPr wrap="square" rtlCol="0">
+            <a:spAutoFit/>
+          </a:bodyPr>
+          <a:lstStyle/>
+          <a:p>
+            <a:r>
+              <a:rPr lang="zh-CN" altLang="en-US" dirty="0"/>
+              <a:t>自信崩溃区</a:t>
+            </a:r>
+          </a:p>
+        </p:txBody>
+      </p:sp>
+      <p:sp>
+        <p:nvSpPr>
+          <p:cNvPr id="27" name="文本框 26">
+            <a:extLst>
+              <a:ext uri="{FF2B5EF4-FFF2-40B4-BE49-F238E27FC236}">
+                <a16:creationId xmlns:a16="http://schemas.microsoft.com/office/drawing/2014/main" id="{2C793485-6599-4978-A44C-3EC33AF681C2}"/>
+              </a:ext>
+            </a:extLst>
+          </p:cNvPr>
+          <p:cNvSpPr txBox="1"/>
+          <p:nvPr/>
+        </p:nvSpPr>
+        <p:spPr>
+          <a:xfrm>
+            <a:off x="2144610" y="5254907"/>
+            <a:ext cx="910939" cy="276999"/>
+          </a:xfrm>
+          <a:prstGeom prst="rect">
+            <a:avLst/>
+          </a:prstGeom>
+          <a:noFill/>
+        </p:spPr>
+        <p:txBody>
+          <a:bodyPr wrap="square" rtlCol="0">
+            <a:spAutoFit/>
+          </a:bodyPr>
+          <a:lstStyle/>
+          <a:p>
+            <a:r>
+              <a:rPr lang="zh-CN" altLang="en-US" sz="1200" dirty="0"/>
+              <a:t>低</a:t>
+            </a:r>
+          </a:p>
+        </p:txBody>
+      </p:sp>
+      <p:sp>
+        <p:nvSpPr>
+          <p:cNvPr id="28" name="文本框 27">
+            <a:extLst>
+              <a:ext uri="{FF2B5EF4-FFF2-40B4-BE49-F238E27FC236}">
+                <a16:creationId xmlns:a16="http://schemas.microsoft.com/office/drawing/2014/main" id="{5088EC9A-7D27-4AC8-A255-76A1B4F9C400}"/>
+              </a:ext>
+            </a:extLst>
+          </p:cNvPr>
+          <p:cNvSpPr txBox="1"/>
+          <p:nvPr/>
+        </p:nvSpPr>
+        <p:spPr>
+          <a:xfrm>
+            <a:off x="2126513" y="522886"/>
+            <a:ext cx="910939" cy="276999"/>
+          </a:xfrm>
+          <a:prstGeom prst="rect">
+            <a:avLst/>
+          </a:prstGeom>
+          <a:noFill/>
+        </p:spPr>
+        <p:txBody>
+          <a:bodyPr wrap="square" rtlCol="0">
+            <a:spAutoFit/>
+          </a:bodyPr>
+          <a:lstStyle/>
+          <a:p>
+            <a:r>
+              <a:rPr lang="zh-CN" altLang="en-US" sz="1200" dirty="0"/>
+              <a:t>高</a:t>
+            </a:r>
+          </a:p>
+        </p:txBody>
+      </p:sp>
+    </p:spTree>
+    <p:extLst>
+      <p:ext uri="{BB962C8B-B14F-4D97-AF65-F5344CB8AC3E}">
+        <p14:creationId xmlns:p14="http://schemas.microsoft.com/office/powerpoint/2010/main" val="3082557166"/>
+      </p:ext>
+    </p:extLst>
+  </p:cSld>
+  <p:clrMapOvr>
+    <a:masterClrMapping/>
+  </p:clrMapOvr>
+</p:sld>
+</file>
+
+<file path=ppt/slides/slide6.xml><?xml version="1.0" encoding="utf-8"?>
+<p:sld xmlns:a="http://schemas.openxmlformats.org/drawingml/2006/main" xmlns:r="http://schemas.openxmlformats.org/officeDocument/2006/relationships" xmlns:p="http://schemas.openxmlformats.org/presentationml/2006/main">
+  <p:cSld>
+    <p:spTree>
+      <p:nvGrpSpPr>
+        <p:cNvPr id="1" name=""/>
+        <p:cNvGrpSpPr/>
+        <p:nvPr/>
+      </p:nvGrpSpPr>
+      <p:grpSpPr>
+        <a:xfrm>
+          <a:off x="0" y="0"/>
+          <a:ext cx="0" cy="0"/>
+          <a:chOff x="0" y="0"/>
+          <a:chExt cx="0" cy="0"/>
+        </a:xfrm>
+      </p:grpSpPr>
+      <p:sp>
+        <p:nvSpPr>
+          <p:cNvPr id="5" name="矩形 4">
+            <a:extLst>
+              <a:ext uri="{FF2B5EF4-FFF2-40B4-BE49-F238E27FC236}">
+                <a16:creationId xmlns:a16="http://schemas.microsoft.com/office/drawing/2014/main" id="{F36BE865-7B21-4250-BFFD-86A8E0F8ADB5}"/>
+              </a:ext>
+            </a:extLst>
+          </p:cNvPr>
+          <p:cNvSpPr/>
+          <p:nvPr/>
+        </p:nvSpPr>
+        <p:spPr>
+          <a:xfrm>
+            <a:off x="2477977" y="1615735"/>
+            <a:ext cx="1597980" cy="3284739"/>
+          </a:xfrm>
+          <a:prstGeom prst="rect">
+            <a:avLst/>
+          </a:prstGeom>
+        </p:spPr>
+        <p:style>
+          <a:lnRef idx="2">
+            <a:schemeClr val="accent4">
+              <a:shade val="50000"/>
+            </a:schemeClr>
+          </a:lnRef>
+          <a:fillRef idx="1">
+            <a:schemeClr val="accent4"/>
+          </a:fillRef>
+          <a:effectRef idx="0">
+            <a:schemeClr val="accent4"/>
+          </a:effectRef>
+          <a:fontRef idx="minor">
+            <a:schemeClr val="lt1"/>
+          </a:fontRef>
+        </p:style>
+        <p:txBody>
+          <a:bodyPr rtlCol="0" anchor="ctr"/>
+          <a:lstStyle/>
+          <a:p>
+            <a:pPr algn="ctr"/>
+            <a:endParaRPr lang="zh-CN" altLang="en-US" dirty="0">
+              <a:solidFill>
+                <a:schemeClr val="tx1"/>
+              </a:solidFill>
+            </a:endParaRPr>
+          </a:p>
+        </p:txBody>
+      </p:sp>
+      <p:sp>
+        <p:nvSpPr>
+          <p:cNvPr id="7" name="矩形 6">
+            <a:extLst>
+              <a:ext uri="{FF2B5EF4-FFF2-40B4-BE49-F238E27FC236}">
+                <a16:creationId xmlns:a16="http://schemas.microsoft.com/office/drawing/2014/main" id="{E8E5F9F8-EF44-4CF4-99F9-2EDEBC55E358}"/>
+              </a:ext>
+            </a:extLst>
+          </p:cNvPr>
+          <p:cNvSpPr/>
+          <p:nvPr/>
+        </p:nvSpPr>
+        <p:spPr>
+          <a:xfrm>
+            <a:off x="4736233" y="1604644"/>
+            <a:ext cx="3372039" cy="3295830"/>
+          </a:xfrm>
+          <a:prstGeom prst="rect">
+            <a:avLst/>
+          </a:prstGeom>
+        </p:spPr>
+        <p:style>
+          <a:lnRef idx="2">
+            <a:schemeClr val="accent2">
+              <a:shade val="50000"/>
+            </a:schemeClr>
+          </a:lnRef>
+          <a:fillRef idx="1">
+            <a:schemeClr val="accent2"/>
+          </a:fillRef>
+          <a:effectRef idx="0">
+            <a:schemeClr val="accent2"/>
+          </a:effectRef>
+          <a:fontRef idx="minor">
+            <a:schemeClr val="lt1"/>
+          </a:fontRef>
+        </p:style>
+        <p:txBody>
+          <a:bodyPr rtlCol="0" anchor="ctr"/>
+          <a:lstStyle/>
+          <a:p>
+            <a:pPr algn="ctr"/>
+            <a:endParaRPr lang="zh-CN" altLang="en-US" dirty="0">
+              <a:solidFill>
+                <a:schemeClr val="tx1"/>
+              </a:solidFill>
+            </a:endParaRPr>
+          </a:p>
+        </p:txBody>
+      </p:sp>
+      <p:sp>
+        <p:nvSpPr>
+          <p:cNvPr id="8" name="矩形 7">
+            <a:extLst>
+              <a:ext uri="{FF2B5EF4-FFF2-40B4-BE49-F238E27FC236}">
+                <a16:creationId xmlns:a16="http://schemas.microsoft.com/office/drawing/2014/main" id="{D7E10CBA-46D3-469F-A072-36780CD609E5}"/>
+              </a:ext>
+            </a:extLst>
+          </p:cNvPr>
+          <p:cNvSpPr/>
+          <p:nvPr/>
+        </p:nvSpPr>
+        <p:spPr>
+          <a:xfrm>
+            <a:off x="2721008" y="3826274"/>
+            <a:ext cx="1127464" cy="372862"/>
+          </a:xfrm>
+          <a:prstGeom prst="rect">
+            <a:avLst/>
+          </a:prstGeom>
+        </p:spPr>
+        <p:style>
+          <a:lnRef idx="2">
+            <a:schemeClr val="accent1">
+              <a:shade val="50000"/>
+            </a:schemeClr>
+          </a:lnRef>
+          <a:fillRef idx="1">
+            <a:schemeClr val="accent1"/>
+          </a:fillRef>
+          <a:effectRef idx="0">
+            <a:schemeClr val="accent1"/>
+          </a:effectRef>
+          <a:fontRef idx="minor">
+            <a:schemeClr val="lt1"/>
+          </a:fontRef>
+        </p:style>
+        <p:txBody>
+          <a:bodyPr rtlCol="0" anchor="ctr"/>
+          <a:lstStyle/>
+          <a:p>
+            <a:pPr algn="ctr"/>
+            <a:r>
+              <a:rPr lang="en-US" altLang="zh-CN" dirty="0">
+                <a:solidFill>
+                  <a:schemeClr val="tx1"/>
+                </a:solidFill>
+              </a:rPr>
+              <a:t>objA</a:t>
+            </a:r>
+            <a:endParaRPr lang="zh-CN" altLang="en-US" dirty="0">
+              <a:solidFill>
+                <a:schemeClr val="tx1"/>
+              </a:solidFill>
+            </a:endParaRPr>
+          </a:p>
+        </p:txBody>
+      </p:sp>
+      <p:sp>
+        <p:nvSpPr>
+          <p:cNvPr id="9" name="矩形 8">
+            <a:extLst>
+              <a:ext uri="{FF2B5EF4-FFF2-40B4-BE49-F238E27FC236}">
+                <a16:creationId xmlns:a16="http://schemas.microsoft.com/office/drawing/2014/main" id="{1D18D491-FADC-474C-9156-D320BCFD8427}"/>
+              </a:ext>
+            </a:extLst>
+          </p:cNvPr>
+          <p:cNvSpPr/>
+          <p:nvPr/>
+        </p:nvSpPr>
+        <p:spPr>
+          <a:xfrm>
+            <a:off x="2721008" y="3191521"/>
+            <a:ext cx="1127464" cy="372862"/>
+          </a:xfrm>
+          <a:prstGeom prst="rect">
+            <a:avLst/>
+          </a:prstGeom>
+        </p:spPr>
+        <p:style>
+          <a:lnRef idx="2">
+            <a:schemeClr val="accent1">
+              <a:shade val="50000"/>
+            </a:schemeClr>
+          </a:lnRef>
+          <a:fillRef idx="1">
+            <a:schemeClr val="accent1"/>
+          </a:fillRef>
+          <a:effectRef idx="0">
+            <a:schemeClr val="accent1"/>
+          </a:effectRef>
+          <a:fontRef idx="minor">
+            <a:schemeClr val="lt1"/>
+          </a:fontRef>
+        </p:style>
+        <p:txBody>
+          <a:bodyPr rtlCol="0" anchor="ctr"/>
+          <a:lstStyle/>
+          <a:p>
+            <a:pPr algn="ctr"/>
+            <a:r>
+              <a:rPr lang="en-US" altLang="zh-CN" dirty="0">
+                <a:solidFill>
+                  <a:schemeClr val="tx1"/>
+                </a:solidFill>
+              </a:rPr>
+              <a:t>objB</a:t>
+            </a:r>
+            <a:endParaRPr lang="zh-CN" altLang="en-US" dirty="0">
+              <a:solidFill>
+                <a:schemeClr val="tx1"/>
+              </a:solidFill>
+            </a:endParaRPr>
+          </a:p>
+        </p:txBody>
+      </p:sp>
+      <p:sp>
+        <p:nvSpPr>
+          <p:cNvPr id="10" name="矩形 9">
+            <a:extLst>
+              <a:ext uri="{FF2B5EF4-FFF2-40B4-BE49-F238E27FC236}">
+                <a16:creationId xmlns:a16="http://schemas.microsoft.com/office/drawing/2014/main" id="{F448BB24-B392-4997-AFE2-CA12C454718E}"/>
+              </a:ext>
+            </a:extLst>
+          </p:cNvPr>
+          <p:cNvSpPr/>
+          <p:nvPr/>
+        </p:nvSpPr>
+        <p:spPr>
+          <a:xfrm>
+            <a:off x="5433133" y="3497800"/>
+            <a:ext cx="2041865" cy="1012048"/>
+          </a:xfrm>
+          <a:prstGeom prst="rect">
+            <a:avLst/>
+          </a:prstGeom>
+        </p:spPr>
+        <p:style>
+          <a:lnRef idx="2">
+            <a:schemeClr val="accent1">
+              <a:shade val="50000"/>
+            </a:schemeClr>
+          </a:lnRef>
+          <a:fillRef idx="1">
+            <a:schemeClr val="accent1"/>
+          </a:fillRef>
+          <a:effectRef idx="0">
+            <a:schemeClr val="accent1"/>
+          </a:effectRef>
+          <a:fontRef idx="minor">
+            <a:schemeClr val="lt1"/>
+          </a:fontRef>
+        </p:style>
+        <p:txBody>
+          <a:bodyPr rtlCol="0" anchor="ctr"/>
+          <a:lstStyle/>
+          <a:p>
+            <a:pPr algn="ctr"/>
+            <a:endParaRPr lang="zh-CN" altLang="en-US" dirty="0">
+              <a:solidFill>
+                <a:schemeClr val="tx1"/>
+              </a:solidFill>
+            </a:endParaRPr>
+          </a:p>
+        </p:txBody>
+      </p:sp>
+      <p:sp>
+        <p:nvSpPr>
+          <p:cNvPr id="11" name="矩形 10">
+            <a:extLst>
+              <a:ext uri="{FF2B5EF4-FFF2-40B4-BE49-F238E27FC236}">
+                <a16:creationId xmlns:a16="http://schemas.microsoft.com/office/drawing/2014/main" id="{81A72F5E-A07A-490B-8CB4-7122FCD51667}"/>
+              </a:ext>
+            </a:extLst>
+          </p:cNvPr>
+          <p:cNvSpPr/>
+          <p:nvPr/>
+        </p:nvSpPr>
+        <p:spPr>
+          <a:xfrm>
+            <a:off x="5433133" y="2007839"/>
+            <a:ext cx="2041865" cy="1012049"/>
+          </a:xfrm>
+          <a:prstGeom prst="rect">
+            <a:avLst/>
+          </a:prstGeom>
+        </p:spPr>
+        <p:style>
+          <a:lnRef idx="2">
+            <a:schemeClr val="accent1">
+              <a:shade val="50000"/>
+            </a:schemeClr>
+          </a:lnRef>
+          <a:fillRef idx="1">
+            <a:schemeClr val="accent1"/>
+          </a:fillRef>
+          <a:effectRef idx="0">
+            <a:schemeClr val="accent1"/>
+          </a:effectRef>
+          <a:fontRef idx="minor">
+            <a:schemeClr val="lt1"/>
+          </a:fontRef>
+        </p:style>
+        <p:txBody>
+          <a:bodyPr rtlCol="0" anchor="ctr"/>
+          <a:lstStyle/>
+          <a:p>
+            <a:pPr algn="ctr"/>
+            <a:endParaRPr lang="zh-CN" altLang="en-US" dirty="0">
+              <a:solidFill>
+                <a:schemeClr val="tx1"/>
+              </a:solidFill>
+            </a:endParaRPr>
+          </a:p>
+        </p:txBody>
+      </p:sp>
+      <p:sp>
+        <p:nvSpPr>
+          <p:cNvPr id="17" name="矩形 16">
+            <a:extLst>
+              <a:ext uri="{FF2B5EF4-FFF2-40B4-BE49-F238E27FC236}">
+                <a16:creationId xmlns:a16="http://schemas.microsoft.com/office/drawing/2014/main" id="{F70AA065-6C54-460E-B387-AE3988EC908A}"/>
+              </a:ext>
+            </a:extLst>
+          </p:cNvPr>
+          <p:cNvSpPr/>
+          <p:nvPr/>
+        </p:nvSpPr>
+        <p:spPr>
+          <a:xfrm>
+            <a:off x="5528565" y="2533835"/>
+            <a:ext cx="994299" cy="363984"/>
+          </a:xfrm>
+          <a:prstGeom prst="rect">
+            <a:avLst/>
+          </a:prstGeom>
+        </p:spPr>
+        <p:style>
+          <a:lnRef idx="2">
+            <a:schemeClr val="accent2">
+              <a:shade val="50000"/>
+            </a:schemeClr>
+          </a:lnRef>
+          <a:fillRef idx="1">
+            <a:schemeClr val="accent2"/>
+          </a:fillRef>
+          <a:effectRef idx="0">
+            <a:schemeClr val="accent2"/>
+          </a:effectRef>
+          <a:fontRef idx="minor">
+            <a:schemeClr val="lt1"/>
+          </a:fontRef>
+        </p:style>
+        <p:txBody>
+          <a:bodyPr rtlCol="0" anchor="ctr"/>
+          <a:lstStyle/>
+          <a:p>
+            <a:pPr algn="ctr"/>
+            <a:r>
+              <a:rPr lang="en-US" altLang="zh-CN" dirty="0">
+                <a:solidFill>
+                  <a:schemeClr val="tx1"/>
+                </a:solidFill>
+              </a:rPr>
+              <a:t>instance</a:t>
+            </a:r>
+            <a:endParaRPr lang="zh-CN" altLang="en-US" dirty="0">
+              <a:solidFill>
+                <a:schemeClr val="tx1"/>
+              </a:solidFill>
+            </a:endParaRPr>
+          </a:p>
+        </p:txBody>
+      </p:sp>
+      <p:sp>
+        <p:nvSpPr>
+          <p:cNvPr id="19" name="矩形 18">
+            <a:extLst>
+              <a:ext uri="{FF2B5EF4-FFF2-40B4-BE49-F238E27FC236}">
+                <a16:creationId xmlns:a16="http://schemas.microsoft.com/office/drawing/2014/main" id="{3A50990A-5C6C-4688-BC71-E8158F04F2EA}"/>
+              </a:ext>
+            </a:extLst>
+          </p:cNvPr>
+          <p:cNvSpPr/>
+          <p:nvPr/>
+        </p:nvSpPr>
+        <p:spPr>
+          <a:xfrm>
+            <a:off x="6415592" y="3590289"/>
+            <a:ext cx="994299" cy="363984"/>
+          </a:xfrm>
+          <a:prstGeom prst="rect">
+            <a:avLst/>
+          </a:prstGeom>
+        </p:spPr>
+        <p:style>
+          <a:lnRef idx="2">
+            <a:schemeClr val="accent2">
+              <a:shade val="50000"/>
+            </a:schemeClr>
+          </a:lnRef>
+          <a:fillRef idx="1">
+            <a:schemeClr val="accent2"/>
+          </a:fillRef>
+          <a:effectRef idx="0">
+            <a:schemeClr val="accent2"/>
+          </a:effectRef>
+          <a:fontRef idx="minor">
+            <a:schemeClr val="lt1"/>
+          </a:fontRef>
+        </p:style>
+        <p:txBody>
+          <a:bodyPr rtlCol="0" anchor="ctr"/>
+          <a:lstStyle/>
+          <a:p>
+            <a:pPr algn="ctr"/>
+            <a:r>
+              <a:rPr lang="en-US" altLang="zh-CN" dirty="0">
+                <a:solidFill>
+                  <a:schemeClr val="tx1"/>
+                </a:solidFill>
+              </a:rPr>
+              <a:t>instance</a:t>
+            </a:r>
+            <a:endParaRPr lang="zh-CN" altLang="en-US" dirty="0">
+              <a:solidFill>
+                <a:schemeClr val="tx1"/>
+              </a:solidFill>
+            </a:endParaRPr>
+          </a:p>
+        </p:txBody>
+      </p:sp>
+      <p:sp>
+        <p:nvSpPr>
+          <p:cNvPr id="20" name="文本框 19">
+            <a:extLst>
+              <a:ext uri="{FF2B5EF4-FFF2-40B4-BE49-F238E27FC236}">
+                <a16:creationId xmlns:a16="http://schemas.microsoft.com/office/drawing/2014/main" id="{8B572BE0-C6FE-4D19-B0DE-77F09A93650E}"/>
+              </a:ext>
+            </a:extLst>
+          </p:cNvPr>
+          <p:cNvSpPr txBox="1"/>
+          <p:nvPr/>
+        </p:nvSpPr>
+        <p:spPr>
+          <a:xfrm>
+            <a:off x="4749552" y="1604644"/>
+            <a:ext cx="435005" cy="369332"/>
+          </a:xfrm>
+          <a:prstGeom prst="rect">
+            <a:avLst/>
+          </a:prstGeom>
+          <a:noFill/>
+        </p:spPr>
+        <p:txBody>
+          <a:bodyPr wrap="square" rtlCol="0">
+            <a:spAutoFit/>
+          </a:bodyPr>
+          <a:lstStyle/>
+          <a:p>
+            <a:r>
+              <a:rPr lang="zh-CN" altLang="en-US" dirty="0"/>
+              <a:t>堆</a:t>
+            </a:r>
+          </a:p>
+        </p:txBody>
+      </p:sp>
+      <p:sp>
+        <p:nvSpPr>
+          <p:cNvPr id="21" name="文本框 20">
+            <a:extLst>
+              <a:ext uri="{FF2B5EF4-FFF2-40B4-BE49-F238E27FC236}">
+                <a16:creationId xmlns:a16="http://schemas.microsoft.com/office/drawing/2014/main" id="{44DE6424-7F7B-4601-ADC1-53126EBCADF1}"/>
+              </a:ext>
+            </a:extLst>
+          </p:cNvPr>
+          <p:cNvSpPr txBox="1"/>
+          <p:nvPr/>
+        </p:nvSpPr>
+        <p:spPr>
+          <a:xfrm>
+            <a:off x="2629270" y="1615735"/>
+            <a:ext cx="682101" cy="369332"/>
+          </a:xfrm>
+          <a:prstGeom prst="rect">
+            <a:avLst/>
+          </a:prstGeom>
+          <a:noFill/>
+        </p:spPr>
+        <p:txBody>
+          <a:bodyPr wrap="square" rtlCol="0">
+            <a:spAutoFit/>
+          </a:bodyPr>
+          <a:lstStyle/>
+          <a:p>
+            <a:r>
+              <a:rPr lang="zh-CN" altLang="en-US" dirty="0"/>
+              <a:t>栈帧</a:t>
+            </a:r>
+          </a:p>
+        </p:txBody>
+      </p:sp>
+      <p:cxnSp>
+        <p:nvCxnSpPr>
+          <p:cNvPr id="22" name="直接箭头连接符 21">
+            <a:extLst>
+              <a:ext uri="{FF2B5EF4-FFF2-40B4-BE49-F238E27FC236}">
+                <a16:creationId xmlns:a16="http://schemas.microsoft.com/office/drawing/2014/main" id="{CFDD6FE9-561B-4CFC-AFFF-4C2776509DDA}"/>
+              </a:ext>
+            </a:extLst>
+          </p:cNvPr>
+          <p:cNvCxnSpPr>
+            <a:cxnSpLocks/>
+          </p:cNvCxnSpPr>
+          <p:nvPr/>
+        </p:nvCxnSpPr>
+        <p:spPr>
+          <a:xfrm>
+            <a:off x="6043469" y="2897819"/>
+            <a:ext cx="0" cy="599981"/>
+          </a:xfrm>
+          <a:prstGeom prst="straightConnector1">
+            <a:avLst/>
+          </a:prstGeom>
+          <a:ln>
+            <a:tailEnd type="triangle"/>
+          </a:ln>
+        </p:spPr>
+        <p:style>
+          <a:lnRef idx="2">
+            <a:schemeClr val="dk1"/>
+          </a:lnRef>
+          <a:fillRef idx="0">
+            <a:schemeClr val="dk1"/>
+          </a:fillRef>
+          <a:effectRef idx="1">
+            <a:schemeClr val="dk1"/>
+          </a:effectRef>
+          <a:fontRef idx="minor">
+            <a:schemeClr val="tx1"/>
+          </a:fontRef>
+        </p:style>
+      </p:cxnSp>
+      <p:cxnSp>
+        <p:nvCxnSpPr>
+          <p:cNvPr id="29" name="直接箭头连接符 28">
+            <a:extLst>
+              <a:ext uri="{FF2B5EF4-FFF2-40B4-BE49-F238E27FC236}">
+                <a16:creationId xmlns:a16="http://schemas.microsoft.com/office/drawing/2014/main" id="{85C6D190-FFB5-4BB0-98B3-76E18E8031DC}"/>
+              </a:ext>
+            </a:extLst>
+          </p:cNvPr>
+          <p:cNvCxnSpPr>
+            <a:cxnSpLocks/>
+            <a:stCxn id="19" idx="0"/>
+          </p:cNvCxnSpPr>
+          <p:nvPr/>
+        </p:nvCxnSpPr>
+        <p:spPr>
+          <a:xfrm flipV="1">
+            <a:off x="6912742" y="3019889"/>
+            <a:ext cx="0" cy="570400"/>
+          </a:xfrm>
+          <a:prstGeom prst="straightConnector1">
+            <a:avLst/>
+          </a:prstGeom>
+          <a:ln>
+            <a:tailEnd type="triangle"/>
+          </a:ln>
+        </p:spPr>
+        <p:style>
+          <a:lnRef idx="2">
+            <a:schemeClr val="dk1"/>
+          </a:lnRef>
+          <a:fillRef idx="0">
+            <a:schemeClr val="dk1"/>
+          </a:fillRef>
+          <a:effectRef idx="1">
+            <a:schemeClr val="dk1"/>
+          </a:effectRef>
+          <a:fontRef idx="minor">
+            <a:schemeClr val="tx1"/>
+          </a:fontRef>
+        </p:style>
+      </p:cxnSp>
+      <p:sp>
+        <p:nvSpPr>
+          <p:cNvPr id="35" name="文本框 34">
+            <a:extLst>
+              <a:ext uri="{FF2B5EF4-FFF2-40B4-BE49-F238E27FC236}">
+                <a16:creationId xmlns:a16="http://schemas.microsoft.com/office/drawing/2014/main" id="{CA0632E5-6F3A-4CB4-9B64-8C84859E75EE}"/>
+              </a:ext>
+            </a:extLst>
+          </p:cNvPr>
+          <p:cNvSpPr txBox="1"/>
+          <p:nvPr/>
+        </p:nvSpPr>
+        <p:spPr>
+          <a:xfrm>
+            <a:off x="5628445" y="2015981"/>
+            <a:ext cx="1846550" cy="369332"/>
+          </a:xfrm>
+          <a:prstGeom prst="rect">
+            <a:avLst/>
+          </a:prstGeom>
+          <a:noFill/>
+        </p:spPr>
+        <p:txBody>
+          <a:bodyPr wrap="square" rtlCol="0">
+            <a:spAutoFit/>
+          </a:bodyPr>
+          <a:lstStyle/>
+          <a:p>
+            <a:r>
+              <a:rPr lang="en-US" altLang="zh-CN" dirty="0"/>
+              <a:t>GCObject</a:t>
+            </a:r>
+            <a:r>
+              <a:rPr lang="zh-CN" altLang="en-US" dirty="0"/>
+              <a:t>实例</a:t>
+            </a:r>
+            <a:r>
+              <a:rPr lang="en-US" altLang="zh-CN" dirty="0"/>
+              <a:t>B</a:t>
+            </a:r>
+            <a:endParaRPr lang="zh-CN" altLang="en-US" dirty="0"/>
+          </a:p>
+        </p:txBody>
+      </p:sp>
+      <p:sp>
+        <p:nvSpPr>
+          <p:cNvPr id="36" name="文本框 35">
+            <a:extLst>
+              <a:ext uri="{FF2B5EF4-FFF2-40B4-BE49-F238E27FC236}">
+                <a16:creationId xmlns:a16="http://schemas.microsoft.com/office/drawing/2014/main" id="{C742029E-3F86-4E94-9E81-4DB3C8948AFB}"/>
+              </a:ext>
+            </a:extLst>
+          </p:cNvPr>
+          <p:cNvSpPr txBox="1"/>
+          <p:nvPr/>
+        </p:nvSpPr>
+        <p:spPr>
+          <a:xfrm>
+            <a:off x="5628445" y="4080521"/>
+            <a:ext cx="1846550" cy="369332"/>
+          </a:xfrm>
+          <a:prstGeom prst="rect">
+            <a:avLst/>
+          </a:prstGeom>
+          <a:noFill/>
+        </p:spPr>
+        <p:txBody>
+          <a:bodyPr wrap="square" rtlCol="0">
+            <a:spAutoFit/>
+          </a:bodyPr>
+          <a:lstStyle/>
+          <a:p>
+            <a:r>
+              <a:rPr lang="en-US" altLang="zh-CN" dirty="0"/>
+              <a:t>GCObject</a:t>
+            </a:r>
+            <a:r>
+              <a:rPr lang="zh-CN" altLang="en-US" dirty="0"/>
+              <a:t>实例</a:t>
+            </a:r>
+            <a:r>
+              <a:rPr lang="en-US" altLang="zh-CN" dirty="0"/>
+              <a:t>A</a:t>
+            </a:r>
+            <a:endParaRPr lang="zh-CN" altLang="en-US" dirty="0"/>
+          </a:p>
+        </p:txBody>
+      </p:sp>
+      <p:sp>
+        <p:nvSpPr>
+          <p:cNvPr id="43" name="文本框 42">
+            <a:extLst>
+              <a:ext uri="{FF2B5EF4-FFF2-40B4-BE49-F238E27FC236}">
+                <a16:creationId xmlns:a16="http://schemas.microsoft.com/office/drawing/2014/main" id="{14FE0152-73AD-40F9-8C67-D8D51F2BEBDB}"/>
+              </a:ext>
+            </a:extLst>
+          </p:cNvPr>
+          <p:cNvSpPr txBox="1"/>
+          <p:nvPr/>
+        </p:nvSpPr>
+        <p:spPr>
+          <a:xfrm>
+            <a:off x="6956030" y="3062627"/>
+            <a:ext cx="435005" cy="369332"/>
+          </a:xfrm>
+          <a:prstGeom prst="rect">
+            <a:avLst/>
+          </a:prstGeom>
+          <a:noFill/>
+        </p:spPr>
+        <p:txBody>
+          <a:bodyPr wrap="square" rtlCol="0">
+            <a:spAutoFit/>
+          </a:bodyPr>
+          <a:lstStyle/>
+          <a:p>
+            <a:r>
+              <a:rPr lang="en-US" altLang="zh-CN" dirty="0"/>
+              <a:t>3</a:t>
+            </a:r>
+            <a:endParaRPr lang="zh-CN" altLang="en-US" dirty="0"/>
+          </a:p>
+        </p:txBody>
+      </p:sp>
+      <p:sp>
+        <p:nvSpPr>
+          <p:cNvPr id="44" name="文本框 43">
+            <a:extLst>
+              <a:ext uri="{FF2B5EF4-FFF2-40B4-BE49-F238E27FC236}">
+                <a16:creationId xmlns:a16="http://schemas.microsoft.com/office/drawing/2014/main" id="{A41959A7-12C4-4694-92E1-5DDAC3C07EB6}"/>
+              </a:ext>
+            </a:extLst>
+          </p:cNvPr>
+          <p:cNvSpPr txBox="1"/>
+          <p:nvPr/>
+        </p:nvSpPr>
+        <p:spPr>
+          <a:xfrm>
+            <a:off x="5712779" y="3062627"/>
+            <a:ext cx="435005" cy="369332"/>
+          </a:xfrm>
+          <a:prstGeom prst="rect">
+            <a:avLst/>
+          </a:prstGeom>
+          <a:noFill/>
+        </p:spPr>
+        <p:txBody>
+          <a:bodyPr wrap="square" rtlCol="0">
+            <a:spAutoFit/>
+          </a:bodyPr>
+          <a:lstStyle/>
+          <a:p>
+            <a:r>
+              <a:rPr lang="en-US" altLang="zh-CN" dirty="0"/>
+              <a:t>4</a:t>
+            </a:r>
+            <a:endParaRPr lang="zh-CN" altLang="en-US" dirty="0"/>
+          </a:p>
+        </p:txBody>
+      </p:sp>
+    </p:spTree>
+    <p:extLst>
+      <p:ext uri="{BB962C8B-B14F-4D97-AF65-F5344CB8AC3E}">
+        <p14:creationId xmlns:p14="http://schemas.microsoft.com/office/powerpoint/2010/main" val="461552215"/>
+      </p:ext>
+    </p:extLst>
+  </p:cSld>
+  <p:clrMapOvr>
+    <a:masterClrMapping/>
+  </p:clrMapOvr>
+</p:sld>
+</file>
+
+<file path=ppt/slides/slide7.xml><?xml version="1.0" encoding="utf-8"?>
+<p:sld xmlns:a="http://schemas.openxmlformats.org/drawingml/2006/main" xmlns:r="http://schemas.openxmlformats.org/officeDocument/2006/relationships" xmlns:p="http://schemas.openxmlformats.org/presentationml/2006/main">
+  <p:cSld>
+    <p:spTree>
+      <p:nvGrpSpPr>
+        <p:cNvPr id="1" name=""/>
+        <p:cNvGrpSpPr/>
+        <p:nvPr/>
+      </p:nvGrpSpPr>
+      <p:grpSpPr>
+        <a:xfrm>
+          <a:off x="0" y="0"/>
+          <a:ext cx="0" cy="0"/>
+          <a:chOff x="0" y="0"/>
+          <a:chExt cx="0" cy="0"/>
+        </a:xfrm>
+      </p:grpSpPr>
+      <p:sp>
+        <p:nvSpPr>
+          <p:cNvPr id="4" name="矩形 3">
+            <a:extLst>
+              <a:ext uri="{FF2B5EF4-FFF2-40B4-BE49-F238E27FC236}">
+                <a16:creationId xmlns:a16="http://schemas.microsoft.com/office/drawing/2014/main" id="{58B8082A-F6DF-4EC1-BF40-3BD6C0FB7965}"/>
+              </a:ext>
+            </a:extLst>
+          </p:cNvPr>
+          <p:cNvSpPr/>
+          <p:nvPr/>
+        </p:nvSpPr>
+        <p:spPr>
+          <a:xfrm>
+            <a:off x="4424715" y="1080724"/>
+            <a:ext cx="1278648" cy="472265"/>
+          </a:xfrm>
+          <a:prstGeom prst="rect">
+            <a:avLst/>
+          </a:prstGeom>
+        </p:spPr>
+        <p:style>
+          <a:lnRef idx="2">
+            <a:schemeClr val="accent1">
+              <a:shade val="50000"/>
+            </a:schemeClr>
+          </a:lnRef>
+          <a:fillRef idx="1">
+            <a:schemeClr val="accent1"/>
+          </a:fillRef>
+          <a:effectRef idx="0">
+            <a:schemeClr val="accent1"/>
+          </a:effectRef>
+          <a:fontRef idx="minor">
+            <a:schemeClr val="lt1"/>
+          </a:fontRef>
+        </p:style>
+        <p:txBody>
+          <a:bodyPr rtlCol="0" anchor="ctr"/>
+          <a:lstStyle/>
+          <a:p>
+            <a:pPr algn="ctr"/>
+            <a:r>
+              <a:rPr lang="en-US" altLang="zh-CN" sz="1200" dirty="0">
+                <a:solidFill>
+                  <a:schemeClr val="tx1"/>
+                </a:solidFill>
+              </a:rPr>
+              <a:t>Throwable</a:t>
+            </a:r>
+            <a:endParaRPr lang="zh-CN" altLang="en-US" sz="1200" dirty="0">
+              <a:solidFill>
+                <a:schemeClr val="tx1"/>
+              </a:solidFill>
+            </a:endParaRPr>
+          </a:p>
+        </p:txBody>
+      </p:sp>
+      <p:sp>
+        <p:nvSpPr>
+          <p:cNvPr id="5" name="矩形 4">
+            <a:extLst>
+              <a:ext uri="{FF2B5EF4-FFF2-40B4-BE49-F238E27FC236}">
+                <a16:creationId xmlns:a16="http://schemas.microsoft.com/office/drawing/2014/main" id="{9CD3D09A-C59D-431A-B00A-0186FE499A40}"/>
+              </a:ext>
+            </a:extLst>
+          </p:cNvPr>
+          <p:cNvSpPr/>
+          <p:nvPr/>
+        </p:nvSpPr>
+        <p:spPr>
+          <a:xfrm>
+            <a:off x="2829234" y="2014492"/>
+            <a:ext cx="1278648" cy="504551"/>
+          </a:xfrm>
+          <a:prstGeom prst="rect">
+            <a:avLst/>
+          </a:prstGeom>
+        </p:spPr>
+        <p:style>
+          <a:lnRef idx="2">
+            <a:schemeClr val="accent2">
+              <a:shade val="50000"/>
+            </a:schemeClr>
+          </a:lnRef>
+          <a:fillRef idx="1">
+            <a:schemeClr val="accent2"/>
+          </a:fillRef>
+          <a:effectRef idx="0">
+            <a:schemeClr val="accent2"/>
+          </a:effectRef>
+          <a:fontRef idx="minor">
+            <a:schemeClr val="lt1"/>
+          </a:fontRef>
+        </p:style>
+        <p:txBody>
+          <a:bodyPr rtlCol="0" anchor="ctr"/>
+          <a:lstStyle/>
+          <a:p>
+            <a:pPr algn="ctr"/>
+            <a:r>
+              <a:rPr lang="en-US" altLang="zh-CN" sz="1200" dirty="0">
+                <a:solidFill>
+                  <a:schemeClr val="tx1"/>
+                </a:solidFill>
+              </a:rPr>
+              <a:t>Error</a:t>
+            </a:r>
+            <a:endParaRPr lang="zh-CN" altLang="en-US" sz="1200" dirty="0">
+              <a:solidFill>
+                <a:schemeClr val="tx1"/>
+              </a:solidFill>
+            </a:endParaRPr>
+          </a:p>
+        </p:txBody>
+      </p:sp>
+      <p:sp>
+        <p:nvSpPr>
+          <p:cNvPr id="10" name="矩形 9">
+            <a:extLst>
+              <a:ext uri="{FF2B5EF4-FFF2-40B4-BE49-F238E27FC236}">
+                <a16:creationId xmlns:a16="http://schemas.microsoft.com/office/drawing/2014/main" id="{BC3B8D48-6E4F-4B38-B435-52FC28C2B954}"/>
+              </a:ext>
+            </a:extLst>
+          </p:cNvPr>
+          <p:cNvSpPr/>
+          <p:nvPr/>
+        </p:nvSpPr>
+        <p:spPr>
+          <a:xfrm>
+            <a:off x="1468928" y="3088684"/>
+            <a:ext cx="1700399" cy="861880"/>
+          </a:xfrm>
+          <a:prstGeom prst="rect">
+            <a:avLst/>
+          </a:prstGeom>
+        </p:spPr>
+        <p:style>
+          <a:lnRef idx="2">
+            <a:schemeClr val="accent2">
+              <a:shade val="50000"/>
+            </a:schemeClr>
+          </a:lnRef>
+          <a:fillRef idx="1">
+            <a:schemeClr val="accent2"/>
+          </a:fillRef>
+          <a:effectRef idx="0">
+            <a:schemeClr val="accent2"/>
+          </a:effectRef>
+          <a:fontRef idx="minor">
+            <a:schemeClr val="lt1"/>
+          </a:fontRef>
+        </p:style>
+        <p:txBody>
+          <a:bodyPr rtlCol="0" anchor="ctr"/>
+          <a:lstStyle/>
+          <a:p>
+            <a:pPr algn="ctr"/>
+            <a:r>
+              <a:rPr lang="en-US" altLang="zh-CN" sz="1200" dirty="0">
+                <a:solidFill>
+                  <a:schemeClr val="tx1"/>
+                </a:solidFill>
+              </a:rPr>
+              <a:t>LinkageError</a:t>
+            </a:r>
+            <a:r>
+              <a:rPr lang="zh-CN" altLang="en-US" sz="1200" dirty="0">
+                <a:solidFill>
+                  <a:schemeClr val="tx1"/>
+                </a:solidFill>
+              </a:rPr>
+              <a:t>：</a:t>
+            </a:r>
+            <a:endParaRPr lang="en-US" altLang="zh-CN" sz="1200" dirty="0">
+              <a:solidFill>
+                <a:schemeClr val="tx1"/>
+              </a:solidFill>
+            </a:endParaRPr>
+          </a:p>
+          <a:p>
+            <a:pPr algn="ctr"/>
+            <a:r>
+              <a:rPr lang="en-US" altLang="zh-CN" sz="1200" dirty="0">
+                <a:solidFill>
+                  <a:schemeClr val="tx1"/>
+                </a:solidFill>
+              </a:rPr>
+              <a:t>NoClassDefFoundError</a:t>
+            </a:r>
+          </a:p>
+          <a:p>
+            <a:pPr algn="ctr"/>
+            <a:r>
+              <a:rPr lang="en-US" altLang="zh-CN" sz="1200" dirty="0">
+                <a:solidFill>
+                  <a:schemeClr val="tx1"/>
+                </a:solidFill>
+              </a:rPr>
+              <a:t>UnsatisfiedLinkError</a:t>
+            </a:r>
+            <a:endParaRPr lang="zh-CN" altLang="en-US" sz="1200" dirty="0">
+              <a:solidFill>
+                <a:schemeClr val="tx1"/>
+              </a:solidFill>
+            </a:endParaRPr>
+          </a:p>
+        </p:txBody>
+      </p:sp>
+      <p:sp>
+        <p:nvSpPr>
+          <p:cNvPr id="11" name="矩形 10">
+            <a:extLst>
+              <a:ext uri="{FF2B5EF4-FFF2-40B4-BE49-F238E27FC236}">
+                <a16:creationId xmlns:a16="http://schemas.microsoft.com/office/drawing/2014/main" id="{4B6FCF57-0AFF-457F-A590-5B98AA683D17}"/>
+              </a:ext>
+            </a:extLst>
+          </p:cNvPr>
+          <p:cNvSpPr/>
+          <p:nvPr/>
+        </p:nvSpPr>
+        <p:spPr>
+          <a:xfrm>
+            <a:off x="5721174" y="2021290"/>
+            <a:ext cx="1278647" cy="489418"/>
+          </a:xfrm>
+          <a:prstGeom prst="rect">
+            <a:avLst/>
+          </a:prstGeom>
+        </p:spPr>
+        <p:style>
+          <a:lnRef idx="1">
+            <a:schemeClr val="accent6"/>
+          </a:lnRef>
+          <a:fillRef idx="2">
+            <a:schemeClr val="accent6"/>
+          </a:fillRef>
+          <a:effectRef idx="1">
+            <a:schemeClr val="accent6"/>
+          </a:effectRef>
+          <a:fontRef idx="minor">
+            <a:schemeClr val="dk1"/>
+          </a:fontRef>
+        </p:style>
+        <p:txBody>
+          <a:bodyPr rtlCol="0" anchor="ctr"/>
+          <a:lstStyle/>
+          <a:p>
+            <a:pPr algn="ctr"/>
+            <a:r>
+              <a:rPr lang="en-US" altLang="zh-CN" sz="1200" dirty="0">
+                <a:solidFill>
+                  <a:schemeClr val="tx1"/>
+                </a:solidFill>
+              </a:rPr>
+              <a:t>Exception</a:t>
+            </a:r>
+            <a:endParaRPr lang="zh-CN" altLang="en-US" sz="1200" dirty="0">
+              <a:solidFill>
+                <a:schemeClr val="tx1"/>
+              </a:solidFill>
+            </a:endParaRPr>
+          </a:p>
+        </p:txBody>
+      </p:sp>
+      <p:sp>
+        <p:nvSpPr>
+          <p:cNvPr id="31" name="矩形 30">
+            <a:extLst>
+              <a:ext uri="{FF2B5EF4-FFF2-40B4-BE49-F238E27FC236}">
+                <a16:creationId xmlns:a16="http://schemas.microsoft.com/office/drawing/2014/main" id="{EF2A1037-A467-4B94-9935-0F8BB92BFC1F}"/>
+              </a:ext>
+            </a:extLst>
+          </p:cNvPr>
+          <p:cNvSpPr/>
+          <p:nvPr/>
+        </p:nvSpPr>
+        <p:spPr>
+          <a:xfrm>
+            <a:off x="3363640" y="3088684"/>
+            <a:ext cx="1700399" cy="861880"/>
+          </a:xfrm>
+          <a:prstGeom prst="rect">
+            <a:avLst/>
+          </a:prstGeom>
+        </p:spPr>
+        <p:style>
+          <a:lnRef idx="2">
+            <a:schemeClr val="accent2">
+              <a:shade val="50000"/>
+            </a:schemeClr>
+          </a:lnRef>
+          <a:fillRef idx="1">
+            <a:schemeClr val="accent2"/>
+          </a:fillRef>
+          <a:effectRef idx="0">
+            <a:schemeClr val="accent2"/>
+          </a:effectRef>
+          <a:fontRef idx="minor">
+            <a:schemeClr val="lt1"/>
+          </a:fontRef>
+        </p:style>
+        <p:txBody>
+          <a:bodyPr rtlCol="0" anchor="ctr"/>
+          <a:lstStyle/>
+          <a:p>
+            <a:pPr algn="ctr"/>
+            <a:r>
+              <a:rPr lang="en-US" altLang="zh-CN" sz="1200" dirty="0">
+                <a:solidFill>
+                  <a:schemeClr val="tx1"/>
+                </a:solidFill>
+              </a:rPr>
+              <a:t>VirtualMachineError</a:t>
+            </a:r>
+            <a:r>
+              <a:rPr lang="zh-CN" altLang="en-US" sz="1200" dirty="0">
+                <a:solidFill>
+                  <a:schemeClr val="tx1"/>
+                </a:solidFill>
+              </a:rPr>
+              <a:t>：</a:t>
+            </a:r>
+            <a:endParaRPr lang="en-US" altLang="zh-CN" sz="1200" dirty="0">
+              <a:solidFill>
+                <a:schemeClr val="tx1"/>
+              </a:solidFill>
+            </a:endParaRPr>
+          </a:p>
+          <a:p>
+            <a:pPr algn="ctr"/>
+            <a:r>
+              <a:rPr lang="en-US" altLang="zh-CN" sz="1200" dirty="0">
+                <a:solidFill>
+                  <a:schemeClr val="tx1"/>
+                </a:solidFill>
+              </a:rPr>
+              <a:t>OutOfMemoryError</a:t>
+            </a:r>
+          </a:p>
+          <a:p>
+            <a:pPr algn="ctr"/>
+            <a:r>
+              <a:rPr lang="en-US" altLang="zh-CN" sz="1200" dirty="0">
+                <a:solidFill>
+                  <a:schemeClr val="tx1"/>
+                </a:solidFill>
+              </a:rPr>
+              <a:t>StackOverflowError</a:t>
+            </a:r>
+            <a:endParaRPr lang="zh-CN" altLang="en-US" sz="1200" dirty="0">
+              <a:solidFill>
+                <a:schemeClr val="tx1"/>
+              </a:solidFill>
+            </a:endParaRPr>
+          </a:p>
+        </p:txBody>
+      </p:sp>
+      <p:sp>
+        <p:nvSpPr>
+          <p:cNvPr id="32" name="矩形 31">
+            <a:extLst>
+              <a:ext uri="{FF2B5EF4-FFF2-40B4-BE49-F238E27FC236}">
+                <a16:creationId xmlns:a16="http://schemas.microsoft.com/office/drawing/2014/main" id="{D88B8F98-6F20-45DD-9400-3B1D1F0453A4}"/>
+              </a:ext>
+            </a:extLst>
+          </p:cNvPr>
+          <p:cNvSpPr/>
+          <p:nvPr/>
+        </p:nvSpPr>
+        <p:spPr>
+          <a:xfrm>
+            <a:off x="7174840" y="3088682"/>
+            <a:ext cx="1614053" cy="861879"/>
+          </a:xfrm>
+          <a:prstGeom prst="rect">
+            <a:avLst/>
+          </a:prstGeom>
+        </p:spPr>
+        <p:style>
+          <a:lnRef idx="1">
+            <a:schemeClr val="accent6"/>
+          </a:lnRef>
+          <a:fillRef idx="2">
+            <a:schemeClr val="accent6"/>
+          </a:fillRef>
+          <a:effectRef idx="1">
+            <a:schemeClr val="accent6"/>
+          </a:effectRef>
+          <a:fontRef idx="minor">
+            <a:schemeClr val="dk1"/>
+          </a:fontRef>
+        </p:style>
+        <p:txBody>
+          <a:bodyPr rtlCol="0" anchor="ctr"/>
+          <a:lstStyle/>
+          <a:p>
+            <a:pPr algn="ctr"/>
+            <a:r>
+              <a:rPr lang="en-US" altLang="zh-CN" sz="1200" dirty="0">
+                <a:solidFill>
+                  <a:schemeClr val="tx1"/>
+                </a:solidFill>
+              </a:rPr>
+              <a:t>RunTimeException</a:t>
+            </a:r>
+            <a:r>
+              <a:rPr lang="zh-CN" altLang="en-US" sz="1200" dirty="0">
+                <a:solidFill>
+                  <a:schemeClr val="tx1"/>
+                </a:solidFill>
+              </a:rPr>
+              <a:t>：</a:t>
+            </a:r>
+            <a:endParaRPr lang="en-US" altLang="zh-CN" sz="1200" dirty="0">
+              <a:solidFill>
+                <a:schemeClr val="tx1"/>
+              </a:solidFill>
+            </a:endParaRPr>
+          </a:p>
+          <a:p>
+            <a:pPr algn="ctr"/>
+            <a:r>
+              <a:rPr lang="en-US" altLang="zh-CN" sz="1200" dirty="0">
+                <a:solidFill>
+                  <a:schemeClr val="tx1"/>
+                </a:solidFill>
+              </a:rPr>
+              <a:t>NullPointerException</a:t>
+            </a:r>
+            <a:endParaRPr lang="zh-CN" altLang="en-US" sz="1200" dirty="0">
+              <a:solidFill>
+                <a:schemeClr val="tx1"/>
+              </a:solidFill>
+            </a:endParaRPr>
+          </a:p>
+        </p:txBody>
+      </p:sp>
+      <p:sp>
+        <p:nvSpPr>
+          <p:cNvPr id="33" name="矩形 32">
+            <a:extLst>
+              <a:ext uri="{FF2B5EF4-FFF2-40B4-BE49-F238E27FC236}">
+                <a16:creationId xmlns:a16="http://schemas.microsoft.com/office/drawing/2014/main" id="{96B31AB4-A3BE-491D-80B5-FC8E9E8F3B89}"/>
+              </a:ext>
+            </a:extLst>
+          </p:cNvPr>
+          <p:cNvSpPr/>
+          <p:nvPr/>
+        </p:nvSpPr>
+        <p:spPr>
+          <a:xfrm>
+            <a:off x="5379868" y="3088683"/>
+            <a:ext cx="1479143" cy="861879"/>
+          </a:xfrm>
+          <a:prstGeom prst="rect">
+            <a:avLst/>
+          </a:prstGeom>
+        </p:spPr>
+        <p:style>
+          <a:lnRef idx="1">
+            <a:schemeClr val="accent6"/>
+          </a:lnRef>
+          <a:fillRef idx="2">
+            <a:schemeClr val="accent6"/>
+          </a:fillRef>
+          <a:effectRef idx="1">
+            <a:schemeClr val="accent6"/>
+          </a:effectRef>
+          <a:fontRef idx="minor">
+            <a:schemeClr val="dk1"/>
+          </a:fontRef>
+        </p:style>
+        <p:txBody>
+          <a:bodyPr rtlCol="0" anchor="ctr"/>
+          <a:lstStyle/>
+          <a:p>
+            <a:pPr algn="ctr"/>
+            <a:r>
+              <a:rPr lang="en-US" altLang="zh-CN" sz="1200" dirty="0">
+                <a:solidFill>
+                  <a:schemeClr val="tx1"/>
+                </a:solidFill>
+              </a:rPr>
+              <a:t>Checked Exception</a:t>
+            </a:r>
+            <a:r>
+              <a:rPr lang="zh-CN" altLang="en-US" sz="1200" dirty="0">
+                <a:solidFill>
+                  <a:schemeClr val="tx1"/>
+                </a:solidFill>
+              </a:rPr>
+              <a:t>：</a:t>
+            </a:r>
+            <a:endParaRPr lang="en-US" altLang="zh-CN" sz="1200" dirty="0">
+              <a:solidFill>
+                <a:schemeClr val="tx1"/>
+              </a:solidFill>
+            </a:endParaRPr>
+          </a:p>
+          <a:p>
+            <a:pPr algn="ctr"/>
+            <a:r>
+              <a:rPr lang="en-US" altLang="zh-CN" sz="1200" dirty="0">
+                <a:solidFill>
+                  <a:schemeClr val="tx1"/>
+                </a:solidFill>
+              </a:rPr>
+              <a:t>IOException</a:t>
+            </a:r>
+            <a:endParaRPr lang="zh-CN" altLang="en-US" sz="1200" dirty="0">
+              <a:solidFill>
+                <a:schemeClr val="tx1"/>
+              </a:solidFill>
+            </a:endParaRPr>
+          </a:p>
+        </p:txBody>
+      </p:sp>
+      <p:cxnSp>
+        <p:nvCxnSpPr>
+          <p:cNvPr id="35" name="直接箭头连接符 34">
+            <a:extLst>
+              <a:ext uri="{FF2B5EF4-FFF2-40B4-BE49-F238E27FC236}">
+                <a16:creationId xmlns:a16="http://schemas.microsoft.com/office/drawing/2014/main" id="{1E6F5207-1BDC-4643-9C9E-6623861D441B}"/>
+              </a:ext>
+            </a:extLst>
+          </p:cNvPr>
+          <p:cNvCxnSpPr>
+            <a:endCxn id="4" idx="2"/>
+          </p:cNvCxnSpPr>
+          <p:nvPr/>
+        </p:nvCxnSpPr>
+        <p:spPr>
+          <a:xfrm flipV="1">
+            <a:off x="3817398" y="1552989"/>
+            <a:ext cx="1246641" cy="461503"/>
+          </a:xfrm>
+          <a:prstGeom prst="straightConnector1">
+            <a:avLst/>
+          </a:prstGeom>
+          <a:ln>
+            <a:tailEnd type="triangle"/>
+          </a:ln>
+        </p:spPr>
+        <p:style>
+          <a:lnRef idx="1">
+            <a:schemeClr val="accent1"/>
+          </a:lnRef>
+          <a:fillRef idx="0">
+            <a:schemeClr val="accent1"/>
+          </a:fillRef>
+          <a:effectRef idx="0">
+            <a:schemeClr val="accent1"/>
+          </a:effectRef>
+          <a:fontRef idx="minor">
+            <a:schemeClr val="tx1"/>
+          </a:fontRef>
+        </p:style>
+      </p:cxnSp>
+      <p:cxnSp>
+        <p:nvCxnSpPr>
+          <p:cNvPr id="36" name="直接箭头连接符 35">
+            <a:extLst>
+              <a:ext uri="{FF2B5EF4-FFF2-40B4-BE49-F238E27FC236}">
+                <a16:creationId xmlns:a16="http://schemas.microsoft.com/office/drawing/2014/main" id="{A4703AD2-4CED-4846-B98D-D8E853AD4F88}"/>
+              </a:ext>
+            </a:extLst>
+          </p:cNvPr>
+          <p:cNvCxnSpPr>
+            <a:cxnSpLocks/>
+            <a:endCxn id="4" idx="2"/>
+          </p:cNvCxnSpPr>
+          <p:nvPr/>
+        </p:nvCxnSpPr>
+        <p:spPr>
+          <a:xfrm flipH="1" flipV="1">
+            <a:off x="5064039" y="1552989"/>
+            <a:ext cx="1194718" cy="461504"/>
+          </a:xfrm>
+          <a:prstGeom prst="straightConnector1">
+            <a:avLst/>
+          </a:prstGeom>
+          <a:ln>
+            <a:tailEnd type="triangle"/>
+          </a:ln>
+        </p:spPr>
+        <p:style>
+          <a:lnRef idx="1">
+            <a:schemeClr val="accent1"/>
+          </a:lnRef>
+          <a:fillRef idx="0">
+            <a:schemeClr val="accent1"/>
+          </a:fillRef>
+          <a:effectRef idx="0">
+            <a:schemeClr val="accent1"/>
+          </a:effectRef>
+          <a:fontRef idx="minor">
+            <a:schemeClr val="tx1"/>
+          </a:fontRef>
+        </p:style>
+      </p:cxnSp>
+      <p:cxnSp>
+        <p:nvCxnSpPr>
+          <p:cNvPr id="39" name="直接箭头连接符 38">
+            <a:extLst>
+              <a:ext uri="{FF2B5EF4-FFF2-40B4-BE49-F238E27FC236}">
+                <a16:creationId xmlns:a16="http://schemas.microsoft.com/office/drawing/2014/main" id="{6782F2B9-3D7E-418A-8999-C53D7BC278C2}"/>
+              </a:ext>
+            </a:extLst>
+          </p:cNvPr>
+          <p:cNvCxnSpPr>
+            <a:cxnSpLocks/>
+            <a:endCxn id="11" idx="2"/>
+          </p:cNvCxnSpPr>
+          <p:nvPr/>
+        </p:nvCxnSpPr>
+        <p:spPr>
+          <a:xfrm flipH="1" flipV="1">
+            <a:off x="6360498" y="2510708"/>
+            <a:ext cx="1407464" cy="577974"/>
+          </a:xfrm>
+          <a:prstGeom prst="straightConnector1">
+            <a:avLst/>
+          </a:prstGeom>
+          <a:ln>
+            <a:tailEnd type="triangle"/>
+          </a:ln>
+        </p:spPr>
+        <p:style>
+          <a:lnRef idx="1">
+            <a:schemeClr val="accent1"/>
+          </a:lnRef>
+          <a:fillRef idx="0">
+            <a:schemeClr val="accent1"/>
+          </a:fillRef>
+          <a:effectRef idx="0">
+            <a:schemeClr val="accent1"/>
+          </a:effectRef>
+          <a:fontRef idx="minor">
+            <a:schemeClr val="tx1"/>
+          </a:fontRef>
+        </p:style>
+      </p:cxnSp>
+      <p:cxnSp>
+        <p:nvCxnSpPr>
+          <p:cNvPr id="40" name="直接箭头连接符 39">
+            <a:extLst>
+              <a:ext uri="{FF2B5EF4-FFF2-40B4-BE49-F238E27FC236}">
+                <a16:creationId xmlns:a16="http://schemas.microsoft.com/office/drawing/2014/main" id="{9DDE1784-4D90-4CDB-8958-7134D22C540C}"/>
+              </a:ext>
+            </a:extLst>
+          </p:cNvPr>
+          <p:cNvCxnSpPr>
+            <a:cxnSpLocks/>
+            <a:endCxn id="11" idx="2"/>
+          </p:cNvCxnSpPr>
+          <p:nvPr/>
+        </p:nvCxnSpPr>
+        <p:spPr>
+          <a:xfrm flipV="1">
+            <a:off x="5921406" y="2510708"/>
+            <a:ext cx="439092" cy="577976"/>
+          </a:xfrm>
+          <a:prstGeom prst="straightConnector1">
+            <a:avLst/>
+          </a:prstGeom>
+          <a:ln>
+            <a:tailEnd type="triangle"/>
+          </a:ln>
+        </p:spPr>
+        <p:style>
+          <a:lnRef idx="1">
+            <a:schemeClr val="accent1"/>
+          </a:lnRef>
+          <a:fillRef idx="0">
+            <a:schemeClr val="accent1"/>
+          </a:fillRef>
+          <a:effectRef idx="0">
+            <a:schemeClr val="accent1"/>
+          </a:effectRef>
+          <a:fontRef idx="minor">
+            <a:schemeClr val="tx1"/>
+          </a:fontRef>
+        </p:style>
+      </p:cxnSp>
+      <p:cxnSp>
+        <p:nvCxnSpPr>
+          <p:cNvPr id="43" name="直接箭头连接符 42">
+            <a:extLst>
+              <a:ext uri="{FF2B5EF4-FFF2-40B4-BE49-F238E27FC236}">
+                <a16:creationId xmlns:a16="http://schemas.microsoft.com/office/drawing/2014/main" id="{7E7320D9-20F1-409F-BAB9-6A470BB85565}"/>
+              </a:ext>
+            </a:extLst>
+          </p:cNvPr>
+          <p:cNvCxnSpPr>
+            <a:cxnSpLocks/>
+            <a:endCxn id="5" idx="2"/>
+          </p:cNvCxnSpPr>
+          <p:nvPr/>
+        </p:nvCxnSpPr>
+        <p:spPr>
+          <a:xfrm flipV="1">
+            <a:off x="2290026" y="2519043"/>
+            <a:ext cx="1178532" cy="569640"/>
+          </a:xfrm>
+          <a:prstGeom prst="straightConnector1">
+            <a:avLst/>
+          </a:prstGeom>
+          <a:ln>
+            <a:tailEnd type="triangle"/>
+          </a:ln>
+        </p:spPr>
+        <p:style>
+          <a:lnRef idx="1">
+            <a:schemeClr val="accent1"/>
+          </a:lnRef>
+          <a:fillRef idx="0">
+            <a:schemeClr val="accent1"/>
+          </a:fillRef>
+          <a:effectRef idx="0">
+            <a:schemeClr val="accent1"/>
+          </a:effectRef>
+          <a:fontRef idx="minor">
+            <a:schemeClr val="tx1"/>
+          </a:fontRef>
+        </p:style>
+      </p:cxnSp>
+      <p:cxnSp>
+        <p:nvCxnSpPr>
+          <p:cNvPr id="45" name="直接箭头连接符 44">
+            <a:extLst>
+              <a:ext uri="{FF2B5EF4-FFF2-40B4-BE49-F238E27FC236}">
+                <a16:creationId xmlns:a16="http://schemas.microsoft.com/office/drawing/2014/main" id="{EBEC6402-B275-4B5D-8B2E-B7E0159423E5}"/>
+              </a:ext>
+            </a:extLst>
+          </p:cNvPr>
+          <p:cNvCxnSpPr>
+            <a:cxnSpLocks/>
+            <a:stCxn id="31" idx="0"/>
+            <a:endCxn id="5" idx="2"/>
+          </p:cNvCxnSpPr>
+          <p:nvPr/>
+        </p:nvCxnSpPr>
+        <p:spPr>
+          <a:xfrm flipH="1" flipV="1">
+            <a:off x="3468558" y="2519043"/>
+            <a:ext cx="745282" cy="569641"/>
+          </a:xfrm>
+          <a:prstGeom prst="straightConnector1">
+            <a:avLst/>
+          </a:prstGeom>
+          <a:ln>
+            <a:tailEnd type="triangle"/>
+          </a:ln>
+        </p:spPr>
+        <p:style>
+          <a:lnRef idx="1">
+            <a:schemeClr val="accent1"/>
+          </a:lnRef>
+          <a:fillRef idx="0">
+            <a:schemeClr val="accent1"/>
+          </a:fillRef>
+          <a:effectRef idx="0">
+            <a:schemeClr val="accent1"/>
+          </a:effectRef>
+          <a:fontRef idx="minor">
+            <a:schemeClr val="tx1"/>
+          </a:fontRef>
+        </p:style>
+      </p:cxnSp>
+    </p:spTree>
+    <p:extLst>
+      <p:ext uri="{BB962C8B-B14F-4D97-AF65-F5344CB8AC3E}">
+        <p14:creationId xmlns:p14="http://schemas.microsoft.com/office/powerpoint/2010/main" val="2666609023"/>
+      </p:ext>
+    </p:extLst>
+  </p:cSld>
+  <p:clrMapOvr>
+    <a:masterClrMapping/>
+  </p:clrMapOvr>
+</p:sld>
+</file>
+
+<file path=ppt/slides/slide8.xml><?xml version="1.0" encoding="utf-8"?>
+<p:sld xmlns:a="http://schemas.openxmlformats.org/drawingml/2006/main" xmlns:r="http://schemas.openxmlformats.org/officeDocument/2006/relationships" xmlns:p="http://schemas.openxmlformats.org/presentationml/2006/main">
+  <p:cSld>
+    <p:spTree>
+      <p:nvGrpSpPr>
+        <p:cNvPr id="1" name=""/>
+        <p:cNvGrpSpPr/>
+        <p:nvPr/>
+      </p:nvGrpSpPr>
+      <p:grpSpPr>
+        <a:xfrm>
+          <a:off x="0" y="0"/>
+          <a:ext cx="0" cy="0"/>
+          <a:chOff x="0" y="0"/>
+          <a:chExt cx="0" cy="0"/>
+        </a:xfrm>
+      </p:grpSpPr>
+      <p:sp>
+        <p:nvSpPr>
+          <p:cNvPr id="6" name="矩形 5">
+            <a:extLst>
+              <a:ext uri="{FF2B5EF4-FFF2-40B4-BE49-F238E27FC236}">
+                <a16:creationId xmlns:a16="http://schemas.microsoft.com/office/drawing/2014/main" id="{D508BBC3-EFEE-4733-9DA1-7651441D5AB6}"/>
+              </a:ext>
+            </a:extLst>
+          </p:cNvPr>
+          <p:cNvSpPr/>
+          <p:nvPr/>
+        </p:nvSpPr>
+        <p:spPr>
+          <a:xfrm>
+            <a:off x="645317" y="3700463"/>
+            <a:ext cx="1726408" cy="1185862"/>
+          </a:xfrm>
+          <a:prstGeom prst="rect">
+            <a:avLst/>
+          </a:prstGeom>
+        </p:spPr>
+        <p:style>
+          <a:lnRef idx="2">
+            <a:schemeClr val="accent1">
+              <a:shade val="50000"/>
+            </a:schemeClr>
+          </a:lnRef>
+          <a:fillRef idx="1">
+            <a:schemeClr val="accent1"/>
+          </a:fillRef>
+          <a:effectRef idx="0">
+            <a:schemeClr val="accent1"/>
+          </a:effectRef>
+          <a:fontRef idx="minor">
+            <a:schemeClr val="lt1"/>
+          </a:fontRef>
+        </p:style>
+        <p:txBody>
+          <a:bodyPr rtlCol="0" anchor="ctr"/>
+          <a:lstStyle/>
+          <a:p>
+            <a:pPr algn="ctr"/>
+            <a:r>
+              <a:rPr lang="en-US" altLang="zh-CN" dirty="0"/>
+              <a:t>Eden</a:t>
+            </a:r>
+            <a:endParaRPr lang="zh-CN" altLang="en-US" dirty="0"/>
+          </a:p>
+        </p:txBody>
+      </p:sp>
+      <p:sp>
+        <p:nvSpPr>
+          <p:cNvPr id="7" name="矩形 6">
+            <a:extLst>
+              <a:ext uri="{FF2B5EF4-FFF2-40B4-BE49-F238E27FC236}">
+                <a16:creationId xmlns:a16="http://schemas.microsoft.com/office/drawing/2014/main" id="{64423385-122B-46F7-AA4C-553A747B9F89}"/>
+              </a:ext>
+            </a:extLst>
+          </p:cNvPr>
+          <p:cNvSpPr/>
+          <p:nvPr/>
+        </p:nvSpPr>
+        <p:spPr>
+          <a:xfrm>
+            <a:off x="2371725" y="3700463"/>
+            <a:ext cx="500063" cy="1185862"/>
+          </a:xfrm>
+          <a:prstGeom prst="rect">
+            <a:avLst/>
+          </a:prstGeom>
+        </p:spPr>
+        <p:style>
+          <a:lnRef idx="2">
+            <a:schemeClr val="accent4">
+              <a:shade val="50000"/>
+            </a:schemeClr>
+          </a:lnRef>
+          <a:fillRef idx="1">
+            <a:schemeClr val="accent4"/>
+          </a:fillRef>
+          <a:effectRef idx="0">
+            <a:schemeClr val="accent4"/>
+          </a:effectRef>
+          <a:fontRef idx="minor">
+            <a:schemeClr val="lt1"/>
+          </a:fontRef>
+        </p:style>
+        <p:txBody>
+          <a:bodyPr rtlCol="0" anchor="ctr"/>
+          <a:lstStyle/>
+          <a:p>
+            <a:pPr algn="ctr"/>
+            <a:r>
+              <a:rPr lang="en-US" altLang="zh-CN" dirty="0"/>
+              <a:t>S0</a:t>
+            </a:r>
+            <a:endParaRPr lang="zh-CN" altLang="en-US" dirty="0"/>
+          </a:p>
+        </p:txBody>
+      </p:sp>
+      <p:sp>
+        <p:nvSpPr>
+          <p:cNvPr id="9" name="矩形 8">
+            <a:extLst>
+              <a:ext uri="{FF2B5EF4-FFF2-40B4-BE49-F238E27FC236}">
+                <a16:creationId xmlns:a16="http://schemas.microsoft.com/office/drawing/2014/main" id="{AE59D648-B444-499D-B993-95A3465CD66C}"/>
+              </a:ext>
+            </a:extLst>
+          </p:cNvPr>
+          <p:cNvSpPr/>
+          <p:nvPr/>
+        </p:nvSpPr>
+        <p:spPr>
+          <a:xfrm>
+            <a:off x="2871788" y="3700463"/>
+            <a:ext cx="500063" cy="1185862"/>
+          </a:xfrm>
+          <a:prstGeom prst="rect">
+            <a:avLst/>
+          </a:prstGeom>
+        </p:spPr>
+        <p:style>
+          <a:lnRef idx="2">
+            <a:schemeClr val="accent4">
+              <a:shade val="50000"/>
+            </a:schemeClr>
+          </a:lnRef>
+          <a:fillRef idx="1">
+            <a:schemeClr val="accent4"/>
+          </a:fillRef>
+          <a:effectRef idx="0">
+            <a:schemeClr val="accent4"/>
+          </a:effectRef>
+          <a:fontRef idx="minor">
+            <a:schemeClr val="lt1"/>
+          </a:fontRef>
+        </p:style>
+        <p:txBody>
+          <a:bodyPr rtlCol="0" anchor="ctr"/>
+          <a:lstStyle/>
+          <a:p>
+            <a:pPr algn="ctr"/>
+            <a:r>
+              <a:rPr lang="en-US" altLang="zh-CN" dirty="0"/>
+              <a:t>S1</a:t>
+            </a:r>
+            <a:endParaRPr lang="zh-CN" altLang="en-US" dirty="0"/>
+          </a:p>
+        </p:txBody>
+      </p:sp>
+      <p:sp>
+        <p:nvSpPr>
+          <p:cNvPr id="10" name="矩形 9">
+            <a:extLst>
+              <a:ext uri="{FF2B5EF4-FFF2-40B4-BE49-F238E27FC236}">
+                <a16:creationId xmlns:a16="http://schemas.microsoft.com/office/drawing/2014/main" id="{B0D0B1F7-8794-4736-8035-C79723EDF835}"/>
+              </a:ext>
+            </a:extLst>
+          </p:cNvPr>
+          <p:cNvSpPr/>
+          <p:nvPr/>
+        </p:nvSpPr>
+        <p:spPr>
+          <a:xfrm>
+            <a:off x="4520799" y="3700463"/>
+            <a:ext cx="2308625" cy="1185862"/>
+          </a:xfrm>
+          <a:prstGeom prst="rect">
+            <a:avLst/>
+          </a:prstGeom>
+        </p:spPr>
+        <p:style>
+          <a:lnRef idx="2">
+            <a:schemeClr val="accent1">
+              <a:shade val="50000"/>
+            </a:schemeClr>
+          </a:lnRef>
+          <a:fillRef idx="1">
+            <a:schemeClr val="accent1"/>
+          </a:fillRef>
+          <a:effectRef idx="0">
+            <a:schemeClr val="accent1"/>
+          </a:effectRef>
+          <a:fontRef idx="minor">
+            <a:schemeClr val="lt1"/>
+          </a:fontRef>
+        </p:style>
+        <p:txBody>
+          <a:bodyPr rtlCol="0" anchor="ctr"/>
+          <a:lstStyle/>
+          <a:p>
+            <a:pPr algn="ctr"/>
+            <a:r>
+              <a:rPr lang="en-US" altLang="zh-CN" dirty="0"/>
+              <a:t>Tenured</a:t>
+            </a:r>
+            <a:endParaRPr lang="zh-CN" altLang="en-US" dirty="0"/>
+          </a:p>
+        </p:txBody>
+      </p:sp>
+      <p:sp>
+        <p:nvSpPr>
+          <p:cNvPr id="13" name="矩形 12">
+            <a:extLst>
+              <a:ext uri="{FF2B5EF4-FFF2-40B4-BE49-F238E27FC236}">
+                <a16:creationId xmlns:a16="http://schemas.microsoft.com/office/drawing/2014/main" id="{C1290000-766D-4234-9362-CC695A343C49}"/>
+              </a:ext>
+            </a:extLst>
+          </p:cNvPr>
+          <p:cNvSpPr/>
+          <p:nvPr/>
+        </p:nvSpPr>
+        <p:spPr>
+          <a:xfrm>
+            <a:off x="3371851" y="3700463"/>
+            <a:ext cx="1166811" cy="1185862"/>
+          </a:xfrm>
+          <a:prstGeom prst="rect">
+            <a:avLst/>
+          </a:prstGeom>
+        </p:spPr>
+        <p:style>
+          <a:lnRef idx="2">
+            <a:schemeClr val="accent3">
+              <a:shade val="50000"/>
+            </a:schemeClr>
+          </a:lnRef>
+          <a:fillRef idx="1">
+            <a:schemeClr val="accent3"/>
+          </a:fillRef>
+          <a:effectRef idx="0">
+            <a:schemeClr val="accent3"/>
+          </a:effectRef>
+          <a:fontRef idx="minor">
+            <a:schemeClr val="lt1"/>
+          </a:fontRef>
+        </p:style>
+        <p:txBody>
+          <a:bodyPr rtlCol="0" anchor="ctr"/>
+          <a:lstStyle/>
+          <a:p>
+            <a:pPr algn="ctr"/>
+            <a:r>
+              <a:rPr lang="en-US" altLang="zh-CN" dirty="0"/>
+              <a:t>Virtual</a:t>
+            </a:r>
+            <a:endParaRPr lang="zh-CN" altLang="en-US" dirty="0"/>
+          </a:p>
+        </p:txBody>
+      </p:sp>
+      <p:sp>
+        <p:nvSpPr>
+          <p:cNvPr id="14" name="矩形 13">
+            <a:extLst>
+              <a:ext uri="{FF2B5EF4-FFF2-40B4-BE49-F238E27FC236}">
+                <a16:creationId xmlns:a16="http://schemas.microsoft.com/office/drawing/2014/main" id="{1496CB02-DD80-45E0-A616-56DF54E00F05}"/>
+              </a:ext>
+            </a:extLst>
+          </p:cNvPr>
+          <p:cNvSpPr/>
+          <p:nvPr/>
+        </p:nvSpPr>
+        <p:spPr>
+          <a:xfrm>
+            <a:off x="6831797" y="3700463"/>
+            <a:ext cx="1166811" cy="1185862"/>
+          </a:xfrm>
+          <a:prstGeom prst="rect">
+            <a:avLst/>
+          </a:prstGeom>
+        </p:spPr>
+        <p:style>
+          <a:lnRef idx="2">
+            <a:schemeClr val="accent3">
+              <a:shade val="50000"/>
+            </a:schemeClr>
+          </a:lnRef>
+          <a:fillRef idx="1">
+            <a:schemeClr val="accent3"/>
+          </a:fillRef>
+          <a:effectRef idx="0">
+            <a:schemeClr val="accent3"/>
+          </a:effectRef>
+          <a:fontRef idx="minor">
+            <a:schemeClr val="lt1"/>
+          </a:fontRef>
+        </p:style>
+        <p:txBody>
+          <a:bodyPr rtlCol="0" anchor="ctr"/>
+          <a:lstStyle/>
+          <a:p>
+            <a:pPr algn="ctr"/>
+            <a:r>
+              <a:rPr lang="en-US" altLang="zh-CN" dirty="0"/>
+              <a:t>Virtual</a:t>
+            </a:r>
+            <a:endParaRPr lang="zh-CN" altLang="en-US" dirty="0"/>
+          </a:p>
+        </p:txBody>
+      </p:sp>
+      <p:sp>
+        <p:nvSpPr>
+          <p:cNvPr id="15" name="矩形 14">
+            <a:extLst>
+              <a:ext uri="{FF2B5EF4-FFF2-40B4-BE49-F238E27FC236}">
+                <a16:creationId xmlns:a16="http://schemas.microsoft.com/office/drawing/2014/main" id="{3560163B-CF16-45B8-8D18-C0F86ADD9280}"/>
+              </a:ext>
+            </a:extLst>
+          </p:cNvPr>
+          <p:cNvSpPr/>
+          <p:nvPr/>
+        </p:nvSpPr>
+        <p:spPr>
+          <a:xfrm>
+            <a:off x="7998608" y="3700463"/>
+            <a:ext cx="2308625" cy="1185862"/>
+          </a:xfrm>
+          <a:prstGeom prst="rect">
+            <a:avLst/>
+          </a:prstGeom>
+        </p:spPr>
+        <p:style>
+          <a:lnRef idx="2">
+            <a:schemeClr val="accent1">
+              <a:shade val="50000"/>
+            </a:schemeClr>
+          </a:lnRef>
+          <a:fillRef idx="1">
+            <a:schemeClr val="accent1"/>
+          </a:fillRef>
+          <a:effectRef idx="0">
+            <a:schemeClr val="accent1"/>
+          </a:effectRef>
+          <a:fontRef idx="minor">
+            <a:schemeClr val="lt1"/>
+          </a:fontRef>
+        </p:style>
+        <p:txBody>
+          <a:bodyPr rtlCol="0" anchor="ctr"/>
+          <a:lstStyle/>
+          <a:p>
+            <a:pPr algn="ctr"/>
+            <a:r>
+              <a:rPr lang="en-US" altLang="zh-CN" dirty="0"/>
+              <a:t>Permanent</a:t>
+            </a:r>
+            <a:endParaRPr lang="zh-CN" altLang="en-US" dirty="0"/>
+          </a:p>
+        </p:txBody>
+      </p:sp>
+      <p:sp>
+        <p:nvSpPr>
+          <p:cNvPr id="16" name="矩形 15">
+            <a:extLst>
+              <a:ext uri="{FF2B5EF4-FFF2-40B4-BE49-F238E27FC236}">
+                <a16:creationId xmlns:a16="http://schemas.microsoft.com/office/drawing/2014/main" id="{06783702-4404-4A6E-8DE8-B2BE48F4F90B}"/>
+              </a:ext>
+            </a:extLst>
+          </p:cNvPr>
+          <p:cNvSpPr/>
+          <p:nvPr/>
+        </p:nvSpPr>
+        <p:spPr>
+          <a:xfrm>
+            <a:off x="10309606" y="3700463"/>
+            <a:ext cx="1166811" cy="1185862"/>
+          </a:xfrm>
+          <a:prstGeom prst="rect">
+            <a:avLst/>
+          </a:prstGeom>
+        </p:spPr>
+        <p:style>
+          <a:lnRef idx="2">
+            <a:schemeClr val="accent3">
+              <a:shade val="50000"/>
+            </a:schemeClr>
+          </a:lnRef>
+          <a:fillRef idx="1">
+            <a:schemeClr val="accent3"/>
+          </a:fillRef>
+          <a:effectRef idx="0">
+            <a:schemeClr val="accent3"/>
+          </a:effectRef>
+          <a:fontRef idx="minor">
+            <a:schemeClr val="lt1"/>
+          </a:fontRef>
+        </p:style>
+        <p:txBody>
+          <a:bodyPr rtlCol="0" anchor="ctr"/>
+          <a:lstStyle/>
+          <a:p>
+            <a:pPr algn="ctr"/>
+            <a:r>
+              <a:rPr lang="en-US" altLang="zh-CN" dirty="0"/>
+              <a:t>Virtual</a:t>
+            </a:r>
+            <a:endParaRPr lang="zh-CN" altLang="en-US" dirty="0"/>
+          </a:p>
+        </p:txBody>
+      </p:sp>
+    </p:spTree>
+    <p:extLst>
+      <p:ext uri="{BB962C8B-B14F-4D97-AF65-F5344CB8AC3E}">
+        <p14:creationId xmlns:p14="http://schemas.microsoft.com/office/powerpoint/2010/main" val="775924503"/>
+      </p:ext>
+    </p:extLst>
+  </p:cSld>
+  <p:clrMapOvr>
+    <a:masterClrMapping/>
+  </p:clrMapOvr>
+</p:sld>
+</file>
+
+<file path=ppt/slides/slide9.xml><?xml version="1.0" encoding="utf-8"?>
+<p:sld xmlns:a="http://schemas.openxmlformats.org/drawingml/2006/main" xmlns:r="http://schemas.openxmlformats.org/officeDocument/2006/relationships" xmlns:p="http://schemas.openxmlformats.org/presentationml/2006/main">
+  <p:cSld>
+    <p:spTree>
+      <p:nvGrpSpPr>
+        <p:cNvPr id="1" name=""/>
+        <p:cNvGrpSpPr/>
+        <p:nvPr/>
+      </p:nvGrpSpPr>
+      <p:grpSpPr>
+        <a:xfrm>
+          <a:off x="0" y="0"/>
+          <a:ext cx="0" cy="0"/>
+          <a:chOff x="0" y="0"/>
+          <a:chExt cx="0" cy="0"/>
+        </a:xfrm>
+      </p:grpSpPr>
+      <p:sp>
+        <p:nvSpPr>
+          <p:cNvPr id="5" name="矩形 4">
+            <a:extLst>
+              <a:ext uri="{FF2B5EF4-FFF2-40B4-BE49-F238E27FC236}">
+                <a16:creationId xmlns:a16="http://schemas.microsoft.com/office/drawing/2014/main" id="{A8F539A8-B16E-41CF-A419-11E029F9723B}"/>
+              </a:ext>
+            </a:extLst>
+          </p:cNvPr>
+          <p:cNvSpPr/>
+          <p:nvPr/>
+        </p:nvSpPr>
+        <p:spPr>
+          <a:xfrm>
+            <a:off x="924791" y="2559529"/>
+            <a:ext cx="7678882" cy="3314700"/>
+          </a:xfrm>
+          <a:prstGeom prst="rect">
+            <a:avLst/>
+          </a:prstGeom>
+          <a:solidFill>
+            <a:schemeClr val="accent5">
+              <a:lumMod val="40000"/>
+              <a:lumOff val="60000"/>
+            </a:schemeClr>
+          </a:solidFill>
+          <a:ln>
+            <a:solidFill>
+              <a:schemeClr val="bg1"/>
+            </a:solidFill>
+          </a:ln>
+        </p:spPr>
+        <p:style>
+          <a:lnRef idx="3">
+            <a:schemeClr val="lt1"/>
+          </a:lnRef>
+          <a:fillRef idx="1">
+            <a:schemeClr val="accent5"/>
+          </a:fillRef>
+          <a:effectRef idx="1">
+            <a:schemeClr val="accent5"/>
+          </a:effectRef>
+          <a:fontRef idx="minor">
+            <a:schemeClr val="lt1"/>
+          </a:fontRef>
+        </p:style>
+        <p:txBody>
+          <a:bodyPr rtlCol="0" anchor="ctr"/>
+          <a:lstStyle/>
+          <a:p>
+            <a:pPr algn="ctr"/>
+            <a:endParaRPr lang="zh-CN" altLang="en-US" dirty="0">
+              <a:solidFill>
+                <a:schemeClr val="tx1"/>
+              </a:solidFill>
+            </a:endParaRPr>
+          </a:p>
+        </p:txBody>
+      </p:sp>
+      <p:sp>
+        <p:nvSpPr>
+          <p:cNvPr id="6" name="矩形 5">
+            <a:extLst>
+              <a:ext uri="{FF2B5EF4-FFF2-40B4-BE49-F238E27FC236}">
+                <a16:creationId xmlns:a16="http://schemas.microsoft.com/office/drawing/2014/main" id="{B40BC23C-09E7-4A93-A8FE-F8074E5036EC}"/>
+              </a:ext>
+            </a:extLst>
+          </p:cNvPr>
+          <p:cNvSpPr/>
+          <p:nvPr/>
+        </p:nvSpPr>
+        <p:spPr>
+          <a:xfrm>
+            <a:off x="924791" y="817419"/>
+            <a:ext cx="7668491" cy="1756063"/>
+          </a:xfrm>
+          <a:prstGeom prst="rect">
+            <a:avLst/>
+          </a:prstGeom>
+          <a:ln>
+            <a:solidFill>
+              <a:schemeClr val="bg1"/>
+            </a:solidFill>
+          </a:ln>
+        </p:spPr>
+        <p:style>
+          <a:lnRef idx="1">
+            <a:schemeClr val="accent4"/>
+          </a:lnRef>
+          <a:fillRef idx="2">
+            <a:schemeClr val="accent4"/>
+          </a:fillRef>
+          <a:effectRef idx="1">
+            <a:schemeClr val="accent4"/>
+          </a:effectRef>
+          <a:fontRef idx="minor">
+            <a:schemeClr val="dk1"/>
+          </a:fontRef>
+        </p:style>
+        <p:txBody>
+          <a:bodyPr rtlCol="0" anchor="ctr"/>
+          <a:lstStyle/>
+          <a:p>
+            <a:pPr algn="ctr"/>
+            <a:endParaRPr lang="zh-CN" altLang="en-US" dirty="0">
+              <a:solidFill>
+                <a:schemeClr val="tx1"/>
+              </a:solidFill>
+            </a:endParaRPr>
+          </a:p>
+        </p:txBody>
+      </p:sp>
+      <p:sp>
+        <p:nvSpPr>
+          <p:cNvPr id="7" name="矩形 6">
+            <a:extLst>
+              <a:ext uri="{FF2B5EF4-FFF2-40B4-BE49-F238E27FC236}">
+                <a16:creationId xmlns:a16="http://schemas.microsoft.com/office/drawing/2014/main" id="{49579DFD-8B12-4C4C-B8A5-E11CAA20ED67}"/>
+              </a:ext>
+            </a:extLst>
+          </p:cNvPr>
+          <p:cNvSpPr/>
+          <p:nvPr/>
+        </p:nvSpPr>
+        <p:spPr>
+          <a:xfrm>
+            <a:off x="1217024" y="1477242"/>
+            <a:ext cx="1572491" cy="800100"/>
+          </a:xfrm>
+          <a:prstGeom prst="rect">
+            <a:avLst/>
+          </a:prstGeom>
+        </p:spPr>
+        <p:style>
+          <a:lnRef idx="1">
+            <a:schemeClr val="accent6"/>
+          </a:lnRef>
+          <a:fillRef idx="2">
+            <a:schemeClr val="accent6"/>
+          </a:fillRef>
+          <a:effectRef idx="1">
+            <a:schemeClr val="accent6"/>
+          </a:effectRef>
+          <a:fontRef idx="minor">
+            <a:schemeClr val="dk1"/>
+          </a:fontRef>
+        </p:style>
+        <p:txBody>
+          <a:bodyPr rtlCol="0" anchor="ctr"/>
+          <a:lstStyle/>
+          <a:p>
+            <a:pPr algn="ctr"/>
+            <a:r>
+              <a:rPr lang="en-US" altLang="zh-CN" dirty="0">
+                <a:solidFill>
+                  <a:schemeClr val="tx1"/>
+                </a:solidFill>
+              </a:rPr>
+              <a:t>Serial</a:t>
+            </a:r>
+            <a:endParaRPr lang="zh-CN" altLang="en-US" dirty="0">
+              <a:solidFill>
+                <a:schemeClr val="tx1"/>
+              </a:solidFill>
+            </a:endParaRPr>
+          </a:p>
+        </p:txBody>
+      </p:sp>
+      <p:sp>
+        <p:nvSpPr>
+          <p:cNvPr id="8" name="矩形 7">
+            <a:extLst>
+              <a:ext uri="{FF2B5EF4-FFF2-40B4-BE49-F238E27FC236}">
+                <a16:creationId xmlns:a16="http://schemas.microsoft.com/office/drawing/2014/main" id="{FB9DCE2F-47CA-442E-9BC1-2066DFD4C965}"/>
+              </a:ext>
+            </a:extLst>
+          </p:cNvPr>
+          <p:cNvSpPr/>
+          <p:nvPr/>
+        </p:nvSpPr>
+        <p:spPr>
+          <a:xfrm>
+            <a:off x="3285486" y="1477242"/>
+            <a:ext cx="1572491" cy="800100"/>
+          </a:xfrm>
+          <a:prstGeom prst="rect">
+            <a:avLst/>
+          </a:prstGeom>
+        </p:spPr>
+        <p:style>
+          <a:lnRef idx="1">
+            <a:schemeClr val="accent6"/>
+          </a:lnRef>
+          <a:fillRef idx="2">
+            <a:schemeClr val="accent6"/>
+          </a:fillRef>
+          <a:effectRef idx="1">
+            <a:schemeClr val="accent6"/>
+          </a:effectRef>
+          <a:fontRef idx="minor">
+            <a:schemeClr val="dk1"/>
+          </a:fontRef>
+        </p:style>
+        <p:txBody>
+          <a:bodyPr rtlCol="0" anchor="ctr"/>
+          <a:lstStyle/>
+          <a:p>
+            <a:pPr algn="ctr"/>
+            <a:r>
+              <a:rPr lang="en-US" altLang="zh-CN" dirty="0">
+                <a:solidFill>
+                  <a:schemeClr val="tx1"/>
+                </a:solidFill>
+              </a:rPr>
+              <a:t>ParNew</a:t>
+            </a:r>
+            <a:endParaRPr lang="zh-CN" altLang="en-US" dirty="0">
+              <a:solidFill>
+                <a:schemeClr val="tx1"/>
+              </a:solidFill>
+            </a:endParaRPr>
+          </a:p>
+        </p:txBody>
+      </p:sp>
+      <p:sp>
+        <p:nvSpPr>
+          <p:cNvPr id="9" name="矩形 8">
+            <a:extLst>
+              <a:ext uri="{FF2B5EF4-FFF2-40B4-BE49-F238E27FC236}">
+                <a16:creationId xmlns:a16="http://schemas.microsoft.com/office/drawing/2014/main" id="{302CC764-DFB2-4E04-B857-3F5440C97624}"/>
+              </a:ext>
+            </a:extLst>
+          </p:cNvPr>
+          <p:cNvSpPr/>
+          <p:nvPr/>
+        </p:nvSpPr>
+        <p:spPr>
+          <a:xfrm>
+            <a:off x="5353948" y="1477242"/>
+            <a:ext cx="1572491" cy="800100"/>
+          </a:xfrm>
+          <a:prstGeom prst="rect">
+            <a:avLst/>
+          </a:prstGeom>
+        </p:spPr>
+        <p:style>
+          <a:lnRef idx="1">
+            <a:schemeClr val="accent6"/>
+          </a:lnRef>
+          <a:fillRef idx="2">
+            <a:schemeClr val="accent6"/>
+          </a:fillRef>
+          <a:effectRef idx="1">
+            <a:schemeClr val="accent6"/>
+          </a:effectRef>
+          <a:fontRef idx="minor">
+            <a:schemeClr val="dk1"/>
+          </a:fontRef>
+        </p:style>
+        <p:txBody>
+          <a:bodyPr rtlCol="0" anchor="ctr"/>
+          <a:lstStyle/>
+          <a:p>
+            <a:pPr algn="ctr"/>
+            <a:r>
+              <a:rPr lang="en-US" altLang="zh-CN" dirty="0">
+                <a:solidFill>
+                  <a:schemeClr val="tx1"/>
+                </a:solidFill>
+              </a:rPr>
+              <a:t>Parallel</a:t>
+            </a:r>
+          </a:p>
+          <a:p>
+            <a:pPr algn="ctr"/>
+            <a:r>
+              <a:rPr lang="en-US" altLang="zh-CN" dirty="0">
+                <a:solidFill>
+                  <a:schemeClr val="tx1"/>
+                </a:solidFill>
+              </a:rPr>
+              <a:t>Scavenge</a:t>
+            </a:r>
+            <a:endParaRPr lang="zh-CN" altLang="en-US" dirty="0">
+              <a:solidFill>
+                <a:schemeClr val="tx1"/>
+              </a:solidFill>
+            </a:endParaRPr>
+          </a:p>
+        </p:txBody>
+      </p:sp>
+      <p:sp>
+        <p:nvSpPr>
+          <p:cNvPr id="10" name="矩形 9">
+            <a:extLst>
+              <a:ext uri="{FF2B5EF4-FFF2-40B4-BE49-F238E27FC236}">
+                <a16:creationId xmlns:a16="http://schemas.microsoft.com/office/drawing/2014/main" id="{3CB4B6CC-3E38-49AA-AD1E-E29D8F41D319}"/>
+              </a:ext>
+            </a:extLst>
+          </p:cNvPr>
+          <p:cNvSpPr/>
+          <p:nvPr/>
+        </p:nvSpPr>
+        <p:spPr>
+          <a:xfrm>
+            <a:off x="7380923" y="1924164"/>
+            <a:ext cx="983589" cy="1365382"/>
+          </a:xfrm>
+          <a:prstGeom prst="rect">
+            <a:avLst/>
+          </a:prstGeom>
+          <a:solidFill>
+            <a:srgbClr val="CCFF66"/>
+          </a:solidFill>
+        </p:spPr>
+        <p:style>
+          <a:lnRef idx="1">
+            <a:schemeClr val="accent6"/>
+          </a:lnRef>
+          <a:fillRef idx="2">
+            <a:schemeClr val="accent6"/>
+          </a:fillRef>
+          <a:effectRef idx="1">
+            <a:schemeClr val="accent6"/>
+          </a:effectRef>
+          <a:fontRef idx="minor">
+            <a:schemeClr val="dk1"/>
+          </a:fontRef>
+        </p:style>
+        <p:txBody>
+          <a:bodyPr rtlCol="0" anchor="ctr"/>
+          <a:lstStyle/>
+          <a:p>
+            <a:pPr algn="ctr"/>
+            <a:r>
+              <a:rPr lang="en-US" altLang="zh-CN" dirty="0">
+                <a:solidFill>
+                  <a:schemeClr val="tx1"/>
+                </a:solidFill>
+              </a:rPr>
+              <a:t>G1</a:t>
+            </a:r>
+            <a:endParaRPr lang="zh-CN" altLang="en-US" dirty="0">
+              <a:solidFill>
+                <a:schemeClr val="tx1"/>
+              </a:solidFill>
+            </a:endParaRPr>
+          </a:p>
+        </p:txBody>
+      </p:sp>
+      <p:sp>
+        <p:nvSpPr>
+          <p:cNvPr id="11" name="矩形 10">
+            <a:extLst>
+              <a:ext uri="{FF2B5EF4-FFF2-40B4-BE49-F238E27FC236}">
+                <a16:creationId xmlns:a16="http://schemas.microsoft.com/office/drawing/2014/main" id="{CF2406F2-2FE6-4DCF-ABEC-8C36830939AD}"/>
+              </a:ext>
+            </a:extLst>
+          </p:cNvPr>
+          <p:cNvSpPr/>
+          <p:nvPr/>
+        </p:nvSpPr>
+        <p:spPr>
+          <a:xfrm>
+            <a:off x="1217023" y="3484419"/>
+            <a:ext cx="1572491" cy="800100"/>
+          </a:xfrm>
+          <a:prstGeom prst="rect">
+            <a:avLst/>
+          </a:prstGeom>
+        </p:spPr>
+        <p:style>
+          <a:lnRef idx="1">
+            <a:schemeClr val="accent2"/>
+          </a:lnRef>
+          <a:fillRef idx="3">
+            <a:schemeClr val="accent2"/>
+          </a:fillRef>
+          <a:effectRef idx="2">
+            <a:schemeClr val="accent2"/>
+          </a:effectRef>
+          <a:fontRef idx="minor">
+            <a:schemeClr val="lt1"/>
+          </a:fontRef>
+        </p:style>
+        <p:txBody>
+          <a:bodyPr rtlCol="0" anchor="ctr"/>
+          <a:lstStyle/>
+          <a:p>
+            <a:pPr algn="ctr"/>
+            <a:r>
+              <a:rPr lang="en-US" altLang="zh-CN" dirty="0">
+                <a:solidFill>
+                  <a:schemeClr val="tx1"/>
+                </a:solidFill>
+              </a:rPr>
+              <a:t>CMS</a:t>
+            </a:r>
+            <a:endParaRPr lang="zh-CN" altLang="en-US" dirty="0">
+              <a:solidFill>
+                <a:schemeClr val="tx1"/>
+              </a:solidFill>
+            </a:endParaRPr>
+          </a:p>
+        </p:txBody>
+      </p:sp>
+      <p:sp>
+        <p:nvSpPr>
+          <p:cNvPr id="12" name="矩形 11">
+            <a:extLst>
+              <a:ext uri="{FF2B5EF4-FFF2-40B4-BE49-F238E27FC236}">
+                <a16:creationId xmlns:a16="http://schemas.microsoft.com/office/drawing/2014/main" id="{1E551881-63E9-4878-93FC-5492E1A93577}"/>
+              </a:ext>
+            </a:extLst>
+          </p:cNvPr>
+          <p:cNvSpPr/>
+          <p:nvPr/>
+        </p:nvSpPr>
+        <p:spPr>
+          <a:xfrm>
+            <a:off x="3285485" y="3484419"/>
+            <a:ext cx="1572491" cy="800100"/>
+          </a:xfrm>
+          <a:prstGeom prst="rect">
+            <a:avLst/>
+          </a:prstGeom>
+        </p:spPr>
+        <p:style>
+          <a:lnRef idx="1">
+            <a:schemeClr val="accent2"/>
+          </a:lnRef>
+          <a:fillRef idx="3">
+            <a:schemeClr val="accent2"/>
+          </a:fillRef>
+          <a:effectRef idx="2">
+            <a:schemeClr val="accent2"/>
+          </a:effectRef>
+          <a:fontRef idx="minor">
+            <a:schemeClr val="lt1"/>
+          </a:fontRef>
+        </p:style>
+        <p:txBody>
+          <a:bodyPr rtlCol="0" anchor="ctr"/>
+          <a:lstStyle/>
+          <a:p>
+            <a:pPr algn="ctr"/>
+            <a:r>
+              <a:rPr lang="en-US" altLang="zh-CN" dirty="0">
+                <a:solidFill>
+                  <a:schemeClr val="tx1"/>
+                </a:solidFill>
+              </a:rPr>
+              <a:t>Serial</a:t>
+            </a:r>
+            <a:r>
+              <a:rPr lang="zh-CN" altLang="en-US" dirty="0">
+                <a:solidFill>
+                  <a:schemeClr val="tx1"/>
+                </a:solidFill>
+              </a:rPr>
+              <a:t> </a:t>
+            </a:r>
+            <a:r>
+              <a:rPr lang="en-US" altLang="zh-CN" dirty="0">
+                <a:solidFill>
+                  <a:schemeClr val="tx1"/>
+                </a:solidFill>
+              </a:rPr>
+              <a:t>Old</a:t>
+            </a:r>
+          </a:p>
+          <a:p>
+            <a:pPr algn="ctr"/>
+            <a:r>
+              <a:rPr lang="zh-CN" altLang="en-US" dirty="0">
+                <a:solidFill>
+                  <a:schemeClr val="tx1"/>
+                </a:solidFill>
+              </a:rPr>
+              <a:t>（</a:t>
+            </a:r>
+            <a:r>
+              <a:rPr lang="en-US" altLang="zh-CN" dirty="0">
+                <a:solidFill>
+                  <a:schemeClr val="tx1"/>
+                </a:solidFill>
+              </a:rPr>
+              <a:t>MSC</a:t>
+            </a:r>
+            <a:r>
+              <a:rPr lang="zh-CN" altLang="en-US" dirty="0">
+                <a:solidFill>
+                  <a:schemeClr val="tx1"/>
+                </a:solidFill>
+              </a:rPr>
+              <a:t>）</a:t>
+            </a:r>
+            <a:endParaRPr lang="en-US" altLang="zh-CN" dirty="0">
+              <a:solidFill>
+                <a:schemeClr val="tx1"/>
+              </a:solidFill>
+            </a:endParaRPr>
+          </a:p>
+        </p:txBody>
+      </p:sp>
+      <p:sp>
+        <p:nvSpPr>
+          <p:cNvPr id="17" name="矩形 16">
+            <a:extLst>
+              <a:ext uri="{FF2B5EF4-FFF2-40B4-BE49-F238E27FC236}">
+                <a16:creationId xmlns:a16="http://schemas.microsoft.com/office/drawing/2014/main" id="{C804C088-43B1-4FB2-81D2-8071B47E0D6D}"/>
+              </a:ext>
+            </a:extLst>
+          </p:cNvPr>
+          <p:cNvSpPr/>
+          <p:nvPr/>
+        </p:nvSpPr>
+        <p:spPr>
+          <a:xfrm>
+            <a:off x="5353948" y="3484419"/>
+            <a:ext cx="1572491" cy="800100"/>
+          </a:xfrm>
+          <a:prstGeom prst="rect">
+            <a:avLst/>
+          </a:prstGeom>
+        </p:spPr>
+        <p:style>
+          <a:lnRef idx="1">
+            <a:schemeClr val="accent2"/>
+          </a:lnRef>
+          <a:fillRef idx="3">
+            <a:schemeClr val="accent2"/>
+          </a:fillRef>
+          <a:effectRef idx="2">
+            <a:schemeClr val="accent2"/>
+          </a:effectRef>
+          <a:fontRef idx="minor">
+            <a:schemeClr val="lt1"/>
+          </a:fontRef>
+        </p:style>
+        <p:txBody>
+          <a:bodyPr rtlCol="0" anchor="ctr"/>
+          <a:lstStyle/>
+          <a:p>
+            <a:pPr algn="ctr"/>
+            <a:r>
+              <a:rPr lang="en-US" altLang="zh-CN" dirty="0">
+                <a:solidFill>
+                  <a:schemeClr val="tx1"/>
+                </a:solidFill>
+              </a:rPr>
+              <a:t>Parallel Old</a:t>
+            </a:r>
+            <a:endParaRPr lang="zh-CN" altLang="en-US" dirty="0">
+              <a:solidFill>
+                <a:schemeClr val="tx1"/>
+              </a:solidFill>
+            </a:endParaRPr>
+          </a:p>
+        </p:txBody>
+      </p:sp>
+      <p:cxnSp>
+        <p:nvCxnSpPr>
+          <p:cNvPr id="19" name="直接连接符 18">
+            <a:extLst>
+              <a:ext uri="{FF2B5EF4-FFF2-40B4-BE49-F238E27FC236}">
+                <a16:creationId xmlns:a16="http://schemas.microsoft.com/office/drawing/2014/main" id="{BD25F028-ACE6-47A4-AD54-56EB759B0EB3}"/>
+              </a:ext>
+            </a:extLst>
+          </p:cNvPr>
+          <p:cNvCxnSpPr>
+            <a:cxnSpLocks/>
+          </p:cNvCxnSpPr>
+          <p:nvPr/>
+        </p:nvCxnSpPr>
+        <p:spPr>
+          <a:xfrm>
+            <a:off x="1999891" y="2273879"/>
+            <a:ext cx="0" cy="1210540"/>
+          </a:xfrm>
+          <a:prstGeom prst="line">
+            <a:avLst/>
+          </a:prstGeom>
+        </p:spPr>
+        <p:style>
+          <a:lnRef idx="1">
+            <a:schemeClr val="accent5"/>
+          </a:lnRef>
+          <a:fillRef idx="0">
+            <a:schemeClr val="accent5"/>
+          </a:fillRef>
+          <a:effectRef idx="0">
+            <a:schemeClr val="accent5"/>
+          </a:effectRef>
+          <a:fontRef idx="minor">
+            <a:schemeClr val="tx1"/>
+          </a:fontRef>
+        </p:style>
+      </p:cxnSp>
+      <p:cxnSp>
+        <p:nvCxnSpPr>
+          <p:cNvPr id="21" name="直接连接符 20">
+            <a:extLst>
+              <a:ext uri="{FF2B5EF4-FFF2-40B4-BE49-F238E27FC236}">
+                <a16:creationId xmlns:a16="http://schemas.microsoft.com/office/drawing/2014/main" id="{A77B04CC-4D75-4C3C-BB51-D40CFB36F41D}"/>
+              </a:ext>
+            </a:extLst>
+          </p:cNvPr>
+          <p:cNvCxnSpPr>
+            <a:cxnSpLocks/>
+            <a:endCxn id="12" idx="0"/>
+          </p:cNvCxnSpPr>
+          <p:nvPr/>
+        </p:nvCxnSpPr>
+        <p:spPr>
+          <a:xfrm>
+            <a:off x="2046545" y="2273879"/>
+            <a:ext cx="2025186" cy="1210540"/>
+          </a:xfrm>
+          <a:prstGeom prst="line">
+            <a:avLst/>
+          </a:prstGeom>
+        </p:spPr>
+        <p:style>
+          <a:lnRef idx="1">
+            <a:schemeClr val="accent5"/>
+          </a:lnRef>
+          <a:fillRef idx="0">
+            <a:schemeClr val="accent5"/>
+          </a:fillRef>
+          <a:effectRef idx="0">
+            <a:schemeClr val="accent5"/>
+          </a:effectRef>
+          <a:fontRef idx="minor">
+            <a:schemeClr val="tx1"/>
+          </a:fontRef>
+        </p:style>
+      </p:cxnSp>
+      <p:cxnSp>
+        <p:nvCxnSpPr>
+          <p:cNvPr id="23" name="直接连接符 22">
+            <a:extLst>
+              <a:ext uri="{FF2B5EF4-FFF2-40B4-BE49-F238E27FC236}">
+                <a16:creationId xmlns:a16="http://schemas.microsoft.com/office/drawing/2014/main" id="{75C97A6D-688C-4A8D-8A5B-EC1B72830BDC}"/>
+              </a:ext>
+            </a:extLst>
+          </p:cNvPr>
+          <p:cNvCxnSpPr>
+            <a:cxnSpLocks/>
+          </p:cNvCxnSpPr>
+          <p:nvPr/>
+        </p:nvCxnSpPr>
+        <p:spPr>
+          <a:xfrm>
+            <a:off x="2789514" y="3884469"/>
+            <a:ext cx="495971" cy="0"/>
+          </a:xfrm>
+          <a:prstGeom prst="line">
+            <a:avLst/>
+          </a:prstGeom>
+        </p:spPr>
+        <p:style>
+          <a:lnRef idx="1">
+            <a:schemeClr val="accent5"/>
+          </a:lnRef>
+          <a:fillRef idx="0">
+            <a:schemeClr val="accent5"/>
+          </a:fillRef>
+          <a:effectRef idx="0">
+            <a:schemeClr val="accent5"/>
+          </a:effectRef>
+          <a:fontRef idx="minor">
+            <a:schemeClr val="tx1"/>
+          </a:fontRef>
+        </p:style>
+      </p:cxnSp>
+      <p:cxnSp>
+        <p:nvCxnSpPr>
+          <p:cNvPr id="27" name="直接连接符 26">
+            <a:extLst>
+              <a:ext uri="{FF2B5EF4-FFF2-40B4-BE49-F238E27FC236}">
+                <a16:creationId xmlns:a16="http://schemas.microsoft.com/office/drawing/2014/main" id="{29BC3382-9CBC-4BF6-9426-127E8BC3E069}"/>
+              </a:ext>
+            </a:extLst>
+          </p:cNvPr>
+          <p:cNvCxnSpPr>
+            <a:cxnSpLocks/>
+            <a:stCxn id="8" idx="2"/>
+            <a:endCxn id="12" idx="0"/>
+          </p:cNvCxnSpPr>
+          <p:nvPr/>
+        </p:nvCxnSpPr>
+        <p:spPr>
+          <a:xfrm flipH="1">
+            <a:off x="4071731" y="2277342"/>
+            <a:ext cx="1" cy="1207077"/>
+          </a:xfrm>
+          <a:prstGeom prst="line">
+            <a:avLst/>
+          </a:prstGeom>
+        </p:spPr>
+        <p:style>
+          <a:lnRef idx="1">
+            <a:schemeClr val="accent5"/>
+          </a:lnRef>
+          <a:fillRef idx="0">
+            <a:schemeClr val="accent5"/>
+          </a:fillRef>
+          <a:effectRef idx="0">
+            <a:schemeClr val="accent5"/>
+          </a:effectRef>
+          <a:fontRef idx="minor">
+            <a:schemeClr val="tx1"/>
+          </a:fontRef>
+        </p:style>
+      </p:cxnSp>
+      <p:cxnSp>
+        <p:nvCxnSpPr>
+          <p:cNvPr id="28" name="直接连接符 27">
+            <a:extLst>
+              <a:ext uri="{FF2B5EF4-FFF2-40B4-BE49-F238E27FC236}">
+                <a16:creationId xmlns:a16="http://schemas.microsoft.com/office/drawing/2014/main" id="{3D0E42C7-AC05-4832-805B-B70AD25676E2}"/>
+              </a:ext>
+            </a:extLst>
+          </p:cNvPr>
+          <p:cNvCxnSpPr>
+            <a:cxnSpLocks/>
+            <a:endCxn id="17" idx="0"/>
+          </p:cNvCxnSpPr>
+          <p:nvPr/>
+        </p:nvCxnSpPr>
+        <p:spPr>
+          <a:xfrm>
+            <a:off x="6140193" y="2280805"/>
+            <a:ext cx="1" cy="1203614"/>
+          </a:xfrm>
+          <a:prstGeom prst="line">
+            <a:avLst/>
+          </a:prstGeom>
+        </p:spPr>
+        <p:style>
+          <a:lnRef idx="1">
+            <a:schemeClr val="accent5"/>
+          </a:lnRef>
+          <a:fillRef idx="0">
+            <a:schemeClr val="accent5"/>
+          </a:fillRef>
+          <a:effectRef idx="0">
+            <a:schemeClr val="accent5"/>
+          </a:effectRef>
+          <a:fontRef idx="minor">
+            <a:schemeClr val="tx1"/>
+          </a:fontRef>
+        </p:style>
+      </p:cxnSp>
+      <p:cxnSp>
+        <p:nvCxnSpPr>
+          <p:cNvPr id="32" name="直接连接符 31">
+            <a:extLst>
+              <a:ext uri="{FF2B5EF4-FFF2-40B4-BE49-F238E27FC236}">
+                <a16:creationId xmlns:a16="http://schemas.microsoft.com/office/drawing/2014/main" id="{AA9BDD91-520D-4107-8A6B-4753FA0C29B7}"/>
+              </a:ext>
+            </a:extLst>
+          </p:cNvPr>
+          <p:cNvCxnSpPr>
+            <a:cxnSpLocks/>
+          </p:cNvCxnSpPr>
+          <p:nvPr/>
+        </p:nvCxnSpPr>
+        <p:spPr>
+          <a:xfrm flipH="1">
+            <a:off x="2018022" y="2273879"/>
+            <a:ext cx="2048514" cy="1210540"/>
+          </a:xfrm>
+          <a:prstGeom prst="line">
+            <a:avLst/>
+          </a:prstGeom>
+        </p:spPr>
+        <p:style>
+          <a:lnRef idx="1">
+            <a:schemeClr val="accent5"/>
+          </a:lnRef>
+          <a:fillRef idx="0">
+            <a:schemeClr val="accent5"/>
+          </a:fillRef>
+          <a:effectRef idx="0">
+            <a:schemeClr val="accent5"/>
+          </a:effectRef>
+          <a:fontRef idx="minor">
+            <a:schemeClr val="tx1"/>
+          </a:fontRef>
+        </p:style>
+      </p:cxnSp>
+      <p:cxnSp>
+        <p:nvCxnSpPr>
+          <p:cNvPr id="34" name="直接连接符 33">
+            <a:extLst>
+              <a:ext uri="{FF2B5EF4-FFF2-40B4-BE49-F238E27FC236}">
+                <a16:creationId xmlns:a16="http://schemas.microsoft.com/office/drawing/2014/main" id="{F03F1281-D5B8-49F8-BC41-061F7E58FD3F}"/>
+              </a:ext>
+            </a:extLst>
+          </p:cNvPr>
+          <p:cNvCxnSpPr>
+            <a:cxnSpLocks/>
+            <a:endCxn id="12" idx="0"/>
+          </p:cNvCxnSpPr>
+          <p:nvPr/>
+        </p:nvCxnSpPr>
+        <p:spPr>
+          <a:xfrm flipH="1">
+            <a:off x="4071731" y="2280805"/>
+            <a:ext cx="2042597" cy="1203614"/>
+          </a:xfrm>
+          <a:prstGeom prst="line">
+            <a:avLst/>
+          </a:prstGeom>
+        </p:spPr>
+        <p:style>
+          <a:lnRef idx="1">
+            <a:schemeClr val="accent5"/>
+          </a:lnRef>
+          <a:fillRef idx="0">
+            <a:schemeClr val="accent5"/>
+          </a:fillRef>
+          <a:effectRef idx="0">
+            <a:schemeClr val="accent5"/>
+          </a:effectRef>
+          <a:fontRef idx="minor">
+            <a:schemeClr val="tx1"/>
+          </a:fontRef>
+        </p:style>
+      </p:cxnSp>
+      <p:sp>
+        <p:nvSpPr>
+          <p:cNvPr id="38" name="文本框 37">
+            <a:extLst>
+              <a:ext uri="{FF2B5EF4-FFF2-40B4-BE49-F238E27FC236}">
+                <a16:creationId xmlns:a16="http://schemas.microsoft.com/office/drawing/2014/main" id="{499BA314-9AA6-43ED-9ACE-B36F46CA46B8}"/>
+              </a:ext>
+            </a:extLst>
+          </p:cNvPr>
+          <p:cNvSpPr txBox="1"/>
+          <p:nvPr/>
+        </p:nvSpPr>
+        <p:spPr>
+          <a:xfrm>
+            <a:off x="3394922" y="921513"/>
+            <a:ext cx="1698107" cy="369332"/>
+          </a:xfrm>
+          <a:prstGeom prst="rect">
+            <a:avLst/>
+          </a:prstGeom>
+          <a:noFill/>
+        </p:spPr>
+        <p:txBody>
+          <a:bodyPr wrap="square" rtlCol="0">
+            <a:spAutoFit/>
+          </a:bodyPr>
+          <a:lstStyle/>
+          <a:p>
+            <a:r>
+              <a:rPr lang="zh-CN" altLang="en-US" dirty="0"/>
+              <a:t>新生代</a:t>
+            </a:r>
+          </a:p>
+        </p:txBody>
+      </p:sp>
+      <p:sp>
+        <p:nvSpPr>
+          <p:cNvPr id="39" name="文本框 38">
+            <a:extLst>
+              <a:ext uri="{FF2B5EF4-FFF2-40B4-BE49-F238E27FC236}">
+                <a16:creationId xmlns:a16="http://schemas.microsoft.com/office/drawing/2014/main" id="{0D5A61F1-AD15-4D34-8B56-B6F4D35E9389}"/>
+              </a:ext>
+            </a:extLst>
+          </p:cNvPr>
+          <p:cNvSpPr txBox="1"/>
+          <p:nvPr/>
+        </p:nvSpPr>
+        <p:spPr>
+          <a:xfrm>
+            <a:off x="3439891" y="5425728"/>
+            <a:ext cx="1698107" cy="369332"/>
+          </a:xfrm>
+          <a:prstGeom prst="rect">
+            <a:avLst/>
+          </a:prstGeom>
+          <a:noFill/>
+        </p:spPr>
+        <p:txBody>
+          <a:bodyPr wrap="square" rtlCol="0">
+            <a:spAutoFit/>
+          </a:bodyPr>
+          <a:lstStyle/>
+          <a:p>
+            <a:r>
+              <a:rPr lang="zh-CN" altLang="en-US" dirty="0"/>
+              <a:t>老年代</a:t>
+            </a:r>
+          </a:p>
+        </p:txBody>
+      </p:sp>
+    </p:spTree>
+    <p:extLst>
+      <p:ext uri="{BB962C8B-B14F-4D97-AF65-F5344CB8AC3E}">
+        <p14:creationId xmlns:p14="http://schemas.microsoft.com/office/powerpoint/2010/main" val="1776418116"/>
+      </p:ext>
+    </p:extLst>
+  </p:cSld>
+  <p:clrMapOvr>
+    <a:masterClrMapping/>
+  </p:clrMapOvr>
 </p:sld>
 </file>
 

--- a/绘图/图.pptx
+++ b/绘图/图.pptx
@@ -250,7 +250,7 @@
           <a:p>
             <a:fld id="{3A297114-D4EC-4FC4-90A3-B6E3F0C38B6C}" type="datetimeFigureOut">
               <a:rPr lang="zh-CN" altLang="en-US" smtClean="0"/>
-              <a:t>2019/1/25</a:t>
+              <a:t>2019/1/29</a:t>
             </a:fld>
             <a:endParaRPr lang="zh-CN" altLang="en-US"/>
           </a:p>
@@ -418,7 +418,7 @@
           <a:p>
             <a:fld id="{3A297114-D4EC-4FC4-90A3-B6E3F0C38B6C}" type="datetimeFigureOut">
               <a:rPr lang="zh-CN" altLang="en-US" smtClean="0"/>
-              <a:t>2019/1/25</a:t>
+              <a:t>2019/1/29</a:t>
             </a:fld>
             <a:endParaRPr lang="zh-CN" altLang="en-US"/>
           </a:p>
@@ -596,7 +596,7 @@
           <a:p>
             <a:fld id="{3A297114-D4EC-4FC4-90A3-B6E3F0C38B6C}" type="datetimeFigureOut">
               <a:rPr lang="zh-CN" altLang="en-US" smtClean="0"/>
-              <a:t>2019/1/25</a:t>
+              <a:t>2019/1/29</a:t>
             </a:fld>
             <a:endParaRPr lang="zh-CN" altLang="en-US"/>
           </a:p>
@@ -764,7 +764,7 @@
           <a:p>
             <a:fld id="{3A297114-D4EC-4FC4-90A3-B6E3F0C38B6C}" type="datetimeFigureOut">
               <a:rPr lang="zh-CN" altLang="en-US" smtClean="0"/>
-              <a:t>2019/1/25</a:t>
+              <a:t>2019/1/29</a:t>
             </a:fld>
             <a:endParaRPr lang="zh-CN" altLang="en-US"/>
           </a:p>
@@ -1009,7 +1009,7 @@
           <a:p>
             <a:fld id="{3A297114-D4EC-4FC4-90A3-B6E3F0C38B6C}" type="datetimeFigureOut">
               <a:rPr lang="zh-CN" altLang="en-US" smtClean="0"/>
-              <a:t>2019/1/25</a:t>
+              <a:t>2019/1/29</a:t>
             </a:fld>
             <a:endParaRPr lang="zh-CN" altLang="en-US"/>
           </a:p>
@@ -1238,7 +1238,7 @@
           <a:p>
             <a:fld id="{3A297114-D4EC-4FC4-90A3-B6E3F0C38B6C}" type="datetimeFigureOut">
               <a:rPr lang="zh-CN" altLang="en-US" smtClean="0"/>
-              <a:t>2019/1/25</a:t>
+              <a:t>2019/1/29</a:t>
             </a:fld>
             <a:endParaRPr lang="zh-CN" altLang="en-US"/>
           </a:p>
@@ -1602,7 +1602,7 @@
           <a:p>
             <a:fld id="{3A297114-D4EC-4FC4-90A3-B6E3F0C38B6C}" type="datetimeFigureOut">
               <a:rPr lang="zh-CN" altLang="en-US" smtClean="0"/>
-              <a:t>2019/1/25</a:t>
+              <a:t>2019/1/29</a:t>
             </a:fld>
             <a:endParaRPr lang="zh-CN" altLang="en-US"/>
           </a:p>
@@ -1719,7 +1719,7 @@
           <a:p>
             <a:fld id="{3A297114-D4EC-4FC4-90A3-B6E3F0C38B6C}" type="datetimeFigureOut">
               <a:rPr lang="zh-CN" altLang="en-US" smtClean="0"/>
-              <a:t>2019/1/25</a:t>
+              <a:t>2019/1/29</a:t>
             </a:fld>
             <a:endParaRPr lang="zh-CN" altLang="en-US"/>
           </a:p>
@@ -1814,7 +1814,7 @@
           <a:p>
             <a:fld id="{3A297114-D4EC-4FC4-90A3-B6E3F0C38B6C}" type="datetimeFigureOut">
               <a:rPr lang="zh-CN" altLang="en-US" smtClean="0"/>
-              <a:t>2019/1/25</a:t>
+              <a:t>2019/1/29</a:t>
             </a:fld>
             <a:endParaRPr lang="zh-CN" altLang="en-US"/>
           </a:p>
@@ -2089,7 +2089,7 @@
           <a:p>
             <a:fld id="{3A297114-D4EC-4FC4-90A3-B6E3F0C38B6C}" type="datetimeFigureOut">
               <a:rPr lang="zh-CN" altLang="en-US" smtClean="0"/>
-              <a:t>2019/1/25</a:t>
+              <a:t>2019/1/29</a:t>
             </a:fld>
             <a:endParaRPr lang="zh-CN" altLang="en-US"/>
           </a:p>
@@ -2341,7 +2341,7 @@
           <a:p>
             <a:fld id="{3A297114-D4EC-4FC4-90A3-B6E3F0C38B6C}" type="datetimeFigureOut">
               <a:rPr lang="zh-CN" altLang="en-US" smtClean="0"/>
-              <a:t>2019/1/25</a:t>
+              <a:t>2019/1/29</a:t>
             </a:fld>
             <a:endParaRPr lang="zh-CN" altLang="en-US"/>
           </a:p>
@@ -2552,7 +2552,7 @@
           <a:p>
             <a:fld id="{3A297114-D4EC-4FC4-90A3-B6E3F0C38B6C}" type="datetimeFigureOut">
               <a:rPr lang="zh-CN" altLang="en-US" smtClean="0"/>
-              <a:t>2019/1/25</a:t>
+              <a:t>2019/1/29</a:t>
             </a:fld>
             <a:endParaRPr lang="zh-CN" altLang="en-US"/>
           </a:p>
@@ -7590,7 +7590,7 @@
           <p:cNvPr id="4" name="矩形 3">
             <a:extLst>
               <a:ext uri="{FF2B5EF4-FFF2-40B4-BE49-F238E27FC236}">
-                <a16:creationId xmlns:a16="http://schemas.microsoft.com/office/drawing/2014/main" id="{E2364B44-65BF-4B76-9C78-F3EA50840076}"/>
+                <a16:creationId xmlns:a16="http://schemas.microsoft.com/office/drawing/2014/main" xmlns="" id="{E2364B44-65BF-4B76-9C78-F3EA50840076}"/>
               </a:ext>
             </a:extLst>
           </p:cNvPr>
@@ -7646,7 +7646,7 @@
           <p:cNvPr id="5" name="矩形 4">
             <a:extLst>
               <a:ext uri="{FF2B5EF4-FFF2-40B4-BE49-F238E27FC236}">
-                <a16:creationId xmlns:a16="http://schemas.microsoft.com/office/drawing/2014/main" id="{292C6ED1-4D53-4364-95C7-DD8C827AF266}"/>
+                <a16:creationId xmlns:a16="http://schemas.microsoft.com/office/drawing/2014/main" xmlns="" id="{292C6ED1-4D53-4364-95C7-DD8C827AF266}"/>
               </a:ext>
             </a:extLst>
           </p:cNvPr>
@@ -7704,7 +7704,7 @@
           <p:cNvPr id="8" name="矩形 7">
             <a:extLst>
               <a:ext uri="{FF2B5EF4-FFF2-40B4-BE49-F238E27FC236}">
-                <a16:creationId xmlns:a16="http://schemas.microsoft.com/office/drawing/2014/main" id="{08894674-613B-4C24-BD83-E0A2275E0A4D}"/>
+                <a16:creationId xmlns:a16="http://schemas.microsoft.com/office/drawing/2014/main" xmlns="" id="{08894674-613B-4C24-BD83-E0A2275E0A4D}"/>
               </a:ext>
             </a:extLst>
           </p:cNvPr>
@@ -7767,7 +7767,7 @@
           <p:cNvPr id="9" name="矩形 8">
             <a:extLst>
               <a:ext uri="{FF2B5EF4-FFF2-40B4-BE49-F238E27FC236}">
-                <a16:creationId xmlns:a16="http://schemas.microsoft.com/office/drawing/2014/main" id="{768CDF67-DBA9-4CE7-9C8E-3755F3B0F684}"/>
+                <a16:creationId xmlns:a16="http://schemas.microsoft.com/office/drawing/2014/main" xmlns="" id="{768CDF67-DBA9-4CE7-9C8E-3755F3B0F684}"/>
               </a:ext>
             </a:extLst>
           </p:cNvPr>
@@ -7830,7 +7830,7 @@
           <p:cNvPr id="10" name="矩形 9">
             <a:extLst>
               <a:ext uri="{FF2B5EF4-FFF2-40B4-BE49-F238E27FC236}">
-                <a16:creationId xmlns:a16="http://schemas.microsoft.com/office/drawing/2014/main" id="{92A3829A-3A0A-4C5D-A943-0468855B533A}"/>
+                <a16:creationId xmlns:a16="http://schemas.microsoft.com/office/drawing/2014/main" xmlns="" id="{92A3829A-3A0A-4C5D-A943-0468855B533A}"/>
               </a:ext>
             </a:extLst>
           </p:cNvPr>
@@ -7879,7 +7879,7 @@
           <p:cNvPr id="12" name="矩形 11">
             <a:extLst>
               <a:ext uri="{FF2B5EF4-FFF2-40B4-BE49-F238E27FC236}">
-                <a16:creationId xmlns:a16="http://schemas.microsoft.com/office/drawing/2014/main" id="{983A2EBE-70CE-46D1-8FD2-B12694DAD77D}"/>
+                <a16:creationId xmlns:a16="http://schemas.microsoft.com/office/drawing/2014/main" xmlns="" id="{983A2EBE-70CE-46D1-8FD2-B12694DAD77D}"/>
               </a:ext>
             </a:extLst>
           </p:cNvPr>
@@ -7928,7 +7928,7 @@
           <p:cNvPr id="21" name="文本框 20">
             <a:extLst>
               <a:ext uri="{FF2B5EF4-FFF2-40B4-BE49-F238E27FC236}">
-                <a16:creationId xmlns:a16="http://schemas.microsoft.com/office/drawing/2014/main" id="{4EE77156-F1B3-491F-8DD9-3076E32F2A70}"/>
+                <a16:creationId xmlns:a16="http://schemas.microsoft.com/office/drawing/2014/main" xmlns="" id="{4EE77156-F1B3-491F-8DD9-3076E32F2A70}"/>
               </a:ext>
             </a:extLst>
           </p:cNvPr>
@@ -7964,7 +7964,7 @@
           <p:cNvPr id="23" name="矩形 22">
             <a:extLst>
               <a:ext uri="{FF2B5EF4-FFF2-40B4-BE49-F238E27FC236}">
-                <a16:creationId xmlns:a16="http://schemas.microsoft.com/office/drawing/2014/main" id="{F36DB166-98A8-4500-A094-4A36D97CA7EC}"/>
+                <a16:creationId xmlns:a16="http://schemas.microsoft.com/office/drawing/2014/main" xmlns="" id="{F36DB166-98A8-4500-A094-4A36D97CA7EC}"/>
               </a:ext>
             </a:extLst>
           </p:cNvPr>
@@ -8031,7 +8031,7 @@
           <p:cNvPr id="25" name="文本框 24">
             <a:extLst>
               <a:ext uri="{FF2B5EF4-FFF2-40B4-BE49-F238E27FC236}">
-                <a16:creationId xmlns:a16="http://schemas.microsoft.com/office/drawing/2014/main" id="{F0A7CA61-3217-4286-A806-23894391D24D}"/>
+                <a16:creationId xmlns:a16="http://schemas.microsoft.com/office/drawing/2014/main" xmlns="" id="{F0A7CA61-3217-4286-A806-23894391D24D}"/>
               </a:ext>
             </a:extLst>
           </p:cNvPr>
@@ -8067,7 +8067,7 @@
           <p:cNvPr id="27" name="矩形 26">
             <a:extLst>
               <a:ext uri="{FF2B5EF4-FFF2-40B4-BE49-F238E27FC236}">
-                <a16:creationId xmlns:a16="http://schemas.microsoft.com/office/drawing/2014/main" id="{3AEC3FFF-31E9-4C61-936E-DB3367CE9A75}"/>
+                <a16:creationId xmlns:a16="http://schemas.microsoft.com/office/drawing/2014/main" xmlns="" id="{3AEC3FFF-31E9-4C61-936E-DB3367CE9A75}"/>
               </a:ext>
             </a:extLst>
           </p:cNvPr>
@@ -8123,7 +8123,7 @@
           <p:cNvPr id="28" name="矩形 27">
             <a:extLst>
               <a:ext uri="{FF2B5EF4-FFF2-40B4-BE49-F238E27FC236}">
-                <a16:creationId xmlns:a16="http://schemas.microsoft.com/office/drawing/2014/main" id="{91793591-2A5C-42EB-B885-9F321E0F87E3}"/>
+                <a16:creationId xmlns:a16="http://schemas.microsoft.com/office/drawing/2014/main" xmlns="" id="{91793591-2A5C-42EB-B885-9F321E0F87E3}"/>
               </a:ext>
             </a:extLst>
           </p:cNvPr>
@@ -8179,7 +8179,7 @@
           <p:cNvPr id="29" name="文本框 28">
             <a:extLst>
               <a:ext uri="{FF2B5EF4-FFF2-40B4-BE49-F238E27FC236}">
-                <a16:creationId xmlns:a16="http://schemas.microsoft.com/office/drawing/2014/main" id="{760B2F17-A9EA-4C4A-A0A2-7CF6CAB0D003}"/>
+                <a16:creationId xmlns:a16="http://schemas.microsoft.com/office/drawing/2014/main" xmlns="" id="{760B2F17-A9EA-4C4A-A0A2-7CF6CAB0D003}"/>
               </a:ext>
             </a:extLst>
           </p:cNvPr>
@@ -8215,7 +8215,7 @@
           <p:cNvPr id="33" name="连接符: 曲线 32">
             <a:extLst>
               <a:ext uri="{FF2B5EF4-FFF2-40B4-BE49-F238E27FC236}">
-                <a16:creationId xmlns:a16="http://schemas.microsoft.com/office/drawing/2014/main" id="{12E436CC-39FB-4692-9904-DD786543B3C3}"/>
+                <a16:creationId xmlns:a16="http://schemas.microsoft.com/office/drawing/2014/main" xmlns="" id="{12E436CC-39FB-4692-9904-DD786543B3C3}"/>
               </a:ext>
             </a:extLst>
           </p:cNvPr>
@@ -8265,7 +8265,7 @@
           <p:cNvPr id="40" name="直接箭头连接符 39">
             <a:extLst>
               <a:ext uri="{FF2B5EF4-FFF2-40B4-BE49-F238E27FC236}">
-                <a16:creationId xmlns:a16="http://schemas.microsoft.com/office/drawing/2014/main" id="{FEEF617A-1B7E-44FA-8021-9D2865AF17C4}"/>
+                <a16:creationId xmlns:a16="http://schemas.microsoft.com/office/drawing/2014/main" xmlns="" id="{FEEF617A-1B7E-44FA-8021-9D2865AF17C4}"/>
               </a:ext>
             </a:extLst>
           </p:cNvPr>
@@ -8306,7 +8306,7 @@
           <p:cNvPr id="44" name="直接箭头连接符 43">
             <a:extLst>
               <a:ext uri="{FF2B5EF4-FFF2-40B4-BE49-F238E27FC236}">
-                <a16:creationId xmlns:a16="http://schemas.microsoft.com/office/drawing/2014/main" id="{492C9865-9954-4E62-894E-E0CDC0373D15}"/>
+                <a16:creationId xmlns:a16="http://schemas.microsoft.com/office/drawing/2014/main" xmlns="" id="{492C9865-9954-4E62-894E-E0CDC0373D15}"/>
               </a:ext>
             </a:extLst>
           </p:cNvPr>
@@ -8347,7 +8347,7 @@
           <p:cNvPr id="47" name="直接箭头连接符 46">
             <a:extLst>
               <a:ext uri="{FF2B5EF4-FFF2-40B4-BE49-F238E27FC236}">
-                <a16:creationId xmlns:a16="http://schemas.microsoft.com/office/drawing/2014/main" id="{5C43AD99-4C1A-4D90-9897-A8B739BA39D0}"/>
+                <a16:creationId xmlns:a16="http://schemas.microsoft.com/office/drawing/2014/main" xmlns="" id="{5C43AD99-4C1A-4D90-9897-A8B739BA39D0}"/>
               </a:ext>
             </a:extLst>
           </p:cNvPr>
@@ -8388,7 +8388,7 @@
           <p:cNvPr id="49" name="直接箭头连接符 48">
             <a:extLst>
               <a:ext uri="{FF2B5EF4-FFF2-40B4-BE49-F238E27FC236}">
-                <a16:creationId xmlns:a16="http://schemas.microsoft.com/office/drawing/2014/main" id="{615253FB-7D66-4DBA-AB51-292CF9F1B588}"/>
+                <a16:creationId xmlns:a16="http://schemas.microsoft.com/office/drawing/2014/main" xmlns="" id="{615253FB-7D66-4DBA-AB51-292CF9F1B588}"/>
               </a:ext>
             </a:extLst>
           </p:cNvPr>
@@ -8429,7 +8429,7 @@
           <p:cNvPr id="51" name="直接箭头连接符 50">
             <a:extLst>
               <a:ext uri="{FF2B5EF4-FFF2-40B4-BE49-F238E27FC236}">
-                <a16:creationId xmlns:a16="http://schemas.microsoft.com/office/drawing/2014/main" id="{8DC4EEC5-F155-41CE-8AF8-4AC845BD104D}"/>
+                <a16:creationId xmlns:a16="http://schemas.microsoft.com/office/drawing/2014/main" xmlns="" id="{8DC4EEC5-F155-41CE-8AF8-4AC845BD104D}"/>
               </a:ext>
             </a:extLst>
           </p:cNvPr>
@@ -8470,7 +8470,7 @@
           <p:cNvPr id="58" name="直接箭头连接符 57">
             <a:extLst>
               <a:ext uri="{FF2B5EF4-FFF2-40B4-BE49-F238E27FC236}">
-                <a16:creationId xmlns:a16="http://schemas.microsoft.com/office/drawing/2014/main" id="{F7ECE1D6-04EE-4CBC-8D51-39BF3B0CE256}"/>
+                <a16:creationId xmlns:a16="http://schemas.microsoft.com/office/drawing/2014/main" xmlns="" id="{F7ECE1D6-04EE-4CBC-8D51-39BF3B0CE256}"/>
               </a:ext>
             </a:extLst>
           </p:cNvPr>
@@ -8511,7 +8511,7 @@
           <p:cNvPr id="61" name="直接箭头连接符 60">
             <a:extLst>
               <a:ext uri="{FF2B5EF4-FFF2-40B4-BE49-F238E27FC236}">
-                <a16:creationId xmlns:a16="http://schemas.microsoft.com/office/drawing/2014/main" id="{78B88B10-7ACA-47D2-96B5-E34061456039}"/>
+                <a16:creationId xmlns:a16="http://schemas.microsoft.com/office/drawing/2014/main" xmlns="" id="{78B88B10-7ACA-47D2-96B5-E34061456039}"/>
               </a:ext>
             </a:extLst>
           </p:cNvPr>
@@ -8550,7 +8550,7 @@
           <p:cNvPr id="66" name="文本框 65">
             <a:extLst>
               <a:ext uri="{FF2B5EF4-FFF2-40B4-BE49-F238E27FC236}">
-                <a16:creationId xmlns:a16="http://schemas.microsoft.com/office/drawing/2014/main" id="{3E433EE7-6317-4167-B463-550F8412D30B}"/>
+                <a16:creationId xmlns:a16="http://schemas.microsoft.com/office/drawing/2014/main" xmlns="" id="{3E433EE7-6317-4167-B463-550F8412D30B}"/>
               </a:ext>
             </a:extLst>
           </p:cNvPr>
@@ -8589,7 +8589,7 @@
           <p:cNvPr id="67" name="直接箭头连接符 66">
             <a:extLst>
               <a:ext uri="{FF2B5EF4-FFF2-40B4-BE49-F238E27FC236}">
-                <a16:creationId xmlns:a16="http://schemas.microsoft.com/office/drawing/2014/main" id="{7DD4FCE3-95CF-474E-BEA3-3C3AA8341DD1}"/>
+                <a16:creationId xmlns:a16="http://schemas.microsoft.com/office/drawing/2014/main" xmlns="" id="{7DD4FCE3-95CF-474E-BEA3-3C3AA8341DD1}"/>
               </a:ext>
             </a:extLst>
           </p:cNvPr>
@@ -8630,7 +8630,7 @@
           <p:cNvPr id="69" name="文本框 68">
             <a:extLst>
               <a:ext uri="{FF2B5EF4-FFF2-40B4-BE49-F238E27FC236}">
-                <a16:creationId xmlns:a16="http://schemas.microsoft.com/office/drawing/2014/main" id="{1D9C18DB-7496-48DB-98EC-AA4683B41D42}"/>
+                <a16:creationId xmlns:a16="http://schemas.microsoft.com/office/drawing/2014/main" xmlns="" id="{1D9C18DB-7496-48DB-98EC-AA4683B41D42}"/>
               </a:ext>
             </a:extLst>
           </p:cNvPr>
@@ -8665,7 +8665,7 @@
           <p:cNvPr id="71" name="文本框 70">
             <a:extLst>
               <a:ext uri="{FF2B5EF4-FFF2-40B4-BE49-F238E27FC236}">
-                <a16:creationId xmlns:a16="http://schemas.microsoft.com/office/drawing/2014/main" id="{5B102524-3FBB-49FA-A8D6-7AF04C5EDC12}"/>
+                <a16:creationId xmlns:a16="http://schemas.microsoft.com/office/drawing/2014/main" xmlns="" id="{5B102524-3FBB-49FA-A8D6-7AF04C5EDC12}"/>
               </a:ext>
             </a:extLst>
           </p:cNvPr>
@@ -8730,7 +8730,7 @@
           <p:cNvPr id="10" name="直接箭头连接符 9">
             <a:extLst>
               <a:ext uri="{FF2B5EF4-FFF2-40B4-BE49-F238E27FC236}">
-                <a16:creationId xmlns:a16="http://schemas.microsoft.com/office/drawing/2014/main" id="{384F1B76-C2AF-4AC4-9F27-20384AD8103E}"/>
+                <a16:creationId xmlns:a16="http://schemas.microsoft.com/office/drawing/2014/main" xmlns="" id="{384F1B76-C2AF-4AC4-9F27-20384AD8103E}"/>
               </a:ext>
             </a:extLst>
           </p:cNvPr>
@@ -8771,7 +8771,7 @@
           <p:cNvPr id="12" name="直接箭头连接符 11">
             <a:extLst>
               <a:ext uri="{FF2B5EF4-FFF2-40B4-BE49-F238E27FC236}">
-                <a16:creationId xmlns:a16="http://schemas.microsoft.com/office/drawing/2014/main" id="{FE2611AA-F6FA-4B2C-8A9F-DAE1E698BE6D}"/>
+                <a16:creationId xmlns:a16="http://schemas.microsoft.com/office/drawing/2014/main" xmlns="" id="{FE2611AA-F6FA-4B2C-8A9F-DAE1E698BE6D}"/>
               </a:ext>
             </a:extLst>
           </p:cNvPr>
@@ -8812,7 +8812,7 @@
           <p:cNvPr id="15" name="直接连接符 14">
             <a:extLst>
               <a:ext uri="{FF2B5EF4-FFF2-40B4-BE49-F238E27FC236}">
-                <a16:creationId xmlns:a16="http://schemas.microsoft.com/office/drawing/2014/main" id="{51CD70E7-B448-4129-8436-181EDEE423F2}"/>
+                <a16:creationId xmlns:a16="http://schemas.microsoft.com/office/drawing/2014/main" xmlns="" id="{51CD70E7-B448-4129-8436-181EDEE423F2}"/>
               </a:ext>
             </a:extLst>
           </p:cNvPr>
@@ -8859,7 +8859,7 @@
           <p:cNvPr id="19" name="任意多边形: 形状 18">
             <a:extLst>
               <a:ext uri="{FF2B5EF4-FFF2-40B4-BE49-F238E27FC236}">
-                <a16:creationId xmlns:a16="http://schemas.microsoft.com/office/drawing/2014/main" id="{0A67EE62-D906-440E-A540-D271ABC47641}"/>
+                <a16:creationId xmlns:a16="http://schemas.microsoft.com/office/drawing/2014/main" xmlns="" id="{0A67EE62-D906-440E-A540-D271ABC47641}"/>
               </a:ext>
             </a:extLst>
           </p:cNvPr>
@@ -8972,7 +8972,7 @@
           <p:cNvPr id="20" name="文本框 19">
             <a:extLst>
               <a:ext uri="{FF2B5EF4-FFF2-40B4-BE49-F238E27FC236}">
-                <a16:creationId xmlns:a16="http://schemas.microsoft.com/office/drawing/2014/main" id="{7093E31E-2E98-4D4A-8C18-3041354FCEEC}"/>
+                <a16:creationId xmlns:a16="http://schemas.microsoft.com/office/drawing/2014/main" xmlns="" id="{7093E31E-2E98-4D4A-8C18-3041354FCEEC}"/>
               </a:ext>
             </a:extLst>
           </p:cNvPr>
@@ -9007,7 +9007,7 @@
           <p:cNvPr id="21" name="文本框 20">
             <a:extLst>
               <a:ext uri="{FF2B5EF4-FFF2-40B4-BE49-F238E27FC236}">
-                <a16:creationId xmlns:a16="http://schemas.microsoft.com/office/drawing/2014/main" id="{0C4124E8-32D6-49F3-93A7-0D56DF6E864B}"/>
+                <a16:creationId xmlns:a16="http://schemas.microsoft.com/office/drawing/2014/main" xmlns="" id="{0C4124E8-32D6-49F3-93A7-0D56DF6E864B}"/>
               </a:ext>
             </a:extLst>
           </p:cNvPr>
@@ -9042,7 +9042,7 @@
           <p:cNvPr id="23" name="文本框 22">
             <a:extLst>
               <a:ext uri="{FF2B5EF4-FFF2-40B4-BE49-F238E27FC236}">
-                <a16:creationId xmlns:a16="http://schemas.microsoft.com/office/drawing/2014/main" id="{B66DD459-74BF-4036-B863-ED537C5ABE93}"/>
+                <a16:creationId xmlns:a16="http://schemas.microsoft.com/office/drawing/2014/main" xmlns="" id="{B66DD459-74BF-4036-B863-ED537C5ABE93}"/>
               </a:ext>
             </a:extLst>
           </p:cNvPr>
@@ -9077,7 +9077,7 @@
           <p:cNvPr id="24" name="文本框 23">
             <a:extLst>
               <a:ext uri="{FF2B5EF4-FFF2-40B4-BE49-F238E27FC236}">
-                <a16:creationId xmlns:a16="http://schemas.microsoft.com/office/drawing/2014/main" id="{5CFCA0A9-E0B3-4B01-A10E-E26DD8EA203E}"/>
+                <a16:creationId xmlns:a16="http://schemas.microsoft.com/office/drawing/2014/main" xmlns="" id="{5CFCA0A9-E0B3-4B01-A10E-E26DD8EA203E}"/>
               </a:ext>
             </a:extLst>
           </p:cNvPr>
@@ -9112,7 +9112,7 @@
           <p:cNvPr id="25" name="文本框 24">
             <a:extLst>
               <a:ext uri="{FF2B5EF4-FFF2-40B4-BE49-F238E27FC236}">
-                <a16:creationId xmlns:a16="http://schemas.microsoft.com/office/drawing/2014/main" id="{A0DD4A8C-50F5-4642-9102-C846D93EAB22}"/>
+                <a16:creationId xmlns:a16="http://schemas.microsoft.com/office/drawing/2014/main" xmlns="" id="{A0DD4A8C-50F5-4642-9102-C846D93EAB22}"/>
               </a:ext>
             </a:extLst>
           </p:cNvPr>
@@ -9147,7 +9147,7 @@
           <p:cNvPr id="26" name="直接连接符 25">
             <a:extLst>
               <a:ext uri="{FF2B5EF4-FFF2-40B4-BE49-F238E27FC236}">
-                <a16:creationId xmlns:a16="http://schemas.microsoft.com/office/drawing/2014/main" id="{D47BE340-19CE-4ADE-AC1B-81D8F6BE38FB}"/>
+                <a16:creationId xmlns:a16="http://schemas.microsoft.com/office/drawing/2014/main" xmlns="" id="{D47BE340-19CE-4ADE-AC1B-81D8F6BE38FB}"/>
               </a:ext>
             </a:extLst>
           </p:cNvPr>
@@ -9194,7 +9194,7 @@
           <p:cNvPr id="29" name="文本框 28">
             <a:extLst>
               <a:ext uri="{FF2B5EF4-FFF2-40B4-BE49-F238E27FC236}">
-                <a16:creationId xmlns:a16="http://schemas.microsoft.com/office/drawing/2014/main" id="{D4349BA1-913E-410D-815F-53DB1E78ADB7}"/>
+                <a16:creationId xmlns:a16="http://schemas.microsoft.com/office/drawing/2014/main" xmlns="" id="{D4349BA1-913E-410D-815F-53DB1E78ADB7}"/>
               </a:ext>
             </a:extLst>
           </p:cNvPr>
@@ -9229,7 +9229,7 @@
           <p:cNvPr id="34" name="文本框 33">
             <a:extLst>
               <a:ext uri="{FF2B5EF4-FFF2-40B4-BE49-F238E27FC236}">
-                <a16:creationId xmlns:a16="http://schemas.microsoft.com/office/drawing/2014/main" id="{14B3CC57-508F-471F-AC91-057E0CE5AC58}"/>
+                <a16:creationId xmlns:a16="http://schemas.microsoft.com/office/drawing/2014/main" xmlns="" id="{14B3CC57-508F-471F-AC91-057E0CE5AC58}"/>
               </a:ext>
             </a:extLst>
           </p:cNvPr>
@@ -9264,7 +9264,7 @@
           <p:cNvPr id="36" name="直接箭头连接符 35">
             <a:extLst>
               <a:ext uri="{FF2B5EF4-FFF2-40B4-BE49-F238E27FC236}">
-                <a16:creationId xmlns:a16="http://schemas.microsoft.com/office/drawing/2014/main" id="{B0AB6EEC-A98A-47C5-BADB-6FA1414DA107}"/>
+                <a16:creationId xmlns:a16="http://schemas.microsoft.com/office/drawing/2014/main" xmlns="" id="{B0AB6EEC-A98A-47C5-BADB-6FA1414DA107}"/>
               </a:ext>
             </a:extLst>
           </p:cNvPr>
@@ -9303,7 +9303,7 @@
           <p:cNvPr id="42" name="直接连接符 41">
             <a:extLst>
               <a:ext uri="{FF2B5EF4-FFF2-40B4-BE49-F238E27FC236}">
-                <a16:creationId xmlns:a16="http://schemas.microsoft.com/office/drawing/2014/main" id="{7BF469AD-CE32-4BF3-84BD-EB1C5EB36C65}"/>
+                <a16:creationId xmlns:a16="http://schemas.microsoft.com/office/drawing/2014/main" xmlns="" id="{7BF469AD-CE32-4BF3-84BD-EB1C5EB36C65}"/>
               </a:ext>
             </a:extLst>
           </p:cNvPr>
@@ -9350,7 +9350,7 @@
           <p:cNvPr id="43" name="直接连接符 42">
             <a:extLst>
               <a:ext uri="{FF2B5EF4-FFF2-40B4-BE49-F238E27FC236}">
-                <a16:creationId xmlns:a16="http://schemas.microsoft.com/office/drawing/2014/main" id="{DFDDB405-B891-4116-9A07-B1842F958E1E}"/>
+                <a16:creationId xmlns:a16="http://schemas.microsoft.com/office/drawing/2014/main" xmlns="" id="{DFDDB405-B891-4116-9A07-B1842F958E1E}"/>
               </a:ext>
             </a:extLst>
           </p:cNvPr>
@@ -9388,7 +9388,7 @@
           <p:cNvPr id="47" name="文本框 46">
             <a:extLst>
               <a:ext uri="{FF2B5EF4-FFF2-40B4-BE49-F238E27FC236}">
-                <a16:creationId xmlns:a16="http://schemas.microsoft.com/office/drawing/2014/main" id="{04035B89-C4F6-4E83-9525-44314E88A8EA}"/>
+                <a16:creationId xmlns:a16="http://schemas.microsoft.com/office/drawing/2014/main" xmlns="" id="{04035B89-C4F6-4E83-9525-44314E88A8EA}"/>
               </a:ext>
             </a:extLst>
           </p:cNvPr>
@@ -9423,7 +9423,7 @@
           <p:cNvPr id="48" name="文本框 47">
             <a:extLst>
               <a:ext uri="{FF2B5EF4-FFF2-40B4-BE49-F238E27FC236}">
-                <a16:creationId xmlns:a16="http://schemas.microsoft.com/office/drawing/2014/main" id="{BC4F941D-E23A-4504-8001-A4FBD4929DD4}"/>
+                <a16:creationId xmlns:a16="http://schemas.microsoft.com/office/drawing/2014/main" xmlns="" id="{BC4F941D-E23A-4504-8001-A4FBD4929DD4}"/>
               </a:ext>
             </a:extLst>
           </p:cNvPr>
@@ -9458,7 +9458,7 @@
           <p:cNvPr id="49" name="文本框 48">
             <a:extLst>
               <a:ext uri="{FF2B5EF4-FFF2-40B4-BE49-F238E27FC236}">
-                <a16:creationId xmlns:a16="http://schemas.microsoft.com/office/drawing/2014/main" id="{97389BA0-89E0-404D-86B9-C76189F4DD7C}"/>
+                <a16:creationId xmlns:a16="http://schemas.microsoft.com/office/drawing/2014/main" xmlns="" id="{97389BA0-89E0-404D-86B9-C76189F4DD7C}"/>
               </a:ext>
             </a:extLst>
           </p:cNvPr>
@@ -9493,7 +9493,7 @@
           <p:cNvPr id="50" name="文本框 49">
             <a:extLst>
               <a:ext uri="{FF2B5EF4-FFF2-40B4-BE49-F238E27FC236}">
-                <a16:creationId xmlns:a16="http://schemas.microsoft.com/office/drawing/2014/main" id="{7F0DB7F1-B82F-42CE-ACDC-37AC5C6954CA}"/>
+                <a16:creationId xmlns:a16="http://schemas.microsoft.com/office/drawing/2014/main" xmlns="" id="{7F0DB7F1-B82F-42CE-ACDC-37AC5C6954CA}"/>
               </a:ext>
             </a:extLst>
           </p:cNvPr>
@@ -9528,7 +9528,7 @@
           <p:cNvPr id="52" name="文本框 51">
             <a:extLst>
               <a:ext uri="{FF2B5EF4-FFF2-40B4-BE49-F238E27FC236}">
-                <a16:creationId xmlns:a16="http://schemas.microsoft.com/office/drawing/2014/main" id="{AC916A03-D144-4CD7-B730-9B1A311E64CE}"/>
+                <a16:creationId xmlns:a16="http://schemas.microsoft.com/office/drawing/2014/main" xmlns="" id="{AC916A03-D144-4CD7-B730-9B1A311E64CE}"/>
               </a:ext>
             </a:extLst>
           </p:cNvPr>
@@ -9563,7 +9563,7 @@
           <p:cNvPr id="53" name="文本框 52">
             <a:extLst>
               <a:ext uri="{FF2B5EF4-FFF2-40B4-BE49-F238E27FC236}">
-                <a16:creationId xmlns:a16="http://schemas.microsoft.com/office/drawing/2014/main" id="{768AE94A-1229-47DE-BF96-017F39C3AC42}"/>
+                <a16:creationId xmlns:a16="http://schemas.microsoft.com/office/drawing/2014/main" xmlns="" id="{768AE94A-1229-47DE-BF96-017F39C3AC42}"/>
               </a:ext>
             </a:extLst>
           </p:cNvPr>
@@ -9622,7 +9622,7 @@
           <p:cNvPr id="54" name="文本框 53">
             <a:extLst>
               <a:ext uri="{FF2B5EF4-FFF2-40B4-BE49-F238E27FC236}">
-                <a16:creationId xmlns:a16="http://schemas.microsoft.com/office/drawing/2014/main" id="{9F570005-FC33-4F64-9C52-9A3BA87968C7}"/>
+                <a16:creationId xmlns:a16="http://schemas.microsoft.com/office/drawing/2014/main" xmlns="" id="{9F570005-FC33-4F64-9C52-9A3BA87968C7}"/>
               </a:ext>
             </a:extLst>
           </p:cNvPr>
@@ -9657,7 +9657,7 @@
           <p:cNvPr id="56" name="文本框 55">
             <a:extLst>
               <a:ext uri="{FF2B5EF4-FFF2-40B4-BE49-F238E27FC236}">
-                <a16:creationId xmlns:a16="http://schemas.microsoft.com/office/drawing/2014/main" id="{DE91981C-7E7A-4864-877D-B37545D88BD6}"/>
+                <a16:creationId xmlns:a16="http://schemas.microsoft.com/office/drawing/2014/main" xmlns="" id="{DE91981C-7E7A-4864-877D-B37545D88BD6}"/>
               </a:ext>
             </a:extLst>
           </p:cNvPr>
@@ -9692,7 +9692,7 @@
           <p:cNvPr id="27" name="文本框 26">
             <a:extLst>
               <a:ext uri="{FF2B5EF4-FFF2-40B4-BE49-F238E27FC236}">
-                <a16:creationId xmlns:a16="http://schemas.microsoft.com/office/drawing/2014/main" id="{2C793485-6599-4978-A44C-3EC33AF681C2}"/>
+                <a16:creationId xmlns:a16="http://schemas.microsoft.com/office/drawing/2014/main" xmlns="" id="{2C793485-6599-4978-A44C-3EC33AF681C2}"/>
               </a:ext>
             </a:extLst>
           </p:cNvPr>
@@ -9727,7 +9727,7 @@
           <p:cNvPr id="28" name="文本框 27">
             <a:extLst>
               <a:ext uri="{FF2B5EF4-FFF2-40B4-BE49-F238E27FC236}">
-                <a16:creationId xmlns:a16="http://schemas.microsoft.com/office/drawing/2014/main" id="{5088EC9A-7D27-4AC8-A255-76A1B4F9C400}"/>
+                <a16:creationId xmlns:a16="http://schemas.microsoft.com/office/drawing/2014/main" xmlns="" id="{5088EC9A-7D27-4AC8-A255-76A1B4F9C400}"/>
               </a:ext>
             </a:extLst>
           </p:cNvPr>
@@ -9792,7 +9792,7 @@
           <p:cNvPr id="5" name="矩形 4">
             <a:extLst>
               <a:ext uri="{FF2B5EF4-FFF2-40B4-BE49-F238E27FC236}">
-                <a16:creationId xmlns:a16="http://schemas.microsoft.com/office/drawing/2014/main" id="{F36BE865-7B21-4250-BFFD-86A8E0F8ADB5}"/>
+                <a16:creationId xmlns:a16="http://schemas.microsoft.com/office/drawing/2014/main" xmlns="" id="{F36BE865-7B21-4250-BFFD-86A8E0F8ADB5}"/>
               </a:ext>
             </a:extLst>
           </p:cNvPr>
@@ -9842,7 +9842,7 @@
           <p:cNvPr id="7" name="矩形 6">
             <a:extLst>
               <a:ext uri="{FF2B5EF4-FFF2-40B4-BE49-F238E27FC236}">
-                <a16:creationId xmlns:a16="http://schemas.microsoft.com/office/drawing/2014/main" id="{E8E5F9F8-EF44-4CF4-99F9-2EDEBC55E358}"/>
+                <a16:creationId xmlns:a16="http://schemas.microsoft.com/office/drawing/2014/main" xmlns="" id="{E8E5F9F8-EF44-4CF4-99F9-2EDEBC55E358}"/>
               </a:ext>
             </a:extLst>
           </p:cNvPr>
@@ -9892,7 +9892,7 @@
           <p:cNvPr id="8" name="矩形 7">
             <a:extLst>
               <a:ext uri="{FF2B5EF4-FFF2-40B4-BE49-F238E27FC236}">
-                <a16:creationId xmlns:a16="http://schemas.microsoft.com/office/drawing/2014/main" id="{D7E10CBA-46D3-469F-A072-36780CD609E5}"/>
+                <a16:creationId xmlns:a16="http://schemas.microsoft.com/office/drawing/2014/main" xmlns="" id="{D7E10CBA-46D3-469F-A072-36780CD609E5}"/>
               </a:ext>
             </a:extLst>
           </p:cNvPr>
@@ -9950,7 +9950,7 @@
           <p:cNvPr id="9" name="矩形 8">
             <a:extLst>
               <a:ext uri="{FF2B5EF4-FFF2-40B4-BE49-F238E27FC236}">
-                <a16:creationId xmlns:a16="http://schemas.microsoft.com/office/drawing/2014/main" id="{1D18D491-FADC-474C-9156-D320BCFD8427}"/>
+                <a16:creationId xmlns:a16="http://schemas.microsoft.com/office/drawing/2014/main" xmlns="" id="{1D18D491-FADC-474C-9156-D320BCFD8427}"/>
               </a:ext>
             </a:extLst>
           </p:cNvPr>
@@ -10008,7 +10008,7 @@
           <p:cNvPr id="10" name="矩形 9">
             <a:extLst>
               <a:ext uri="{FF2B5EF4-FFF2-40B4-BE49-F238E27FC236}">
-                <a16:creationId xmlns:a16="http://schemas.microsoft.com/office/drawing/2014/main" id="{F448BB24-B392-4997-AFE2-CA12C454718E}"/>
+                <a16:creationId xmlns:a16="http://schemas.microsoft.com/office/drawing/2014/main" xmlns="" id="{F448BB24-B392-4997-AFE2-CA12C454718E}"/>
               </a:ext>
             </a:extLst>
           </p:cNvPr>
@@ -10058,7 +10058,7 @@
           <p:cNvPr id="11" name="矩形 10">
             <a:extLst>
               <a:ext uri="{FF2B5EF4-FFF2-40B4-BE49-F238E27FC236}">
-                <a16:creationId xmlns:a16="http://schemas.microsoft.com/office/drawing/2014/main" id="{81A72F5E-A07A-490B-8CB4-7122FCD51667}"/>
+                <a16:creationId xmlns:a16="http://schemas.microsoft.com/office/drawing/2014/main" xmlns="" id="{81A72F5E-A07A-490B-8CB4-7122FCD51667}"/>
               </a:ext>
             </a:extLst>
           </p:cNvPr>
@@ -10108,7 +10108,7 @@
           <p:cNvPr id="17" name="矩形 16">
             <a:extLst>
               <a:ext uri="{FF2B5EF4-FFF2-40B4-BE49-F238E27FC236}">
-                <a16:creationId xmlns:a16="http://schemas.microsoft.com/office/drawing/2014/main" id="{F70AA065-6C54-460E-B387-AE3988EC908A}"/>
+                <a16:creationId xmlns:a16="http://schemas.microsoft.com/office/drawing/2014/main" xmlns="" id="{F70AA065-6C54-460E-B387-AE3988EC908A}"/>
               </a:ext>
             </a:extLst>
           </p:cNvPr>
@@ -10166,7 +10166,7 @@
           <p:cNvPr id="19" name="矩形 18">
             <a:extLst>
               <a:ext uri="{FF2B5EF4-FFF2-40B4-BE49-F238E27FC236}">
-                <a16:creationId xmlns:a16="http://schemas.microsoft.com/office/drawing/2014/main" id="{3A50990A-5C6C-4688-BC71-E8158F04F2EA}"/>
+                <a16:creationId xmlns:a16="http://schemas.microsoft.com/office/drawing/2014/main" xmlns="" id="{3A50990A-5C6C-4688-BC71-E8158F04F2EA}"/>
               </a:ext>
             </a:extLst>
           </p:cNvPr>
@@ -10224,7 +10224,7 @@
           <p:cNvPr id="20" name="文本框 19">
             <a:extLst>
               <a:ext uri="{FF2B5EF4-FFF2-40B4-BE49-F238E27FC236}">
-                <a16:creationId xmlns:a16="http://schemas.microsoft.com/office/drawing/2014/main" id="{8B572BE0-C6FE-4D19-B0DE-77F09A93650E}"/>
+                <a16:creationId xmlns:a16="http://schemas.microsoft.com/office/drawing/2014/main" xmlns="" id="{8B572BE0-C6FE-4D19-B0DE-77F09A93650E}"/>
               </a:ext>
             </a:extLst>
           </p:cNvPr>
@@ -10259,7 +10259,7 @@
           <p:cNvPr id="21" name="文本框 20">
             <a:extLst>
               <a:ext uri="{FF2B5EF4-FFF2-40B4-BE49-F238E27FC236}">
-                <a16:creationId xmlns:a16="http://schemas.microsoft.com/office/drawing/2014/main" id="{44DE6424-7F7B-4601-ADC1-53126EBCADF1}"/>
+                <a16:creationId xmlns:a16="http://schemas.microsoft.com/office/drawing/2014/main" xmlns="" id="{44DE6424-7F7B-4601-ADC1-53126EBCADF1}"/>
               </a:ext>
             </a:extLst>
           </p:cNvPr>
@@ -10294,7 +10294,7 @@
           <p:cNvPr id="22" name="直接箭头连接符 21">
             <a:extLst>
               <a:ext uri="{FF2B5EF4-FFF2-40B4-BE49-F238E27FC236}">
-                <a16:creationId xmlns:a16="http://schemas.microsoft.com/office/drawing/2014/main" id="{CFDD6FE9-561B-4CFC-AFFF-4C2776509DDA}"/>
+                <a16:creationId xmlns:a16="http://schemas.microsoft.com/office/drawing/2014/main" xmlns="" id="{CFDD6FE9-561B-4CFC-AFFF-4C2776509DDA}"/>
               </a:ext>
             </a:extLst>
           </p:cNvPr>
@@ -10335,7 +10335,7 @@
           <p:cNvPr id="29" name="直接箭头连接符 28">
             <a:extLst>
               <a:ext uri="{FF2B5EF4-FFF2-40B4-BE49-F238E27FC236}">
-                <a16:creationId xmlns:a16="http://schemas.microsoft.com/office/drawing/2014/main" id="{85C6D190-FFB5-4BB0-98B3-76E18E8031DC}"/>
+                <a16:creationId xmlns:a16="http://schemas.microsoft.com/office/drawing/2014/main" xmlns="" id="{85C6D190-FFB5-4BB0-98B3-76E18E8031DC}"/>
               </a:ext>
             </a:extLst>
           </p:cNvPr>
@@ -10377,7 +10377,7 @@
           <p:cNvPr id="35" name="文本框 34">
             <a:extLst>
               <a:ext uri="{FF2B5EF4-FFF2-40B4-BE49-F238E27FC236}">
-                <a16:creationId xmlns:a16="http://schemas.microsoft.com/office/drawing/2014/main" id="{CA0632E5-6F3A-4CB4-9B64-8C84859E75EE}"/>
+                <a16:creationId xmlns:a16="http://schemas.microsoft.com/office/drawing/2014/main" xmlns="" id="{CA0632E5-6F3A-4CB4-9B64-8C84859E75EE}"/>
               </a:ext>
             </a:extLst>
           </p:cNvPr>
@@ -10421,7 +10421,7 @@
           <p:cNvPr id="36" name="文本框 35">
             <a:extLst>
               <a:ext uri="{FF2B5EF4-FFF2-40B4-BE49-F238E27FC236}">
-                <a16:creationId xmlns:a16="http://schemas.microsoft.com/office/drawing/2014/main" id="{C742029E-3F86-4E94-9E81-4DB3C8948AFB}"/>
+                <a16:creationId xmlns:a16="http://schemas.microsoft.com/office/drawing/2014/main" xmlns="" id="{C742029E-3F86-4E94-9E81-4DB3C8948AFB}"/>
               </a:ext>
             </a:extLst>
           </p:cNvPr>
@@ -10465,7 +10465,7 @@
           <p:cNvPr id="43" name="文本框 42">
             <a:extLst>
               <a:ext uri="{FF2B5EF4-FFF2-40B4-BE49-F238E27FC236}">
-                <a16:creationId xmlns:a16="http://schemas.microsoft.com/office/drawing/2014/main" id="{14FE0152-73AD-40F9-8C67-D8D51F2BEBDB}"/>
+                <a16:creationId xmlns:a16="http://schemas.microsoft.com/office/drawing/2014/main" xmlns="" id="{14FE0152-73AD-40F9-8C67-D8D51F2BEBDB}"/>
               </a:ext>
             </a:extLst>
           </p:cNvPr>
@@ -10501,7 +10501,7 @@
           <p:cNvPr id="44" name="文本框 43">
             <a:extLst>
               <a:ext uri="{FF2B5EF4-FFF2-40B4-BE49-F238E27FC236}">
-                <a16:creationId xmlns:a16="http://schemas.microsoft.com/office/drawing/2014/main" id="{A41959A7-12C4-4694-92E1-5DDAC3C07EB6}"/>
+                <a16:creationId xmlns:a16="http://schemas.microsoft.com/office/drawing/2014/main" xmlns="" id="{A41959A7-12C4-4694-92E1-5DDAC3C07EB6}"/>
               </a:ext>
             </a:extLst>
           </p:cNvPr>
@@ -10567,7 +10567,7 @@
           <p:cNvPr id="4" name="矩形 3">
             <a:extLst>
               <a:ext uri="{FF2B5EF4-FFF2-40B4-BE49-F238E27FC236}">
-                <a16:creationId xmlns:a16="http://schemas.microsoft.com/office/drawing/2014/main" id="{58B8082A-F6DF-4EC1-BF40-3BD6C0FB7965}"/>
+                <a16:creationId xmlns:a16="http://schemas.microsoft.com/office/drawing/2014/main" xmlns="" id="{58B8082A-F6DF-4EC1-BF40-3BD6C0FB7965}"/>
               </a:ext>
             </a:extLst>
           </p:cNvPr>
@@ -10625,7 +10625,7 @@
           <p:cNvPr id="5" name="矩形 4">
             <a:extLst>
               <a:ext uri="{FF2B5EF4-FFF2-40B4-BE49-F238E27FC236}">
-                <a16:creationId xmlns:a16="http://schemas.microsoft.com/office/drawing/2014/main" id="{9CD3D09A-C59D-431A-B00A-0186FE499A40}"/>
+                <a16:creationId xmlns:a16="http://schemas.microsoft.com/office/drawing/2014/main" xmlns="" id="{9CD3D09A-C59D-431A-B00A-0186FE499A40}"/>
               </a:ext>
             </a:extLst>
           </p:cNvPr>
@@ -10683,7 +10683,7 @@
           <p:cNvPr id="10" name="矩形 9">
             <a:extLst>
               <a:ext uri="{FF2B5EF4-FFF2-40B4-BE49-F238E27FC236}">
-                <a16:creationId xmlns:a16="http://schemas.microsoft.com/office/drawing/2014/main" id="{BC3B8D48-6E4F-4B38-B435-52FC28C2B954}"/>
+                <a16:creationId xmlns:a16="http://schemas.microsoft.com/office/drawing/2014/main" xmlns="" id="{BC3B8D48-6E4F-4B38-B435-52FC28C2B954}"/>
               </a:ext>
             </a:extLst>
           </p:cNvPr>
@@ -10776,7 +10776,7 @@
           <p:cNvPr id="11" name="矩形 10">
             <a:extLst>
               <a:ext uri="{FF2B5EF4-FFF2-40B4-BE49-F238E27FC236}">
-                <a16:creationId xmlns:a16="http://schemas.microsoft.com/office/drawing/2014/main" id="{4B6FCF57-0AFF-457F-A590-5B98AA683D17}"/>
+                <a16:creationId xmlns:a16="http://schemas.microsoft.com/office/drawing/2014/main" xmlns="" id="{4B6FCF57-0AFF-457F-A590-5B98AA683D17}"/>
               </a:ext>
             </a:extLst>
           </p:cNvPr>
@@ -10832,7 +10832,7 @@
           <p:cNvPr id="31" name="矩形 30">
             <a:extLst>
               <a:ext uri="{FF2B5EF4-FFF2-40B4-BE49-F238E27FC236}">
-                <a16:creationId xmlns:a16="http://schemas.microsoft.com/office/drawing/2014/main" id="{EF2A1037-A467-4B94-9935-0F8BB92BFC1F}"/>
+                <a16:creationId xmlns:a16="http://schemas.microsoft.com/office/drawing/2014/main" xmlns="" id="{EF2A1037-A467-4B94-9935-0F8BB92BFC1F}"/>
               </a:ext>
             </a:extLst>
           </p:cNvPr>
@@ -10925,7 +10925,7 @@
           <p:cNvPr id="32" name="矩形 31">
             <a:extLst>
               <a:ext uri="{FF2B5EF4-FFF2-40B4-BE49-F238E27FC236}">
-                <a16:creationId xmlns:a16="http://schemas.microsoft.com/office/drawing/2014/main" id="{D88B8F98-6F20-45DD-9400-3B1D1F0453A4}"/>
+                <a16:creationId xmlns:a16="http://schemas.microsoft.com/office/drawing/2014/main" xmlns="" id="{D88B8F98-6F20-45DD-9400-3B1D1F0453A4}"/>
               </a:ext>
             </a:extLst>
           </p:cNvPr>
@@ -11005,7 +11005,7 @@
           <p:cNvPr id="33" name="矩形 32">
             <a:extLst>
               <a:ext uri="{FF2B5EF4-FFF2-40B4-BE49-F238E27FC236}">
-                <a16:creationId xmlns:a16="http://schemas.microsoft.com/office/drawing/2014/main" id="{96B31AB4-A3BE-491D-80B5-FC8E9E8F3B89}"/>
+                <a16:creationId xmlns:a16="http://schemas.microsoft.com/office/drawing/2014/main" xmlns="" id="{96B31AB4-A3BE-491D-80B5-FC8E9E8F3B89}"/>
               </a:ext>
             </a:extLst>
           </p:cNvPr>
@@ -11085,7 +11085,7 @@
           <p:cNvPr id="35" name="直接箭头连接符 34">
             <a:extLst>
               <a:ext uri="{FF2B5EF4-FFF2-40B4-BE49-F238E27FC236}">
-                <a16:creationId xmlns:a16="http://schemas.microsoft.com/office/drawing/2014/main" id="{1E6F5207-1BDC-4643-9C9E-6623861D441B}"/>
+                <a16:creationId xmlns:a16="http://schemas.microsoft.com/office/drawing/2014/main" xmlns="" id="{1E6F5207-1BDC-4643-9C9E-6623861D441B}"/>
               </a:ext>
             </a:extLst>
           </p:cNvPr>
@@ -11126,7 +11126,7 @@
           <p:cNvPr id="36" name="直接箭头连接符 35">
             <a:extLst>
               <a:ext uri="{FF2B5EF4-FFF2-40B4-BE49-F238E27FC236}">
-                <a16:creationId xmlns:a16="http://schemas.microsoft.com/office/drawing/2014/main" id="{A4703AD2-4CED-4846-B98D-D8E853AD4F88}"/>
+                <a16:creationId xmlns:a16="http://schemas.microsoft.com/office/drawing/2014/main" xmlns="" id="{A4703AD2-4CED-4846-B98D-D8E853AD4F88}"/>
               </a:ext>
             </a:extLst>
           </p:cNvPr>
@@ -11168,7 +11168,7 @@
           <p:cNvPr id="39" name="直接箭头连接符 38">
             <a:extLst>
               <a:ext uri="{FF2B5EF4-FFF2-40B4-BE49-F238E27FC236}">
-                <a16:creationId xmlns:a16="http://schemas.microsoft.com/office/drawing/2014/main" id="{6782F2B9-3D7E-418A-8999-C53D7BC278C2}"/>
+                <a16:creationId xmlns:a16="http://schemas.microsoft.com/office/drawing/2014/main" xmlns="" id="{6782F2B9-3D7E-418A-8999-C53D7BC278C2}"/>
               </a:ext>
             </a:extLst>
           </p:cNvPr>
@@ -11210,7 +11210,7 @@
           <p:cNvPr id="40" name="直接箭头连接符 39">
             <a:extLst>
               <a:ext uri="{FF2B5EF4-FFF2-40B4-BE49-F238E27FC236}">
-                <a16:creationId xmlns:a16="http://schemas.microsoft.com/office/drawing/2014/main" id="{9DDE1784-4D90-4CDB-8958-7134D22C540C}"/>
+                <a16:creationId xmlns:a16="http://schemas.microsoft.com/office/drawing/2014/main" xmlns="" id="{9DDE1784-4D90-4CDB-8958-7134D22C540C}"/>
               </a:ext>
             </a:extLst>
           </p:cNvPr>
@@ -11252,7 +11252,7 @@
           <p:cNvPr id="43" name="直接箭头连接符 42">
             <a:extLst>
               <a:ext uri="{FF2B5EF4-FFF2-40B4-BE49-F238E27FC236}">
-                <a16:creationId xmlns:a16="http://schemas.microsoft.com/office/drawing/2014/main" id="{7E7320D9-20F1-409F-BAB9-6A470BB85565}"/>
+                <a16:creationId xmlns:a16="http://schemas.microsoft.com/office/drawing/2014/main" xmlns="" id="{7E7320D9-20F1-409F-BAB9-6A470BB85565}"/>
               </a:ext>
             </a:extLst>
           </p:cNvPr>
@@ -11294,7 +11294,7 @@
           <p:cNvPr id="45" name="直接箭头连接符 44">
             <a:extLst>
               <a:ext uri="{FF2B5EF4-FFF2-40B4-BE49-F238E27FC236}">
-                <a16:creationId xmlns:a16="http://schemas.microsoft.com/office/drawing/2014/main" id="{EBEC6402-B275-4B5D-8B2E-B7E0159423E5}"/>
+                <a16:creationId xmlns:a16="http://schemas.microsoft.com/office/drawing/2014/main" xmlns="" id="{EBEC6402-B275-4B5D-8B2E-B7E0159423E5}"/>
               </a:ext>
             </a:extLst>
           </p:cNvPr>
@@ -11367,7 +11367,7 @@
           <p:cNvPr id="6" name="矩形 5">
             <a:extLst>
               <a:ext uri="{FF2B5EF4-FFF2-40B4-BE49-F238E27FC236}">
-                <a16:creationId xmlns:a16="http://schemas.microsoft.com/office/drawing/2014/main" id="{D508BBC3-EFEE-4733-9DA1-7651441D5AB6}"/>
+                <a16:creationId xmlns:a16="http://schemas.microsoft.com/office/drawing/2014/main" xmlns="" id="{D508BBC3-EFEE-4733-9DA1-7651441D5AB6}"/>
               </a:ext>
             </a:extLst>
           </p:cNvPr>
@@ -11417,7 +11417,7 @@
           <p:cNvPr id="7" name="矩形 6">
             <a:extLst>
               <a:ext uri="{FF2B5EF4-FFF2-40B4-BE49-F238E27FC236}">
-                <a16:creationId xmlns:a16="http://schemas.microsoft.com/office/drawing/2014/main" id="{64423385-122B-46F7-AA4C-553A747B9F89}"/>
+                <a16:creationId xmlns:a16="http://schemas.microsoft.com/office/drawing/2014/main" xmlns="" id="{64423385-122B-46F7-AA4C-553A747B9F89}"/>
               </a:ext>
             </a:extLst>
           </p:cNvPr>
@@ -11467,7 +11467,7 @@
           <p:cNvPr id="9" name="矩形 8">
             <a:extLst>
               <a:ext uri="{FF2B5EF4-FFF2-40B4-BE49-F238E27FC236}">
-                <a16:creationId xmlns:a16="http://schemas.microsoft.com/office/drawing/2014/main" id="{AE59D648-B444-499D-B993-95A3465CD66C}"/>
+                <a16:creationId xmlns:a16="http://schemas.microsoft.com/office/drawing/2014/main" xmlns="" id="{AE59D648-B444-499D-B993-95A3465CD66C}"/>
               </a:ext>
             </a:extLst>
           </p:cNvPr>
@@ -11517,7 +11517,7 @@
           <p:cNvPr id="10" name="矩形 9">
             <a:extLst>
               <a:ext uri="{FF2B5EF4-FFF2-40B4-BE49-F238E27FC236}">
-                <a16:creationId xmlns:a16="http://schemas.microsoft.com/office/drawing/2014/main" id="{B0D0B1F7-8794-4736-8035-C79723EDF835}"/>
+                <a16:creationId xmlns:a16="http://schemas.microsoft.com/office/drawing/2014/main" xmlns="" id="{B0D0B1F7-8794-4736-8035-C79723EDF835}"/>
               </a:ext>
             </a:extLst>
           </p:cNvPr>
@@ -11567,7 +11567,7 @@
           <p:cNvPr id="13" name="矩形 12">
             <a:extLst>
               <a:ext uri="{FF2B5EF4-FFF2-40B4-BE49-F238E27FC236}">
-                <a16:creationId xmlns:a16="http://schemas.microsoft.com/office/drawing/2014/main" id="{C1290000-766D-4234-9362-CC695A343C49}"/>
+                <a16:creationId xmlns:a16="http://schemas.microsoft.com/office/drawing/2014/main" xmlns="" id="{C1290000-766D-4234-9362-CC695A343C49}"/>
               </a:ext>
             </a:extLst>
           </p:cNvPr>
@@ -11617,7 +11617,7 @@
           <p:cNvPr id="14" name="矩形 13">
             <a:extLst>
               <a:ext uri="{FF2B5EF4-FFF2-40B4-BE49-F238E27FC236}">
-                <a16:creationId xmlns:a16="http://schemas.microsoft.com/office/drawing/2014/main" id="{1496CB02-DD80-45E0-A616-56DF54E00F05}"/>
+                <a16:creationId xmlns:a16="http://schemas.microsoft.com/office/drawing/2014/main" xmlns="" id="{1496CB02-DD80-45E0-A616-56DF54E00F05}"/>
               </a:ext>
             </a:extLst>
           </p:cNvPr>
@@ -11667,7 +11667,7 @@
           <p:cNvPr id="15" name="矩形 14">
             <a:extLst>
               <a:ext uri="{FF2B5EF4-FFF2-40B4-BE49-F238E27FC236}">
-                <a16:creationId xmlns:a16="http://schemas.microsoft.com/office/drawing/2014/main" id="{3560163B-CF16-45B8-8D18-C0F86ADD9280}"/>
+                <a16:creationId xmlns:a16="http://schemas.microsoft.com/office/drawing/2014/main" xmlns="" id="{3560163B-CF16-45B8-8D18-C0F86ADD9280}"/>
               </a:ext>
             </a:extLst>
           </p:cNvPr>
@@ -11717,7 +11717,7 @@
           <p:cNvPr id="16" name="矩形 15">
             <a:extLst>
               <a:ext uri="{FF2B5EF4-FFF2-40B4-BE49-F238E27FC236}">
-                <a16:creationId xmlns:a16="http://schemas.microsoft.com/office/drawing/2014/main" id="{06783702-4404-4A6E-8DE8-B2BE48F4F90B}"/>
+                <a16:creationId xmlns:a16="http://schemas.microsoft.com/office/drawing/2014/main" xmlns="" id="{06783702-4404-4A6E-8DE8-B2BE48F4F90B}"/>
               </a:ext>
             </a:extLst>
           </p:cNvPr>
@@ -11759,6 +11759,44 @@
               <a:t>Virtual</a:t>
             </a:r>
             <a:endParaRPr lang="zh-CN" altLang="en-US" dirty="0"/>
+          </a:p>
+        </p:txBody>
+      </p:sp>
+      <p:sp>
+        <p:nvSpPr>
+          <p:cNvPr id="2" name="双大括号 1"/>
+          <p:cNvSpPr/>
+          <p:nvPr/>
+        </p:nvSpPr>
+        <p:spPr>
+          <a:xfrm>
+            <a:off x="762000" y="1666875"/>
+            <a:ext cx="3219450" cy="1647825"/>
+          </a:xfrm>
+          <a:prstGeom prst="bracePair">
+            <a:avLst/>
+          </a:prstGeom>
+        </p:spPr>
+        <p:style>
+          <a:lnRef idx="1">
+            <a:schemeClr val="accent1"/>
+          </a:lnRef>
+          <a:fillRef idx="0">
+            <a:schemeClr val="accent1"/>
+          </a:fillRef>
+          <a:effectRef idx="0">
+            <a:schemeClr val="accent1"/>
+          </a:effectRef>
+          <a:fontRef idx="minor">
+            <a:schemeClr val="tx1"/>
+          </a:fontRef>
+        </p:style>
+        <p:txBody>
+          <a:bodyPr rtlCol="0" anchor="ctr"/>
+          <a:lstStyle/>
+          <a:p>
+            <a:pPr algn="ctr"/>
+            <a:endParaRPr lang="zh-CN" altLang="en-US"/>
           </a:p>
         </p:txBody>
       </p:sp>
@@ -11797,7 +11835,7 @@
           <p:cNvPr id="5" name="矩形 4">
             <a:extLst>
               <a:ext uri="{FF2B5EF4-FFF2-40B4-BE49-F238E27FC236}">
-                <a16:creationId xmlns:a16="http://schemas.microsoft.com/office/drawing/2014/main" id="{A8F539A8-B16E-41CF-A419-11E029F9723B}"/>
+                <a16:creationId xmlns:a16="http://schemas.microsoft.com/office/drawing/2014/main" xmlns="" id="{A8F539A8-B16E-41CF-A419-11E029F9723B}"/>
               </a:ext>
             </a:extLst>
           </p:cNvPr>
@@ -11856,7 +11894,7 @@
           <p:cNvPr id="6" name="矩形 5">
             <a:extLst>
               <a:ext uri="{FF2B5EF4-FFF2-40B4-BE49-F238E27FC236}">
-                <a16:creationId xmlns:a16="http://schemas.microsoft.com/office/drawing/2014/main" id="{B40BC23C-09E7-4A93-A8FE-F8074E5036EC}"/>
+                <a16:creationId xmlns:a16="http://schemas.microsoft.com/office/drawing/2014/main" xmlns="" id="{B40BC23C-09E7-4A93-A8FE-F8074E5036EC}"/>
               </a:ext>
             </a:extLst>
           </p:cNvPr>
@@ -11909,7 +11947,7 @@
           <p:cNvPr id="7" name="矩形 6">
             <a:extLst>
               <a:ext uri="{FF2B5EF4-FFF2-40B4-BE49-F238E27FC236}">
-                <a16:creationId xmlns:a16="http://schemas.microsoft.com/office/drawing/2014/main" id="{49579DFD-8B12-4C4C-B8A5-E11CAA20ED67}"/>
+                <a16:creationId xmlns:a16="http://schemas.microsoft.com/office/drawing/2014/main" xmlns="" id="{49579DFD-8B12-4C4C-B8A5-E11CAA20ED67}"/>
               </a:ext>
             </a:extLst>
           </p:cNvPr>
@@ -11965,7 +12003,7 @@
           <p:cNvPr id="8" name="矩形 7">
             <a:extLst>
               <a:ext uri="{FF2B5EF4-FFF2-40B4-BE49-F238E27FC236}">
-                <a16:creationId xmlns:a16="http://schemas.microsoft.com/office/drawing/2014/main" id="{FB9DCE2F-47CA-442E-9BC1-2066DFD4C965}"/>
+                <a16:creationId xmlns:a16="http://schemas.microsoft.com/office/drawing/2014/main" xmlns="" id="{FB9DCE2F-47CA-442E-9BC1-2066DFD4C965}"/>
               </a:ext>
             </a:extLst>
           </p:cNvPr>
@@ -12021,7 +12059,7 @@
           <p:cNvPr id="9" name="矩形 8">
             <a:extLst>
               <a:ext uri="{FF2B5EF4-FFF2-40B4-BE49-F238E27FC236}">
-                <a16:creationId xmlns:a16="http://schemas.microsoft.com/office/drawing/2014/main" id="{302CC764-DFB2-4E04-B857-3F5440C97624}"/>
+                <a16:creationId xmlns:a16="http://schemas.microsoft.com/office/drawing/2014/main" xmlns="" id="{302CC764-DFB2-4E04-B857-3F5440C97624}"/>
               </a:ext>
             </a:extLst>
           </p:cNvPr>
@@ -12088,7 +12126,7 @@
           <p:cNvPr id="10" name="矩形 9">
             <a:extLst>
               <a:ext uri="{FF2B5EF4-FFF2-40B4-BE49-F238E27FC236}">
-                <a16:creationId xmlns:a16="http://schemas.microsoft.com/office/drawing/2014/main" id="{3CB4B6CC-3E38-49AA-AD1E-E29D8F41D319}"/>
+                <a16:creationId xmlns:a16="http://schemas.microsoft.com/office/drawing/2014/main" xmlns="" id="{3CB4B6CC-3E38-49AA-AD1E-E29D8F41D319}"/>
               </a:ext>
             </a:extLst>
           </p:cNvPr>
@@ -12147,7 +12185,7 @@
           <p:cNvPr id="11" name="矩形 10">
             <a:extLst>
               <a:ext uri="{FF2B5EF4-FFF2-40B4-BE49-F238E27FC236}">
-                <a16:creationId xmlns:a16="http://schemas.microsoft.com/office/drawing/2014/main" id="{CF2406F2-2FE6-4DCF-ABEC-8C36830939AD}"/>
+                <a16:creationId xmlns:a16="http://schemas.microsoft.com/office/drawing/2014/main" xmlns="" id="{CF2406F2-2FE6-4DCF-ABEC-8C36830939AD}"/>
               </a:ext>
             </a:extLst>
           </p:cNvPr>
@@ -12203,7 +12241,7 @@
           <p:cNvPr id="12" name="矩形 11">
             <a:extLst>
               <a:ext uri="{FF2B5EF4-FFF2-40B4-BE49-F238E27FC236}">
-                <a16:creationId xmlns:a16="http://schemas.microsoft.com/office/drawing/2014/main" id="{1E551881-63E9-4878-93FC-5492E1A93577}"/>
+                <a16:creationId xmlns:a16="http://schemas.microsoft.com/office/drawing/2014/main" xmlns="" id="{1E551881-63E9-4878-93FC-5492E1A93577}"/>
               </a:ext>
             </a:extLst>
           </p:cNvPr>
@@ -12302,7 +12340,7 @@
           <p:cNvPr id="17" name="矩形 16">
             <a:extLst>
               <a:ext uri="{FF2B5EF4-FFF2-40B4-BE49-F238E27FC236}">
-                <a16:creationId xmlns:a16="http://schemas.microsoft.com/office/drawing/2014/main" id="{C804C088-43B1-4FB2-81D2-8071B47E0D6D}"/>
+                <a16:creationId xmlns:a16="http://schemas.microsoft.com/office/drawing/2014/main" xmlns="" id="{C804C088-43B1-4FB2-81D2-8071B47E0D6D}"/>
               </a:ext>
             </a:extLst>
           </p:cNvPr>
@@ -12358,7 +12396,7 @@
           <p:cNvPr id="19" name="直接连接符 18">
             <a:extLst>
               <a:ext uri="{FF2B5EF4-FFF2-40B4-BE49-F238E27FC236}">
-                <a16:creationId xmlns:a16="http://schemas.microsoft.com/office/drawing/2014/main" id="{BD25F028-ACE6-47A4-AD54-56EB759B0EB3}"/>
+                <a16:creationId xmlns:a16="http://schemas.microsoft.com/office/drawing/2014/main" xmlns="" id="{BD25F028-ACE6-47A4-AD54-56EB759B0EB3}"/>
               </a:ext>
             </a:extLst>
           </p:cNvPr>
@@ -12396,7 +12434,7 @@
           <p:cNvPr id="21" name="直接连接符 20">
             <a:extLst>
               <a:ext uri="{FF2B5EF4-FFF2-40B4-BE49-F238E27FC236}">
-                <a16:creationId xmlns:a16="http://schemas.microsoft.com/office/drawing/2014/main" id="{A77B04CC-4D75-4C3C-BB51-D40CFB36F41D}"/>
+                <a16:creationId xmlns:a16="http://schemas.microsoft.com/office/drawing/2014/main" xmlns="" id="{A77B04CC-4D75-4C3C-BB51-D40CFB36F41D}"/>
               </a:ext>
             </a:extLst>
           </p:cNvPr>
@@ -12435,7 +12473,7 @@
           <p:cNvPr id="23" name="直接连接符 22">
             <a:extLst>
               <a:ext uri="{FF2B5EF4-FFF2-40B4-BE49-F238E27FC236}">
-                <a16:creationId xmlns:a16="http://schemas.microsoft.com/office/drawing/2014/main" id="{75C97A6D-688C-4A8D-8A5B-EC1B72830BDC}"/>
+                <a16:creationId xmlns:a16="http://schemas.microsoft.com/office/drawing/2014/main" xmlns="" id="{75C97A6D-688C-4A8D-8A5B-EC1B72830BDC}"/>
               </a:ext>
             </a:extLst>
           </p:cNvPr>
@@ -12473,7 +12511,7 @@
           <p:cNvPr id="27" name="直接连接符 26">
             <a:extLst>
               <a:ext uri="{FF2B5EF4-FFF2-40B4-BE49-F238E27FC236}">
-                <a16:creationId xmlns:a16="http://schemas.microsoft.com/office/drawing/2014/main" id="{29BC3382-9CBC-4BF6-9426-127E8BC3E069}"/>
+                <a16:creationId xmlns:a16="http://schemas.microsoft.com/office/drawing/2014/main" xmlns="" id="{29BC3382-9CBC-4BF6-9426-127E8BC3E069}"/>
               </a:ext>
             </a:extLst>
           </p:cNvPr>
@@ -12513,7 +12551,7 @@
           <p:cNvPr id="28" name="直接连接符 27">
             <a:extLst>
               <a:ext uri="{FF2B5EF4-FFF2-40B4-BE49-F238E27FC236}">
-                <a16:creationId xmlns:a16="http://schemas.microsoft.com/office/drawing/2014/main" id="{3D0E42C7-AC05-4832-805B-B70AD25676E2}"/>
+                <a16:creationId xmlns:a16="http://schemas.microsoft.com/office/drawing/2014/main" xmlns="" id="{3D0E42C7-AC05-4832-805B-B70AD25676E2}"/>
               </a:ext>
             </a:extLst>
           </p:cNvPr>
@@ -12552,7 +12590,7 @@
           <p:cNvPr id="32" name="直接连接符 31">
             <a:extLst>
               <a:ext uri="{FF2B5EF4-FFF2-40B4-BE49-F238E27FC236}">
-                <a16:creationId xmlns:a16="http://schemas.microsoft.com/office/drawing/2014/main" id="{AA9BDD91-520D-4107-8A6B-4753FA0C29B7}"/>
+                <a16:creationId xmlns:a16="http://schemas.microsoft.com/office/drawing/2014/main" xmlns="" id="{AA9BDD91-520D-4107-8A6B-4753FA0C29B7}"/>
               </a:ext>
             </a:extLst>
           </p:cNvPr>
@@ -12590,7 +12628,7 @@
           <p:cNvPr id="34" name="直接连接符 33">
             <a:extLst>
               <a:ext uri="{FF2B5EF4-FFF2-40B4-BE49-F238E27FC236}">
-                <a16:creationId xmlns:a16="http://schemas.microsoft.com/office/drawing/2014/main" id="{F03F1281-D5B8-49F8-BC41-061F7E58FD3F}"/>
+                <a16:creationId xmlns:a16="http://schemas.microsoft.com/office/drawing/2014/main" xmlns="" id="{F03F1281-D5B8-49F8-BC41-061F7E58FD3F}"/>
               </a:ext>
             </a:extLst>
           </p:cNvPr>
@@ -12629,7 +12667,7 @@
           <p:cNvPr id="38" name="文本框 37">
             <a:extLst>
               <a:ext uri="{FF2B5EF4-FFF2-40B4-BE49-F238E27FC236}">
-                <a16:creationId xmlns:a16="http://schemas.microsoft.com/office/drawing/2014/main" id="{499BA314-9AA6-43ED-9ACE-B36F46CA46B8}"/>
+                <a16:creationId xmlns:a16="http://schemas.microsoft.com/office/drawing/2014/main" xmlns="" id="{499BA314-9AA6-43ED-9ACE-B36F46CA46B8}"/>
               </a:ext>
             </a:extLst>
           </p:cNvPr>
@@ -12664,7 +12702,7 @@
           <p:cNvPr id="39" name="文本框 38">
             <a:extLst>
               <a:ext uri="{FF2B5EF4-FFF2-40B4-BE49-F238E27FC236}">
-                <a16:creationId xmlns:a16="http://schemas.microsoft.com/office/drawing/2014/main" id="{0D5A61F1-AD15-4D34-8B56-B6F4D35E9389}"/>
+                <a16:creationId xmlns:a16="http://schemas.microsoft.com/office/drawing/2014/main" xmlns="" id="{0D5A61F1-AD15-4D34-8B56-B6F4D35E9389}"/>
               </a:ext>
             </a:extLst>
           </p:cNvPr>

--- a/绘图/图.pptx
+++ b/绘图/图.pptx
@@ -250,7 +250,7 @@
           <a:p>
             <a:fld id="{3A297114-D4EC-4FC4-90A3-B6E3F0C38B6C}" type="datetimeFigureOut">
               <a:rPr lang="zh-CN" altLang="en-US" smtClean="0"/>
-              <a:t>2019/1/29</a:t>
+              <a:t>2019/1/30</a:t>
             </a:fld>
             <a:endParaRPr lang="zh-CN" altLang="en-US"/>
           </a:p>
@@ -418,7 +418,7 @@
           <a:p>
             <a:fld id="{3A297114-D4EC-4FC4-90A3-B6E3F0C38B6C}" type="datetimeFigureOut">
               <a:rPr lang="zh-CN" altLang="en-US" smtClean="0"/>
-              <a:t>2019/1/29</a:t>
+              <a:t>2019/1/30</a:t>
             </a:fld>
             <a:endParaRPr lang="zh-CN" altLang="en-US"/>
           </a:p>
@@ -596,7 +596,7 @@
           <a:p>
             <a:fld id="{3A297114-D4EC-4FC4-90A3-B6E3F0C38B6C}" type="datetimeFigureOut">
               <a:rPr lang="zh-CN" altLang="en-US" smtClean="0"/>
-              <a:t>2019/1/29</a:t>
+              <a:t>2019/1/30</a:t>
             </a:fld>
             <a:endParaRPr lang="zh-CN" altLang="en-US"/>
           </a:p>
@@ -764,7 +764,7 @@
           <a:p>
             <a:fld id="{3A297114-D4EC-4FC4-90A3-B6E3F0C38B6C}" type="datetimeFigureOut">
               <a:rPr lang="zh-CN" altLang="en-US" smtClean="0"/>
-              <a:t>2019/1/29</a:t>
+              <a:t>2019/1/30</a:t>
             </a:fld>
             <a:endParaRPr lang="zh-CN" altLang="en-US"/>
           </a:p>
@@ -1009,7 +1009,7 @@
           <a:p>
             <a:fld id="{3A297114-D4EC-4FC4-90A3-B6E3F0C38B6C}" type="datetimeFigureOut">
               <a:rPr lang="zh-CN" altLang="en-US" smtClean="0"/>
-              <a:t>2019/1/29</a:t>
+              <a:t>2019/1/30</a:t>
             </a:fld>
             <a:endParaRPr lang="zh-CN" altLang="en-US"/>
           </a:p>
@@ -1238,7 +1238,7 @@
           <a:p>
             <a:fld id="{3A297114-D4EC-4FC4-90A3-B6E3F0C38B6C}" type="datetimeFigureOut">
               <a:rPr lang="zh-CN" altLang="en-US" smtClean="0"/>
-              <a:t>2019/1/29</a:t>
+              <a:t>2019/1/30</a:t>
             </a:fld>
             <a:endParaRPr lang="zh-CN" altLang="en-US"/>
           </a:p>
@@ -1602,7 +1602,7 @@
           <a:p>
             <a:fld id="{3A297114-D4EC-4FC4-90A3-B6E3F0C38B6C}" type="datetimeFigureOut">
               <a:rPr lang="zh-CN" altLang="en-US" smtClean="0"/>
-              <a:t>2019/1/29</a:t>
+              <a:t>2019/1/30</a:t>
             </a:fld>
             <a:endParaRPr lang="zh-CN" altLang="en-US"/>
           </a:p>
@@ -1719,7 +1719,7 @@
           <a:p>
             <a:fld id="{3A297114-D4EC-4FC4-90A3-B6E3F0C38B6C}" type="datetimeFigureOut">
               <a:rPr lang="zh-CN" altLang="en-US" smtClean="0"/>
-              <a:t>2019/1/29</a:t>
+              <a:t>2019/1/30</a:t>
             </a:fld>
             <a:endParaRPr lang="zh-CN" altLang="en-US"/>
           </a:p>
@@ -1814,7 +1814,7 @@
           <a:p>
             <a:fld id="{3A297114-D4EC-4FC4-90A3-B6E3F0C38B6C}" type="datetimeFigureOut">
               <a:rPr lang="zh-CN" altLang="en-US" smtClean="0"/>
-              <a:t>2019/1/29</a:t>
+              <a:t>2019/1/30</a:t>
             </a:fld>
             <a:endParaRPr lang="zh-CN" altLang="en-US"/>
           </a:p>
@@ -2089,7 +2089,7 @@
           <a:p>
             <a:fld id="{3A297114-D4EC-4FC4-90A3-B6E3F0C38B6C}" type="datetimeFigureOut">
               <a:rPr lang="zh-CN" altLang="en-US" smtClean="0"/>
-              <a:t>2019/1/29</a:t>
+              <a:t>2019/1/30</a:t>
             </a:fld>
             <a:endParaRPr lang="zh-CN" altLang="en-US"/>
           </a:p>
@@ -2341,7 +2341,7 @@
           <a:p>
             <a:fld id="{3A297114-D4EC-4FC4-90A3-B6E3F0C38B6C}" type="datetimeFigureOut">
               <a:rPr lang="zh-CN" altLang="en-US" smtClean="0"/>
-              <a:t>2019/1/29</a:t>
+              <a:t>2019/1/30</a:t>
             </a:fld>
             <a:endParaRPr lang="zh-CN" altLang="en-US"/>
           </a:p>
@@ -2552,7 +2552,7 @@
           <a:p>
             <a:fld id="{3A297114-D4EC-4FC4-90A3-B6E3F0C38B6C}" type="datetimeFigureOut">
               <a:rPr lang="zh-CN" altLang="en-US" smtClean="0"/>
-              <a:t>2019/1/29</a:t>
+              <a:t>2019/1/30</a:t>
             </a:fld>
             <a:endParaRPr lang="zh-CN" altLang="en-US"/>
           </a:p>
@@ -7590,7 +7590,7 @@
           <p:cNvPr id="4" name="矩形 3">
             <a:extLst>
               <a:ext uri="{FF2B5EF4-FFF2-40B4-BE49-F238E27FC236}">
-                <a16:creationId xmlns:a16="http://schemas.microsoft.com/office/drawing/2014/main" xmlns="" id="{E2364B44-65BF-4B76-9C78-F3EA50840076}"/>
+                <a16:creationId xmlns:a16="http://schemas.microsoft.com/office/drawing/2014/main" id="{E2364B44-65BF-4B76-9C78-F3EA50840076}"/>
               </a:ext>
             </a:extLst>
           </p:cNvPr>
@@ -7646,7 +7646,7 @@
           <p:cNvPr id="5" name="矩形 4">
             <a:extLst>
               <a:ext uri="{FF2B5EF4-FFF2-40B4-BE49-F238E27FC236}">
-                <a16:creationId xmlns:a16="http://schemas.microsoft.com/office/drawing/2014/main" xmlns="" id="{292C6ED1-4D53-4364-95C7-DD8C827AF266}"/>
+                <a16:creationId xmlns:a16="http://schemas.microsoft.com/office/drawing/2014/main" id="{292C6ED1-4D53-4364-95C7-DD8C827AF266}"/>
               </a:ext>
             </a:extLst>
           </p:cNvPr>
@@ -7704,7 +7704,7 @@
           <p:cNvPr id="8" name="矩形 7">
             <a:extLst>
               <a:ext uri="{FF2B5EF4-FFF2-40B4-BE49-F238E27FC236}">
-                <a16:creationId xmlns:a16="http://schemas.microsoft.com/office/drawing/2014/main" xmlns="" id="{08894674-613B-4C24-BD83-E0A2275E0A4D}"/>
+                <a16:creationId xmlns:a16="http://schemas.microsoft.com/office/drawing/2014/main" id="{08894674-613B-4C24-BD83-E0A2275E0A4D}"/>
               </a:ext>
             </a:extLst>
           </p:cNvPr>
@@ -7767,7 +7767,7 @@
           <p:cNvPr id="9" name="矩形 8">
             <a:extLst>
               <a:ext uri="{FF2B5EF4-FFF2-40B4-BE49-F238E27FC236}">
-                <a16:creationId xmlns:a16="http://schemas.microsoft.com/office/drawing/2014/main" xmlns="" id="{768CDF67-DBA9-4CE7-9C8E-3755F3B0F684}"/>
+                <a16:creationId xmlns:a16="http://schemas.microsoft.com/office/drawing/2014/main" id="{768CDF67-DBA9-4CE7-9C8E-3755F3B0F684}"/>
               </a:ext>
             </a:extLst>
           </p:cNvPr>
@@ -7830,7 +7830,7 @@
           <p:cNvPr id="10" name="矩形 9">
             <a:extLst>
               <a:ext uri="{FF2B5EF4-FFF2-40B4-BE49-F238E27FC236}">
-                <a16:creationId xmlns:a16="http://schemas.microsoft.com/office/drawing/2014/main" xmlns="" id="{92A3829A-3A0A-4C5D-A943-0468855B533A}"/>
+                <a16:creationId xmlns:a16="http://schemas.microsoft.com/office/drawing/2014/main" id="{92A3829A-3A0A-4C5D-A943-0468855B533A}"/>
               </a:ext>
             </a:extLst>
           </p:cNvPr>
@@ -7879,7 +7879,7 @@
           <p:cNvPr id="12" name="矩形 11">
             <a:extLst>
               <a:ext uri="{FF2B5EF4-FFF2-40B4-BE49-F238E27FC236}">
-                <a16:creationId xmlns:a16="http://schemas.microsoft.com/office/drawing/2014/main" xmlns="" id="{983A2EBE-70CE-46D1-8FD2-B12694DAD77D}"/>
+                <a16:creationId xmlns:a16="http://schemas.microsoft.com/office/drawing/2014/main" id="{983A2EBE-70CE-46D1-8FD2-B12694DAD77D}"/>
               </a:ext>
             </a:extLst>
           </p:cNvPr>
@@ -7928,7 +7928,7 @@
           <p:cNvPr id="21" name="文本框 20">
             <a:extLst>
               <a:ext uri="{FF2B5EF4-FFF2-40B4-BE49-F238E27FC236}">
-                <a16:creationId xmlns:a16="http://schemas.microsoft.com/office/drawing/2014/main" xmlns="" id="{4EE77156-F1B3-491F-8DD9-3076E32F2A70}"/>
+                <a16:creationId xmlns:a16="http://schemas.microsoft.com/office/drawing/2014/main" id="{4EE77156-F1B3-491F-8DD9-3076E32F2A70}"/>
               </a:ext>
             </a:extLst>
           </p:cNvPr>
@@ -7964,7 +7964,7 @@
           <p:cNvPr id="23" name="矩形 22">
             <a:extLst>
               <a:ext uri="{FF2B5EF4-FFF2-40B4-BE49-F238E27FC236}">
-                <a16:creationId xmlns:a16="http://schemas.microsoft.com/office/drawing/2014/main" xmlns="" id="{F36DB166-98A8-4500-A094-4A36D97CA7EC}"/>
+                <a16:creationId xmlns:a16="http://schemas.microsoft.com/office/drawing/2014/main" id="{F36DB166-98A8-4500-A094-4A36D97CA7EC}"/>
               </a:ext>
             </a:extLst>
           </p:cNvPr>
@@ -8031,7 +8031,7 @@
           <p:cNvPr id="25" name="文本框 24">
             <a:extLst>
               <a:ext uri="{FF2B5EF4-FFF2-40B4-BE49-F238E27FC236}">
-                <a16:creationId xmlns:a16="http://schemas.microsoft.com/office/drawing/2014/main" xmlns="" id="{F0A7CA61-3217-4286-A806-23894391D24D}"/>
+                <a16:creationId xmlns:a16="http://schemas.microsoft.com/office/drawing/2014/main" id="{F0A7CA61-3217-4286-A806-23894391D24D}"/>
               </a:ext>
             </a:extLst>
           </p:cNvPr>
@@ -8067,7 +8067,7 @@
           <p:cNvPr id="27" name="矩形 26">
             <a:extLst>
               <a:ext uri="{FF2B5EF4-FFF2-40B4-BE49-F238E27FC236}">
-                <a16:creationId xmlns:a16="http://schemas.microsoft.com/office/drawing/2014/main" xmlns="" id="{3AEC3FFF-31E9-4C61-936E-DB3367CE9A75}"/>
+                <a16:creationId xmlns:a16="http://schemas.microsoft.com/office/drawing/2014/main" id="{3AEC3FFF-31E9-4C61-936E-DB3367CE9A75}"/>
               </a:ext>
             </a:extLst>
           </p:cNvPr>
@@ -8123,7 +8123,7 @@
           <p:cNvPr id="28" name="矩形 27">
             <a:extLst>
               <a:ext uri="{FF2B5EF4-FFF2-40B4-BE49-F238E27FC236}">
-                <a16:creationId xmlns:a16="http://schemas.microsoft.com/office/drawing/2014/main" xmlns="" id="{91793591-2A5C-42EB-B885-9F321E0F87E3}"/>
+                <a16:creationId xmlns:a16="http://schemas.microsoft.com/office/drawing/2014/main" id="{91793591-2A5C-42EB-B885-9F321E0F87E3}"/>
               </a:ext>
             </a:extLst>
           </p:cNvPr>
@@ -8179,7 +8179,7 @@
           <p:cNvPr id="29" name="文本框 28">
             <a:extLst>
               <a:ext uri="{FF2B5EF4-FFF2-40B4-BE49-F238E27FC236}">
-                <a16:creationId xmlns:a16="http://schemas.microsoft.com/office/drawing/2014/main" xmlns="" id="{760B2F17-A9EA-4C4A-A0A2-7CF6CAB0D003}"/>
+                <a16:creationId xmlns:a16="http://schemas.microsoft.com/office/drawing/2014/main" id="{760B2F17-A9EA-4C4A-A0A2-7CF6CAB0D003}"/>
               </a:ext>
             </a:extLst>
           </p:cNvPr>
@@ -8215,7 +8215,7 @@
           <p:cNvPr id="33" name="连接符: 曲线 32">
             <a:extLst>
               <a:ext uri="{FF2B5EF4-FFF2-40B4-BE49-F238E27FC236}">
-                <a16:creationId xmlns:a16="http://schemas.microsoft.com/office/drawing/2014/main" xmlns="" id="{12E436CC-39FB-4692-9904-DD786543B3C3}"/>
+                <a16:creationId xmlns:a16="http://schemas.microsoft.com/office/drawing/2014/main" id="{12E436CC-39FB-4692-9904-DD786543B3C3}"/>
               </a:ext>
             </a:extLst>
           </p:cNvPr>
@@ -8265,7 +8265,7 @@
           <p:cNvPr id="40" name="直接箭头连接符 39">
             <a:extLst>
               <a:ext uri="{FF2B5EF4-FFF2-40B4-BE49-F238E27FC236}">
-                <a16:creationId xmlns:a16="http://schemas.microsoft.com/office/drawing/2014/main" xmlns="" id="{FEEF617A-1B7E-44FA-8021-9D2865AF17C4}"/>
+                <a16:creationId xmlns:a16="http://schemas.microsoft.com/office/drawing/2014/main" id="{FEEF617A-1B7E-44FA-8021-9D2865AF17C4}"/>
               </a:ext>
             </a:extLst>
           </p:cNvPr>
@@ -8306,7 +8306,7 @@
           <p:cNvPr id="44" name="直接箭头连接符 43">
             <a:extLst>
               <a:ext uri="{FF2B5EF4-FFF2-40B4-BE49-F238E27FC236}">
-                <a16:creationId xmlns:a16="http://schemas.microsoft.com/office/drawing/2014/main" xmlns="" id="{492C9865-9954-4E62-894E-E0CDC0373D15}"/>
+                <a16:creationId xmlns:a16="http://schemas.microsoft.com/office/drawing/2014/main" id="{492C9865-9954-4E62-894E-E0CDC0373D15}"/>
               </a:ext>
             </a:extLst>
           </p:cNvPr>
@@ -8347,7 +8347,7 @@
           <p:cNvPr id="47" name="直接箭头连接符 46">
             <a:extLst>
               <a:ext uri="{FF2B5EF4-FFF2-40B4-BE49-F238E27FC236}">
-                <a16:creationId xmlns:a16="http://schemas.microsoft.com/office/drawing/2014/main" xmlns="" id="{5C43AD99-4C1A-4D90-9897-A8B739BA39D0}"/>
+                <a16:creationId xmlns:a16="http://schemas.microsoft.com/office/drawing/2014/main" id="{5C43AD99-4C1A-4D90-9897-A8B739BA39D0}"/>
               </a:ext>
             </a:extLst>
           </p:cNvPr>
@@ -8388,7 +8388,7 @@
           <p:cNvPr id="49" name="直接箭头连接符 48">
             <a:extLst>
               <a:ext uri="{FF2B5EF4-FFF2-40B4-BE49-F238E27FC236}">
-                <a16:creationId xmlns:a16="http://schemas.microsoft.com/office/drawing/2014/main" xmlns="" id="{615253FB-7D66-4DBA-AB51-292CF9F1B588}"/>
+                <a16:creationId xmlns:a16="http://schemas.microsoft.com/office/drawing/2014/main" id="{615253FB-7D66-4DBA-AB51-292CF9F1B588}"/>
               </a:ext>
             </a:extLst>
           </p:cNvPr>
@@ -8429,7 +8429,7 @@
           <p:cNvPr id="51" name="直接箭头连接符 50">
             <a:extLst>
               <a:ext uri="{FF2B5EF4-FFF2-40B4-BE49-F238E27FC236}">
-                <a16:creationId xmlns:a16="http://schemas.microsoft.com/office/drawing/2014/main" xmlns="" id="{8DC4EEC5-F155-41CE-8AF8-4AC845BD104D}"/>
+                <a16:creationId xmlns:a16="http://schemas.microsoft.com/office/drawing/2014/main" id="{8DC4EEC5-F155-41CE-8AF8-4AC845BD104D}"/>
               </a:ext>
             </a:extLst>
           </p:cNvPr>
@@ -8470,7 +8470,7 @@
           <p:cNvPr id="58" name="直接箭头连接符 57">
             <a:extLst>
               <a:ext uri="{FF2B5EF4-FFF2-40B4-BE49-F238E27FC236}">
-                <a16:creationId xmlns:a16="http://schemas.microsoft.com/office/drawing/2014/main" xmlns="" id="{F7ECE1D6-04EE-4CBC-8D51-39BF3B0CE256}"/>
+                <a16:creationId xmlns:a16="http://schemas.microsoft.com/office/drawing/2014/main" id="{F7ECE1D6-04EE-4CBC-8D51-39BF3B0CE256}"/>
               </a:ext>
             </a:extLst>
           </p:cNvPr>
@@ -8511,7 +8511,7 @@
           <p:cNvPr id="61" name="直接箭头连接符 60">
             <a:extLst>
               <a:ext uri="{FF2B5EF4-FFF2-40B4-BE49-F238E27FC236}">
-                <a16:creationId xmlns:a16="http://schemas.microsoft.com/office/drawing/2014/main" xmlns="" id="{78B88B10-7ACA-47D2-96B5-E34061456039}"/>
+                <a16:creationId xmlns:a16="http://schemas.microsoft.com/office/drawing/2014/main" id="{78B88B10-7ACA-47D2-96B5-E34061456039}"/>
               </a:ext>
             </a:extLst>
           </p:cNvPr>
@@ -8550,7 +8550,7 @@
           <p:cNvPr id="66" name="文本框 65">
             <a:extLst>
               <a:ext uri="{FF2B5EF4-FFF2-40B4-BE49-F238E27FC236}">
-                <a16:creationId xmlns:a16="http://schemas.microsoft.com/office/drawing/2014/main" xmlns="" id="{3E433EE7-6317-4167-B463-550F8412D30B}"/>
+                <a16:creationId xmlns:a16="http://schemas.microsoft.com/office/drawing/2014/main" id="{3E433EE7-6317-4167-B463-550F8412D30B}"/>
               </a:ext>
             </a:extLst>
           </p:cNvPr>
@@ -8589,7 +8589,7 @@
           <p:cNvPr id="67" name="直接箭头连接符 66">
             <a:extLst>
               <a:ext uri="{FF2B5EF4-FFF2-40B4-BE49-F238E27FC236}">
-                <a16:creationId xmlns:a16="http://schemas.microsoft.com/office/drawing/2014/main" xmlns="" id="{7DD4FCE3-95CF-474E-BEA3-3C3AA8341DD1}"/>
+                <a16:creationId xmlns:a16="http://schemas.microsoft.com/office/drawing/2014/main" id="{7DD4FCE3-95CF-474E-BEA3-3C3AA8341DD1}"/>
               </a:ext>
             </a:extLst>
           </p:cNvPr>
@@ -8630,7 +8630,7 @@
           <p:cNvPr id="69" name="文本框 68">
             <a:extLst>
               <a:ext uri="{FF2B5EF4-FFF2-40B4-BE49-F238E27FC236}">
-                <a16:creationId xmlns:a16="http://schemas.microsoft.com/office/drawing/2014/main" xmlns="" id="{1D9C18DB-7496-48DB-98EC-AA4683B41D42}"/>
+                <a16:creationId xmlns:a16="http://schemas.microsoft.com/office/drawing/2014/main" id="{1D9C18DB-7496-48DB-98EC-AA4683B41D42}"/>
               </a:ext>
             </a:extLst>
           </p:cNvPr>
@@ -8665,7 +8665,7 @@
           <p:cNvPr id="71" name="文本框 70">
             <a:extLst>
               <a:ext uri="{FF2B5EF4-FFF2-40B4-BE49-F238E27FC236}">
-                <a16:creationId xmlns:a16="http://schemas.microsoft.com/office/drawing/2014/main" xmlns="" id="{5B102524-3FBB-49FA-A8D6-7AF04C5EDC12}"/>
+                <a16:creationId xmlns:a16="http://schemas.microsoft.com/office/drawing/2014/main" id="{5B102524-3FBB-49FA-A8D6-7AF04C5EDC12}"/>
               </a:ext>
             </a:extLst>
           </p:cNvPr>
@@ -8730,7 +8730,7 @@
           <p:cNvPr id="10" name="直接箭头连接符 9">
             <a:extLst>
               <a:ext uri="{FF2B5EF4-FFF2-40B4-BE49-F238E27FC236}">
-                <a16:creationId xmlns:a16="http://schemas.microsoft.com/office/drawing/2014/main" xmlns="" id="{384F1B76-C2AF-4AC4-9F27-20384AD8103E}"/>
+                <a16:creationId xmlns:a16="http://schemas.microsoft.com/office/drawing/2014/main" id="{384F1B76-C2AF-4AC4-9F27-20384AD8103E}"/>
               </a:ext>
             </a:extLst>
           </p:cNvPr>
@@ -8771,7 +8771,7 @@
           <p:cNvPr id="12" name="直接箭头连接符 11">
             <a:extLst>
               <a:ext uri="{FF2B5EF4-FFF2-40B4-BE49-F238E27FC236}">
-                <a16:creationId xmlns:a16="http://schemas.microsoft.com/office/drawing/2014/main" xmlns="" id="{FE2611AA-F6FA-4B2C-8A9F-DAE1E698BE6D}"/>
+                <a16:creationId xmlns:a16="http://schemas.microsoft.com/office/drawing/2014/main" id="{FE2611AA-F6FA-4B2C-8A9F-DAE1E698BE6D}"/>
               </a:ext>
             </a:extLst>
           </p:cNvPr>
@@ -8812,7 +8812,7 @@
           <p:cNvPr id="15" name="直接连接符 14">
             <a:extLst>
               <a:ext uri="{FF2B5EF4-FFF2-40B4-BE49-F238E27FC236}">
-                <a16:creationId xmlns:a16="http://schemas.microsoft.com/office/drawing/2014/main" xmlns="" id="{51CD70E7-B448-4129-8436-181EDEE423F2}"/>
+                <a16:creationId xmlns:a16="http://schemas.microsoft.com/office/drawing/2014/main" id="{51CD70E7-B448-4129-8436-181EDEE423F2}"/>
               </a:ext>
             </a:extLst>
           </p:cNvPr>
@@ -8859,7 +8859,7 @@
           <p:cNvPr id="19" name="任意多边形: 形状 18">
             <a:extLst>
               <a:ext uri="{FF2B5EF4-FFF2-40B4-BE49-F238E27FC236}">
-                <a16:creationId xmlns:a16="http://schemas.microsoft.com/office/drawing/2014/main" xmlns="" id="{0A67EE62-D906-440E-A540-D271ABC47641}"/>
+                <a16:creationId xmlns:a16="http://schemas.microsoft.com/office/drawing/2014/main" id="{0A67EE62-D906-440E-A540-D271ABC47641}"/>
               </a:ext>
             </a:extLst>
           </p:cNvPr>
@@ -8972,7 +8972,7 @@
           <p:cNvPr id="20" name="文本框 19">
             <a:extLst>
               <a:ext uri="{FF2B5EF4-FFF2-40B4-BE49-F238E27FC236}">
-                <a16:creationId xmlns:a16="http://schemas.microsoft.com/office/drawing/2014/main" xmlns="" id="{7093E31E-2E98-4D4A-8C18-3041354FCEEC}"/>
+                <a16:creationId xmlns:a16="http://schemas.microsoft.com/office/drawing/2014/main" id="{7093E31E-2E98-4D4A-8C18-3041354FCEEC}"/>
               </a:ext>
             </a:extLst>
           </p:cNvPr>
@@ -9007,7 +9007,7 @@
           <p:cNvPr id="21" name="文本框 20">
             <a:extLst>
               <a:ext uri="{FF2B5EF4-FFF2-40B4-BE49-F238E27FC236}">
-                <a16:creationId xmlns:a16="http://schemas.microsoft.com/office/drawing/2014/main" xmlns="" id="{0C4124E8-32D6-49F3-93A7-0D56DF6E864B}"/>
+                <a16:creationId xmlns:a16="http://schemas.microsoft.com/office/drawing/2014/main" id="{0C4124E8-32D6-49F3-93A7-0D56DF6E864B}"/>
               </a:ext>
             </a:extLst>
           </p:cNvPr>
@@ -9042,7 +9042,7 @@
           <p:cNvPr id="23" name="文本框 22">
             <a:extLst>
               <a:ext uri="{FF2B5EF4-FFF2-40B4-BE49-F238E27FC236}">
-                <a16:creationId xmlns:a16="http://schemas.microsoft.com/office/drawing/2014/main" xmlns="" id="{B66DD459-74BF-4036-B863-ED537C5ABE93}"/>
+                <a16:creationId xmlns:a16="http://schemas.microsoft.com/office/drawing/2014/main" id="{B66DD459-74BF-4036-B863-ED537C5ABE93}"/>
               </a:ext>
             </a:extLst>
           </p:cNvPr>
@@ -9077,7 +9077,7 @@
           <p:cNvPr id="24" name="文本框 23">
             <a:extLst>
               <a:ext uri="{FF2B5EF4-FFF2-40B4-BE49-F238E27FC236}">
-                <a16:creationId xmlns:a16="http://schemas.microsoft.com/office/drawing/2014/main" xmlns="" id="{5CFCA0A9-E0B3-4B01-A10E-E26DD8EA203E}"/>
+                <a16:creationId xmlns:a16="http://schemas.microsoft.com/office/drawing/2014/main" id="{5CFCA0A9-E0B3-4B01-A10E-E26DD8EA203E}"/>
               </a:ext>
             </a:extLst>
           </p:cNvPr>
@@ -9112,7 +9112,7 @@
           <p:cNvPr id="25" name="文本框 24">
             <a:extLst>
               <a:ext uri="{FF2B5EF4-FFF2-40B4-BE49-F238E27FC236}">
-                <a16:creationId xmlns:a16="http://schemas.microsoft.com/office/drawing/2014/main" xmlns="" id="{A0DD4A8C-50F5-4642-9102-C846D93EAB22}"/>
+                <a16:creationId xmlns:a16="http://schemas.microsoft.com/office/drawing/2014/main" id="{A0DD4A8C-50F5-4642-9102-C846D93EAB22}"/>
               </a:ext>
             </a:extLst>
           </p:cNvPr>
@@ -9147,7 +9147,7 @@
           <p:cNvPr id="26" name="直接连接符 25">
             <a:extLst>
               <a:ext uri="{FF2B5EF4-FFF2-40B4-BE49-F238E27FC236}">
-                <a16:creationId xmlns:a16="http://schemas.microsoft.com/office/drawing/2014/main" xmlns="" id="{D47BE340-19CE-4ADE-AC1B-81D8F6BE38FB}"/>
+                <a16:creationId xmlns:a16="http://schemas.microsoft.com/office/drawing/2014/main" id="{D47BE340-19CE-4ADE-AC1B-81D8F6BE38FB}"/>
               </a:ext>
             </a:extLst>
           </p:cNvPr>
@@ -9194,7 +9194,7 @@
           <p:cNvPr id="29" name="文本框 28">
             <a:extLst>
               <a:ext uri="{FF2B5EF4-FFF2-40B4-BE49-F238E27FC236}">
-                <a16:creationId xmlns:a16="http://schemas.microsoft.com/office/drawing/2014/main" xmlns="" id="{D4349BA1-913E-410D-815F-53DB1E78ADB7}"/>
+                <a16:creationId xmlns:a16="http://schemas.microsoft.com/office/drawing/2014/main" id="{D4349BA1-913E-410D-815F-53DB1E78ADB7}"/>
               </a:ext>
             </a:extLst>
           </p:cNvPr>
@@ -9229,7 +9229,7 @@
           <p:cNvPr id="34" name="文本框 33">
             <a:extLst>
               <a:ext uri="{FF2B5EF4-FFF2-40B4-BE49-F238E27FC236}">
-                <a16:creationId xmlns:a16="http://schemas.microsoft.com/office/drawing/2014/main" xmlns="" id="{14B3CC57-508F-471F-AC91-057E0CE5AC58}"/>
+                <a16:creationId xmlns:a16="http://schemas.microsoft.com/office/drawing/2014/main" id="{14B3CC57-508F-471F-AC91-057E0CE5AC58}"/>
               </a:ext>
             </a:extLst>
           </p:cNvPr>
@@ -9264,7 +9264,7 @@
           <p:cNvPr id="36" name="直接箭头连接符 35">
             <a:extLst>
               <a:ext uri="{FF2B5EF4-FFF2-40B4-BE49-F238E27FC236}">
-                <a16:creationId xmlns:a16="http://schemas.microsoft.com/office/drawing/2014/main" xmlns="" id="{B0AB6EEC-A98A-47C5-BADB-6FA1414DA107}"/>
+                <a16:creationId xmlns:a16="http://schemas.microsoft.com/office/drawing/2014/main" id="{B0AB6EEC-A98A-47C5-BADB-6FA1414DA107}"/>
               </a:ext>
             </a:extLst>
           </p:cNvPr>
@@ -9303,7 +9303,7 @@
           <p:cNvPr id="42" name="直接连接符 41">
             <a:extLst>
               <a:ext uri="{FF2B5EF4-FFF2-40B4-BE49-F238E27FC236}">
-                <a16:creationId xmlns:a16="http://schemas.microsoft.com/office/drawing/2014/main" xmlns="" id="{7BF469AD-CE32-4BF3-84BD-EB1C5EB36C65}"/>
+                <a16:creationId xmlns:a16="http://schemas.microsoft.com/office/drawing/2014/main" id="{7BF469AD-CE32-4BF3-84BD-EB1C5EB36C65}"/>
               </a:ext>
             </a:extLst>
           </p:cNvPr>
@@ -9350,7 +9350,7 @@
           <p:cNvPr id="43" name="直接连接符 42">
             <a:extLst>
               <a:ext uri="{FF2B5EF4-FFF2-40B4-BE49-F238E27FC236}">
-                <a16:creationId xmlns:a16="http://schemas.microsoft.com/office/drawing/2014/main" xmlns="" id="{DFDDB405-B891-4116-9A07-B1842F958E1E}"/>
+                <a16:creationId xmlns:a16="http://schemas.microsoft.com/office/drawing/2014/main" id="{DFDDB405-B891-4116-9A07-B1842F958E1E}"/>
               </a:ext>
             </a:extLst>
           </p:cNvPr>
@@ -9388,7 +9388,7 @@
           <p:cNvPr id="47" name="文本框 46">
             <a:extLst>
               <a:ext uri="{FF2B5EF4-FFF2-40B4-BE49-F238E27FC236}">
-                <a16:creationId xmlns:a16="http://schemas.microsoft.com/office/drawing/2014/main" xmlns="" id="{04035B89-C4F6-4E83-9525-44314E88A8EA}"/>
+                <a16:creationId xmlns:a16="http://schemas.microsoft.com/office/drawing/2014/main" id="{04035B89-C4F6-4E83-9525-44314E88A8EA}"/>
               </a:ext>
             </a:extLst>
           </p:cNvPr>
@@ -9423,7 +9423,7 @@
           <p:cNvPr id="48" name="文本框 47">
             <a:extLst>
               <a:ext uri="{FF2B5EF4-FFF2-40B4-BE49-F238E27FC236}">
-                <a16:creationId xmlns:a16="http://schemas.microsoft.com/office/drawing/2014/main" xmlns="" id="{BC4F941D-E23A-4504-8001-A4FBD4929DD4}"/>
+                <a16:creationId xmlns:a16="http://schemas.microsoft.com/office/drawing/2014/main" id="{BC4F941D-E23A-4504-8001-A4FBD4929DD4}"/>
               </a:ext>
             </a:extLst>
           </p:cNvPr>
@@ -9458,7 +9458,7 @@
           <p:cNvPr id="49" name="文本框 48">
             <a:extLst>
               <a:ext uri="{FF2B5EF4-FFF2-40B4-BE49-F238E27FC236}">
-                <a16:creationId xmlns:a16="http://schemas.microsoft.com/office/drawing/2014/main" xmlns="" id="{97389BA0-89E0-404D-86B9-C76189F4DD7C}"/>
+                <a16:creationId xmlns:a16="http://schemas.microsoft.com/office/drawing/2014/main" id="{97389BA0-89E0-404D-86B9-C76189F4DD7C}"/>
               </a:ext>
             </a:extLst>
           </p:cNvPr>
@@ -9493,7 +9493,7 @@
           <p:cNvPr id="50" name="文本框 49">
             <a:extLst>
               <a:ext uri="{FF2B5EF4-FFF2-40B4-BE49-F238E27FC236}">
-                <a16:creationId xmlns:a16="http://schemas.microsoft.com/office/drawing/2014/main" xmlns="" id="{7F0DB7F1-B82F-42CE-ACDC-37AC5C6954CA}"/>
+                <a16:creationId xmlns:a16="http://schemas.microsoft.com/office/drawing/2014/main" id="{7F0DB7F1-B82F-42CE-ACDC-37AC5C6954CA}"/>
               </a:ext>
             </a:extLst>
           </p:cNvPr>
@@ -9528,7 +9528,7 @@
           <p:cNvPr id="52" name="文本框 51">
             <a:extLst>
               <a:ext uri="{FF2B5EF4-FFF2-40B4-BE49-F238E27FC236}">
-                <a16:creationId xmlns:a16="http://schemas.microsoft.com/office/drawing/2014/main" xmlns="" id="{AC916A03-D144-4CD7-B730-9B1A311E64CE}"/>
+                <a16:creationId xmlns:a16="http://schemas.microsoft.com/office/drawing/2014/main" id="{AC916A03-D144-4CD7-B730-9B1A311E64CE}"/>
               </a:ext>
             </a:extLst>
           </p:cNvPr>
@@ -9563,7 +9563,7 @@
           <p:cNvPr id="53" name="文本框 52">
             <a:extLst>
               <a:ext uri="{FF2B5EF4-FFF2-40B4-BE49-F238E27FC236}">
-                <a16:creationId xmlns:a16="http://schemas.microsoft.com/office/drawing/2014/main" xmlns="" id="{768AE94A-1229-47DE-BF96-017F39C3AC42}"/>
+                <a16:creationId xmlns:a16="http://schemas.microsoft.com/office/drawing/2014/main" id="{768AE94A-1229-47DE-BF96-017F39C3AC42}"/>
               </a:ext>
             </a:extLst>
           </p:cNvPr>
@@ -9622,7 +9622,7 @@
           <p:cNvPr id="54" name="文本框 53">
             <a:extLst>
               <a:ext uri="{FF2B5EF4-FFF2-40B4-BE49-F238E27FC236}">
-                <a16:creationId xmlns:a16="http://schemas.microsoft.com/office/drawing/2014/main" xmlns="" id="{9F570005-FC33-4F64-9C52-9A3BA87968C7}"/>
+                <a16:creationId xmlns:a16="http://schemas.microsoft.com/office/drawing/2014/main" id="{9F570005-FC33-4F64-9C52-9A3BA87968C7}"/>
               </a:ext>
             </a:extLst>
           </p:cNvPr>
@@ -9657,7 +9657,7 @@
           <p:cNvPr id="56" name="文本框 55">
             <a:extLst>
               <a:ext uri="{FF2B5EF4-FFF2-40B4-BE49-F238E27FC236}">
-                <a16:creationId xmlns:a16="http://schemas.microsoft.com/office/drawing/2014/main" xmlns="" id="{DE91981C-7E7A-4864-877D-B37545D88BD6}"/>
+                <a16:creationId xmlns:a16="http://schemas.microsoft.com/office/drawing/2014/main" id="{DE91981C-7E7A-4864-877D-B37545D88BD6}"/>
               </a:ext>
             </a:extLst>
           </p:cNvPr>
@@ -9692,7 +9692,7 @@
           <p:cNvPr id="27" name="文本框 26">
             <a:extLst>
               <a:ext uri="{FF2B5EF4-FFF2-40B4-BE49-F238E27FC236}">
-                <a16:creationId xmlns:a16="http://schemas.microsoft.com/office/drawing/2014/main" xmlns="" id="{2C793485-6599-4978-A44C-3EC33AF681C2}"/>
+                <a16:creationId xmlns:a16="http://schemas.microsoft.com/office/drawing/2014/main" id="{2C793485-6599-4978-A44C-3EC33AF681C2}"/>
               </a:ext>
             </a:extLst>
           </p:cNvPr>
@@ -9727,7 +9727,7 @@
           <p:cNvPr id="28" name="文本框 27">
             <a:extLst>
               <a:ext uri="{FF2B5EF4-FFF2-40B4-BE49-F238E27FC236}">
-                <a16:creationId xmlns:a16="http://schemas.microsoft.com/office/drawing/2014/main" xmlns="" id="{5088EC9A-7D27-4AC8-A255-76A1B4F9C400}"/>
+                <a16:creationId xmlns:a16="http://schemas.microsoft.com/office/drawing/2014/main" id="{5088EC9A-7D27-4AC8-A255-76A1B4F9C400}"/>
               </a:ext>
             </a:extLst>
           </p:cNvPr>
@@ -9792,7 +9792,7 @@
           <p:cNvPr id="5" name="矩形 4">
             <a:extLst>
               <a:ext uri="{FF2B5EF4-FFF2-40B4-BE49-F238E27FC236}">
-                <a16:creationId xmlns:a16="http://schemas.microsoft.com/office/drawing/2014/main" xmlns="" id="{F36BE865-7B21-4250-BFFD-86A8E0F8ADB5}"/>
+                <a16:creationId xmlns:a16="http://schemas.microsoft.com/office/drawing/2014/main" id="{F36BE865-7B21-4250-BFFD-86A8E0F8ADB5}"/>
               </a:ext>
             </a:extLst>
           </p:cNvPr>
@@ -9842,7 +9842,7 @@
           <p:cNvPr id="7" name="矩形 6">
             <a:extLst>
               <a:ext uri="{FF2B5EF4-FFF2-40B4-BE49-F238E27FC236}">
-                <a16:creationId xmlns:a16="http://schemas.microsoft.com/office/drawing/2014/main" xmlns="" id="{E8E5F9F8-EF44-4CF4-99F9-2EDEBC55E358}"/>
+                <a16:creationId xmlns:a16="http://schemas.microsoft.com/office/drawing/2014/main" id="{E8E5F9F8-EF44-4CF4-99F9-2EDEBC55E358}"/>
               </a:ext>
             </a:extLst>
           </p:cNvPr>
@@ -9892,7 +9892,7 @@
           <p:cNvPr id="8" name="矩形 7">
             <a:extLst>
               <a:ext uri="{FF2B5EF4-FFF2-40B4-BE49-F238E27FC236}">
-                <a16:creationId xmlns:a16="http://schemas.microsoft.com/office/drawing/2014/main" xmlns="" id="{D7E10CBA-46D3-469F-A072-36780CD609E5}"/>
+                <a16:creationId xmlns:a16="http://schemas.microsoft.com/office/drawing/2014/main" id="{D7E10CBA-46D3-469F-A072-36780CD609E5}"/>
               </a:ext>
             </a:extLst>
           </p:cNvPr>
@@ -9950,7 +9950,7 @@
           <p:cNvPr id="9" name="矩形 8">
             <a:extLst>
               <a:ext uri="{FF2B5EF4-FFF2-40B4-BE49-F238E27FC236}">
-                <a16:creationId xmlns:a16="http://schemas.microsoft.com/office/drawing/2014/main" xmlns="" id="{1D18D491-FADC-474C-9156-D320BCFD8427}"/>
+                <a16:creationId xmlns:a16="http://schemas.microsoft.com/office/drawing/2014/main" id="{1D18D491-FADC-474C-9156-D320BCFD8427}"/>
               </a:ext>
             </a:extLst>
           </p:cNvPr>
@@ -10008,7 +10008,7 @@
           <p:cNvPr id="10" name="矩形 9">
             <a:extLst>
               <a:ext uri="{FF2B5EF4-FFF2-40B4-BE49-F238E27FC236}">
-                <a16:creationId xmlns:a16="http://schemas.microsoft.com/office/drawing/2014/main" xmlns="" id="{F448BB24-B392-4997-AFE2-CA12C454718E}"/>
+                <a16:creationId xmlns:a16="http://schemas.microsoft.com/office/drawing/2014/main" id="{F448BB24-B392-4997-AFE2-CA12C454718E}"/>
               </a:ext>
             </a:extLst>
           </p:cNvPr>
@@ -10058,7 +10058,7 @@
           <p:cNvPr id="11" name="矩形 10">
             <a:extLst>
               <a:ext uri="{FF2B5EF4-FFF2-40B4-BE49-F238E27FC236}">
-                <a16:creationId xmlns:a16="http://schemas.microsoft.com/office/drawing/2014/main" xmlns="" id="{81A72F5E-A07A-490B-8CB4-7122FCD51667}"/>
+                <a16:creationId xmlns:a16="http://schemas.microsoft.com/office/drawing/2014/main" id="{81A72F5E-A07A-490B-8CB4-7122FCD51667}"/>
               </a:ext>
             </a:extLst>
           </p:cNvPr>
@@ -10108,7 +10108,7 @@
           <p:cNvPr id="17" name="矩形 16">
             <a:extLst>
               <a:ext uri="{FF2B5EF4-FFF2-40B4-BE49-F238E27FC236}">
-                <a16:creationId xmlns:a16="http://schemas.microsoft.com/office/drawing/2014/main" xmlns="" id="{F70AA065-6C54-460E-B387-AE3988EC908A}"/>
+                <a16:creationId xmlns:a16="http://schemas.microsoft.com/office/drawing/2014/main" id="{F70AA065-6C54-460E-B387-AE3988EC908A}"/>
               </a:ext>
             </a:extLst>
           </p:cNvPr>
@@ -10166,7 +10166,7 @@
           <p:cNvPr id="19" name="矩形 18">
             <a:extLst>
               <a:ext uri="{FF2B5EF4-FFF2-40B4-BE49-F238E27FC236}">
-                <a16:creationId xmlns:a16="http://schemas.microsoft.com/office/drawing/2014/main" xmlns="" id="{3A50990A-5C6C-4688-BC71-E8158F04F2EA}"/>
+                <a16:creationId xmlns:a16="http://schemas.microsoft.com/office/drawing/2014/main" id="{3A50990A-5C6C-4688-BC71-E8158F04F2EA}"/>
               </a:ext>
             </a:extLst>
           </p:cNvPr>
@@ -10224,7 +10224,7 @@
           <p:cNvPr id="20" name="文本框 19">
             <a:extLst>
               <a:ext uri="{FF2B5EF4-FFF2-40B4-BE49-F238E27FC236}">
-                <a16:creationId xmlns:a16="http://schemas.microsoft.com/office/drawing/2014/main" xmlns="" id="{8B572BE0-C6FE-4D19-B0DE-77F09A93650E}"/>
+                <a16:creationId xmlns:a16="http://schemas.microsoft.com/office/drawing/2014/main" id="{8B572BE0-C6FE-4D19-B0DE-77F09A93650E}"/>
               </a:ext>
             </a:extLst>
           </p:cNvPr>
@@ -10259,7 +10259,7 @@
           <p:cNvPr id="21" name="文本框 20">
             <a:extLst>
               <a:ext uri="{FF2B5EF4-FFF2-40B4-BE49-F238E27FC236}">
-                <a16:creationId xmlns:a16="http://schemas.microsoft.com/office/drawing/2014/main" xmlns="" id="{44DE6424-7F7B-4601-ADC1-53126EBCADF1}"/>
+                <a16:creationId xmlns:a16="http://schemas.microsoft.com/office/drawing/2014/main" id="{44DE6424-7F7B-4601-ADC1-53126EBCADF1}"/>
               </a:ext>
             </a:extLst>
           </p:cNvPr>
@@ -10294,7 +10294,7 @@
           <p:cNvPr id="22" name="直接箭头连接符 21">
             <a:extLst>
               <a:ext uri="{FF2B5EF4-FFF2-40B4-BE49-F238E27FC236}">
-                <a16:creationId xmlns:a16="http://schemas.microsoft.com/office/drawing/2014/main" xmlns="" id="{CFDD6FE9-561B-4CFC-AFFF-4C2776509DDA}"/>
+                <a16:creationId xmlns:a16="http://schemas.microsoft.com/office/drawing/2014/main" id="{CFDD6FE9-561B-4CFC-AFFF-4C2776509DDA}"/>
               </a:ext>
             </a:extLst>
           </p:cNvPr>
@@ -10335,7 +10335,7 @@
           <p:cNvPr id="29" name="直接箭头连接符 28">
             <a:extLst>
               <a:ext uri="{FF2B5EF4-FFF2-40B4-BE49-F238E27FC236}">
-                <a16:creationId xmlns:a16="http://schemas.microsoft.com/office/drawing/2014/main" xmlns="" id="{85C6D190-FFB5-4BB0-98B3-76E18E8031DC}"/>
+                <a16:creationId xmlns:a16="http://schemas.microsoft.com/office/drawing/2014/main" id="{85C6D190-FFB5-4BB0-98B3-76E18E8031DC}"/>
               </a:ext>
             </a:extLst>
           </p:cNvPr>
@@ -10377,7 +10377,7 @@
           <p:cNvPr id="35" name="文本框 34">
             <a:extLst>
               <a:ext uri="{FF2B5EF4-FFF2-40B4-BE49-F238E27FC236}">
-                <a16:creationId xmlns:a16="http://schemas.microsoft.com/office/drawing/2014/main" xmlns="" id="{CA0632E5-6F3A-4CB4-9B64-8C84859E75EE}"/>
+                <a16:creationId xmlns:a16="http://schemas.microsoft.com/office/drawing/2014/main" id="{CA0632E5-6F3A-4CB4-9B64-8C84859E75EE}"/>
               </a:ext>
             </a:extLst>
           </p:cNvPr>
@@ -10421,7 +10421,7 @@
           <p:cNvPr id="36" name="文本框 35">
             <a:extLst>
               <a:ext uri="{FF2B5EF4-FFF2-40B4-BE49-F238E27FC236}">
-                <a16:creationId xmlns:a16="http://schemas.microsoft.com/office/drawing/2014/main" xmlns="" id="{C742029E-3F86-4E94-9E81-4DB3C8948AFB}"/>
+                <a16:creationId xmlns:a16="http://schemas.microsoft.com/office/drawing/2014/main" id="{C742029E-3F86-4E94-9E81-4DB3C8948AFB}"/>
               </a:ext>
             </a:extLst>
           </p:cNvPr>
@@ -10465,7 +10465,7 @@
           <p:cNvPr id="43" name="文本框 42">
             <a:extLst>
               <a:ext uri="{FF2B5EF4-FFF2-40B4-BE49-F238E27FC236}">
-                <a16:creationId xmlns:a16="http://schemas.microsoft.com/office/drawing/2014/main" xmlns="" id="{14FE0152-73AD-40F9-8C67-D8D51F2BEBDB}"/>
+                <a16:creationId xmlns:a16="http://schemas.microsoft.com/office/drawing/2014/main" id="{14FE0152-73AD-40F9-8C67-D8D51F2BEBDB}"/>
               </a:ext>
             </a:extLst>
           </p:cNvPr>
@@ -10501,7 +10501,7 @@
           <p:cNvPr id="44" name="文本框 43">
             <a:extLst>
               <a:ext uri="{FF2B5EF4-FFF2-40B4-BE49-F238E27FC236}">
-                <a16:creationId xmlns:a16="http://schemas.microsoft.com/office/drawing/2014/main" xmlns="" id="{A41959A7-12C4-4694-92E1-5DDAC3C07EB6}"/>
+                <a16:creationId xmlns:a16="http://schemas.microsoft.com/office/drawing/2014/main" id="{A41959A7-12C4-4694-92E1-5DDAC3C07EB6}"/>
               </a:ext>
             </a:extLst>
           </p:cNvPr>
@@ -10567,7 +10567,7 @@
           <p:cNvPr id="4" name="矩形 3">
             <a:extLst>
               <a:ext uri="{FF2B5EF4-FFF2-40B4-BE49-F238E27FC236}">
-                <a16:creationId xmlns:a16="http://schemas.microsoft.com/office/drawing/2014/main" xmlns="" id="{58B8082A-F6DF-4EC1-BF40-3BD6C0FB7965}"/>
+                <a16:creationId xmlns:a16="http://schemas.microsoft.com/office/drawing/2014/main" id="{58B8082A-F6DF-4EC1-BF40-3BD6C0FB7965}"/>
               </a:ext>
             </a:extLst>
           </p:cNvPr>
@@ -10625,7 +10625,7 @@
           <p:cNvPr id="5" name="矩形 4">
             <a:extLst>
               <a:ext uri="{FF2B5EF4-FFF2-40B4-BE49-F238E27FC236}">
-                <a16:creationId xmlns:a16="http://schemas.microsoft.com/office/drawing/2014/main" xmlns="" id="{9CD3D09A-C59D-431A-B00A-0186FE499A40}"/>
+                <a16:creationId xmlns:a16="http://schemas.microsoft.com/office/drawing/2014/main" id="{9CD3D09A-C59D-431A-B00A-0186FE499A40}"/>
               </a:ext>
             </a:extLst>
           </p:cNvPr>
@@ -10683,7 +10683,7 @@
           <p:cNvPr id="10" name="矩形 9">
             <a:extLst>
               <a:ext uri="{FF2B5EF4-FFF2-40B4-BE49-F238E27FC236}">
-                <a16:creationId xmlns:a16="http://schemas.microsoft.com/office/drawing/2014/main" xmlns="" id="{BC3B8D48-6E4F-4B38-B435-52FC28C2B954}"/>
+                <a16:creationId xmlns:a16="http://schemas.microsoft.com/office/drawing/2014/main" id="{BC3B8D48-6E4F-4B38-B435-52FC28C2B954}"/>
               </a:ext>
             </a:extLst>
           </p:cNvPr>
@@ -10776,7 +10776,7 @@
           <p:cNvPr id="11" name="矩形 10">
             <a:extLst>
               <a:ext uri="{FF2B5EF4-FFF2-40B4-BE49-F238E27FC236}">
-                <a16:creationId xmlns:a16="http://schemas.microsoft.com/office/drawing/2014/main" xmlns="" id="{4B6FCF57-0AFF-457F-A590-5B98AA683D17}"/>
+                <a16:creationId xmlns:a16="http://schemas.microsoft.com/office/drawing/2014/main" id="{4B6FCF57-0AFF-457F-A590-5B98AA683D17}"/>
               </a:ext>
             </a:extLst>
           </p:cNvPr>
@@ -10832,7 +10832,7 @@
           <p:cNvPr id="31" name="矩形 30">
             <a:extLst>
               <a:ext uri="{FF2B5EF4-FFF2-40B4-BE49-F238E27FC236}">
-                <a16:creationId xmlns:a16="http://schemas.microsoft.com/office/drawing/2014/main" xmlns="" id="{EF2A1037-A467-4B94-9935-0F8BB92BFC1F}"/>
+                <a16:creationId xmlns:a16="http://schemas.microsoft.com/office/drawing/2014/main" id="{EF2A1037-A467-4B94-9935-0F8BB92BFC1F}"/>
               </a:ext>
             </a:extLst>
           </p:cNvPr>
@@ -10925,7 +10925,7 @@
           <p:cNvPr id="32" name="矩形 31">
             <a:extLst>
               <a:ext uri="{FF2B5EF4-FFF2-40B4-BE49-F238E27FC236}">
-                <a16:creationId xmlns:a16="http://schemas.microsoft.com/office/drawing/2014/main" xmlns="" id="{D88B8F98-6F20-45DD-9400-3B1D1F0453A4}"/>
+                <a16:creationId xmlns:a16="http://schemas.microsoft.com/office/drawing/2014/main" id="{D88B8F98-6F20-45DD-9400-3B1D1F0453A4}"/>
               </a:ext>
             </a:extLst>
           </p:cNvPr>
@@ -11005,7 +11005,7 @@
           <p:cNvPr id="33" name="矩形 32">
             <a:extLst>
               <a:ext uri="{FF2B5EF4-FFF2-40B4-BE49-F238E27FC236}">
-                <a16:creationId xmlns:a16="http://schemas.microsoft.com/office/drawing/2014/main" xmlns="" id="{96B31AB4-A3BE-491D-80B5-FC8E9E8F3B89}"/>
+                <a16:creationId xmlns:a16="http://schemas.microsoft.com/office/drawing/2014/main" id="{96B31AB4-A3BE-491D-80B5-FC8E9E8F3B89}"/>
               </a:ext>
             </a:extLst>
           </p:cNvPr>
@@ -11085,7 +11085,7 @@
           <p:cNvPr id="35" name="直接箭头连接符 34">
             <a:extLst>
               <a:ext uri="{FF2B5EF4-FFF2-40B4-BE49-F238E27FC236}">
-                <a16:creationId xmlns:a16="http://schemas.microsoft.com/office/drawing/2014/main" xmlns="" id="{1E6F5207-1BDC-4643-9C9E-6623861D441B}"/>
+                <a16:creationId xmlns:a16="http://schemas.microsoft.com/office/drawing/2014/main" id="{1E6F5207-1BDC-4643-9C9E-6623861D441B}"/>
               </a:ext>
             </a:extLst>
           </p:cNvPr>
@@ -11126,7 +11126,7 @@
           <p:cNvPr id="36" name="直接箭头连接符 35">
             <a:extLst>
               <a:ext uri="{FF2B5EF4-FFF2-40B4-BE49-F238E27FC236}">
-                <a16:creationId xmlns:a16="http://schemas.microsoft.com/office/drawing/2014/main" xmlns="" id="{A4703AD2-4CED-4846-B98D-D8E853AD4F88}"/>
+                <a16:creationId xmlns:a16="http://schemas.microsoft.com/office/drawing/2014/main" id="{A4703AD2-4CED-4846-B98D-D8E853AD4F88}"/>
               </a:ext>
             </a:extLst>
           </p:cNvPr>
@@ -11168,7 +11168,7 @@
           <p:cNvPr id="39" name="直接箭头连接符 38">
             <a:extLst>
               <a:ext uri="{FF2B5EF4-FFF2-40B4-BE49-F238E27FC236}">
-                <a16:creationId xmlns:a16="http://schemas.microsoft.com/office/drawing/2014/main" xmlns="" id="{6782F2B9-3D7E-418A-8999-C53D7BC278C2}"/>
+                <a16:creationId xmlns:a16="http://schemas.microsoft.com/office/drawing/2014/main" id="{6782F2B9-3D7E-418A-8999-C53D7BC278C2}"/>
               </a:ext>
             </a:extLst>
           </p:cNvPr>
@@ -11210,7 +11210,7 @@
           <p:cNvPr id="40" name="直接箭头连接符 39">
             <a:extLst>
               <a:ext uri="{FF2B5EF4-FFF2-40B4-BE49-F238E27FC236}">
-                <a16:creationId xmlns:a16="http://schemas.microsoft.com/office/drawing/2014/main" xmlns="" id="{9DDE1784-4D90-4CDB-8958-7134D22C540C}"/>
+                <a16:creationId xmlns:a16="http://schemas.microsoft.com/office/drawing/2014/main" id="{9DDE1784-4D90-4CDB-8958-7134D22C540C}"/>
               </a:ext>
             </a:extLst>
           </p:cNvPr>
@@ -11252,7 +11252,7 @@
           <p:cNvPr id="43" name="直接箭头连接符 42">
             <a:extLst>
               <a:ext uri="{FF2B5EF4-FFF2-40B4-BE49-F238E27FC236}">
-                <a16:creationId xmlns:a16="http://schemas.microsoft.com/office/drawing/2014/main" xmlns="" id="{7E7320D9-20F1-409F-BAB9-6A470BB85565}"/>
+                <a16:creationId xmlns:a16="http://schemas.microsoft.com/office/drawing/2014/main" id="{7E7320D9-20F1-409F-BAB9-6A470BB85565}"/>
               </a:ext>
             </a:extLst>
           </p:cNvPr>
@@ -11294,7 +11294,7 @@
           <p:cNvPr id="45" name="直接箭头连接符 44">
             <a:extLst>
               <a:ext uri="{FF2B5EF4-FFF2-40B4-BE49-F238E27FC236}">
-                <a16:creationId xmlns:a16="http://schemas.microsoft.com/office/drawing/2014/main" xmlns="" id="{EBEC6402-B275-4B5D-8B2E-B7E0159423E5}"/>
+                <a16:creationId xmlns:a16="http://schemas.microsoft.com/office/drawing/2014/main" id="{EBEC6402-B275-4B5D-8B2E-B7E0159423E5}"/>
               </a:ext>
             </a:extLst>
           </p:cNvPr>
@@ -11367,7 +11367,7 @@
           <p:cNvPr id="6" name="矩形 5">
             <a:extLst>
               <a:ext uri="{FF2B5EF4-FFF2-40B4-BE49-F238E27FC236}">
-                <a16:creationId xmlns:a16="http://schemas.microsoft.com/office/drawing/2014/main" xmlns="" id="{D508BBC3-EFEE-4733-9DA1-7651441D5AB6}"/>
+                <a16:creationId xmlns:a16="http://schemas.microsoft.com/office/drawing/2014/main" id="{D508BBC3-EFEE-4733-9DA1-7651441D5AB6}"/>
               </a:ext>
             </a:extLst>
           </p:cNvPr>
@@ -11376,12 +11376,15 @@
         </p:nvSpPr>
         <p:spPr>
           <a:xfrm>
-            <a:off x="645317" y="3700463"/>
+            <a:off x="2791715" y="3700463"/>
             <a:ext cx="1726408" cy="1185862"/>
           </a:xfrm>
           <a:prstGeom prst="rect">
             <a:avLst/>
           </a:prstGeom>
+          <a:solidFill>
+            <a:schemeClr val="accent2"/>
+          </a:solidFill>
         </p:spPr>
         <p:style>
           <a:lnRef idx="2">
@@ -11417,7 +11420,7 @@
           <p:cNvPr id="7" name="矩形 6">
             <a:extLst>
               <a:ext uri="{FF2B5EF4-FFF2-40B4-BE49-F238E27FC236}">
-                <a16:creationId xmlns:a16="http://schemas.microsoft.com/office/drawing/2014/main" xmlns="" id="{64423385-122B-46F7-AA4C-553A747B9F89}"/>
+                <a16:creationId xmlns:a16="http://schemas.microsoft.com/office/drawing/2014/main" id="{64423385-122B-46F7-AA4C-553A747B9F89}"/>
               </a:ext>
             </a:extLst>
           </p:cNvPr>
@@ -11426,7 +11429,7 @@
         </p:nvSpPr>
         <p:spPr>
           <a:xfrm>
-            <a:off x="2371725" y="3700463"/>
+            <a:off x="2288976" y="3700463"/>
             <a:ext cx="500063" cy="1185862"/>
           </a:xfrm>
           <a:prstGeom prst="rect">
@@ -11467,7 +11470,7 @@
           <p:cNvPr id="9" name="矩形 8">
             <a:extLst>
               <a:ext uri="{FF2B5EF4-FFF2-40B4-BE49-F238E27FC236}">
-                <a16:creationId xmlns:a16="http://schemas.microsoft.com/office/drawing/2014/main" xmlns="" id="{AE59D648-B444-499D-B993-95A3465CD66C}"/>
+                <a16:creationId xmlns:a16="http://schemas.microsoft.com/office/drawing/2014/main" id="{AE59D648-B444-499D-B993-95A3465CD66C}"/>
               </a:ext>
             </a:extLst>
           </p:cNvPr>
@@ -11476,7 +11479,7 @@
         </p:nvSpPr>
         <p:spPr>
           <a:xfrm>
-            <a:off x="2871788" y="3700463"/>
+            <a:off x="1812128" y="3700463"/>
             <a:ext cx="500063" cy="1185862"/>
           </a:xfrm>
           <a:prstGeom prst="rect">
@@ -11517,7 +11520,7 @@
           <p:cNvPr id="10" name="矩形 9">
             <a:extLst>
               <a:ext uri="{FF2B5EF4-FFF2-40B4-BE49-F238E27FC236}">
-                <a16:creationId xmlns:a16="http://schemas.microsoft.com/office/drawing/2014/main" xmlns="" id="{B0D0B1F7-8794-4736-8035-C79723EDF835}"/>
+                <a16:creationId xmlns:a16="http://schemas.microsoft.com/office/drawing/2014/main" id="{B0D0B1F7-8794-4736-8035-C79723EDF835}"/>
               </a:ext>
             </a:extLst>
           </p:cNvPr>
@@ -11567,7 +11570,7 @@
           <p:cNvPr id="13" name="矩形 12">
             <a:extLst>
               <a:ext uri="{FF2B5EF4-FFF2-40B4-BE49-F238E27FC236}">
-                <a16:creationId xmlns:a16="http://schemas.microsoft.com/office/drawing/2014/main" xmlns="" id="{C1290000-766D-4234-9362-CC695A343C49}"/>
+                <a16:creationId xmlns:a16="http://schemas.microsoft.com/office/drawing/2014/main" id="{C1290000-766D-4234-9362-CC695A343C49}"/>
               </a:ext>
             </a:extLst>
           </p:cNvPr>
@@ -11576,7 +11579,7 @@
         </p:nvSpPr>
         <p:spPr>
           <a:xfrm>
-            <a:off x="3371851" y="3700463"/>
+            <a:off x="631703" y="3700463"/>
             <a:ext cx="1166811" cy="1185862"/>
           </a:xfrm>
           <a:prstGeom prst="rect">
@@ -11606,7 +11609,7 @@
             <a:pPr algn="ctr"/>
             <a:r>
               <a:rPr lang="en-US" altLang="zh-CN" dirty="0"/>
-              <a:t>Virtual</a:t>
+              <a:t>Reserved</a:t>
             </a:r>
             <a:endParaRPr lang="zh-CN" altLang="en-US" dirty="0"/>
           </a:p>
@@ -11617,7 +11620,7 @@
           <p:cNvPr id="14" name="矩形 13">
             <a:extLst>
               <a:ext uri="{FF2B5EF4-FFF2-40B4-BE49-F238E27FC236}">
-                <a16:creationId xmlns:a16="http://schemas.microsoft.com/office/drawing/2014/main" xmlns="" id="{1496CB02-DD80-45E0-A616-56DF54E00F05}"/>
+                <a16:creationId xmlns:a16="http://schemas.microsoft.com/office/drawing/2014/main" id="{1496CB02-DD80-45E0-A616-56DF54E00F05}"/>
               </a:ext>
             </a:extLst>
           </p:cNvPr>
@@ -11656,7 +11659,7 @@
             <a:pPr algn="ctr"/>
             <a:r>
               <a:rPr lang="en-US" altLang="zh-CN" dirty="0"/>
-              <a:t>Virtual</a:t>
+              <a:t>Reserved</a:t>
             </a:r>
             <a:endParaRPr lang="zh-CN" altLang="en-US" dirty="0"/>
           </a:p>
@@ -11667,7 +11670,7 @@
           <p:cNvPr id="15" name="矩形 14">
             <a:extLst>
               <a:ext uri="{FF2B5EF4-FFF2-40B4-BE49-F238E27FC236}">
-                <a16:creationId xmlns:a16="http://schemas.microsoft.com/office/drawing/2014/main" xmlns="" id="{3560163B-CF16-45B8-8D18-C0F86ADD9280}"/>
+                <a16:creationId xmlns:a16="http://schemas.microsoft.com/office/drawing/2014/main" id="{3560163B-CF16-45B8-8D18-C0F86ADD9280}"/>
               </a:ext>
             </a:extLst>
           </p:cNvPr>
@@ -11682,6 +11685,7 @@
           <a:prstGeom prst="rect">
             <a:avLst/>
           </a:prstGeom>
+          <a:ln/>
         </p:spPr>
         <p:style>
           <a:lnRef idx="2">
@@ -11717,7 +11721,7 @@
           <p:cNvPr id="16" name="矩形 15">
             <a:extLst>
               <a:ext uri="{FF2B5EF4-FFF2-40B4-BE49-F238E27FC236}">
-                <a16:creationId xmlns:a16="http://schemas.microsoft.com/office/drawing/2014/main" xmlns="" id="{06783702-4404-4A6E-8DE8-B2BE48F4F90B}"/>
+                <a16:creationId xmlns:a16="http://schemas.microsoft.com/office/drawing/2014/main" id="{06783702-4404-4A6E-8DE8-B2BE48F4F90B}"/>
               </a:ext>
             </a:extLst>
           </p:cNvPr>
@@ -11756,24 +11760,30 @@
             <a:pPr algn="ctr"/>
             <a:r>
               <a:rPr lang="en-US" altLang="zh-CN" dirty="0"/>
-              <a:t>Virtual</a:t>
+              <a:t>Reserved</a:t>
             </a:r>
             <a:endParaRPr lang="zh-CN" altLang="en-US" dirty="0"/>
           </a:p>
         </p:txBody>
       </p:sp>
-      <p:sp>
-        <p:nvSpPr>
-          <p:cNvPr id="2" name="双大括号 1"/>
-          <p:cNvSpPr/>
-          <p:nvPr/>
-        </p:nvSpPr>
-        <p:spPr>
-          <a:xfrm>
-            <a:off x="762000" y="1666875"/>
-            <a:ext cx="3219450" cy="1647825"/>
-          </a:xfrm>
-          <a:prstGeom prst="bracePair">
+      <p:cxnSp>
+        <p:nvCxnSpPr>
+          <p:cNvPr id="4" name="直接连接符 3">
+            <a:extLst>
+              <a:ext uri="{FF2B5EF4-FFF2-40B4-BE49-F238E27FC236}">
+                <a16:creationId xmlns:a16="http://schemas.microsoft.com/office/drawing/2014/main" id="{AE44468F-BB27-408B-91EA-D39843E752BE}"/>
+              </a:ext>
+            </a:extLst>
+          </p:cNvPr>
+          <p:cNvCxnSpPr/>
+          <p:nvPr/>
+        </p:nvCxnSpPr>
+        <p:spPr>
+          <a:xfrm>
+            <a:off x="645317" y="1663908"/>
+            <a:ext cx="0" cy="2036555"/>
+          </a:xfrm>
+          <a:prstGeom prst="line">
             <a:avLst/>
           </a:prstGeom>
         </p:spPr>
@@ -11791,12 +11801,953 @@
             <a:schemeClr val="tx1"/>
           </a:fontRef>
         </p:style>
-        <p:txBody>
-          <a:bodyPr rtlCol="0" anchor="ctr"/>
-          <a:lstStyle/>
-          <a:p>
-            <a:pPr algn="ctr"/>
-            <a:endParaRPr lang="zh-CN" altLang="en-US"/>
+      </p:cxnSp>
+      <p:cxnSp>
+        <p:nvCxnSpPr>
+          <p:cNvPr id="17" name="直接连接符 16">
+            <a:extLst>
+              <a:ext uri="{FF2B5EF4-FFF2-40B4-BE49-F238E27FC236}">
+                <a16:creationId xmlns:a16="http://schemas.microsoft.com/office/drawing/2014/main" id="{CAE8B79D-C006-47D9-8D2A-0E2BD127F876}"/>
+              </a:ext>
+            </a:extLst>
+          </p:cNvPr>
+          <p:cNvCxnSpPr>
+            <a:cxnSpLocks/>
+          </p:cNvCxnSpPr>
+          <p:nvPr/>
+        </p:nvCxnSpPr>
+        <p:spPr>
+          <a:xfrm>
+            <a:off x="4511174" y="3132944"/>
+            <a:ext cx="0" cy="567519"/>
+          </a:xfrm>
+          <a:prstGeom prst="line">
+            <a:avLst/>
+          </a:prstGeom>
+        </p:spPr>
+        <p:style>
+          <a:lnRef idx="1">
+            <a:schemeClr val="accent1"/>
+          </a:lnRef>
+          <a:fillRef idx="0">
+            <a:schemeClr val="accent1"/>
+          </a:fillRef>
+          <a:effectRef idx="0">
+            <a:schemeClr val="accent1"/>
+          </a:effectRef>
+          <a:fontRef idx="minor">
+            <a:schemeClr val="tx1"/>
+          </a:fontRef>
+        </p:style>
+      </p:cxnSp>
+      <p:cxnSp>
+        <p:nvCxnSpPr>
+          <p:cNvPr id="18" name="直接连接符 17">
+            <a:extLst>
+              <a:ext uri="{FF2B5EF4-FFF2-40B4-BE49-F238E27FC236}">
+                <a16:creationId xmlns:a16="http://schemas.microsoft.com/office/drawing/2014/main" id="{8E78194B-B0C8-4A29-8DF7-BE12BE56D10D}"/>
+              </a:ext>
+            </a:extLst>
+          </p:cNvPr>
+          <p:cNvCxnSpPr/>
+          <p:nvPr/>
+        </p:nvCxnSpPr>
+        <p:spPr>
+          <a:xfrm>
+            <a:off x="7998608" y="1663908"/>
+            <a:ext cx="0" cy="2036555"/>
+          </a:xfrm>
+          <a:prstGeom prst="line">
+            <a:avLst/>
+          </a:prstGeom>
+        </p:spPr>
+        <p:style>
+          <a:lnRef idx="1">
+            <a:schemeClr val="accent1"/>
+          </a:lnRef>
+          <a:fillRef idx="0">
+            <a:schemeClr val="accent1"/>
+          </a:fillRef>
+          <a:effectRef idx="0">
+            <a:schemeClr val="accent1"/>
+          </a:effectRef>
+          <a:fontRef idx="minor">
+            <a:schemeClr val="tx1"/>
+          </a:fontRef>
+        </p:style>
+      </p:cxnSp>
+      <p:cxnSp>
+        <p:nvCxnSpPr>
+          <p:cNvPr id="19" name="直接连接符 18">
+            <a:extLst>
+              <a:ext uri="{FF2B5EF4-FFF2-40B4-BE49-F238E27FC236}">
+                <a16:creationId xmlns:a16="http://schemas.microsoft.com/office/drawing/2014/main" id="{C7564404-18B6-4181-A9BA-3F27472C1A5B}"/>
+              </a:ext>
+            </a:extLst>
+          </p:cNvPr>
+          <p:cNvCxnSpPr/>
+          <p:nvPr/>
+        </p:nvCxnSpPr>
+        <p:spPr>
+          <a:xfrm>
+            <a:off x="11476417" y="1663908"/>
+            <a:ext cx="0" cy="2036555"/>
+          </a:xfrm>
+          <a:prstGeom prst="line">
+            <a:avLst/>
+          </a:prstGeom>
+        </p:spPr>
+        <p:style>
+          <a:lnRef idx="1">
+            <a:schemeClr val="accent1"/>
+          </a:lnRef>
+          <a:fillRef idx="0">
+            <a:schemeClr val="accent1"/>
+          </a:fillRef>
+          <a:effectRef idx="0">
+            <a:schemeClr val="accent1"/>
+          </a:effectRef>
+          <a:fontRef idx="minor">
+            <a:schemeClr val="tx1"/>
+          </a:fontRef>
+        </p:style>
+      </p:cxnSp>
+      <p:cxnSp>
+        <p:nvCxnSpPr>
+          <p:cNvPr id="8" name="直接箭头连接符 7">
+            <a:extLst>
+              <a:ext uri="{FF2B5EF4-FFF2-40B4-BE49-F238E27FC236}">
+                <a16:creationId xmlns:a16="http://schemas.microsoft.com/office/drawing/2014/main" id="{00D3C300-02EA-4AA2-AD0C-BE36FF0FE9B4}"/>
+              </a:ext>
+            </a:extLst>
+          </p:cNvPr>
+          <p:cNvCxnSpPr>
+            <a:cxnSpLocks/>
+          </p:cNvCxnSpPr>
+          <p:nvPr/>
+        </p:nvCxnSpPr>
+        <p:spPr>
+          <a:xfrm>
+            <a:off x="645317" y="2008682"/>
+            <a:ext cx="7353291" cy="0"/>
+          </a:xfrm>
+          <a:prstGeom prst="straightConnector1">
+            <a:avLst/>
+          </a:prstGeom>
+          <a:ln>
+            <a:headEnd type="triangle"/>
+            <a:tailEnd type="triangle"/>
+          </a:ln>
+        </p:spPr>
+        <p:style>
+          <a:lnRef idx="1">
+            <a:schemeClr val="accent2"/>
+          </a:lnRef>
+          <a:fillRef idx="0">
+            <a:schemeClr val="accent2"/>
+          </a:fillRef>
+          <a:effectRef idx="0">
+            <a:schemeClr val="accent2"/>
+          </a:effectRef>
+          <a:fontRef idx="minor">
+            <a:schemeClr val="tx1"/>
+          </a:fontRef>
+        </p:style>
+      </p:cxnSp>
+      <p:sp>
+        <p:nvSpPr>
+          <p:cNvPr id="11" name="文本框 10">
+            <a:extLst>
+              <a:ext uri="{FF2B5EF4-FFF2-40B4-BE49-F238E27FC236}">
+                <a16:creationId xmlns:a16="http://schemas.microsoft.com/office/drawing/2014/main" id="{82ECF79A-D1A3-408F-8846-693958562C20}"/>
+              </a:ext>
+            </a:extLst>
+          </p:cNvPr>
+          <p:cNvSpPr txBox="1"/>
+          <p:nvPr/>
+        </p:nvSpPr>
+        <p:spPr>
+          <a:xfrm>
+            <a:off x="2411134" y="2880398"/>
+            <a:ext cx="1706558" cy="369332"/>
+          </a:xfrm>
+          <a:prstGeom prst="rect">
+            <a:avLst/>
+          </a:prstGeom>
+          <a:noFill/>
+        </p:spPr>
+        <p:txBody>
+          <a:bodyPr wrap="square" rtlCol="0">
+            <a:spAutoFit/>
+          </a:bodyPr>
+          <a:lstStyle/>
+          <a:p>
+            <a:r>
+              <a:rPr lang="en-US" altLang="zh-CN" dirty="0"/>
+              <a:t>-XX:NewSize</a:t>
+            </a:r>
+            <a:endParaRPr lang="zh-CN" altLang="en-US" dirty="0"/>
+          </a:p>
+        </p:txBody>
+      </p:sp>
+      <p:cxnSp>
+        <p:nvCxnSpPr>
+          <p:cNvPr id="20" name="直接连接符 19">
+            <a:extLst>
+              <a:ext uri="{FF2B5EF4-FFF2-40B4-BE49-F238E27FC236}">
+                <a16:creationId xmlns:a16="http://schemas.microsoft.com/office/drawing/2014/main" id="{29088533-42C8-46E1-B05E-BD5EDF9E7F4C}"/>
+              </a:ext>
+            </a:extLst>
+          </p:cNvPr>
+          <p:cNvCxnSpPr>
+            <a:cxnSpLocks/>
+          </p:cNvCxnSpPr>
+          <p:nvPr/>
+        </p:nvCxnSpPr>
+        <p:spPr>
+          <a:xfrm>
+            <a:off x="1798514" y="2682185"/>
+            <a:ext cx="0" cy="1018278"/>
+          </a:xfrm>
+          <a:prstGeom prst="line">
+            <a:avLst/>
+          </a:prstGeom>
+        </p:spPr>
+        <p:style>
+          <a:lnRef idx="1">
+            <a:schemeClr val="accent1"/>
+          </a:lnRef>
+          <a:fillRef idx="0">
+            <a:schemeClr val="accent1"/>
+          </a:fillRef>
+          <a:effectRef idx="0">
+            <a:schemeClr val="accent1"/>
+          </a:effectRef>
+          <a:fontRef idx="minor">
+            <a:schemeClr val="tx1"/>
+          </a:fontRef>
+        </p:style>
+      </p:cxnSp>
+      <p:sp>
+        <p:nvSpPr>
+          <p:cNvPr id="22" name="文本框 21">
+            <a:extLst>
+              <a:ext uri="{FF2B5EF4-FFF2-40B4-BE49-F238E27FC236}">
+                <a16:creationId xmlns:a16="http://schemas.microsoft.com/office/drawing/2014/main" id="{9CC3EDF2-72BC-4B2A-B8BB-4770EA857D59}"/>
+              </a:ext>
+            </a:extLst>
+          </p:cNvPr>
+          <p:cNvSpPr txBox="1"/>
+          <p:nvPr/>
+        </p:nvSpPr>
+        <p:spPr>
+          <a:xfrm>
+            <a:off x="4117692" y="1444283"/>
+            <a:ext cx="1706558" cy="369332"/>
+          </a:xfrm>
+          <a:prstGeom prst="rect">
+            <a:avLst/>
+          </a:prstGeom>
+          <a:noFill/>
+        </p:spPr>
+        <p:txBody>
+          <a:bodyPr wrap="square" rtlCol="0">
+            <a:spAutoFit/>
+          </a:bodyPr>
+          <a:lstStyle/>
+          <a:p>
+            <a:r>
+              <a:rPr lang="en-US" altLang="zh-CN" dirty="0"/>
+              <a:t>-Xmx</a:t>
+            </a:r>
+            <a:endParaRPr lang="zh-CN" altLang="en-US" dirty="0"/>
+          </a:p>
+        </p:txBody>
+      </p:sp>
+      <p:cxnSp>
+        <p:nvCxnSpPr>
+          <p:cNvPr id="25" name="直接箭头连接符 24">
+            <a:extLst>
+              <a:ext uri="{FF2B5EF4-FFF2-40B4-BE49-F238E27FC236}">
+                <a16:creationId xmlns:a16="http://schemas.microsoft.com/office/drawing/2014/main" id="{830F8665-54D1-4A95-9D3B-D928FBB81C14}"/>
+              </a:ext>
+            </a:extLst>
+          </p:cNvPr>
+          <p:cNvCxnSpPr>
+            <a:cxnSpLocks/>
+          </p:cNvCxnSpPr>
+          <p:nvPr/>
+        </p:nvCxnSpPr>
+        <p:spPr>
+          <a:xfrm>
+            <a:off x="1798514" y="2790669"/>
+            <a:ext cx="5030910" cy="0"/>
+          </a:xfrm>
+          <a:prstGeom prst="straightConnector1">
+            <a:avLst/>
+          </a:prstGeom>
+          <a:ln>
+            <a:headEnd type="triangle"/>
+            <a:tailEnd type="triangle"/>
+          </a:ln>
+        </p:spPr>
+        <p:style>
+          <a:lnRef idx="1">
+            <a:schemeClr val="accent2"/>
+          </a:lnRef>
+          <a:fillRef idx="0">
+            <a:schemeClr val="accent2"/>
+          </a:fillRef>
+          <a:effectRef idx="0">
+            <a:schemeClr val="accent2"/>
+          </a:effectRef>
+          <a:fontRef idx="minor">
+            <a:schemeClr val="tx1"/>
+          </a:fontRef>
+        </p:style>
+      </p:cxnSp>
+      <p:sp>
+        <p:nvSpPr>
+          <p:cNvPr id="27" name="文本框 26">
+            <a:extLst>
+              <a:ext uri="{FF2B5EF4-FFF2-40B4-BE49-F238E27FC236}">
+                <a16:creationId xmlns:a16="http://schemas.microsoft.com/office/drawing/2014/main" id="{BC99DD16-E384-4597-8D84-F423902ECECE}"/>
+              </a:ext>
+            </a:extLst>
+          </p:cNvPr>
+          <p:cNvSpPr txBox="1"/>
+          <p:nvPr/>
+        </p:nvSpPr>
+        <p:spPr>
+          <a:xfrm>
+            <a:off x="4088787" y="2240836"/>
+            <a:ext cx="1706558" cy="369332"/>
+          </a:xfrm>
+          <a:prstGeom prst="rect">
+            <a:avLst/>
+          </a:prstGeom>
+          <a:noFill/>
+        </p:spPr>
+        <p:txBody>
+          <a:bodyPr wrap="square" rtlCol="0">
+            <a:spAutoFit/>
+          </a:bodyPr>
+          <a:lstStyle/>
+          <a:p>
+            <a:r>
+              <a:rPr lang="en-US" altLang="zh-CN" dirty="0"/>
+              <a:t>-Xms</a:t>
+            </a:r>
+            <a:endParaRPr lang="zh-CN" altLang="en-US" dirty="0"/>
+          </a:p>
+        </p:txBody>
+      </p:sp>
+      <p:cxnSp>
+        <p:nvCxnSpPr>
+          <p:cNvPr id="29" name="直接箭头连接符 28">
+            <a:extLst>
+              <a:ext uri="{FF2B5EF4-FFF2-40B4-BE49-F238E27FC236}">
+                <a16:creationId xmlns:a16="http://schemas.microsoft.com/office/drawing/2014/main" id="{2F537EFF-5949-4B87-B582-4D98F1338DAE}"/>
+              </a:ext>
+            </a:extLst>
+          </p:cNvPr>
+          <p:cNvCxnSpPr>
+            <a:cxnSpLocks/>
+          </p:cNvCxnSpPr>
+          <p:nvPr/>
+        </p:nvCxnSpPr>
+        <p:spPr>
+          <a:xfrm>
+            <a:off x="1798514" y="3363711"/>
+            <a:ext cx="2722285" cy="0"/>
+          </a:xfrm>
+          <a:prstGeom prst="straightConnector1">
+            <a:avLst/>
+          </a:prstGeom>
+          <a:ln>
+            <a:headEnd type="triangle"/>
+            <a:tailEnd type="triangle"/>
+          </a:ln>
+        </p:spPr>
+        <p:style>
+          <a:lnRef idx="1">
+            <a:schemeClr val="accent2"/>
+          </a:lnRef>
+          <a:fillRef idx="0">
+            <a:schemeClr val="accent2"/>
+          </a:fillRef>
+          <a:effectRef idx="0">
+            <a:schemeClr val="accent2"/>
+          </a:effectRef>
+          <a:fontRef idx="minor">
+            <a:schemeClr val="tx1"/>
+          </a:fontRef>
+        </p:style>
+      </p:cxnSp>
+      <p:cxnSp>
+        <p:nvCxnSpPr>
+          <p:cNvPr id="31" name="直接连接符 30">
+            <a:extLst>
+              <a:ext uri="{FF2B5EF4-FFF2-40B4-BE49-F238E27FC236}">
+                <a16:creationId xmlns:a16="http://schemas.microsoft.com/office/drawing/2014/main" id="{332319A4-EDEF-445D-8878-2F14D46B82B3}"/>
+              </a:ext>
+            </a:extLst>
+          </p:cNvPr>
+          <p:cNvCxnSpPr>
+            <a:cxnSpLocks/>
+          </p:cNvCxnSpPr>
+          <p:nvPr/>
+        </p:nvCxnSpPr>
+        <p:spPr>
+          <a:xfrm>
+            <a:off x="631703" y="4886325"/>
+            <a:ext cx="13613" cy="1264218"/>
+          </a:xfrm>
+          <a:prstGeom prst="line">
+            <a:avLst/>
+          </a:prstGeom>
+        </p:spPr>
+        <p:style>
+          <a:lnRef idx="1">
+            <a:schemeClr val="accent1"/>
+          </a:lnRef>
+          <a:fillRef idx="0">
+            <a:schemeClr val="accent1"/>
+          </a:fillRef>
+          <a:effectRef idx="0">
+            <a:schemeClr val="accent1"/>
+          </a:effectRef>
+          <a:fontRef idx="minor">
+            <a:schemeClr val="tx1"/>
+          </a:fontRef>
+        </p:style>
+      </p:cxnSp>
+      <p:cxnSp>
+        <p:nvCxnSpPr>
+          <p:cNvPr id="33" name="直接连接符 32">
+            <a:extLst>
+              <a:ext uri="{FF2B5EF4-FFF2-40B4-BE49-F238E27FC236}">
+                <a16:creationId xmlns:a16="http://schemas.microsoft.com/office/drawing/2014/main" id="{A87A82AC-996A-4E14-ACEE-3BA4212B3B61}"/>
+              </a:ext>
+            </a:extLst>
+          </p:cNvPr>
+          <p:cNvCxnSpPr>
+            <a:cxnSpLocks/>
+          </p:cNvCxnSpPr>
+          <p:nvPr/>
+        </p:nvCxnSpPr>
+        <p:spPr>
+          <a:xfrm flipH="1">
+            <a:off x="4518123" y="4885563"/>
+            <a:ext cx="5365" cy="1159102"/>
+          </a:xfrm>
+          <a:prstGeom prst="line">
+            <a:avLst/>
+          </a:prstGeom>
+        </p:spPr>
+        <p:style>
+          <a:lnRef idx="1">
+            <a:schemeClr val="accent1"/>
+          </a:lnRef>
+          <a:fillRef idx="0">
+            <a:schemeClr val="accent1"/>
+          </a:fillRef>
+          <a:effectRef idx="0">
+            <a:schemeClr val="accent1"/>
+          </a:effectRef>
+          <a:fontRef idx="minor">
+            <a:schemeClr val="tx1"/>
+          </a:fontRef>
+        </p:style>
+      </p:cxnSp>
+      <p:cxnSp>
+        <p:nvCxnSpPr>
+          <p:cNvPr id="35" name="直接箭头连接符 34">
+            <a:extLst>
+              <a:ext uri="{FF2B5EF4-FFF2-40B4-BE49-F238E27FC236}">
+                <a16:creationId xmlns:a16="http://schemas.microsoft.com/office/drawing/2014/main" id="{62B9A743-D85E-46B2-B38A-41F7FEF3C1C3}"/>
+              </a:ext>
+            </a:extLst>
+          </p:cNvPr>
+          <p:cNvCxnSpPr>
+            <a:cxnSpLocks/>
+          </p:cNvCxnSpPr>
+          <p:nvPr/>
+        </p:nvCxnSpPr>
+        <p:spPr>
+          <a:xfrm flipV="1">
+            <a:off x="645317" y="5178486"/>
+            <a:ext cx="3887796" cy="15372"/>
+          </a:xfrm>
+          <a:prstGeom prst="straightConnector1">
+            <a:avLst/>
+          </a:prstGeom>
+          <a:ln>
+            <a:headEnd type="triangle"/>
+            <a:tailEnd type="triangle"/>
+          </a:ln>
+        </p:spPr>
+        <p:style>
+          <a:lnRef idx="1">
+            <a:schemeClr val="accent2"/>
+          </a:lnRef>
+          <a:fillRef idx="0">
+            <a:schemeClr val="accent2"/>
+          </a:fillRef>
+          <a:effectRef idx="0">
+            <a:schemeClr val="accent2"/>
+          </a:effectRef>
+          <a:fontRef idx="minor">
+            <a:schemeClr val="tx1"/>
+          </a:fontRef>
+        </p:style>
+      </p:cxnSp>
+      <p:sp>
+        <p:nvSpPr>
+          <p:cNvPr id="38" name="文本框 37">
+            <a:extLst>
+              <a:ext uri="{FF2B5EF4-FFF2-40B4-BE49-F238E27FC236}">
+                <a16:creationId xmlns:a16="http://schemas.microsoft.com/office/drawing/2014/main" id="{D9A5D5E7-BB28-4677-B9E6-DEA410579E62}"/>
+              </a:ext>
+            </a:extLst>
+          </p:cNvPr>
+          <p:cNvSpPr txBox="1"/>
+          <p:nvPr/>
+        </p:nvSpPr>
+        <p:spPr>
+          <a:xfrm>
+            <a:off x="1732889" y="5223076"/>
+            <a:ext cx="1800673" cy="369332"/>
+          </a:xfrm>
+          <a:prstGeom prst="rect">
+            <a:avLst/>
+          </a:prstGeom>
+          <a:noFill/>
+        </p:spPr>
+        <p:txBody>
+          <a:bodyPr wrap="square" rtlCol="0">
+            <a:spAutoFit/>
+          </a:bodyPr>
+          <a:lstStyle/>
+          <a:p>
+            <a:r>
+              <a:rPr lang="en-US" altLang="zh-CN" dirty="0"/>
+              <a:t>-XX:MaxNewSize</a:t>
+            </a:r>
+            <a:endParaRPr lang="zh-CN" altLang="en-US" dirty="0"/>
+          </a:p>
+        </p:txBody>
+      </p:sp>
+      <p:cxnSp>
+        <p:nvCxnSpPr>
+          <p:cNvPr id="39" name="直接连接符 38">
+            <a:extLst>
+              <a:ext uri="{FF2B5EF4-FFF2-40B4-BE49-F238E27FC236}">
+                <a16:creationId xmlns:a16="http://schemas.microsoft.com/office/drawing/2014/main" id="{BF77CF8B-47AA-4B47-8A2A-6A7590AFF07C}"/>
+              </a:ext>
+            </a:extLst>
+          </p:cNvPr>
+          <p:cNvCxnSpPr>
+            <a:cxnSpLocks/>
+          </p:cNvCxnSpPr>
+          <p:nvPr/>
+        </p:nvCxnSpPr>
+        <p:spPr>
+          <a:xfrm>
+            <a:off x="6829424" y="2672560"/>
+            <a:ext cx="0" cy="1067626"/>
+          </a:xfrm>
+          <a:prstGeom prst="line">
+            <a:avLst/>
+          </a:prstGeom>
+        </p:spPr>
+        <p:style>
+          <a:lnRef idx="1">
+            <a:schemeClr val="accent1"/>
+          </a:lnRef>
+          <a:fillRef idx="0">
+            <a:schemeClr val="accent1"/>
+          </a:fillRef>
+          <a:effectRef idx="0">
+            <a:schemeClr val="accent1"/>
+          </a:effectRef>
+          <a:fontRef idx="minor">
+            <a:schemeClr val="tx1"/>
+          </a:fontRef>
+        </p:style>
+      </p:cxnSp>
+      <p:cxnSp>
+        <p:nvCxnSpPr>
+          <p:cNvPr id="42" name="直接连接符 41">
+            <a:extLst>
+              <a:ext uri="{FF2B5EF4-FFF2-40B4-BE49-F238E27FC236}">
+                <a16:creationId xmlns:a16="http://schemas.microsoft.com/office/drawing/2014/main" id="{C5045DDD-E178-402C-953A-67052ACA12FB}"/>
+              </a:ext>
+            </a:extLst>
+          </p:cNvPr>
+          <p:cNvCxnSpPr>
+            <a:cxnSpLocks/>
+          </p:cNvCxnSpPr>
+          <p:nvPr/>
+        </p:nvCxnSpPr>
+        <p:spPr>
+          <a:xfrm>
+            <a:off x="10307233" y="2682185"/>
+            <a:ext cx="0" cy="1018278"/>
+          </a:xfrm>
+          <a:prstGeom prst="line">
+            <a:avLst/>
+          </a:prstGeom>
+        </p:spPr>
+        <p:style>
+          <a:lnRef idx="1">
+            <a:schemeClr val="accent1"/>
+          </a:lnRef>
+          <a:fillRef idx="0">
+            <a:schemeClr val="accent1"/>
+          </a:fillRef>
+          <a:effectRef idx="0">
+            <a:schemeClr val="accent1"/>
+          </a:effectRef>
+          <a:fontRef idx="minor">
+            <a:schemeClr val="tx1"/>
+          </a:fontRef>
+        </p:style>
+      </p:cxnSp>
+      <p:cxnSp>
+        <p:nvCxnSpPr>
+          <p:cNvPr id="44" name="直接箭头连接符 43">
+            <a:extLst>
+              <a:ext uri="{FF2B5EF4-FFF2-40B4-BE49-F238E27FC236}">
+                <a16:creationId xmlns:a16="http://schemas.microsoft.com/office/drawing/2014/main" id="{9F2DED1B-EA36-4339-9606-4DBFB50C7105}"/>
+              </a:ext>
+            </a:extLst>
+          </p:cNvPr>
+          <p:cNvCxnSpPr>
+            <a:cxnSpLocks/>
+          </p:cNvCxnSpPr>
+          <p:nvPr/>
+        </p:nvCxnSpPr>
+        <p:spPr>
+          <a:xfrm>
+            <a:off x="7998608" y="2013679"/>
+            <a:ext cx="3477809" cy="0"/>
+          </a:xfrm>
+          <a:prstGeom prst="straightConnector1">
+            <a:avLst/>
+          </a:prstGeom>
+          <a:ln>
+            <a:headEnd type="triangle"/>
+            <a:tailEnd type="triangle"/>
+          </a:ln>
+        </p:spPr>
+        <p:style>
+          <a:lnRef idx="1">
+            <a:schemeClr val="accent2"/>
+          </a:lnRef>
+          <a:fillRef idx="0">
+            <a:schemeClr val="accent2"/>
+          </a:fillRef>
+          <a:effectRef idx="0">
+            <a:schemeClr val="accent2"/>
+          </a:effectRef>
+          <a:fontRef idx="minor">
+            <a:schemeClr val="tx1"/>
+          </a:fontRef>
+        </p:style>
+      </p:cxnSp>
+      <p:cxnSp>
+        <p:nvCxnSpPr>
+          <p:cNvPr id="46" name="直接箭头连接符 45">
+            <a:extLst>
+              <a:ext uri="{FF2B5EF4-FFF2-40B4-BE49-F238E27FC236}">
+                <a16:creationId xmlns:a16="http://schemas.microsoft.com/office/drawing/2014/main" id="{22B75982-36ED-4560-B672-9495A0D0EDD8}"/>
+              </a:ext>
+            </a:extLst>
+          </p:cNvPr>
+          <p:cNvCxnSpPr>
+            <a:cxnSpLocks/>
+          </p:cNvCxnSpPr>
+          <p:nvPr/>
+        </p:nvCxnSpPr>
+        <p:spPr>
+          <a:xfrm>
+            <a:off x="7998607" y="2828145"/>
+            <a:ext cx="2308626" cy="0"/>
+          </a:xfrm>
+          <a:prstGeom prst="straightConnector1">
+            <a:avLst/>
+          </a:prstGeom>
+          <a:ln>
+            <a:headEnd type="triangle"/>
+            <a:tailEnd type="triangle"/>
+          </a:ln>
+        </p:spPr>
+        <p:style>
+          <a:lnRef idx="1">
+            <a:schemeClr val="accent2"/>
+          </a:lnRef>
+          <a:fillRef idx="0">
+            <a:schemeClr val="accent2"/>
+          </a:fillRef>
+          <a:effectRef idx="0">
+            <a:schemeClr val="accent2"/>
+          </a:effectRef>
+          <a:fontRef idx="minor">
+            <a:schemeClr val="tx1"/>
+          </a:fontRef>
+        </p:style>
+      </p:cxnSp>
+      <p:sp>
+        <p:nvSpPr>
+          <p:cNvPr id="48" name="文本框 47">
+            <a:extLst>
+              <a:ext uri="{FF2B5EF4-FFF2-40B4-BE49-F238E27FC236}">
+                <a16:creationId xmlns:a16="http://schemas.microsoft.com/office/drawing/2014/main" id="{83718A39-B313-4362-8B3C-EA030263ED2B}"/>
+              </a:ext>
+            </a:extLst>
+          </p:cNvPr>
+          <p:cNvSpPr txBox="1"/>
+          <p:nvPr/>
+        </p:nvSpPr>
+        <p:spPr>
+          <a:xfrm>
+            <a:off x="8884233" y="1555877"/>
+            <a:ext cx="1863707" cy="369332"/>
+          </a:xfrm>
+          <a:prstGeom prst="rect">
+            <a:avLst/>
+          </a:prstGeom>
+          <a:noFill/>
+        </p:spPr>
+        <p:txBody>
+          <a:bodyPr wrap="square" rtlCol="0">
+            <a:spAutoFit/>
+          </a:bodyPr>
+          <a:lstStyle/>
+          <a:p>
+            <a:r>
+              <a:rPr lang="en-US" altLang="zh-CN" dirty="0"/>
+              <a:t>-XX:MaxPermSize</a:t>
+            </a:r>
+            <a:endParaRPr lang="zh-CN" altLang="en-US" dirty="0"/>
+          </a:p>
+        </p:txBody>
+      </p:sp>
+      <p:sp>
+        <p:nvSpPr>
+          <p:cNvPr id="49" name="文本框 48">
+            <a:extLst>
+              <a:ext uri="{FF2B5EF4-FFF2-40B4-BE49-F238E27FC236}">
+                <a16:creationId xmlns:a16="http://schemas.microsoft.com/office/drawing/2014/main" id="{CC7FAA2A-6F9C-494C-81A7-1ABCC359BE2E}"/>
+              </a:ext>
+            </a:extLst>
+          </p:cNvPr>
+          <p:cNvSpPr txBox="1"/>
+          <p:nvPr/>
+        </p:nvSpPr>
+        <p:spPr>
+          <a:xfrm>
+            <a:off x="8466409" y="2399268"/>
+            <a:ext cx="1706558" cy="369332"/>
+          </a:xfrm>
+          <a:prstGeom prst="rect">
+            <a:avLst/>
+          </a:prstGeom>
+          <a:noFill/>
+        </p:spPr>
+        <p:txBody>
+          <a:bodyPr wrap="square" rtlCol="0">
+            <a:spAutoFit/>
+          </a:bodyPr>
+          <a:lstStyle/>
+          <a:p>
+            <a:r>
+              <a:rPr lang="en-US" altLang="zh-CN" dirty="0"/>
+              <a:t>-XX:PermSize</a:t>
+            </a:r>
+            <a:endParaRPr lang="zh-CN" altLang="en-US" dirty="0"/>
+          </a:p>
+        </p:txBody>
+      </p:sp>
+      <p:cxnSp>
+        <p:nvCxnSpPr>
+          <p:cNvPr id="52" name="直接连接符 51">
+            <a:extLst>
+              <a:ext uri="{FF2B5EF4-FFF2-40B4-BE49-F238E27FC236}">
+                <a16:creationId xmlns:a16="http://schemas.microsoft.com/office/drawing/2014/main" id="{BB4D258D-95C1-457D-B699-D5251BC12442}"/>
+              </a:ext>
+            </a:extLst>
+          </p:cNvPr>
+          <p:cNvCxnSpPr>
+            <a:cxnSpLocks/>
+          </p:cNvCxnSpPr>
+          <p:nvPr/>
+        </p:nvCxnSpPr>
+        <p:spPr>
+          <a:xfrm flipH="1">
+            <a:off x="7994739" y="4807695"/>
+            <a:ext cx="5365" cy="1159102"/>
+          </a:xfrm>
+          <a:prstGeom prst="line">
+            <a:avLst/>
+          </a:prstGeom>
+        </p:spPr>
+        <p:style>
+          <a:lnRef idx="1">
+            <a:schemeClr val="accent1"/>
+          </a:lnRef>
+          <a:fillRef idx="0">
+            <a:schemeClr val="accent1"/>
+          </a:fillRef>
+          <a:effectRef idx="0">
+            <a:schemeClr val="accent1"/>
+          </a:effectRef>
+          <a:fontRef idx="minor">
+            <a:schemeClr val="tx1"/>
+          </a:fontRef>
+        </p:style>
+      </p:cxnSp>
+      <p:cxnSp>
+        <p:nvCxnSpPr>
+          <p:cNvPr id="53" name="直接连接符 52">
+            <a:extLst>
+              <a:ext uri="{FF2B5EF4-FFF2-40B4-BE49-F238E27FC236}">
+                <a16:creationId xmlns:a16="http://schemas.microsoft.com/office/drawing/2014/main" id="{6FFDBD13-E351-460E-AB4B-440F86D1F2BA}"/>
+              </a:ext>
+            </a:extLst>
+          </p:cNvPr>
+          <p:cNvCxnSpPr>
+            <a:cxnSpLocks/>
+          </p:cNvCxnSpPr>
+          <p:nvPr/>
+        </p:nvCxnSpPr>
+        <p:spPr>
+          <a:xfrm flipH="1">
+            <a:off x="11467176" y="4828191"/>
+            <a:ext cx="5365" cy="1159102"/>
+          </a:xfrm>
+          <a:prstGeom prst="line">
+            <a:avLst/>
+          </a:prstGeom>
+        </p:spPr>
+        <p:style>
+          <a:lnRef idx="1">
+            <a:schemeClr val="accent1"/>
+          </a:lnRef>
+          <a:fillRef idx="0">
+            <a:schemeClr val="accent1"/>
+          </a:fillRef>
+          <a:effectRef idx="0">
+            <a:schemeClr val="accent1"/>
+          </a:effectRef>
+          <a:fontRef idx="minor">
+            <a:schemeClr val="tx1"/>
+          </a:fontRef>
+        </p:style>
+      </p:cxnSp>
+      <p:sp>
+        <p:nvSpPr>
+          <p:cNvPr id="54" name="文本框 53">
+            <a:extLst>
+              <a:ext uri="{FF2B5EF4-FFF2-40B4-BE49-F238E27FC236}">
+                <a16:creationId xmlns:a16="http://schemas.microsoft.com/office/drawing/2014/main" id="{7524F993-73F3-425E-A9DE-A9686B460D06}"/>
+              </a:ext>
+            </a:extLst>
+          </p:cNvPr>
+          <p:cNvSpPr txBox="1"/>
+          <p:nvPr/>
+        </p:nvSpPr>
+        <p:spPr>
+          <a:xfrm>
+            <a:off x="1950912" y="5617961"/>
+            <a:ext cx="1017190" cy="369332"/>
+          </a:xfrm>
+          <a:prstGeom prst="rect">
+            <a:avLst/>
+          </a:prstGeom>
+          <a:noFill/>
+        </p:spPr>
+        <p:txBody>
+          <a:bodyPr wrap="square" rtlCol="0">
+            <a:spAutoFit/>
+          </a:bodyPr>
+          <a:lstStyle/>
+          <a:p>
+            <a:r>
+              <a:rPr lang="zh-CN" altLang="en-US" dirty="0"/>
+              <a:t>新生代</a:t>
+            </a:r>
+          </a:p>
+        </p:txBody>
+      </p:sp>
+      <p:sp>
+        <p:nvSpPr>
+          <p:cNvPr id="55" name="文本框 54">
+            <a:extLst>
+              <a:ext uri="{FF2B5EF4-FFF2-40B4-BE49-F238E27FC236}">
+                <a16:creationId xmlns:a16="http://schemas.microsoft.com/office/drawing/2014/main" id="{658BB7DA-1658-4AC7-80F8-2C24A0B43FB0}"/>
+              </a:ext>
+            </a:extLst>
+          </p:cNvPr>
+          <p:cNvSpPr txBox="1"/>
+          <p:nvPr/>
+        </p:nvSpPr>
+        <p:spPr>
+          <a:xfrm>
+            <a:off x="5859591" y="5592408"/>
+            <a:ext cx="1017190" cy="369332"/>
+          </a:xfrm>
+          <a:prstGeom prst="rect">
+            <a:avLst/>
+          </a:prstGeom>
+          <a:noFill/>
+        </p:spPr>
+        <p:txBody>
+          <a:bodyPr wrap="square" rtlCol="0">
+            <a:spAutoFit/>
+          </a:bodyPr>
+          <a:lstStyle/>
+          <a:p>
+            <a:r>
+              <a:rPr lang="zh-CN" altLang="en-US" dirty="0"/>
+              <a:t>老年代</a:t>
+            </a:r>
+          </a:p>
+        </p:txBody>
+      </p:sp>
+      <p:sp>
+        <p:nvSpPr>
+          <p:cNvPr id="56" name="文本框 55">
+            <a:extLst>
+              <a:ext uri="{FF2B5EF4-FFF2-40B4-BE49-F238E27FC236}">
+                <a16:creationId xmlns:a16="http://schemas.microsoft.com/office/drawing/2014/main" id="{0696FC52-DDCA-465A-B985-FBA025B3BDDE}"/>
+              </a:ext>
+            </a:extLst>
+          </p:cNvPr>
+          <p:cNvSpPr txBox="1"/>
+          <p:nvPr/>
+        </p:nvSpPr>
+        <p:spPr>
+          <a:xfrm>
+            <a:off x="9330842" y="5518434"/>
+            <a:ext cx="1017190" cy="369332"/>
+          </a:xfrm>
+          <a:prstGeom prst="rect">
+            <a:avLst/>
+          </a:prstGeom>
+          <a:noFill/>
+        </p:spPr>
+        <p:txBody>
+          <a:bodyPr wrap="square" rtlCol="0">
+            <a:spAutoFit/>
+          </a:bodyPr>
+          <a:lstStyle/>
+          <a:p>
+            <a:r>
+              <a:rPr lang="zh-CN" altLang="en-US" dirty="0"/>
+              <a:t>永久代</a:t>
+            </a:r>
           </a:p>
         </p:txBody>
       </p:sp>
@@ -11835,7 +12786,7 @@
           <p:cNvPr id="5" name="矩形 4">
             <a:extLst>
               <a:ext uri="{FF2B5EF4-FFF2-40B4-BE49-F238E27FC236}">
-                <a16:creationId xmlns:a16="http://schemas.microsoft.com/office/drawing/2014/main" xmlns="" id="{A8F539A8-B16E-41CF-A419-11E029F9723B}"/>
+                <a16:creationId xmlns:a16="http://schemas.microsoft.com/office/drawing/2014/main" id="{A8F539A8-B16E-41CF-A419-11E029F9723B}"/>
               </a:ext>
             </a:extLst>
           </p:cNvPr>
@@ -11894,7 +12845,7 @@
           <p:cNvPr id="6" name="矩形 5">
             <a:extLst>
               <a:ext uri="{FF2B5EF4-FFF2-40B4-BE49-F238E27FC236}">
-                <a16:creationId xmlns:a16="http://schemas.microsoft.com/office/drawing/2014/main" xmlns="" id="{B40BC23C-09E7-4A93-A8FE-F8074E5036EC}"/>
+                <a16:creationId xmlns:a16="http://schemas.microsoft.com/office/drawing/2014/main" id="{B40BC23C-09E7-4A93-A8FE-F8074E5036EC}"/>
               </a:ext>
             </a:extLst>
           </p:cNvPr>
@@ -11947,7 +12898,7 @@
           <p:cNvPr id="7" name="矩形 6">
             <a:extLst>
               <a:ext uri="{FF2B5EF4-FFF2-40B4-BE49-F238E27FC236}">
-                <a16:creationId xmlns:a16="http://schemas.microsoft.com/office/drawing/2014/main" xmlns="" id="{49579DFD-8B12-4C4C-B8A5-E11CAA20ED67}"/>
+                <a16:creationId xmlns:a16="http://schemas.microsoft.com/office/drawing/2014/main" id="{49579DFD-8B12-4C4C-B8A5-E11CAA20ED67}"/>
               </a:ext>
             </a:extLst>
           </p:cNvPr>
@@ -12003,7 +12954,7 @@
           <p:cNvPr id="8" name="矩形 7">
             <a:extLst>
               <a:ext uri="{FF2B5EF4-FFF2-40B4-BE49-F238E27FC236}">
-                <a16:creationId xmlns:a16="http://schemas.microsoft.com/office/drawing/2014/main" xmlns="" id="{FB9DCE2F-47CA-442E-9BC1-2066DFD4C965}"/>
+                <a16:creationId xmlns:a16="http://schemas.microsoft.com/office/drawing/2014/main" id="{FB9DCE2F-47CA-442E-9BC1-2066DFD4C965}"/>
               </a:ext>
             </a:extLst>
           </p:cNvPr>
@@ -12059,7 +13010,7 @@
           <p:cNvPr id="9" name="矩形 8">
             <a:extLst>
               <a:ext uri="{FF2B5EF4-FFF2-40B4-BE49-F238E27FC236}">
-                <a16:creationId xmlns:a16="http://schemas.microsoft.com/office/drawing/2014/main" xmlns="" id="{302CC764-DFB2-4E04-B857-3F5440C97624}"/>
+                <a16:creationId xmlns:a16="http://schemas.microsoft.com/office/drawing/2014/main" id="{302CC764-DFB2-4E04-B857-3F5440C97624}"/>
               </a:ext>
             </a:extLst>
           </p:cNvPr>
@@ -12126,7 +13077,7 @@
           <p:cNvPr id="10" name="矩形 9">
             <a:extLst>
               <a:ext uri="{FF2B5EF4-FFF2-40B4-BE49-F238E27FC236}">
-                <a16:creationId xmlns:a16="http://schemas.microsoft.com/office/drawing/2014/main" xmlns="" id="{3CB4B6CC-3E38-49AA-AD1E-E29D8F41D319}"/>
+                <a16:creationId xmlns:a16="http://schemas.microsoft.com/office/drawing/2014/main" id="{3CB4B6CC-3E38-49AA-AD1E-E29D8F41D319}"/>
               </a:ext>
             </a:extLst>
           </p:cNvPr>
@@ -12185,7 +13136,7 @@
           <p:cNvPr id="11" name="矩形 10">
             <a:extLst>
               <a:ext uri="{FF2B5EF4-FFF2-40B4-BE49-F238E27FC236}">
-                <a16:creationId xmlns:a16="http://schemas.microsoft.com/office/drawing/2014/main" xmlns="" id="{CF2406F2-2FE6-4DCF-ABEC-8C36830939AD}"/>
+                <a16:creationId xmlns:a16="http://schemas.microsoft.com/office/drawing/2014/main" id="{CF2406F2-2FE6-4DCF-ABEC-8C36830939AD}"/>
               </a:ext>
             </a:extLst>
           </p:cNvPr>
@@ -12241,7 +13192,7 @@
           <p:cNvPr id="12" name="矩形 11">
             <a:extLst>
               <a:ext uri="{FF2B5EF4-FFF2-40B4-BE49-F238E27FC236}">
-                <a16:creationId xmlns:a16="http://schemas.microsoft.com/office/drawing/2014/main" xmlns="" id="{1E551881-63E9-4878-93FC-5492E1A93577}"/>
+                <a16:creationId xmlns:a16="http://schemas.microsoft.com/office/drawing/2014/main" id="{1E551881-63E9-4878-93FC-5492E1A93577}"/>
               </a:ext>
             </a:extLst>
           </p:cNvPr>
@@ -12340,7 +13291,7 @@
           <p:cNvPr id="17" name="矩形 16">
             <a:extLst>
               <a:ext uri="{FF2B5EF4-FFF2-40B4-BE49-F238E27FC236}">
-                <a16:creationId xmlns:a16="http://schemas.microsoft.com/office/drawing/2014/main" xmlns="" id="{C804C088-43B1-4FB2-81D2-8071B47E0D6D}"/>
+                <a16:creationId xmlns:a16="http://schemas.microsoft.com/office/drawing/2014/main" id="{C804C088-43B1-4FB2-81D2-8071B47E0D6D}"/>
               </a:ext>
             </a:extLst>
           </p:cNvPr>
@@ -12396,7 +13347,7 @@
           <p:cNvPr id="19" name="直接连接符 18">
             <a:extLst>
               <a:ext uri="{FF2B5EF4-FFF2-40B4-BE49-F238E27FC236}">
-                <a16:creationId xmlns:a16="http://schemas.microsoft.com/office/drawing/2014/main" xmlns="" id="{BD25F028-ACE6-47A4-AD54-56EB759B0EB3}"/>
+                <a16:creationId xmlns:a16="http://schemas.microsoft.com/office/drawing/2014/main" id="{BD25F028-ACE6-47A4-AD54-56EB759B0EB3}"/>
               </a:ext>
             </a:extLst>
           </p:cNvPr>
@@ -12434,7 +13385,7 @@
           <p:cNvPr id="21" name="直接连接符 20">
             <a:extLst>
               <a:ext uri="{FF2B5EF4-FFF2-40B4-BE49-F238E27FC236}">
-                <a16:creationId xmlns:a16="http://schemas.microsoft.com/office/drawing/2014/main" xmlns="" id="{A77B04CC-4D75-4C3C-BB51-D40CFB36F41D}"/>
+                <a16:creationId xmlns:a16="http://schemas.microsoft.com/office/drawing/2014/main" id="{A77B04CC-4D75-4C3C-BB51-D40CFB36F41D}"/>
               </a:ext>
             </a:extLst>
           </p:cNvPr>
@@ -12473,7 +13424,7 @@
           <p:cNvPr id="23" name="直接连接符 22">
             <a:extLst>
               <a:ext uri="{FF2B5EF4-FFF2-40B4-BE49-F238E27FC236}">
-                <a16:creationId xmlns:a16="http://schemas.microsoft.com/office/drawing/2014/main" xmlns="" id="{75C97A6D-688C-4A8D-8A5B-EC1B72830BDC}"/>
+                <a16:creationId xmlns:a16="http://schemas.microsoft.com/office/drawing/2014/main" id="{75C97A6D-688C-4A8D-8A5B-EC1B72830BDC}"/>
               </a:ext>
             </a:extLst>
           </p:cNvPr>
@@ -12511,7 +13462,7 @@
           <p:cNvPr id="27" name="直接连接符 26">
             <a:extLst>
               <a:ext uri="{FF2B5EF4-FFF2-40B4-BE49-F238E27FC236}">
-                <a16:creationId xmlns:a16="http://schemas.microsoft.com/office/drawing/2014/main" xmlns="" id="{29BC3382-9CBC-4BF6-9426-127E8BC3E069}"/>
+                <a16:creationId xmlns:a16="http://schemas.microsoft.com/office/drawing/2014/main" id="{29BC3382-9CBC-4BF6-9426-127E8BC3E069}"/>
               </a:ext>
             </a:extLst>
           </p:cNvPr>
@@ -12551,7 +13502,7 @@
           <p:cNvPr id="28" name="直接连接符 27">
             <a:extLst>
               <a:ext uri="{FF2B5EF4-FFF2-40B4-BE49-F238E27FC236}">
-                <a16:creationId xmlns:a16="http://schemas.microsoft.com/office/drawing/2014/main" xmlns="" id="{3D0E42C7-AC05-4832-805B-B70AD25676E2}"/>
+                <a16:creationId xmlns:a16="http://schemas.microsoft.com/office/drawing/2014/main" id="{3D0E42C7-AC05-4832-805B-B70AD25676E2}"/>
               </a:ext>
             </a:extLst>
           </p:cNvPr>
@@ -12590,7 +13541,7 @@
           <p:cNvPr id="32" name="直接连接符 31">
             <a:extLst>
               <a:ext uri="{FF2B5EF4-FFF2-40B4-BE49-F238E27FC236}">
-                <a16:creationId xmlns:a16="http://schemas.microsoft.com/office/drawing/2014/main" xmlns="" id="{AA9BDD91-520D-4107-8A6B-4753FA0C29B7}"/>
+                <a16:creationId xmlns:a16="http://schemas.microsoft.com/office/drawing/2014/main" id="{AA9BDD91-520D-4107-8A6B-4753FA0C29B7}"/>
               </a:ext>
             </a:extLst>
           </p:cNvPr>
@@ -12628,7 +13579,7 @@
           <p:cNvPr id="34" name="直接连接符 33">
             <a:extLst>
               <a:ext uri="{FF2B5EF4-FFF2-40B4-BE49-F238E27FC236}">
-                <a16:creationId xmlns:a16="http://schemas.microsoft.com/office/drawing/2014/main" xmlns="" id="{F03F1281-D5B8-49F8-BC41-061F7E58FD3F}"/>
+                <a16:creationId xmlns:a16="http://schemas.microsoft.com/office/drawing/2014/main" id="{F03F1281-D5B8-49F8-BC41-061F7E58FD3F}"/>
               </a:ext>
             </a:extLst>
           </p:cNvPr>
@@ -12667,7 +13618,7 @@
           <p:cNvPr id="38" name="文本框 37">
             <a:extLst>
               <a:ext uri="{FF2B5EF4-FFF2-40B4-BE49-F238E27FC236}">
-                <a16:creationId xmlns:a16="http://schemas.microsoft.com/office/drawing/2014/main" xmlns="" id="{499BA314-9AA6-43ED-9ACE-B36F46CA46B8}"/>
+                <a16:creationId xmlns:a16="http://schemas.microsoft.com/office/drawing/2014/main" id="{499BA314-9AA6-43ED-9ACE-B36F46CA46B8}"/>
               </a:ext>
             </a:extLst>
           </p:cNvPr>
@@ -12702,7 +13653,7 @@
           <p:cNvPr id="39" name="文本框 38">
             <a:extLst>
               <a:ext uri="{FF2B5EF4-FFF2-40B4-BE49-F238E27FC236}">
-                <a16:creationId xmlns:a16="http://schemas.microsoft.com/office/drawing/2014/main" xmlns="" id="{0D5A61F1-AD15-4D34-8B56-B6F4D35E9389}"/>
+                <a16:creationId xmlns:a16="http://schemas.microsoft.com/office/drawing/2014/main" id="{0D5A61F1-AD15-4D34-8B56-B6F4D35E9389}"/>
               </a:ext>
             </a:extLst>
           </p:cNvPr>

--- a/绘图/图.pptx
+++ b/绘图/图.pptx
@@ -15,6 +15,7 @@
     <p:sldId id="263" r:id="rId9"/>
     <p:sldId id="264" r:id="rId10"/>
     <p:sldId id="265" r:id="rId11"/>
+    <p:sldId id="266" r:id="rId12"/>
   </p:sldIdLst>
   <p:sldSz cx="12192000" cy="6858000"/>
   <p:notesSz cx="6858000" cy="9144000"/>
@@ -250,7 +251,7 @@
           <a:p>
             <a:fld id="{3A297114-D4EC-4FC4-90A3-B6E3F0C38B6C}" type="datetimeFigureOut">
               <a:rPr lang="zh-CN" altLang="en-US" smtClean="0"/>
-              <a:t>2019/1/30</a:t>
+              <a:t>2019/2/20</a:t>
             </a:fld>
             <a:endParaRPr lang="zh-CN" altLang="en-US"/>
           </a:p>
@@ -418,7 +419,7 @@
           <a:p>
             <a:fld id="{3A297114-D4EC-4FC4-90A3-B6E3F0C38B6C}" type="datetimeFigureOut">
               <a:rPr lang="zh-CN" altLang="en-US" smtClean="0"/>
-              <a:t>2019/1/30</a:t>
+              <a:t>2019/2/20</a:t>
             </a:fld>
             <a:endParaRPr lang="zh-CN" altLang="en-US"/>
           </a:p>
@@ -596,7 +597,7 @@
           <a:p>
             <a:fld id="{3A297114-D4EC-4FC4-90A3-B6E3F0C38B6C}" type="datetimeFigureOut">
               <a:rPr lang="zh-CN" altLang="en-US" smtClean="0"/>
-              <a:t>2019/1/30</a:t>
+              <a:t>2019/2/20</a:t>
             </a:fld>
             <a:endParaRPr lang="zh-CN" altLang="en-US"/>
           </a:p>
@@ -764,7 +765,7 @@
           <a:p>
             <a:fld id="{3A297114-D4EC-4FC4-90A3-B6E3F0C38B6C}" type="datetimeFigureOut">
               <a:rPr lang="zh-CN" altLang="en-US" smtClean="0"/>
-              <a:t>2019/1/30</a:t>
+              <a:t>2019/2/20</a:t>
             </a:fld>
             <a:endParaRPr lang="zh-CN" altLang="en-US"/>
           </a:p>
@@ -1009,7 +1010,7 @@
           <a:p>
             <a:fld id="{3A297114-D4EC-4FC4-90A3-B6E3F0C38B6C}" type="datetimeFigureOut">
               <a:rPr lang="zh-CN" altLang="en-US" smtClean="0"/>
-              <a:t>2019/1/30</a:t>
+              <a:t>2019/2/20</a:t>
             </a:fld>
             <a:endParaRPr lang="zh-CN" altLang="en-US"/>
           </a:p>
@@ -1238,7 +1239,7 @@
           <a:p>
             <a:fld id="{3A297114-D4EC-4FC4-90A3-B6E3F0C38B6C}" type="datetimeFigureOut">
               <a:rPr lang="zh-CN" altLang="en-US" smtClean="0"/>
-              <a:t>2019/1/30</a:t>
+              <a:t>2019/2/20</a:t>
             </a:fld>
             <a:endParaRPr lang="zh-CN" altLang="en-US"/>
           </a:p>
@@ -1602,7 +1603,7 @@
           <a:p>
             <a:fld id="{3A297114-D4EC-4FC4-90A3-B6E3F0C38B6C}" type="datetimeFigureOut">
               <a:rPr lang="zh-CN" altLang="en-US" smtClean="0"/>
-              <a:t>2019/1/30</a:t>
+              <a:t>2019/2/20</a:t>
             </a:fld>
             <a:endParaRPr lang="zh-CN" altLang="en-US"/>
           </a:p>
@@ -1719,7 +1720,7 @@
           <a:p>
             <a:fld id="{3A297114-D4EC-4FC4-90A3-B6E3F0C38B6C}" type="datetimeFigureOut">
               <a:rPr lang="zh-CN" altLang="en-US" smtClean="0"/>
-              <a:t>2019/1/30</a:t>
+              <a:t>2019/2/20</a:t>
             </a:fld>
             <a:endParaRPr lang="zh-CN" altLang="en-US"/>
           </a:p>
@@ -1814,7 +1815,7 @@
           <a:p>
             <a:fld id="{3A297114-D4EC-4FC4-90A3-B6E3F0C38B6C}" type="datetimeFigureOut">
               <a:rPr lang="zh-CN" altLang="en-US" smtClean="0"/>
-              <a:t>2019/1/30</a:t>
+              <a:t>2019/2/20</a:t>
             </a:fld>
             <a:endParaRPr lang="zh-CN" altLang="en-US"/>
           </a:p>
@@ -2089,7 +2090,7 @@
           <a:p>
             <a:fld id="{3A297114-D4EC-4FC4-90A3-B6E3F0C38B6C}" type="datetimeFigureOut">
               <a:rPr lang="zh-CN" altLang="en-US" smtClean="0"/>
-              <a:t>2019/1/30</a:t>
+              <a:t>2019/2/20</a:t>
             </a:fld>
             <a:endParaRPr lang="zh-CN" altLang="en-US"/>
           </a:p>
@@ -2341,7 +2342,7 @@
           <a:p>
             <a:fld id="{3A297114-D4EC-4FC4-90A3-B6E3F0C38B6C}" type="datetimeFigureOut">
               <a:rPr lang="zh-CN" altLang="en-US" smtClean="0"/>
-              <a:t>2019/1/30</a:t>
+              <a:t>2019/2/20</a:t>
             </a:fld>
             <a:endParaRPr lang="zh-CN" altLang="en-US"/>
           </a:p>
@@ -2552,7 +2553,7 @@
           <a:p>
             <a:fld id="{3A297114-D4EC-4FC4-90A3-B6E3F0C38B6C}" type="datetimeFigureOut">
               <a:rPr lang="zh-CN" altLang="en-US" smtClean="0"/>
-              <a:t>2019/1/30</a:t>
+              <a:t>2019/2/20</a:t>
             </a:fld>
             <a:endParaRPr lang="zh-CN" altLang="en-US"/>
           </a:p>
@@ -3606,6 +3607,987 @@
 </p:sld>
 </file>
 
+<file path=ppt/slides/slide11.xml><?xml version="1.0" encoding="utf-8"?>
+<p:sld xmlns:a="http://schemas.openxmlformats.org/drawingml/2006/main" xmlns:r="http://schemas.openxmlformats.org/officeDocument/2006/relationships" xmlns:p="http://schemas.openxmlformats.org/presentationml/2006/main">
+  <p:cSld>
+    <p:spTree>
+      <p:nvGrpSpPr>
+        <p:cNvPr id="1" name=""/>
+        <p:cNvGrpSpPr/>
+        <p:nvPr/>
+      </p:nvGrpSpPr>
+      <p:grpSpPr>
+        <a:xfrm>
+          <a:off x="0" y="0"/>
+          <a:ext cx="0" cy="0"/>
+          <a:chOff x="0" y="0"/>
+          <a:chExt cx="0" cy="0"/>
+        </a:xfrm>
+      </p:grpSpPr>
+      <p:sp>
+        <p:nvSpPr>
+          <p:cNvPr id="5" name="矩形 4">
+            <a:extLst>
+              <a:ext uri="{FF2B5EF4-FFF2-40B4-BE49-F238E27FC236}">
+                <a16:creationId xmlns:a16="http://schemas.microsoft.com/office/drawing/2014/main" xmlns="" id="{F36BE865-7B21-4250-BFFD-86A8E0F8ADB5}"/>
+              </a:ext>
+            </a:extLst>
+          </p:cNvPr>
+          <p:cNvSpPr/>
+          <p:nvPr/>
+        </p:nvSpPr>
+        <p:spPr>
+          <a:xfrm>
+            <a:off x="2577575" y="1615735"/>
+            <a:ext cx="1368197" cy="3284739"/>
+          </a:xfrm>
+          <a:prstGeom prst="rect">
+            <a:avLst/>
+          </a:prstGeom>
+          <a:noFill/>
+        </p:spPr>
+        <p:style>
+          <a:lnRef idx="1">
+            <a:schemeClr val="accent4"/>
+          </a:lnRef>
+          <a:fillRef idx="2">
+            <a:schemeClr val="accent4"/>
+          </a:fillRef>
+          <a:effectRef idx="1">
+            <a:schemeClr val="accent4"/>
+          </a:effectRef>
+          <a:fontRef idx="minor">
+            <a:schemeClr val="dk1"/>
+          </a:fontRef>
+        </p:style>
+        <p:txBody>
+          <a:bodyPr rtlCol="0" anchor="ctr"/>
+          <a:lstStyle/>
+          <a:p>
+            <a:pPr algn="ctr"/>
+            <a:endParaRPr lang="zh-CN" altLang="en-US" sz="1200" dirty="0">
+              <a:solidFill>
+                <a:schemeClr val="tx1"/>
+              </a:solidFill>
+            </a:endParaRPr>
+          </a:p>
+        </p:txBody>
+      </p:sp>
+      <p:sp>
+        <p:nvSpPr>
+          <p:cNvPr id="7" name="矩形 6">
+            <a:extLst>
+              <a:ext uri="{FF2B5EF4-FFF2-40B4-BE49-F238E27FC236}">
+                <a16:creationId xmlns:a16="http://schemas.microsoft.com/office/drawing/2014/main" xmlns="" id="{E8E5F9F8-EF44-4CF4-99F9-2EDEBC55E358}"/>
+              </a:ext>
+            </a:extLst>
+          </p:cNvPr>
+          <p:cNvSpPr/>
+          <p:nvPr/>
+        </p:nvSpPr>
+        <p:spPr>
+          <a:xfrm>
+            <a:off x="4574308" y="1615735"/>
+            <a:ext cx="5150717" cy="3295830"/>
+          </a:xfrm>
+          <a:prstGeom prst="rect">
+            <a:avLst/>
+          </a:prstGeom>
+        </p:spPr>
+        <p:style>
+          <a:lnRef idx="2">
+            <a:schemeClr val="accent4"/>
+          </a:lnRef>
+          <a:fillRef idx="1">
+            <a:schemeClr val="lt1"/>
+          </a:fillRef>
+          <a:effectRef idx="0">
+            <a:schemeClr val="accent4"/>
+          </a:effectRef>
+          <a:fontRef idx="minor">
+            <a:schemeClr val="dk1"/>
+          </a:fontRef>
+        </p:style>
+        <p:txBody>
+          <a:bodyPr rtlCol="0" anchor="ctr"/>
+          <a:lstStyle/>
+          <a:p>
+            <a:pPr algn="ctr"/>
+            <a:endParaRPr lang="zh-CN" altLang="en-US" sz="1200" dirty="0">
+              <a:solidFill>
+                <a:schemeClr val="tx1"/>
+              </a:solidFill>
+            </a:endParaRPr>
+          </a:p>
+        </p:txBody>
+      </p:sp>
+      <p:sp>
+        <p:nvSpPr>
+          <p:cNvPr id="8" name="矩形 7">
+            <a:extLst>
+              <a:ext uri="{FF2B5EF4-FFF2-40B4-BE49-F238E27FC236}">
+                <a16:creationId xmlns:a16="http://schemas.microsoft.com/office/drawing/2014/main" xmlns="" id="{D7E10CBA-46D3-469F-A072-36780CD609E5}"/>
+              </a:ext>
+            </a:extLst>
+          </p:cNvPr>
+          <p:cNvSpPr/>
+          <p:nvPr/>
+        </p:nvSpPr>
+        <p:spPr>
+          <a:xfrm>
+            <a:off x="2671431" y="3826274"/>
+            <a:ext cx="1177041" cy="372862"/>
+          </a:xfrm>
+          <a:prstGeom prst="rect">
+            <a:avLst/>
+          </a:prstGeom>
+        </p:spPr>
+        <p:style>
+          <a:lnRef idx="2">
+            <a:schemeClr val="accent1">
+              <a:shade val="50000"/>
+            </a:schemeClr>
+          </a:lnRef>
+          <a:fillRef idx="1">
+            <a:schemeClr val="accent1"/>
+          </a:fillRef>
+          <a:effectRef idx="0">
+            <a:schemeClr val="accent1"/>
+          </a:effectRef>
+          <a:fontRef idx="minor">
+            <a:schemeClr val="lt1"/>
+          </a:fontRef>
+        </p:style>
+        <p:txBody>
+          <a:bodyPr rtlCol="0" anchor="ctr"/>
+          <a:lstStyle/>
+          <a:p>
+            <a:pPr algn="ctr"/>
+            <a:r>
+              <a:rPr lang="en-US" altLang="zh-CN" sz="1200" dirty="0" smtClean="0">
+                <a:solidFill>
+                  <a:schemeClr val="tx1"/>
+                </a:solidFill>
+              </a:rPr>
+              <a:t>ThreadRef</a:t>
+            </a:r>
+            <a:endParaRPr lang="zh-CN" altLang="en-US" sz="1200" dirty="0">
+              <a:solidFill>
+                <a:schemeClr val="tx1"/>
+              </a:solidFill>
+            </a:endParaRPr>
+          </a:p>
+        </p:txBody>
+      </p:sp>
+      <p:sp>
+        <p:nvSpPr>
+          <p:cNvPr id="9" name="矩形 8">
+            <a:extLst>
+              <a:ext uri="{FF2B5EF4-FFF2-40B4-BE49-F238E27FC236}">
+                <a16:creationId xmlns:a16="http://schemas.microsoft.com/office/drawing/2014/main" xmlns="" id="{1D18D491-FADC-474C-9156-D320BCFD8427}"/>
+              </a:ext>
+            </a:extLst>
+          </p:cNvPr>
+          <p:cNvSpPr/>
+          <p:nvPr/>
+        </p:nvSpPr>
+        <p:spPr>
+          <a:xfrm>
+            <a:off x="2631415" y="2979938"/>
+            <a:ext cx="1177041" cy="372862"/>
+          </a:xfrm>
+          <a:prstGeom prst="rect">
+            <a:avLst/>
+          </a:prstGeom>
+        </p:spPr>
+        <p:style>
+          <a:lnRef idx="2">
+            <a:schemeClr val="accent1">
+              <a:shade val="50000"/>
+            </a:schemeClr>
+          </a:lnRef>
+          <a:fillRef idx="1">
+            <a:schemeClr val="accent1"/>
+          </a:fillRef>
+          <a:effectRef idx="0">
+            <a:schemeClr val="accent1"/>
+          </a:effectRef>
+          <a:fontRef idx="minor">
+            <a:schemeClr val="lt1"/>
+          </a:fontRef>
+        </p:style>
+        <p:txBody>
+          <a:bodyPr rtlCol="0" anchor="ctr"/>
+          <a:lstStyle/>
+          <a:p>
+            <a:pPr algn="ctr"/>
+            <a:r>
+              <a:rPr lang="en-US" altLang="zh-CN" sz="1200" dirty="0" smtClean="0">
+                <a:solidFill>
+                  <a:schemeClr val="tx1"/>
+                </a:solidFill>
+              </a:rPr>
+              <a:t>ThreadLocalRef</a:t>
+            </a:r>
+            <a:endParaRPr lang="zh-CN" altLang="en-US" sz="1200" dirty="0">
+              <a:solidFill>
+                <a:schemeClr val="tx1"/>
+              </a:solidFill>
+            </a:endParaRPr>
+          </a:p>
+        </p:txBody>
+      </p:sp>
+      <p:sp>
+        <p:nvSpPr>
+          <p:cNvPr id="11" name="矩形 10">
+            <a:extLst>
+              <a:ext uri="{FF2B5EF4-FFF2-40B4-BE49-F238E27FC236}">
+                <a16:creationId xmlns:a16="http://schemas.microsoft.com/office/drawing/2014/main" xmlns="" id="{81A72F5E-A07A-490B-8CB4-7122FCD51667}"/>
+              </a:ext>
+            </a:extLst>
+          </p:cNvPr>
+          <p:cNvSpPr/>
+          <p:nvPr/>
+        </p:nvSpPr>
+        <p:spPr>
+          <a:xfrm>
+            <a:off x="4748904" y="2365904"/>
+            <a:ext cx="1147071" cy="386821"/>
+          </a:xfrm>
+          <a:prstGeom prst="rect">
+            <a:avLst/>
+          </a:prstGeom>
+        </p:spPr>
+        <p:style>
+          <a:lnRef idx="2">
+            <a:schemeClr val="accent1">
+              <a:shade val="50000"/>
+            </a:schemeClr>
+          </a:lnRef>
+          <a:fillRef idx="1">
+            <a:schemeClr val="accent1"/>
+          </a:fillRef>
+          <a:effectRef idx="0">
+            <a:schemeClr val="accent1"/>
+          </a:effectRef>
+          <a:fontRef idx="minor">
+            <a:schemeClr val="lt1"/>
+          </a:fontRef>
+        </p:style>
+        <p:txBody>
+          <a:bodyPr rtlCol="0" anchor="ctr"/>
+          <a:lstStyle/>
+          <a:p>
+            <a:pPr algn="ctr"/>
+            <a:r>
+              <a:rPr lang="en-US" altLang="zh-CN" sz="1200" dirty="0" smtClean="0">
+                <a:solidFill>
+                  <a:schemeClr val="tx1"/>
+                </a:solidFill>
+              </a:rPr>
+              <a:t>ThreadLocal</a:t>
+            </a:r>
+            <a:endParaRPr lang="zh-CN" altLang="en-US" sz="1200" dirty="0">
+              <a:solidFill>
+                <a:schemeClr val="tx1"/>
+              </a:solidFill>
+            </a:endParaRPr>
+          </a:p>
+        </p:txBody>
+      </p:sp>
+      <p:sp>
+        <p:nvSpPr>
+          <p:cNvPr id="20" name="文本框 19">
+            <a:extLst>
+              <a:ext uri="{FF2B5EF4-FFF2-40B4-BE49-F238E27FC236}">
+                <a16:creationId xmlns:a16="http://schemas.microsoft.com/office/drawing/2014/main" xmlns="" id="{8B572BE0-C6FE-4D19-B0DE-77F09A93650E}"/>
+              </a:ext>
+            </a:extLst>
+          </p:cNvPr>
+          <p:cNvSpPr txBox="1"/>
+          <p:nvPr/>
+        </p:nvSpPr>
+        <p:spPr>
+          <a:xfrm>
+            <a:off x="4736233" y="1615735"/>
+            <a:ext cx="565398" cy="276999"/>
+          </a:xfrm>
+          <a:prstGeom prst="rect">
+            <a:avLst/>
+          </a:prstGeom>
+          <a:noFill/>
+        </p:spPr>
+        <p:txBody>
+          <a:bodyPr wrap="square" rtlCol="0">
+            <a:spAutoFit/>
+          </a:bodyPr>
+          <a:lstStyle/>
+          <a:p>
+            <a:r>
+              <a:rPr lang="en-US" altLang="zh-CN" sz="1200" dirty="0" smtClean="0"/>
+              <a:t>heap</a:t>
+            </a:r>
+            <a:endParaRPr lang="zh-CN" altLang="en-US" sz="1200" dirty="0"/>
+          </a:p>
+        </p:txBody>
+      </p:sp>
+      <p:sp>
+        <p:nvSpPr>
+          <p:cNvPr id="21" name="文本框 20">
+            <a:extLst>
+              <a:ext uri="{FF2B5EF4-FFF2-40B4-BE49-F238E27FC236}">
+                <a16:creationId xmlns:a16="http://schemas.microsoft.com/office/drawing/2014/main" xmlns="" id="{44DE6424-7F7B-4601-ADC1-53126EBCADF1}"/>
+              </a:ext>
+            </a:extLst>
+          </p:cNvPr>
+          <p:cNvSpPr txBox="1"/>
+          <p:nvPr/>
+        </p:nvSpPr>
+        <p:spPr>
+          <a:xfrm>
+            <a:off x="2629270" y="1615735"/>
+            <a:ext cx="682101" cy="276999"/>
+          </a:xfrm>
+          <a:prstGeom prst="rect">
+            <a:avLst/>
+          </a:prstGeom>
+          <a:noFill/>
+        </p:spPr>
+        <p:txBody>
+          <a:bodyPr wrap="square" rtlCol="0">
+            <a:spAutoFit/>
+          </a:bodyPr>
+          <a:lstStyle/>
+          <a:p>
+            <a:r>
+              <a:rPr lang="en-US" altLang="zh-CN" sz="1200" dirty="0" smtClean="0"/>
+              <a:t>stack</a:t>
+            </a:r>
+            <a:endParaRPr lang="zh-CN" altLang="en-US" sz="1200" dirty="0"/>
+          </a:p>
+        </p:txBody>
+      </p:sp>
+      <p:sp>
+        <p:nvSpPr>
+          <p:cNvPr id="23" name="矩形 22">
+            <a:extLst>
+              <a:ext uri="{FF2B5EF4-FFF2-40B4-BE49-F238E27FC236}">
+                <a16:creationId xmlns:a16="http://schemas.microsoft.com/office/drawing/2014/main" xmlns="" id="{81A72F5E-A07A-490B-8CB4-7122FCD51667}"/>
+              </a:ext>
+            </a:extLst>
+          </p:cNvPr>
+          <p:cNvSpPr/>
+          <p:nvPr/>
+        </p:nvSpPr>
+        <p:spPr>
+          <a:xfrm>
+            <a:off x="4748905" y="3623108"/>
+            <a:ext cx="851796" cy="386821"/>
+          </a:xfrm>
+          <a:prstGeom prst="rect">
+            <a:avLst/>
+          </a:prstGeom>
+        </p:spPr>
+        <p:style>
+          <a:lnRef idx="2">
+            <a:schemeClr val="accent1">
+              <a:shade val="50000"/>
+            </a:schemeClr>
+          </a:lnRef>
+          <a:fillRef idx="1">
+            <a:schemeClr val="accent1"/>
+          </a:fillRef>
+          <a:effectRef idx="0">
+            <a:schemeClr val="accent1"/>
+          </a:effectRef>
+          <a:fontRef idx="minor">
+            <a:schemeClr val="lt1"/>
+          </a:fontRef>
+        </p:style>
+        <p:txBody>
+          <a:bodyPr rtlCol="0" anchor="ctr"/>
+          <a:lstStyle/>
+          <a:p>
+            <a:pPr algn="ctr"/>
+            <a:r>
+              <a:rPr lang="en-US" altLang="zh-CN" sz="1200" dirty="0" smtClean="0">
+                <a:solidFill>
+                  <a:schemeClr val="tx1"/>
+                </a:solidFill>
+              </a:rPr>
+              <a:t>Thread</a:t>
+            </a:r>
+            <a:endParaRPr lang="zh-CN" altLang="en-US" sz="1200" dirty="0">
+              <a:solidFill>
+                <a:schemeClr val="tx1"/>
+              </a:solidFill>
+            </a:endParaRPr>
+          </a:p>
+        </p:txBody>
+      </p:sp>
+      <p:sp>
+        <p:nvSpPr>
+          <p:cNvPr id="24" name="矩形 23">
+            <a:extLst>
+              <a:ext uri="{FF2B5EF4-FFF2-40B4-BE49-F238E27FC236}">
+                <a16:creationId xmlns:a16="http://schemas.microsoft.com/office/drawing/2014/main" xmlns="" id="{81A72F5E-A07A-490B-8CB4-7122FCD51667}"/>
+              </a:ext>
+            </a:extLst>
+          </p:cNvPr>
+          <p:cNvSpPr/>
+          <p:nvPr/>
+        </p:nvSpPr>
+        <p:spPr>
+          <a:xfrm>
+            <a:off x="5969258" y="3623108"/>
+            <a:ext cx="1270896" cy="386821"/>
+          </a:xfrm>
+          <a:prstGeom prst="rect">
+            <a:avLst/>
+          </a:prstGeom>
+        </p:spPr>
+        <p:style>
+          <a:lnRef idx="2">
+            <a:schemeClr val="accent1">
+              <a:shade val="50000"/>
+            </a:schemeClr>
+          </a:lnRef>
+          <a:fillRef idx="1">
+            <a:schemeClr val="accent1"/>
+          </a:fillRef>
+          <a:effectRef idx="0">
+            <a:schemeClr val="accent1"/>
+          </a:effectRef>
+          <a:fontRef idx="minor">
+            <a:schemeClr val="lt1"/>
+          </a:fontRef>
+        </p:style>
+        <p:txBody>
+          <a:bodyPr rtlCol="0" anchor="ctr"/>
+          <a:lstStyle/>
+          <a:p>
+            <a:pPr algn="ctr"/>
+            <a:r>
+              <a:rPr lang="en-US" altLang="zh-CN" sz="1200" dirty="0" smtClean="0">
+                <a:solidFill>
+                  <a:schemeClr val="tx1"/>
+                </a:solidFill>
+              </a:rPr>
+              <a:t>ThreadLocalMap</a:t>
+            </a:r>
+            <a:endParaRPr lang="zh-CN" altLang="en-US" sz="1200" dirty="0">
+              <a:solidFill>
+                <a:schemeClr val="tx1"/>
+              </a:solidFill>
+            </a:endParaRPr>
+          </a:p>
+        </p:txBody>
+      </p:sp>
+      <p:sp>
+        <p:nvSpPr>
+          <p:cNvPr id="25" name="矩形 24">
+            <a:extLst>
+              <a:ext uri="{FF2B5EF4-FFF2-40B4-BE49-F238E27FC236}">
+                <a16:creationId xmlns:a16="http://schemas.microsoft.com/office/drawing/2014/main" xmlns="" id="{81A72F5E-A07A-490B-8CB4-7122FCD51667}"/>
+              </a:ext>
+            </a:extLst>
+          </p:cNvPr>
+          <p:cNvSpPr/>
+          <p:nvPr/>
+        </p:nvSpPr>
+        <p:spPr>
+          <a:xfrm>
+            <a:off x="7505930" y="3157660"/>
+            <a:ext cx="1270896" cy="1357189"/>
+          </a:xfrm>
+          <a:prstGeom prst="rect">
+            <a:avLst/>
+          </a:prstGeom>
+        </p:spPr>
+        <p:style>
+          <a:lnRef idx="2">
+            <a:schemeClr val="accent1">
+              <a:shade val="50000"/>
+            </a:schemeClr>
+          </a:lnRef>
+          <a:fillRef idx="1">
+            <a:schemeClr val="accent1"/>
+          </a:fillRef>
+          <a:effectRef idx="0">
+            <a:schemeClr val="accent1"/>
+          </a:effectRef>
+          <a:fontRef idx="minor">
+            <a:schemeClr val="lt1"/>
+          </a:fontRef>
+        </p:style>
+        <p:txBody>
+          <a:bodyPr rtlCol="0" anchor="ctr"/>
+          <a:lstStyle/>
+          <a:p>
+            <a:pPr algn="ctr"/>
+            <a:endParaRPr lang="zh-CN" altLang="en-US" sz="1200" dirty="0">
+              <a:solidFill>
+                <a:schemeClr val="tx1"/>
+              </a:solidFill>
+            </a:endParaRPr>
+          </a:p>
+        </p:txBody>
+      </p:sp>
+      <p:sp>
+        <p:nvSpPr>
+          <p:cNvPr id="26" name="矩形 25">
+            <a:extLst>
+              <a:ext uri="{FF2B5EF4-FFF2-40B4-BE49-F238E27FC236}">
+                <a16:creationId xmlns:a16="http://schemas.microsoft.com/office/drawing/2014/main" xmlns="" id="{81A72F5E-A07A-490B-8CB4-7122FCD51667}"/>
+              </a:ext>
+            </a:extLst>
+          </p:cNvPr>
+          <p:cNvSpPr/>
+          <p:nvPr/>
+        </p:nvSpPr>
+        <p:spPr>
+          <a:xfrm>
+            <a:off x="7715480" y="3274008"/>
+            <a:ext cx="851796" cy="311099"/>
+          </a:xfrm>
+          <a:prstGeom prst="rect">
+            <a:avLst/>
+          </a:prstGeom>
+        </p:spPr>
+        <p:style>
+          <a:lnRef idx="2">
+            <a:schemeClr val="accent2">
+              <a:shade val="50000"/>
+            </a:schemeClr>
+          </a:lnRef>
+          <a:fillRef idx="1">
+            <a:schemeClr val="accent2"/>
+          </a:fillRef>
+          <a:effectRef idx="0">
+            <a:schemeClr val="accent2"/>
+          </a:effectRef>
+          <a:fontRef idx="minor">
+            <a:schemeClr val="lt1"/>
+          </a:fontRef>
+        </p:style>
+        <p:txBody>
+          <a:bodyPr rtlCol="0" anchor="ctr"/>
+          <a:lstStyle/>
+          <a:p>
+            <a:pPr algn="ctr"/>
+            <a:r>
+              <a:rPr lang="en-US" altLang="zh-CN" sz="1200" dirty="0" smtClean="0">
+                <a:solidFill>
+                  <a:schemeClr val="tx1"/>
+                </a:solidFill>
+              </a:rPr>
+              <a:t>key</a:t>
+            </a:r>
+            <a:endParaRPr lang="zh-CN" altLang="en-US" sz="1200" dirty="0">
+              <a:solidFill>
+                <a:schemeClr val="tx1"/>
+              </a:solidFill>
+            </a:endParaRPr>
+          </a:p>
+        </p:txBody>
+      </p:sp>
+      <p:sp>
+        <p:nvSpPr>
+          <p:cNvPr id="27" name="矩形 26">
+            <a:extLst>
+              <a:ext uri="{FF2B5EF4-FFF2-40B4-BE49-F238E27FC236}">
+                <a16:creationId xmlns:a16="http://schemas.microsoft.com/office/drawing/2014/main" xmlns="" id="{81A72F5E-A07A-490B-8CB4-7122FCD51667}"/>
+              </a:ext>
+            </a:extLst>
+          </p:cNvPr>
+          <p:cNvSpPr/>
+          <p:nvPr/>
+        </p:nvSpPr>
+        <p:spPr>
+          <a:xfrm>
+            <a:off x="7715480" y="3804672"/>
+            <a:ext cx="851796" cy="298051"/>
+          </a:xfrm>
+          <a:prstGeom prst="rect">
+            <a:avLst/>
+          </a:prstGeom>
+        </p:spPr>
+        <p:style>
+          <a:lnRef idx="2">
+            <a:schemeClr val="accent2">
+              <a:shade val="50000"/>
+            </a:schemeClr>
+          </a:lnRef>
+          <a:fillRef idx="1">
+            <a:schemeClr val="accent2"/>
+          </a:fillRef>
+          <a:effectRef idx="0">
+            <a:schemeClr val="accent2"/>
+          </a:effectRef>
+          <a:fontRef idx="minor">
+            <a:schemeClr val="lt1"/>
+          </a:fontRef>
+        </p:style>
+        <p:txBody>
+          <a:bodyPr rtlCol="0" anchor="ctr"/>
+          <a:lstStyle/>
+          <a:p>
+            <a:pPr algn="ctr"/>
+            <a:r>
+              <a:rPr lang="en-US" altLang="zh-CN" sz="1200" dirty="0" smtClean="0">
+                <a:solidFill>
+                  <a:schemeClr val="tx1"/>
+                </a:solidFill>
+              </a:rPr>
+              <a:t>value</a:t>
+            </a:r>
+            <a:endParaRPr lang="zh-CN" altLang="en-US" sz="1200" dirty="0">
+              <a:solidFill>
+                <a:schemeClr val="tx1"/>
+              </a:solidFill>
+            </a:endParaRPr>
+          </a:p>
+        </p:txBody>
+      </p:sp>
+      <p:sp>
+        <p:nvSpPr>
+          <p:cNvPr id="28" name="矩形 27">
+            <a:extLst>
+              <a:ext uri="{FF2B5EF4-FFF2-40B4-BE49-F238E27FC236}">
+                <a16:creationId xmlns:a16="http://schemas.microsoft.com/office/drawing/2014/main" xmlns="" id="{81A72F5E-A07A-490B-8CB4-7122FCD51667}"/>
+              </a:ext>
+            </a:extLst>
+          </p:cNvPr>
+          <p:cNvSpPr/>
+          <p:nvPr/>
+        </p:nvSpPr>
+        <p:spPr>
+          <a:xfrm>
+            <a:off x="8915515" y="4050110"/>
+            <a:ext cx="628535" cy="298051"/>
+          </a:xfrm>
+          <a:prstGeom prst="rect">
+            <a:avLst/>
+          </a:prstGeom>
+        </p:spPr>
+        <p:style>
+          <a:lnRef idx="2">
+            <a:schemeClr val="accent1">
+              <a:shade val="50000"/>
+            </a:schemeClr>
+          </a:lnRef>
+          <a:fillRef idx="1">
+            <a:schemeClr val="accent1"/>
+          </a:fillRef>
+          <a:effectRef idx="0">
+            <a:schemeClr val="accent1"/>
+          </a:effectRef>
+          <a:fontRef idx="minor">
+            <a:schemeClr val="lt1"/>
+          </a:fontRef>
+        </p:style>
+        <p:txBody>
+          <a:bodyPr rtlCol="0" anchor="ctr"/>
+          <a:lstStyle/>
+          <a:p>
+            <a:pPr algn="ctr"/>
+            <a:r>
+              <a:rPr lang="en-US" altLang="zh-CN" sz="1200" dirty="0" smtClean="0">
+                <a:solidFill>
+                  <a:schemeClr val="tx1"/>
+                </a:solidFill>
+              </a:rPr>
+              <a:t>object</a:t>
+            </a:r>
+            <a:endParaRPr lang="zh-CN" altLang="en-US" sz="1200" dirty="0">
+              <a:solidFill>
+                <a:schemeClr val="tx1"/>
+              </a:solidFill>
+            </a:endParaRPr>
+          </a:p>
+        </p:txBody>
+      </p:sp>
+      <p:cxnSp>
+        <p:nvCxnSpPr>
+          <p:cNvPr id="3" name="直接箭头连接符 2"/>
+          <p:cNvCxnSpPr>
+            <a:stCxn id="9" idx="3"/>
+          </p:cNvCxnSpPr>
+          <p:nvPr/>
+        </p:nvCxnSpPr>
+        <p:spPr>
+          <a:xfrm flipV="1">
+            <a:off x="3808456" y="2657476"/>
+            <a:ext cx="927777" cy="508893"/>
+          </a:xfrm>
+          <a:prstGeom prst="straightConnector1">
+            <a:avLst/>
+          </a:prstGeom>
+          <a:ln>
+            <a:solidFill>
+              <a:schemeClr val="accent2"/>
+            </a:solidFill>
+            <a:tailEnd type="triangle"/>
+          </a:ln>
+        </p:spPr>
+        <p:style>
+          <a:lnRef idx="1">
+            <a:schemeClr val="accent1"/>
+          </a:lnRef>
+          <a:fillRef idx="0">
+            <a:schemeClr val="accent1"/>
+          </a:fillRef>
+          <a:effectRef idx="0">
+            <a:schemeClr val="accent1"/>
+          </a:effectRef>
+          <a:fontRef idx="minor">
+            <a:schemeClr val="tx1"/>
+          </a:fontRef>
+        </p:style>
+      </p:cxnSp>
+      <p:cxnSp>
+        <p:nvCxnSpPr>
+          <p:cNvPr id="6" name="直接箭头连接符 5"/>
+          <p:cNvCxnSpPr/>
+          <p:nvPr/>
+        </p:nvCxnSpPr>
+        <p:spPr>
+          <a:xfrm flipV="1">
+            <a:off x="3848472" y="3826274"/>
+            <a:ext cx="900432" cy="183655"/>
+          </a:xfrm>
+          <a:prstGeom prst="straightConnector1">
+            <a:avLst/>
+          </a:prstGeom>
+          <a:ln>
+            <a:solidFill>
+              <a:schemeClr val="accent2"/>
+            </a:solidFill>
+            <a:tailEnd type="triangle"/>
+          </a:ln>
+        </p:spPr>
+        <p:style>
+          <a:lnRef idx="1">
+            <a:schemeClr val="accent1"/>
+          </a:lnRef>
+          <a:fillRef idx="0">
+            <a:schemeClr val="accent1"/>
+          </a:fillRef>
+          <a:effectRef idx="0">
+            <a:schemeClr val="accent1"/>
+          </a:effectRef>
+          <a:fontRef idx="minor">
+            <a:schemeClr val="tx1"/>
+          </a:fontRef>
+        </p:style>
+      </p:cxnSp>
+      <p:cxnSp>
+        <p:nvCxnSpPr>
+          <p:cNvPr id="13" name="直接箭头连接符 12"/>
+          <p:cNvCxnSpPr>
+            <a:endCxn id="24" idx="1"/>
+          </p:cNvCxnSpPr>
+          <p:nvPr/>
+        </p:nvCxnSpPr>
+        <p:spPr>
+          <a:xfrm>
+            <a:off x="5600701" y="3804672"/>
+            <a:ext cx="368557" cy="11847"/>
+          </a:xfrm>
+          <a:prstGeom prst="straightConnector1">
+            <a:avLst/>
+          </a:prstGeom>
+          <a:ln>
+            <a:solidFill>
+              <a:schemeClr val="accent2"/>
+            </a:solidFill>
+            <a:tailEnd type="triangle"/>
+          </a:ln>
+        </p:spPr>
+        <p:style>
+          <a:lnRef idx="1">
+            <a:schemeClr val="accent1"/>
+          </a:lnRef>
+          <a:fillRef idx="0">
+            <a:schemeClr val="accent1"/>
+          </a:fillRef>
+          <a:effectRef idx="0">
+            <a:schemeClr val="accent1"/>
+          </a:effectRef>
+          <a:fontRef idx="minor">
+            <a:schemeClr val="tx1"/>
+          </a:fontRef>
+        </p:style>
+      </p:cxnSp>
+      <p:cxnSp>
+        <p:nvCxnSpPr>
+          <p:cNvPr id="15" name="直接箭头连接符 14"/>
+          <p:cNvCxnSpPr/>
+          <p:nvPr/>
+        </p:nvCxnSpPr>
+        <p:spPr>
+          <a:xfrm>
+            <a:off x="7240154" y="3804672"/>
+            <a:ext cx="265776" cy="21602"/>
+          </a:xfrm>
+          <a:prstGeom prst="straightConnector1">
+            <a:avLst/>
+          </a:prstGeom>
+          <a:ln>
+            <a:solidFill>
+              <a:schemeClr val="accent2"/>
+            </a:solidFill>
+            <a:tailEnd type="triangle"/>
+          </a:ln>
+        </p:spPr>
+        <p:style>
+          <a:lnRef idx="1">
+            <a:schemeClr val="accent1"/>
+          </a:lnRef>
+          <a:fillRef idx="0">
+            <a:schemeClr val="accent1"/>
+          </a:fillRef>
+          <a:effectRef idx="0">
+            <a:schemeClr val="accent1"/>
+          </a:effectRef>
+          <a:fontRef idx="minor">
+            <a:schemeClr val="tx1"/>
+          </a:fontRef>
+        </p:style>
+      </p:cxnSp>
+      <p:cxnSp>
+        <p:nvCxnSpPr>
+          <p:cNvPr id="30" name="直接箭头连接符 29"/>
+          <p:cNvCxnSpPr>
+            <a:endCxn id="28" idx="1"/>
+          </p:cNvCxnSpPr>
+          <p:nvPr/>
+        </p:nvCxnSpPr>
+        <p:spPr>
+          <a:xfrm>
+            <a:off x="8567276" y="4009929"/>
+            <a:ext cx="348239" cy="189207"/>
+          </a:xfrm>
+          <a:prstGeom prst="straightConnector1">
+            <a:avLst/>
+          </a:prstGeom>
+          <a:ln>
+            <a:solidFill>
+              <a:schemeClr val="accent2"/>
+            </a:solidFill>
+            <a:tailEnd type="triangle"/>
+          </a:ln>
+        </p:spPr>
+        <p:style>
+          <a:lnRef idx="1">
+            <a:schemeClr val="accent1"/>
+          </a:lnRef>
+          <a:fillRef idx="0">
+            <a:schemeClr val="accent1"/>
+          </a:fillRef>
+          <a:effectRef idx="0">
+            <a:schemeClr val="accent1"/>
+          </a:effectRef>
+          <a:fontRef idx="minor">
+            <a:schemeClr val="tx1"/>
+          </a:fontRef>
+        </p:style>
+      </p:cxnSp>
+      <p:cxnSp>
+        <p:nvCxnSpPr>
+          <p:cNvPr id="32" name="直接箭头连接符 31"/>
+          <p:cNvCxnSpPr>
+            <a:endCxn id="11" idx="3"/>
+          </p:cNvCxnSpPr>
+          <p:nvPr/>
+        </p:nvCxnSpPr>
+        <p:spPr>
+          <a:xfrm flipH="1" flipV="1">
+            <a:off x="5895975" y="2559315"/>
+            <a:ext cx="2114550" cy="793485"/>
+          </a:xfrm>
+          <a:prstGeom prst="straightConnector1">
+            <a:avLst/>
+          </a:prstGeom>
+          <a:ln>
+            <a:solidFill>
+              <a:schemeClr val="accent2"/>
+            </a:solidFill>
+            <a:prstDash val="dash"/>
+            <a:tailEnd type="triangle"/>
+          </a:ln>
+        </p:spPr>
+        <p:style>
+          <a:lnRef idx="1">
+            <a:schemeClr val="accent1"/>
+          </a:lnRef>
+          <a:fillRef idx="0">
+            <a:schemeClr val="accent1"/>
+          </a:fillRef>
+          <a:effectRef idx="0">
+            <a:schemeClr val="accent1"/>
+          </a:effectRef>
+          <a:fontRef idx="minor">
+            <a:schemeClr val="tx1"/>
+          </a:fontRef>
+        </p:style>
+      </p:cxnSp>
+      <p:sp>
+        <p:nvSpPr>
+          <p:cNvPr id="38" name="文本框 37">
+            <a:extLst>
+              <a:ext uri="{FF2B5EF4-FFF2-40B4-BE49-F238E27FC236}">
+                <a16:creationId xmlns:a16="http://schemas.microsoft.com/office/drawing/2014/main" xmlns="" id="{8B572BE0-C6FE-4D19-B0DE-77F09A93650E}"/>
+              </a:ext>
+            </a:extLst>
+          </p:cNvPr>
+          <p:cNvSpPr txBox="1"/>
+          <p:nvPr/>
+        </p:nvSpPr>
+        <p:spPr>
+          <a:xfrm>
+            <a:off x="7858679" y="4237850"/>
+            <a:ext cx="565398" cy="276999"/>
+          </a:xfrm>
+          <a:prstGeom prst="rect">
+            <a:avLst/>
+          </a:prstGeom>
+          <a:noFill/>
+        </p:spPr>
+        <p:txBody>
+          <a:bodyPr wrap="square" rtlCol="0">
+            <a:spAutoFit/>
+          </a:bodyPr>
+          <a:lstStyle/>
+          <a:p>
+            <a:r>
+              <a:rPr lang="en-US" altLang="zh-CN" sz="1200" dirty="0" smtClean="0"/>
+              <a:t>Entry</a:t>
+            </a:r>
+            <a:endParaRPr lang="zh-CN" altLang="en-US" sz="1200" dirty="0"/>
+          </a:p>
+        </p:txBody>
+      </p:sp>
+    </p:spTree>
+    <p:extLst>
+      <p:ext uri="{BB962C8B-B14F-4D97-AF65-F5344CB8AC3E}">
+        <p14:creationId xmlns:p14="http://schemas.microsoft.com/office/powerpoint/2010/main" val="2907071832"/>
+      </p:ext>
+    </p:extLst>
+  </p:cSld>
+  <p:clrMapOvr>
+    <a:masterClrMapping/>
+  </p:clrMapOvr>
+  <p:timing>
+    <p:tnLst>
+      <p:par>
+        <p:cTn id="1" dur="indefinite" restart="never" nodeType="tmRoot"/>
+      </p:par>
+    </p:tnLst>
+  </p:timing>
+</p:sld>
+</file>
+
 <file path=ppt/slides/slide2.xml><?xml version="1.0" encoding="utf-8"?>
 <p:sld xmlns:a="http://schemas.openxmlformats.org/drawingml/2006/main" xmlns:r="http://schemas.openxmlformats.org/officeDocument/2006/relationships" xmlns:p="http://schemas.openxmlformats.org/presentationml/2006/main">
   <p:cSld>
@@ -7590,7 +8572,7 @@
           <p:cNvPr id="4" name="矩形 3">
             <a:extLst>
               <a:ext uri="{FF2B5EF4-FFF2-40B4-BE49-F238E27FC236}">
-                <a16:creationId xmlns:a16="http://schemas.microsoft.com/office/drawing/2014/main" id="{E2364B44-65BF-4B76-9C78-F3EA50840076}"/>
+                <a16:creationId xmlns:a16="http://schemas.microsoft.com/office/drawing/2014/main" xmlns="" id="{E2364B44-65BF-4B76-9C78-F3EA50840076}"/>
               </a:ext>
             </a:extLst>
           </p:cNvPr>
@@ -7646,7 +8628,7 @@
           <p:cNvPr id="5" name="矩形 4">
             <a:extLst>
               <a:ext uri="{FF2B5EF4-FFF2-40B4-BE49-F238E27FC236}">
-                <a16:creationId xmlns:a16="http://schemas.microsoft.com/office/drawing/2014/main" id="{292C6ED1-4D53-4364-95C7-DD8C827AF266}"/>
+                <a16:creationId xmlns:a16="http://schemas.microsoft.com/office/drawing/2014/main" xmlns="" id="{292C6ED1-4D53-4364-95C7-DD8C827AF266}"/>
               </a:ext>
             </a:extLst>
           </p:cNvPr>
@@ -7704,7 +8686,7 @@
           <p:cNvPr id="8" name="矩形 7">
             <a:extLst>
               <a:ext uri="{FF2B5EF4-FFF2-40B4-BE49-F238E27FC236}">
-                <a16:creationId xmlns:a16="http://schemas.microsoft.com/office/drawing/2014/main" id="{08894674-613B-4C24-BD83-E0A2275E0A4D}"/>
+                <a16:creationId xmlns:a16="http://schemas.microsoft.com/office/drawing/2014/main" xmlns="" id="{08894674-613B-4C24-BD83-E0A2275E0A4D}"/>
               </a:ext>
             </a:extLst>
           </p:cNvPr>
@@ -7767,7 +8749,7 @@
           <p:cNvPr id="9" name="矩形 8">
             <a:extLst>
               <a:ext uri="{FF2B5EF4-FFF2-40B4-BE49-F238E27FC236}">
-                <a16:creationId xmlns:a16="http://schemas.microsoft.com/office/drawing/2014/main" id="{768CDF67-DBA9-4CE7-9C8E-3755F3B0F684}"/>
+                <a16:creationId xmlns:a16="http://schemas.microsoft.com/office/drawing/2014/main" xmlns="" id="{768CDF67-DBA9-4CE7-9C8E-3755F3B0F684}"/>
               </a:ext>
             </a:extLst>
           </p:cNvPr>
@@ -7830,7 +8812,7 @@
           <p:cNvPr id="10" name="矩形 9">
             <a:extLst>
               <a:ext uri="{FF2B5EF4-FFF2-40B4-BE49-F238E27FC236}">
-                <a16:creationId xmlns:a16="http://schemas.microsoft.com/office/drawing/2014/main" id="{92A3829A-3A0A-4C5D-A943-0468855B533A}"/>
+                <a16:creationId xmlns:a16="http://schemas.microsoft.com/office/drawing/2014/main" xmlns="" id="{92A3829A-3A0A-4C5D-A943-0468855B533A}"/>
               </a:ext>
             </a:extLst>
           </p:cNvPr>
@@ -7879,7 +8861,7 @@
           <p:cNvPr id="12" name="矩形 11">
             <a:extLst>
               <a:ext uri="{FF2B5EF4-FFF2-40B4-BE49-F238E27FC236}">
-                <a16:creationId xmlns:a16="http://schemas.microsoft.com/office/drawing/2014/main" id="{983A2EBE-70CE-46D1-8FD2-B12694DAD77D}"/>
+                <a16:creationId xmlns:a16="http://schemas.microsoft.com/office/drawing/2014/main" xmlns="" id="{983A2EBE-70CE-46D1-8FD2-B12694DAD77D}"/>
               </a:ext>
             </a:extLst>
           </p:cNvPr>
@@ -7928,7 +8910,7 @@
           <p:cNvPr id="21" name="文本框 20">
             <a:extLst>
               <a:ext uri="{FF2B5EF4-FFF2-40B4-BE49-F238E27FC236}">
-                <a16:creationId xmlns:a16="http://schemas.microsoft.com/office/drawing/2014/main" id="{4EE77156-F1B3-491F-8DD9-3076E32F2A70}"/>
+                <a16:creationId xmlns:a16="http://schemas.microsoft.com/office/drawing/2014/main" xmlns="" id="{4EE77156-F1B3-491F-8DD9-3076E32F2A70}"/>
               </a:ext>
             </a:extLst>
           </p:cNvPr>
@@ -7964,7 +8946,7 @@
           <p:cNvPr id="23" name="矩形 22">
             <a:extLst>
               <a:ext uri="{FF2B5EF4-FFF2-40B4-BE49-F238E27FC236}">
-                <a16:creationId xmlns:a16="http://schemas.microsoft.com/office/drawing/2014/main" id="{F36DB166-98A8-4500-A094-4A36D97CA7EC}"/>
+                <a16:creationId xmlns:a16="http://schemas.microsoft.com/office/drawing/2014/main" xmlns="" id="{F36DB166-98A8-4500-A094-4A36D97CA7EC}"/>
               </a:ext>
             </a:extLst>
           </p:cNvPr>
@@ -8031,7 +9013,7 @@
           <p:cNvPr id="25" name="文本框 24">
             <a:extLst>
               <a:ext uri="{FF2B5EF4-FFF2-40B4-BE49-F238E27FC236}">
-                <a16:creationId xmlns:a16="http://schemas.microsoft.com/office/drawing/2014/main" id="{F0A7CA61-3217-4286-A806-23894391D24D}"/>
+                <a16:creationId xmlns:a16="http://schemas.microsoft.com/office/drawing/2014/main" xmlns="" id="{F0A7CA61-3217-4286-A806-23894391D24D}"/>
               </a:ext>
             </a:extLst>
           </p:cNvPr>
@@ -8067,7 +9049,7 @@
           <p:cNvPr id="27" name="矩形 26">
             <a:extLst>
               <a:ext uri="{FF2B5EF4-FFF2-40B4-BE49-F238E27FC236}">
-                <a16:creationId xmlns:a16="http://schemas.microsoft.com/office/drawing/2014/main" id="{3AEC3FFF-31E9-4C61-936E-DB3367CE9A75}"/>
+                <a16:creationId xmlns:a16="http://schemas.microsoft.com/office/drawing/2014/main" xmlns="" id="{3AEC3FFF-31E9-4C61-936E-DB3367CE9A75}"/>
               </a:ext>
             </a:extLst>
           </p:cNvPr>
@@ -8123,7 +9105,7 @@
           <p:cNvPr id="28" name="矩形 27">
             <a:extLst>
               <a:ext uri="{FF2B5EF4-FFF2-40B4-BE49-F238E27FC236}">
-                <a16:creationId xmlns:a16="http://schemas.microsoft.com/office/drawing/2014/main" id="{91793591-2A5C-42EB-B885-9F321E0F87E3}"/>
+                <a16:creationId xmlns:a16="http://schemas.microsoft.com/office/drawing/2014/main" xmlns="" id="{91793591-2A5C-42EB-B885-9F321E0F87E3}"/>
               </a:ext>
             </a:extLst>
           </p:cNvPr>
@@ -8179,7 +9161,7 @@
           <p:cNvPr id="29" name="文本框 28">
             <a:extLst>
               <a:ext uri="{FF2B5EF4-FFF2-40B4-BE49-F238E27FC236}">
-                <a16:creationId xmlns:a16="http://schemas.microsoft.com/office/drawing/2014/main" id="{760B2F17-A9EA-4C4A-A0A2-7CF6CAB0D003}"/>
+                <a16:creationId xmlns:a16="http://schemas.microsoft.com/office/drawing/2014/main" xmlns="" id="{760B2F17-A9EA-4C4A-A0A2-7CF6CAB0D003}"/>
               </a:ext>
             </a:extLst>
           </p:cNvPr>
@@ -8215,7 +9197,7 @@
           <p:cNvPr id="33" name="连接符: 曲线 32">
             <a:extLst>
               <a:ext uri="{FF2B5EF4-FFF2-40B4-BE49-F238E27FC236}">
-                <a16:creationId xmlns:a16="http://schemas.microsoft.com/office/drawing/2014/main" id="{12E436CC-39FB-4692-9904-DD786543B3C3}"/>
+                <a16:creationId xmlns:a16="http://schemas.microsoft.com/office/drawing/2014/main" xmlns="" id="{12E436CC-39FB-4692-9904-DD786543B3C3}"/>
               </a:ext>
             </a:extLst>
           </p:cNvPr>
@@ -8265,7 +9247,7 @@
           <p:cNvPr id="40" name="直接箭头连接符 39">
             <a:extLst>
               <a:ext uri="{FF2B5EF4-FFF2-40B4-BE49-F238E27FC236}">
-                <a16:creationId xmlns:a16="http://schemas.microsoft.com/office/drawing/2014/main" id="{FEEF617A-1B7E-44FA-8021-9D2865AF17C4}"/>
+                <a16:creationId xmlns:a16="http://schemas.microsoft.com/office/drawing/2014/main" xmlns="" id="{FEEF617A-1B7E-44FA-8021-9D2865AF17C4}"/>
               </a:ext>
             </a:extLst>
           </p:cNvPr>
@@ -8306,7 +9288,7 @@
           <p:cNvPr id="44" name="直接箭头连接符 43">
             <a:extLst>
               <a:ext uri="{FF2B5EF4-FFF2-40B4-BE49-F238E27FC236}">
-                <a16:creationId xmlns:a16="http://schemas.microsoft.com/office/drawing/2014/main" id="{492C9865-9954-4E62-894E-E0CDC0373D15}"/>
+                <a16:creationId xmlns:a16="http://schemas.microsoft.com/office/drawing/2014/main" xmlns="" id="{492C9865-9954-4E62-894E-E0CDC0373D15}"/>
               </a:ext>
             </a:extLst>
           </p:cNvPr>
@@ -8347,7 +9329,7 @@
           <p:cNvPr id="47" name="直接箭头连接符 46">
             <a:extLst>
               <a:ext uri="{FF2B5EF4-FFF2-40B4-BE49-F238E27FC236}">
-                <a16:creationId xmlns:a16="http://schemas.microsoft.com/office/drawing/2014/main" id="{5C43AD99-4C1A-4D90-9897-A8B739BA39D0}"/>
+                <a16:creationId xmlns:a16="http://schemas.microsoft.com/office/drawing/2014/main" xmlns="" id="{5C43AD99-4C1A-4D90-9897-A8B739BA39D0}"/>
               </a:ext>
             </a:extLst>
           </p:cNvPr>
@@ -8388,7 +9370,7 @@
           <p:cNvPr id="49" name="直接箭头连接符 48">
             <a:extLst>
               <a:ext uri="{FF2B5EF4-FFF2-40B4-BE49-F238E27FC236}">
-                <a16:creationId xmlns:a16="http://schemas.microsoft.com/office/drawing/2014/main" id="{615253FB-7D66-4DBA-AB51-292CF9F1B588}"/>
+                <a16:creationId xmlns:a16="http://schemas.microsoft.com/office/drawing/2014/main" xmlns="" id="{615253FB-7D66-4DBA-AB51-292CF9F1B588}"/>
               </a:ext>
             </a:extLst>
           </p:cNvPr>
@@ -8429,7 +9411,7 @@
           <p:cNvPr id="51" name="直接箭头连接符 50">
             <a:extLst>
               <a:ext uri="{FF2B5EF4-FFF2-40B4-BE49-F238E27FC236}">
-                <a16:creationId xmlns:a16="http://schemas.microsoft.com/office/drawing/2014/main" id="{8DC4EEC5-F155-41CE-8AF8-4AC845BD104D}"/>
+                <a16:creationId xmlns:a16="http://schemas.microsoft.com/office/drawing/2014/main" xmlns="" id="{8DC4EEC5-F155-41CE-8AF8-4AC845BD104D}"/>
               </a:ext>
             </a:extLst>
           </p:cNvPr>
@@ -8470,7 +9452,7 @@
           <p:cNvPr id="58" name="直接箭头连接符 57">
             <a:extLst>
               <a:ext uri="{FF2B5EF4-FFF2-40B4-BE49-F238E27FC236}">
-                <a16:creationId xmlns:a16="http://schemas.microsoft.com/office/drawing/2014/main" id="{F7ECE1D6-04EE-4CBC-8D51-39BF3B0CE256}"/>
+                <a16:creationId xmlns:a16="http://schemas.microsoft.com/office/drawing/2014/main" xmlns="" id="{F7ECE1D6-04EE-4CBC-8D51-39BF3B0CE256}"/>
               </a:ext>
             </a:extLst>
           </p:cNvPr>
@@ -8511,7 +9493,7 @@
           <p:cNvPr id="61" name="直接箭头连接符 60">
             <a:extLst>
               <a:ext uri="{FF2B5EF4-FFF2-40B4-BE49-F238E27FC236}">
-                <a16:creationId xmlns:a16="http://schemas.microsoft.com/office/drawing/2014/main" id="{78B88B10-7ACA-47D2-96B5-E34061456039}"/>
+                <a16:creationId xmlns:a16="http://schemas.microsoft.com/office/drawing/2014/main" xmlns="" id="{78B88B10-7ACA-47D2-96B5-E34061456039}"/>
               </a:ext>
             </a:extLst>
           </p:cNvPr>
@@ -8550,7 +9532,7 @@
           <p:cNvPr id="66" name="文本框 65">
             <a:extLst>
               <a:ext uri="{FF2B5EF4-FFF2-40B4-BE49-F238E27FC236}">
-                <a16:creationId xmlns:a16="http://schemas.microsoft.com/office/drawing/2014/main" id="{3E433EE7-6317-4167-B463-550F8412D30B}"/>
+                <a16:creationId xmlns:a16="http://schemas.microsoft.com/office/drawing/2014/main" xmlns="" id="{3E433EE7-6317-4167-B463-550F8412D30B}"/>
               </a:ext>
             </a:extLst>
           </p:cNvPr>
@@ -8589,7 +9571,7 @@
           <p:cNvPr id="67" name="直接箭头连接符 66">
             <a:extLst>
               <a:ext uri="{FF2B5EF4-FFF2-40B4-BE49-F238E27FC236}">
-                <a16:creationId xmlns:a16="http://schemas.microsoft.com/office/drawing/2014/main" id="{7DD4FCE3-95CF-474E-BEA3-3C3AA8341DD1}"/>
+                <a16:creationId xmlns:a16="http://schemas.microsoft.com/office/drawing/2014/main" xmlns="" id="{7DD4FCE3-95CF-474E-BEA3-3C3AA8341DD1}"/>
               </a:ext>
             </a:extLst>
           </p:cNvPr>
@@ -8630,7 +9612,7 @@
           <p:cNvPr id="69" name="文本框 68">
             <a:extLst>
               <a:ext uri="{FF2B5EF4-FFF2-40B4-BE49-F238E27FC236}">
-                <a16:creationId xmlns:a16="http://schemas.microsoft.com/office/drawing/2014/main" id="{1D9C18DB-7496-48DB-98EC-AA4683B41D42}"/>
+                <a16:creationId xmlns:a16="http://schemas.microsoft.com/office/drawing/2014/main" xmlns="" id="{1D9C18DB-7496-48DB-98EC-AA4683B41D42}"/>
               </a:ext>
             </a:extLst>
           </p:cNvPr>
@@ -8665,7 +9647,7 @@
           <p:cNvPr id="71" name="文本框 70">
             <a:extLst>
               <a:ext uri="{FF2B5EF4-FFF2-40B4-BE49-F238E27FC236}">
-                <a16:creationId xmlns:a16="http://schemas.microsoft.com/office/drawing/2014/main" id="{5B102524-3FBB-49FA-A8D6-7AF04C5EDC12}"/>
+                <a16:creationId xmlns:a16="http://schemas.microsoft.com/office/drawing/2014/main" xmlns="" id="{5B102524-3FBB-49FA-A8D6-7AF04C5EDC12}"/>
               </a:ext>
             </a:extLst>
           </p:cNvPr>
@@ -8730,7 +9712,7 @@
           <p:cNvPr id="10" name="直接箭头连接符 9">
             <a:extLst>
               <a:ext uri="{FF2B5EF4-FFF2-40B4-BE49-F238E27FC236}">
-                <a16:creationId xmlns:a16="http://schemas.microsoft.com/office/drawing/2014/main" id="{384F1B76-C2AF-4AC4-9F27-20384AD8103E}"/>
+                <a16:creationId xmlns:a16="http://schemas.microsoft.com/office/drawing/2014/main" xmlns="" id="{384F1B76-C2AF-4AC4-9F27-20384AD8103E}"/>
               </a:ext>
             </a:extLst>
           </p:cNvPr>
@@ -8771,7 +9753,7 @@
           <p:cNvPr id="12" name="直接箭头连接符 11">
             <a:extLst>
               <a:ext uri="{FF2B5EF4-FFF2-40B4-BE49-F238E27FC236}">
-                <a16:creationId xmlns:a16="http://schemas.microsoft.com/office/drawing/2014/main" id="{FE2611AA-F6FA-4B2C-8A9F-DAE1E698BE6D}"/>
+                <a16:creationId xmlns:a16="http://schemas.microsoft.com/office/drawing/2014/main" xmlns="" id="{FE2611AA-F6FA-4B2C-8A9F-DAE1E698BE6D}"/>
               </a:ext>
             </a:extLst>
           </p:cNvPr>
@@ -8812,7 +9794,7 @@
           <p:cNvPr id="15" name="直接连接符 14">
             <a:extLst>
               <a:ext uri="{FF2B5EF4-FFF2-40B4-BE49-F238E27FC236}">
-                <a16:creationId xmlns:a16="http://schemas.microsoft.com/office/drawing/2014/main" id="{51CD70E7-B448-4129-8436-181EDEE423F2}"/>
+                <a16:creationId xmlns:a16="http://schemas.microsoft.com/office/drawing/2014/main" xmlns="" id="{51CD70E7-B448-4129-8436-181EDEE423F2}"/>
               </a:ext>
             </a:extLst>
           </p:cNvPr>
@@ -8859,7 +9841,7 @@
           <p:cNvPr id="19" name="任意多边形: 形状 18">
             <a:extLst>
               <a:ext uri="{FF2B5EF4-FFF2-40B4-BE49-F238E27FC236}">
-                <a16:creationId xmlns:a16="http://schemas.microsoft.com/office/drawing/2014/main" id="{0A67EE62-D906-440E-A540-D271ABC47641}"/>
+                <a16:creationId xmlns:a16="http://schemas.microsoft.com/office/drawing/2014/main" xmlns="" id="{0A67EE62-D906-440E-A540-D271ABC47641}"/>
               </a:ext>
             </a:extLst>
           </p:cNvPr>
@@ -8972,7 +9954,7 @@
           <p:cNvPr id="20" name="文本框 19">
             <a:extLst>
               <a:ext uri="{FF2B5EF4-FFF2-40B4-BE49-F238E27FC236}">
-                <a16:creationId xmlns:a16="http://schemas.microsoft.com/office/drawing/2014/main" id="{7093E31E-2E98-4D4A-8C18-3041354FCEEC}"/>
+                <a16:creationId xmlns:a16="http://schemas.microsoft.com/office/drawing/2014/main" xmlns="" id="{7093E31E-2E98-4D4A-8C18-3041354FCEEC}"/>
               </a:ext>
             </a:extLst>
           </p:cNvPr>
@@ -9007,7 +9989,7 @@
           <p:cNvPr id="21" name="文本框 20">
             <a:extLst>
               <a:ext uri="{FF2B5EF4-FFF2-40B4-BE49-F238E27FC236}">
-                <a16:creationId xmlns:a16="http://schemas.microsoft.com/office/drawing/2014/main" id="{0C4124E8-32D6-49F3-93A7-0D56DF6E864B}"/>
+                <a16:creationId xmlns:a16="http://schemas.microsoft.com/office/drawing/2014/main" xmlns="" id="{0C4124E8-32D6-49F3-93A7-0D56DF6E864B}"/>
               </a:ext>
             </a:extLst>
           </p:cNvPr>
@@ -9042,7 +10024,7 @@
           <p:cNvPr id="23" name="文本框 22">
             <a:extLst>
               <a:ext uri="{FF2B5EF4-FFF2-40B4-BE49-F238E27FC236}">
-                <a16:creationId xmlns:a16="http://schemas.microsoft.com/office/drawing/2014/main" id="{B66DD459-74BF-4036-B863-ED537C5ABE93}"/>
+                <a16:creationId xmlns:a16="http://schemas.microsoft.com/office/drawing/2014/main" xmlns="" id="{B66DD459-74BF-4036-B863-ED537C5ABE93}"/>
               </a:ext>
             </a:extLst>
           </p:cNvPr>
@@ -9077,7 +10059,7 @@
           <p:cNvPr id="24" name="文本框 23">
             <a:extLst>
               <a:ext uri="{FF2B5EF4-FFF2-40B4-BE49-F238E27FC236}">
-                <a16:creationId xmlns:a16="http://schemas.microsoft.com/office/drawing/2014/main" id="{5CFCA0A9-E0B3-4B01-A10E-E26DD8EA203E}"/>
+                <a16:creationId xmlns:a16="http://schemas.microsoft.com/office/drawing/2014/main" xmlns="" id="{5CFCA0A9-E0B3-4B01-A10E-E26DD8EA203E}"/>
               </a:ext>
             </a:extLst>
           </p:cNvPr>
@@ -9112,7 +10094,7 @@
           <p:cNvPr id="25" name="文本框 24">
             <a:extLst>
               <a:ext uri="{FF2B5EF4-FFF2-40B4-BE49-F238E27FC236}">
-                <a16:creationId xmlns:a16="http://schemas.microsoft.com/office/drawing/2014/main" id="{A0DD4A8C-50F5-4642-9102-C846D93EAB22}"/>
+                <a16:creationId xmlns:a16="http://schemas.microsoft.com/office/drawing/2014/main" xmlns="" id="{A0DD4A8C-50F5-4642-9102-C846D93EAB22}"/>
               </a:ext>
             </a:extLst>
           </p:cNvPr>
@@ -9147,7 +10129,7 @@
           <p:cNvPr id="26" name="直接连接符 25">
             <a:extLst>
               <a:ext uri="{FF2B5EF4-FFF2-40B4-BE49-F238E27FC236}">
-                <a16:creationId xmlns:a16="http://schemas.microsoft.com/office/drawing/2014/main" id="{D47BE340-19CE-4ADE-AC1B-81D8F6BE38FB}"/>
+                <a16:creationId xmlns:a16="http://schemas.microsoft.com/office/drawing/2014/main" xmlns="" id="{D47BE340-19CE-4ADE-AC1B-81D8F6BE38FB}"/>
               </a:ext>
             </a:extLst>
           </p:cNvPr>
@@ -9194,7 +10176,7 @@
           <p:cNvPr id="29" name="文本框 28">
             <a:extLst>
               <a:ext uri="{FF2B5EF4-FFF2-40B4-BE49-F238E27FC236}">
-                <a16:creationId xmlns:a16="http://schemas.microsoft.com/office/drawing/2014/main" id="{D4349BA1-913E-410D-815F-53DB1E78ADB7}"/>
+                <a16:creationId xmlns:a16="http://schemas.microsoft.com/office/drawing/2014/main" xmlns="" id="{D4349BA1-913E-410D-815F-53DB1E78ADB7}"/>
               </a:ext>
             </a:extLst>
           </p:cNvPr>
@@ -9229,7 +10211,7 @@
           <p:cNvPr id="34" name="文本框 33">
             <a:extLst>
               <a:ext uri="{FF2B5EF4-FFF2-40B4-BE49-F238E27FC236}">
-                <a16:creationId xmlns:a16="http://schemas.microsoft.com/office/drawing/2014/main" id="{14B3CC57-508F-471F-AC91-057E0CE5AC58}"/>
+                <a16:creationId xmlns:a16="http://schemas.microsoft.com/office/drawing/2014/main" xmlns="" id="{14B3CC57-508F-471F-AC91-057E0CE5AC58}"/>
               </a:ext>
             </a:extLst>
           </p:cNvPr>
@@ -9264,7 +10246,7 @@
           <p:cNvPr id="36" name="直接箭头连接符 35">
             <a:extLst>
               <a:ext uri="{FF2B5EF4-FFF2-40B4-BE49-F238E27FC236}">
-                <a16:creationId xmlns:a16="http://schemas.microsoft.com/office/drawing/2014/main" id="{B0AB6EEC-A98A-47C5-BADB-6FA1414DA107}"/>
+                <a16:creationId xmlns:a16="http://schemas.microsoft.com/office/drawing/2014/main" xmlns="" id="{B0AB6EEC-A98A-47C5-BADB-6FA1414DA107}"/>
               </a:ext>
             </a:extLst>
           </p:cNvPr>
@@ -9303,7 +10285,7 @@
           <p:cNvPr id="42" name="直接连接符 41">
             <a:extLst>
               <a:ext uri="{FF2B5EF4-FFF2-40B4-BE49-F238E27FC236}">
-                <a16:creationId xmlns:a16="http://schemas.microsoft.com/office/drawing/2014/main" id="{7BF469AD-CE32-4BF3-84BD-EB1C5EB36C65}"/>
+                <a16:creationId xmlns:a16="http://schemas.microsoft.com/office/drawing/2014/main" xmlns="" id="{7BF469AD-CE32-4BF3-84BD-EB1C5EB36C65}"/>
               </a:ext>
             </a:extLst>
           </p:cNvPr>
@@ -9350,7 +10332,7 @@
           <p:cNvPr id="43" name="直接连接符 42">
             <a:extLst>
               <a:ext uri="{FF2B5EF4-FFF2-40B4-BE49-F238E27FC236}">
-                <a16:creationId xmlns:a16="http://schemas.microsoft.com/office/drawing/2014/main" id="{DFDDB405-B891-4116-9A07-B1842F958E1E}"/>
+                <a16:creationId xmlns:a16="http://schemas.microsoft.com/office/drawing/2014/main" xmlns="" id="{DFDDB405-B891-4116-9A07-B1842F958E1E}"/>
               </a:ext>
             </a:extLst>
           </p:cNvPr>
@@ -9388,7 +10370,7 @@
           <p:cNvPr id="47" name="文本框 46">
             <a:extLst>
               <a:ext uri="{FF2B5EF4-FFF2-40B4-BE49-F238E27FC236}">
-                <a16:creationId xmlns:a16="http://schemas.microsoft.com/office/drawing/2014/main" id="{04035B89-C4F6-4E83-9525-44314E88A8EA}"/>
+                <a16:creationId xmlns:a16="http://schemas.microsoft.com/office/drawing/2014/main" xmlns="" id="{04035B89-C4F6-4E83-9525-44314E88A8EA}"/>
               </a:ext>
             </a:extLst>
           </p:cNvPr>
@@ -9423,7 +10405,7 @@
           <p:cNvPr id="48" name="文本框 47">
             <a:extLst>
               <a:ext uri="{FF2B5EF4-FFF2-40B4-BE49-F238E27FC236}">
-                <a16:creationId xmlns:a16="http://schemas.microsoft.com/office/drawing/2014/main" id="{BC4F941D-E23A-4504-8001-A4FBD4929DD4}"/>
+                <a16:creationId xmlns:a16="http://schemas.microsoft.com/office/drawing/2014/main" xmlns="" id="{BC4F941D-E23A-4504-8001-A4FBD4929DD4}"/>
               </a:ext>
             </a:extLst>
           </p:cNvPr>
@@ -9458,7 +10440,7 @@
           <p:cNvPr id="49" name="文本框 48">
             <a:extLst>
               <a:ext uri="{FF2B5EF4-FFF2-40B4-BE49-F238E27FC236}">
-                <a16:creationId xmlns:a16="http://schemas.microsoft.com/office/drawing/2014/main" id="{97389BA0-89E0-404D-86B9-C76189F4DD7C}"/>
+                <a16:creationId xmlns:a16="http://schemas.microsoft.com/office/drawing/2014/main" xmlns="" id="{97389BA0-89E0-404D-86B9-C76189F4DD7C}"/>
               </a:ext>
             </a:extLst>
           </p:cNvPr>
@@ -9493,7 +10475,7 @@
           <p:cNvPr id="50" name="文本框 49">
             <a:extLst>
               <a:ext uri="{FF2B5EF4-FFF2-40B4-BE49-F238E27FC236}">
-                <a16:creationId xmlns:a16="http://schemas.microsoft.com/office/drawing/2014/main" id="{7F0DB7F1-B82F-42CE-ACDC-37AC5C6954CA}"/>
+                <a16:creationId xmlns:a16="http://schemas.microsoft.com/office/drawing/2014/main" xmlns="" id="{7F0DB7F1-B82F-42CE-ACDC-37AC5C6954CA}"/>
               </a:ext>
             </a:extLst>
           </p:cNvPr>
@@ -9528,7 +10510,7 @@
           <p:cNvPr id="52" name="文本框 51">
             <a:extLst>
               <a:ext uri="{FF2B5EF4-FFF2-40B4-BE49-F238E27FC236}">
-                <a16:creationId xmlns:a16="http://schemas.microsoft.com/office/drawing/2014/main" id="{AC916A03-D144-4CD7-B730-9B1A311E64CE}"/>
+                <a16:creationId xmlns:a16="http://schemas.microsoft.com/office/drawing/2014/main" xmlns="" id="{AC916A03-D144-4CD7-B730-9B1A311E64CE}"/>
               </a:ext>
             </a:extLst>
           </p:cNvPr>
@@ -9563,7 +10545,7 @@
           <p:cNvPr id="53" name="文本框 52">
             <a:extLst>
               <a:ext uri="{FF2B5EF4-FFF2-40B4-BE49-F238E27FC236}">
-                <a16:creationId xmlns:a16="http://schemas.microsoft.com/office/drawing/2014/main" id="{768AE94A-1229-47DE-BF96-017F39C3AC42}"/>
+                <a16:creationId xmlns:a16="http://schemas.microsoft.com/office/drawing/2014/main" xmlns="" id="{768AE94A-1229-47DE-BF96-017F39C3AC42}"/>
               </a:ext>
             </a:extLst>
           </p:cNvPr>
@@ -9622,7 +10604,7 @@
           <p:cNvPr id="54" name="文本框 53">
             <a:extLst>
               <a:ext uri="{FF2B5EF4-FFF2-40B4-BE49-F238E27FC236}">
-                <a16:creationId xmlns:a16="http://schemas.microsoft.com/office/drawing/2014/main" id="{9F570005-FC33-4F64-9C52-9A3BA87968C7}"/>
+                <a16:creationId xmlns:a16="http://schemas.microsoft.com/office/drawing/2014/main" xmlns="" id="{9F570005-FC33-4F64-9C52-9A3BA87968C7}"/>
               </a:ext>
             </a:extLst>
           </p:cNvPr>
@@ -9657,7 +10639,7 @@
           <p:cNvPr id="56" name="文本框 55">
             <a:extLst>
               <a:ext uri="{FF2B5EF4-FFF2-40B4-BE49-F238E27FC236}">
-                <a16:creationId xmlns:a16="http://schemas.microsoft.com/office/drawing/2014/main" id="{DE91981C-7E7A-4864-877D-B37545D88BD6}"/>
+                <a16:creationId xmlns:a16="http://schemas.microsoft.com/office/drawing/2014/main" xmlns="" id="{DE91981C-7E7A-4864-877D-B37545D88BD6}"/>
               </a:ext>
             </a:extLst>
           </p:cNvPr>
@@ -9692,7 +10674,7 @@
           <p:cNvPr id="27" name="文本框 26">
             <a:extLst>
               <a:ext uri="{FF2B5EF4-FFF2-40B4-BE49-F238E27FC236}">
-                <a16:creationId xmlns:a16="http://schemas.microsoft.com/office/drawing/2014/main" id="{2C793485-6599-4978-A44C-3EC33AF681C2}"/>
+                <a16:creationId xmlns:a16="http://schemas.microsoft.com/office/drawing/2014/main" xmlns="" id="{2C793485-6599-4978-A44C-3EC33AF681C2}"/>
               </a:ext>
             </a:extLst>
           </p:cNvPr>
@@ -9727,7 +10709,7 @@
           <p:cNvPr id="28" name="文本框 27">
             <a:extLst>
               <a:ext uri="{FF2B5EF4-FFF2-40B4-BE49-F238E27FC236}">
-                <a16:creationId xmlns:a16="http://schemas.microsoft.com/office/drawing/2014/main" id="{5088EC9A-7D27-4AC8-A255-76A1B4F9C400}"/>
+                <a16:creationId xmlns:a16="http://schemas.microsoft.com/office/drawing/2014/main" xmlns="" id="{5088EC9A-7D27-4AC8-A255-76A1B4F9C400}"/>
               </a:ext>
             </a:extLst>
           </p:cNvPr>
@@ -9792,7 +10774,7 @@
           <p:cNvPr id="5" name="矩形 4">
             <a:extLst>
               <a:ext uri="{FF2B5EF4-FFF2-40B4-BE49-F238E27FC236}">
-                <a16:creationId xmlns:a16="http://schemas.microsoft.com/office/drawing/2014/main" id="{F36BE865-7B21-4250-BFFD-86A8E0F8ADB5}"/>
+                <a16:creationId xmlns:a16="http://schemas.microsoft.com/office/drawing/2014/main" xmlns="" id="{F36BE865-7B21-4250-BFFD-86A8E0F8ADB5}"/>
               </a:ext>
             </a:extLst>
           </p:cNvPr>
@@ -9842,7 +10824,7 @@
           <p:cNvPr id="7" name="矩形 6">
             <a:extLst>
               <a:ext uri="{FF2B5EF4-FFF2-40B4-BE49-F238E27FC236}">
-                <a16:creationId xmlns:a16="http://schemas.microsoft.com/office/drawing/2014/main" id="{E8E5F9F8-EF44-4CF4-99F9-2EDEBC55E358}"/>
+                <a16:creationId xmlns:a16="http://schemas.microsoft.com/office/drawing/2014/main" xmlns="" id="{E8E5F9F8-EF44-4CF4-99F9-2EDEBC55E358}"/>
               </a:ext>
             </a:extLst>
           </p:cNvPr>
@@ -9892,7 +10874,7 @@
           <p:cNvPr id="8" name="矩形 7">
             <a:extLst>
               <a:ext uri="{FF2B5EF4-FFF2-40B4-BE49-F238E27FC236}">
-                <a16:creationId xmlns:a16="http://schemas.microsoft.com/office/drawing/2014/main" id="{D7E10CBA-46D3-469F-A072-36780CD609E5}"/>
+                <a16:creationId xmlns:a16="http://schemas.microsoft.com/office/drawing/2014/main" xmlns="" id="{D7E10CBA-46D3-469F-A072-36780CD609E5}"/>
               </a:ext>
             </a:extLst>
           </p:cNvPr>
@@ -9950,7 +10932,7 @@
           <p:cNvPr id="9" name="矩形 8">
             <a:extLst>
               <a:ext uri="{FF2B5EF4-FFF2-40B4-BE49-F238E27FC236}">
-                <a16:creationId xmlns:a16="http://schemas.microsoft.com/office/drawing/2014/main" id="{1D18D491-FADC-474C-9156-D320BCFD8427}"/>
+                <a16:creationId xmlns:a16="http://schemas.microsoft.com/office/drawing/2014/main" xmlns="" id="{1D18D491-FADC-474C-9156-D320BCFD8427}"/>
               </a:ext>
             </a:extLst>
           </p:cNvPr>
@@ -10008,7 +10990,7 @@
           <p:cNvPr id="10" name="矩形 9">
             <a:extLst>
               <a:ext uri="{FF2B5EF4-FFF2-40B4-BE49-F238E27FC236}">
-                <a16:creationId xmlns:a16="http://schemas.microsoft.com/office/drawing/2014/main" id="{F448BB24-B392-4997-AFE2-CA12C454718E}"/>
+                <a16:creationId xmlns:a16="http://schemas.microsoft.com/office/drawing/2014/main" xmlns="" id="{F448BB24-B392-4997-AFE2-CA12C454718E}"/>
               </a:ext>
             </a:extLst>
           </p:cNvPr>
@@ -10058,7 +11040,7 @@
           <p:cNvPr id="11" name="矩形 10">
             <a:extLst>
               <a:ext uri="{FF2B5EF4-FFF2-40B4-BE49-F238E27FC236}">
-                <a16:creationId xmlns:a16="http://schemas.microsoft.com/office/drawing/2014/main" id="{81A72F5E-A07A-490B-8CB4-7122FCD51667}"/>
+                <a16:creationId xmlns:a16="http://schemas.microsoft.com/office/drawing/2014/main" xmlns="" id="{81A72F5E-A07A-490B-8CB4-7122FCD51667}"/>
               </a:ext>
             </a:extLst>
           </p:cNvPr>
@@ -10108,7 +11090,7 @@
           <p:cNvPr id="17" name="矩形 16">
             <a:extLst>
               <a:ext uri="{FF2B5EF4-FFF2-40B4-BE49-F238E27FC236}">
-                <a16:creationId xmlns:a16="http://schemas.microsoft.com/office/drawing/2014/main" id="{F70AA065-6C54-460E-B387-AE3988EC908A}"/>
+                <a16:creationId xmlns:a16="http://schemas.microsoft.com/office/drawing/2014/main" xmlns="" id="{F70AA065-6C54-460E-B387-AE3988EC908A}"/>
               </a:ext>
             </a:extLst>
           </p:cNvPr>
@@ -10166,7 +11148,7 @@
           <p:cNvPr id="19" name="矩形 18">
             <a:extLst>
               <a:ext uri="{FF2B5EF4-FFF2-40B4-BE49-F238E27FC236}">
-                <a16:creationId xmlns:a16="http://schemas.microsoft.com/office/drawing/2014/main" id="{3A50990A-5C6C-4688-BC71-E8158F04F2EA}"/>
+                <a16:creationId xmlns:a16="http://schemas.microsoft.com/office/drawing/2014/main" xmlns="" id="{3A50990A-5C6C-4688-BC71-E8158F04F2EA}"/>
               </a:ext>
             </a:extLst>
           </p:cNvPr>
@@ -10224,7 +11206,7 @@
           <p:cNvPr id="20" name="文本框 19">
             <a:extLst>
               <a:ext uri="{FF2B5EF4-FFF2-40B4-BE49-F238E27FC236}">
-                <a16:creationId xmlns:a16="http://schemas.microsoft.com/office/drawing/2014/main" id="{8B572BE0-C6FE-4D19-B0DE-77F09A93650E}"/>
+                <a16:creationId xmlns:a16="http://schemas.microsoft.com/office/drawing/2014/main" xmlns="" id="{8B572BE0-C6FE-4D19-B0DE-77F09A93650E}"/>
               </a:ext>
             </a:extLst>
           </p:cNvPr>
@@ -10259,7 +11241,7 @@
           <p:cNvPr id="21" name="文本框 20">
             <a:extLst>
               <a:ext uri="{FF2B5EF4-FFF2-40B4-BE49-F238E27FC236}">
-                <a16:creationId xmlns:a16="http://schemas.microsoft.com/office/drawing/2014/main" id="{44DE6424-7F7B-4601-ADC1-53126EBCADF1}"/>
+                <a16:creationId xmlns:a16="http://schemas.microsoft.com/office/drawing/2014/main" xmlns="" id="{44DE6424-7F7B-4601-ADC1-53126EBCADF1}"/>
               </a:ext>
             </a:extLst>
           </p:cNvPr>
@@ -10294,7 +11276,7 @@
           <p:cNvPr id="22" name="直接箭头连接符 21">
             <a:extLst>
               <a:ext uri="{FF2B5EF4-FFF2-40B4-BE49-F238E27FC236}">
-                <a16:creationId xmlns:a16="http://schemas.microsoft.com/office/drawing/2014/main" id="{CFDD6FE9-561B-4CFC-AFFF-4C2776509DDA}"/>
+                <a16:creationId xmlns:a16="http://schemas.microsoft.com/office/drawing/2014/main" xmlns="" id="{CFDD6FE9-561B-4CFC-AFFF-4C2776509DDA}"/>
               </a:ext>
             </a:extLst>
           </p:cNvPr>
@@ -10335,7 +11317,7 @@
           <p:cNvPr id="29" name="直接箭头连接符 28">
             <a:extLst>
               <a:ext uri="{FF2B5EF4-FFF2-40B4-BE49-F238E27FC236}">
-                <a16:creationId xmlns:a16="http://schemas.microsoft.com/office/drawing/2014/main" id="{85C6D190-FFB5-4BB0-98B3-76E18E8031DC}"/>
+                <a16:creationId xmlns:a16="http://schemas.microsoft.com/office/drawing/2014/main" xmlns="" id="{85C6D190-FFB5-4BB0-98B3-76E18E8031DC}"/>
               </a:ext>
             </a:extLst>
           </p:cNvPr>
@@ -10377,7 +11359,7 @@
           <p:cNvPr id="35" name="文本框 34">
             <a:extLst>
               <a:ext uri="{FF2B5EF4-FFF2-40B4-BE49-F238E27FC236}">
-                <a16:creationId xmlns:a16="http://schemas.microsoft.com/office/drawing/2014/main" id="{CA0632E5-6F3A-4CB4-9B64-8C84859E75EE}"/>
+                <a16:creationId xmlns:a16="http://schemas.microsoft.com/office/drawing/2014/main" xmlns="" id="{CA0632E5-6F3A-4CB4-9B64-8C84859E75EE}"/>
               </a:ext>
             </a:extLst>
           </p:cNvPr>
@@ -10421,7 +11403,7 @@
           <p:cNvPr id="36" name="文本框 35">
             <a:extLst>
               <a:ext uri="{FF2B5EF4-FFF2-40B4-BE49-F238E27FC236}">
-                <a16:creationId xmlns:a16="http://schemas.microsoft.com/office/drawing/2014/main" id="{C742029E-3F86-4E94-9E81-4DB3C8948AFB}"/>
+                <a16:creationId xmlns:a16="http://schemas.microsoft.com/office/drawing/2014/main" xmlns="" id="{C742029E-3F86-4E94-9E81-4DB3C8948AFB}"/>
               </a:ext>
             </a:extLst>
           </p:cNvPr>
@@ -10465,7 +11447,7 @@
           <p:cNvPr id="43" name="文本框 42">
             <a:extLst>
               <a:ext uri="{FF2B5EF4-FFF2-40B4-BE49-F238E27FC236}">
-                <a16:creationId xmlns:a16="http://schemas.microsoft.com/office/drawing/2014/main" id="{14FE0152-73AD-40F9-8C67-D8D51F2BEBDB}"/>
+                <a16:creationId xmlns:a16="http://schemas.microsoft.com/office/drawing/2014/main" xmlns="" id="{14FE0152-73AD-40F9-8C67-D8D51F2BEBDB}"/>
               </a:ext>
             </a:extLst>
           </p:cNvPr>
@@ -10501,7 +11483,7 @@
           <p:cNvPr id="44" name="文本框 43">
             <a:extLst>
               <a:ext uri="{FF2B5EF4-FFF2-40B4-BE49-F238E27FC236}">
-                <a16:creationId xmlns:a16="http://schemas.microsoft.com/office/drawing/2014/main" id="{A41959A7-12C4-4694-92E1-5DDAC3C07EB6}"/>
+                <a16:creationId xmlns:a16="http://schemas.microsoft.com/office/drawing/2014/main" xmlns="" id="{A41959A7-12C4-4694-92E1-5DDAC3C07EB6}"/>
               </a:ext>
             </a:extLst>
           </p:cNvPr>
@@ -10567,7 +11549,7 @@
           <p:cNvPr id="4" name="矩形 3">
             <a:extLst>
               <a:ext uri="{FF2B5EF4-FFF2-40B4-BE49-F238E27FC236}">
-                <a16:creationId xmlns:a16="http://schemas.microsoft.com/office/drawing/2014/main" id="{58B8082A-F6DF-4EC1-BF40-3BD6C0FB7965}"/>
+                <a16:creationId xmlns:a16="http://schemas.microsoft.com/office/drawing/2014/main" xmlns="" id="{58B8082A-F6DF-4EC1-BF40-3BD6C0FB7965}"/>
               </a:ext>
             </a:extLst>
           </p:cNvPr>
@@ -10625,7 +11607,7 @@
           <p:cNvPr id="5" name="矩形 4">
             <a:extLst>
               <a:ext uri="{FF2B5EF4-FFF2-40B4-BE49-F238E27FC236}">
-                <a16:creationId xmlns:a16="http://schemas.microsoft.com/office/drawing/2014/main" id="{9CD3D09A-C59D-431A-B00A-0186FE499A40}"/>
+                <a16:creationId xmlns:a16="http://schemas.microsoft.com/office/drawing/2014/main" xmlns="" id="{9CD3D09A-C59D-431A-B00A-0186FE499A40}"/>
               </a:ext>
             </a:extLst>
           </p:cNvPr>
@@ -10683,7 +11665,7 @@
           <p:cNvPr id="10" name="矩形 9">
             <a:extLst>
               <a:ext uri="{FF2B5EF4-FFF2-40B4-BE49-F238E27FC236}">
-                <a16:creationId xmlns:a16="http://schemas.microsoft.com/office/drawing/2014/main" id="{BC3B8D48-6E4F-4B38-B435-52FC28C2B954}"/>
+                <a16:creationId xmlns:a16="http://schemas.microsoft.com/office/drawing/2014/main" xmlns="" id="{BC3B8D48-6E4F-4B38-B435-52FC28C2B954}"/>
               </a:ext>
             </a:extLst>
           </p:cNvPr>
@@ -10776,7 +11758,7 @@
           <p:cNvPr id="11" name="矩形 10">
             <a:extLst>
               <a:ext uri="{FF2B5EF4-FFF2-40B4-BE49-F238E27FC236}">
-                <a16:creationId xmlns:a16="http://schemas.microsoft.com/office/drawing/2014/main" id="{4B6FCF57-0AFF-457F-A590-5B98AA683D17}"/>
+                <a16:creationId xmlns:a16="http://schemas.microsoft.com/office/drawing/2014/main" xmlns="" id="{4B6FCF57-0AFF-457F-A590-5B98AA683D17}"/>
               </a:ext>
             </a:extLst>
           </p:cNvPr>
@@ -10832,7 +11814,7 @@
           <p:cNvPr id="31" name="矩形 30">
             <a:extLst>
               <a:ext uri="{FF2B5EF4-FFF2-40B4-BE49-F238E27FC236}">
-                <a16:creationId xmlns:a16="http://schemas.microsoft.com/office/drawing/2014/main" id="{EF2A1037-A467-4B94-9935-0F8BB92BFC1F}"/>
+                <a16:creationId xmlns:a16="http://schemas.microsoft.com/office/drawing/2014/main" xmlns="" id="{EF2A1037-A467-4B94-9935-0F8BB92BFC1F}"/>
               </a:ext>
             </a:extLst>
           </p:cNvPr>
@@ -10925,7 +11907,7 @@
           <p:cNvPr id="32" name="矩形 31">
             <a:extLst>
               <a:ext uri="{FF2B5EF4-FFF2-40B4-BE49-F238E27FC236}">
-                <a16:creationId xmlns:a16="http://schemas.microsoft.com/office/drawing/2014/main" id="{D88B8F98-6F20-45DD-9400-3B1D1F0453A4}"/>
+                <a16:creationId xmlns:a16="http://schemas.microsoft.com/office/drawing/2014/main" xmlns="" id="{D88B8F98-6F20-45DD-9400-3B1D1F0453A4}"/>
               </a:ext>
             </a:extLst>
           </p:cNvPr>
@@ -11005,7 +11987,7 @@
           <p:cNvPr id="33" name="矩形 32">
             <a:extLst>
               <a:ext uri="{FF2B5EF4-FFF2-40B4-BE49-F238E27FC236}">
-                <a16:creationId xmlns:a16="http://schemas.microsoft.com/office/drawing/2014/main" id="{96B31AB4-A3BE-491D-80B5-FC8E9E8F3B89}"/>
+                <a16:creationId xmlns:a16="http://schemas.microsoft.com/office/drawing/2014/main" xmlns="" id="{96B31AB4-A3BE-491D-80B5-FC8E9E8F3B89}"/>
               </a:ext>
             </a:extLst>
           </p:cNvPr>
@@ -11085,7 +12067,7 @@
           <p:cNvPr id="35" name="直接箭头连接符 34">
             <a:extLst>
               <a:ext uri="{FF2B5EF4-FFF2-40B4-BE49-F238E27FC236}">
-                <a16:creationId xmlns:a16="http://schemas.microsoft.com/office/drawing/2014/main" id="{1E6F5207-1BDC-4643-9C9E-6623861D441B}"/>
+                <a16:creationId xmlns:a16="http://schemas.microsoft.com/office/drawing/2014/main" xmlns="" id="{1E6F5207-1BDC-4643-9C9E-6623861D441B}"/>
               </a:ext>
             </a:extLst>
           </p:cNvPr>
@@ -11126,7 +12108,7 @@
           <p:cNvPr id="36" name="直接箭头连接符 35">
             <a:extLst>
               <a:ext uri="{FF2B5EF4-FFF2-40B4-BE49-F238E27FC236}">
-                <a16:creationId xmlns:a16="http://schemas.microsoft.com/office/drawing/2014/main" id="{A4703AD2-4CED-4846-B98D-D8E853AD4F88}"/>
+                <a16:creationId xmlns:a16="http://schemas.microsoft.com/office/drawing/2014/main" xmlns="" id="{A4703AD2-4CED-4846-B98D-D8E853AD4F88}"/>
               </a:ext>
             </a:extLst>
           </p:cNvPr>
@@ -11168,7 +12150,7 @@
           <p:cNvPr id="39" name="直接箭头连接符 38">
             <a:extLst>
               <a:ext uri="{FF2B5EF4-FFF2-40B4-BE49-F238E27FC236}">
-                <a16:creationId xmlns:a16="http://schemas.microsoft.com/office/drawing/2014/main" id="{6782F2B9-3D7E-418A-8999-C53D7BC278C2}"/>
+                <a16:creationId xmlns:a16="http://schemas.microsoft.com/office/drawing/2014/main" xmlns="" id="{6782F2B9-3D7E-418A-8999-C53D7BC278C2}"/>
               </a:ext>
             </a:extLst>
           </p:cNvPr>
@@ -11210,7 +12192,7 @@
           <p:cNvPr id="40" name="直接箭头连接符 39">
             <a:extLst>
               <a:ext uri="{FF2B5EF4-FFF2-40B4-BE49-F238E27FC236}">
-                <a16:creationId xmlns:a16="http://schemas.microsoft.com/office/drawing/2014/main" id="{9DDE1784-4D90-4CDB-8958-7134D22C540C}"/>
+                <a16:creationId xmlns:a16="http://schemas.microsoft.com/office/drawing/2014/main" xmlns="" id="{9DDE1784-4D90-4CDB-8958-7134D22C540C}"/>
               </a:ext>
             </a:extLst>
           </p:cNvPr>
@@ -11252,7 +12234,7 @@
           <p:cNvPr id="43" name="直接箭头连接符 42">
             <a:extLst>
               <a:ext uri="{FF2B5EF4-FFF2-40B4-BE49-F238E27FC236}">
-                <a16:creationId xmlns:a16="http://schemas.microsoft.com/office/drawing/2014/main" id="{7E7320D9-20F1-409F-BAB9-6A470BB85565}"/>
+                <a16:creationId xmlns:a16="http://schemas.microsoft.com/office/drawing/2014/main" xmlns="" id="{7E7320D9-20F1-409F-BAB9-6A470BB85565}"/>
               </a:ext>
             </a:extLst>
           </p:cNvPr>
@@ -11294,7 +12276,7 @@
           <p:cNvPr id="45" name="直接箭头连接符 44">
             <a:extLst>
               <a:ext uri="{FF2B5EF4-FFF2-40B4-BE49-F238E27FC236}">
-                <a16:creationId xmlns:a16="http://schemas.microsoft.com/office/drawing/2014/main" id="{EBEC6402-B275-4B5D-8B2E-B7E0159423E5}"/>
+                <a16:creationId xmlns:a16="http://schemas.microsoft.com/office/drawing/2014/main" xmlns="" id="{EBEC6402-B275-4B5D-8B2E-B7E0159423E5}"/>
               </a:ext>
             </a:extLst>
           </p:cNvPr>
@@ -11367,7 +12349,7 @@
           <p:cNvPr id="6" name="矩形 5">
             <a:extLst>
               <a:ext uri="{FF2B5EF4-FFF2-40B4-BE49-F238E27FC236}">
-                <a16:creationId xmlns:a16="http://schemas.microsoft.com/office/drawing/2014/main" id="{D508BBC3-EFEE-4733-9DA1-7651441D5AB6}"/>
+                <a16:creationId xmlns:a16="http://schemas.microsoft.com/office/drawing/2014/main" xmlns="" id="{D508BBC3-EFEE-4733-9DA1-7651441D5AB6}"/>
               </a:ext>
             </a:extLst>
           </p:cNvPr>
@@ -11420,7 +12402,7 @@
           <p:cNvPr id="7" name="矩形 6">
             <a:extLst>
               <a:ext uri="{FF2B5EF4-FFF2-40B4-BE49-F238E27FC236}">
-                <a16:creationId xmlns:a16="http://schemas.microsoft.com/office/drawing/2014/main" id="{64423385-122B-46F7-AA4C-553A747B9F89}"/>
+                <a16:creationId xmlns:a16="http://schemas.microsoft.com/office/drawing/2014/main" xmlns="" id="{64423385-122B-46F7-AA4C-553A747B9F89}"/>
               </a:ext>
             </a:extLst>
           </p:cNvPr>
@@ -11470,7 +12452,7 @@
           <p:cNvPr id="9" name="矩形 8">
             <a:extLst>
               <a:ext uri="{FF2B5EF4-FFF2-40B4-BE49-F238E27FC236}">
-                <a16:creationId xmlns:a16="http://schemas.microsoft.com/office/drawing/2014/main" id="{AE59D648-B444-499D-B993-95A3465CD66C}"/>
+                <a16:creationId xmlns:a16="http://schemas.microsoft.com/office/drawing/2014/main" xmlns="" id="{AE59D648-B444-499D-B993-95A3465CD66C}"/>
               </a:ext>
             </a:extLst>
           </p:cNvPr>
@@ -11520,7 +12502,7 @@
           <p:cNvPr id="10" name="矩形 9">
             <a:extLst>
               <a:ext uri="{FF2B5EF4-FFF2-40B4-BE49-F238E27FC236}">
-                <a16:creationId xmlns:a16="http://schemas.microsoft.com/office/drawing/2014/main" id="{B0D0B1F7-8794-4736-8035-C79723EDF835}"/>
+                <a16:creationId xmlns:a16="http://schemas.microsoft.com/office/drawing/2014/main" xmlns="" id="{B0D0B1F7-8794-4736-8035-C79723EDF835}"/>
               </a:ext>
             </a:extLst>
           </p:cNvPr>
@@ -11570,7 +12552,7 @@
           <p:cNvPr id="13" name="矩形 12">
             <a:extLst>
               <a:ext uri="{FF2B5EF4-FFF2-40B4-BE49-F238E27FC236}">
-                <a16:creationId xmlns:a16="http://schemas.microsoft.com/office/drawing/2014/main" id="{C1290000-766D-4234-9362-CC695A343C49}"/>
+                <a16:creationId xmlns:a16="http://schemas.microsoft.com/office/drawing/2014/main" xmlns="" id="{C1290000-766D-4234-9362-CC695A343C49}"/>
               </a:ext>
             </a:extLst>
           </p:cNvPr>
@@ -11620,7 +12602,7 @@
           <p:cNvPr id="14" name="矩形 13">
             <a:extLst>
               <a:ext uri="{FF2B5EF4-FFF2-40B4-BE49-F238E27FC236}">
-                <a16:creationId xmlns:a16="http://schemas.microsoft.com/office/drawing/2014/main" id="{1496CB02-DD80-45E0-A616-56DF54E00F05}"/>
+                <a16:creationId xmlns:a16="http://schemas.microsoft.com/office/drawing/2014/main" xmlns="" id="{1496CB02-DD80-45E0-A616-56DF54E00F05}"/>
               </a:ext>
             </a:extLst>
           </p:cNvPr>
@@ -11670,7 +12652,7 @@
           <p:cNvPr id="15" name="矩形 14">
             <a:extLst>
               <a:ext uri="{FF2B5EF4-FFF2-40B4-BE49-F238E27FC236}">
-                <a16:creationId xmlns:a16="http://schemas.microsoft.com/office/drawing/2014/main" id="{3560163B-CF16-45B8-8D18-C0F86ADD9280}"/>
+                <a16:creationId xmlns:a16="http://schemas.microsoft.com/office/drawing/2014/main" xmlns="" id="{3560163B-CF16-45B8-8D18-C0F86ADD9280}"/>
               </a:ext>
             </a:extLst>
           </p:cNvPr>
@@ -11721,7 +12703,7 @@
           <p:cNvPr id="16" name="矩形 15">
             <a:extLst>
               <a:ext uri="{FF2B5EF4-FFF2-40B4-BE49-F238E27FC236}">
-                <a16:creationId xmlns:a16="http://schemas.microsoft.com/office/drawing/2014/main" id="{06783702-4404-4A6E-8DE8-B2BE48F4F90B}"/>
+                <a16:creationId xmlns:a16="http://schemas.microsoft.com/office/drawing/2014/main" xmlns="" id="{06783702-4404-4A6E-8DE8-B2BE48F4F90B}"/>
               </a:ext>
             </a:extLst>
           </p:cNvPr>
@@ -11771,7 +12753,7 @@
           <p:cNvPr id="4" name="直接连接符 3">
             <a:extLst>
               <a:ext uri="{FF2B5EF4-FFF2-40B4-BE49-F238E27FC236}">
-                <a16:creationId xmlns:a16="http://schemas.microsoft.com/office/drawing/2014/main" id="{AE44468F-BB27-408B-91EA-D39843E752BE}"/>
+                <a16:creationId xmlns:a16="http://schemas.microsoft.com/office/drawing/2014/main" xmlns="" id="{AE44468F-BB27-408B-91EA-D39843E752BE}"/>
               </a:ext>
             </a:extLst>
           </p:cNvPr>
@@ -11807,7 +12789,7 @@
           <p:cNvPr id="17" name="直接连接符 16">
             <a:extLst>
               <a:ext uri="{FF2B5EF4-FFF2-40B4-BE49-F238E27FC236}">
-                <a16:creationId xmlns:a16="http://schemas.microsoft.com/office/drawing/2014/main" id="{CAE8B79D-C006-47D9-8D2A-0E2BD127F876}"/>
+                <a16:creationId xmlns:a16="http://schemas.microsoft.com/office/drawing/2014/main" xmlns="" id="{CAE8B79D-C006-47D9-8D2A-0E2BD127F876}"/>
               </a:ext>
             </a:extLst>
           </p:cNvPr>
@@ -11845,7 +12827,7 @@
           <p:cNvPr id="18" name="直接连接符 17">
             <a:extLst>
               <a:ext uri="{FF2B5EF4-FFF2-40B4-BE49-F238E27FC236}">
-                <a16:creationId xmlns:a16="http://schemas.microsoft.com/office/drawing/2014/main" id="{8E78194B-B0C8-4A29-8DF7-BE12BE56D10D}"/>
+                <a16:creationId xmlns:a16="http://schemas.microsoft.com/office/drawing/2014/main" xmlns="" id="{8E78194B-B0C8-4A29-8DF7-BE12BE56D10D}"/>
               </a:ext>
             </a:extLst>
           </p:cNvPr>
@@ -11881,7 +12863,7 @@
           <p:cNvPr id="19" name="直接连接符 18">
             <a:extLst>
               <a:ext uri="{FF2B5EF4-FFF2-40B4-BE49-F238E27FC236}">
-                <a16:creationId xmlns:a16="http://schemas.microsoft.com/office/drawing/2014/main" id="{C7564404-18B6-4181-A9BA-3F27472C1A5B}"/>
+                <a16:creationId xmlns:a16="http://schemas.microsoft.com/office/drawing/2014/main" xmlns="" id="{C7564404-18B6-4181-A9BA-3F27472C1A5B}"/>
               </a:ext>
             </a:extLst>
           </p:cNvPr>
@@ -11917,7 +12899,7 @@
           <p:cNvPr id="8" name="直接箭头连接符 7">
             <a:extLst>
               <a:ext uri="{FF2B5EF4-FFF2-40B4-BE49-F238E27FC236}">
-                <a16:creationId xmlns:a16="http://schemas.microsoft.com/office/drawing/2014/main" id="{00D3C300-02EA-4AA2-AD0C-BE36FF0FE9B4}"/>
+                <a16:creationId xmlns:a16="http://schemas.microsoft.com/office/drawing/2014/main" xmlns="" id="{00D3C300-02EA-4AA2-AD0C-BE36FF0FE9B4}"/>
               </a:ext>
             </a:extLst>
           </p:cNvPr>
@@ -11959,7 +12941,7 @@
           <p:cNvPr id="11" name="文本框 10">
             <a:extLst>
               <a:ext uri="{FF2B5EF4-FFF2-40B4-BE49-F238E27FC236}">
-                <a16:creationId xmlns:a16="http://schemas.microsoft.com/office/drawing/2014/main" id="{82ECF79A-D1A3-408F-8846-693958562C20}"/>
+                <a16:creationId xmlns:a16="http://schemas.microsoft.com/office/drawing/2014/main" xmlns="" id="{82ECF79A-D1A3-408F-8846-693958562C20}"/>
               </a:ext>
             </a:extLst>
           </p:cNvPr>
@@ -11995,7 +12977,7 @@
           <p:cNvPr id="20" name="直接连接符 19">
             <a:extLst>
               <a:ext uri="{FF2B5EF4-FFF2-40B4-BE49-F238E27FC236}">
-                <a16:creationId xmlns:a16="http://schemas.microsoft.com/office/drawing/2014/main" id="{29088533-42C8-46E1-B05E-BD5EDF9E7F4C}"/>
+                <a16:creationId xmlns:a16="http://schemas.microsoft.com/office/drawing/2014/main" xmlns="" id="{29088533-42C8-46E1-B05E-BD5EDF9E7F4C}"/>
               </a:ext>
             </a:extLst>
           </p:cNvPr>
@@ -12033,7 +13015,7 @@
           <p:cNvPr id="22" name="文本框 21">
             <a:extLst>
               <a:ext uri="{FF2B5EF4-FFF2-40B4-BE49-F238E27FC236}">
-                <a16:creationId xmlns:a16="http://schemas.microsoft.com/office/drawing/2014/main" id="{9CC3EDF2-72BC-4B2A-B8BB-4770EA857D59}"/>
+                <a16:creationId xmlns:a16="http://schemas.microsoft.com/office/drawing/2014/main" xmlns="" id="{9CC3EDF2-72BC-4B2A-B8BB-4770EA857D59}"/>
               </a:ext>
             </a:extLst>
           </p:cNvPr>
@@ -12069,7 +13051,7 @@
           <p:cNvPr id="25" name="直接箭头连接符 24">
             <a:extLst>
               <a:ext uri="{FF2B5EF4-FFF2-40B4-BE49-F238E27FC236}">
-                <a16:creationId xmlns:a16="http://schemas.microsoft.com/office/drawing/2014/main" id="{830F8665-54D1-4A95-9D3B-D928FBB81C14}"/>
+                <a16:creationId xmlns:a16="http://schemas.microsoft.com/office/drawing/2014/main" xmlns="" id="{830F8665-54D1-4A95-9D3B-D928FBB81C14}"/>
               </a:ext>
             </a:extLst>
           </p:cNvPr>
@@ -12111,7 +13093,7 @@
           <p:cNvPr id="27" name="文本框 26">
             <a:extLst>
               <a:ext uri="{FF2B5EF4-FFF2-40B4-BE49-F238E27FC236}">
-                <a16:creationId xmlns:a16="http://schemas.microsoft.com/office/drawing/2014/main" id="{BC99DD16-E384-4597-8D84-F423902ECECE}"/>
+                <a16:creationId xmlns:a16="http://schemas.microsoft.com/office/drawing/2014/main" xmlns="" id="{BC99DD16-E384-4597-8D84-F423902ECECE}"/>
               </a:ext>
             </a:extLst>
           </p:cNvPr>
@@ -12147,7 +13129,7 @@
           <p:cNvPr id="29" name="直接箭头连接符 28">
             <a:extLst>
               <a:ext uri="{FF2B5EF4-FFF2-40B4-BE49-F238E27FC236}">
-                <a16:creationId xmlns:a16="http://schemas.microsoft.com/office/drawing/2014/main" id="{2F537EFF-5949-4B87-B582-4D98F1338DAE}"/>
+                <a16:creationId xmlns:a16="http://schemas.microsoft.com/office/drawing/2014/main" xmlns="" id="{2F537EFF-5949-4B87-B582-4D98F1338DAE}"/>
               </a:ext>
             </a:extLst>
           </p:cNvPr>
@@ -12189,7 +13171,7 @@
           <p:cNvPr id="31" name="直接连接符 30">
             <a:extLst>
               <a:ext uri="{FF2B5EF4-FFF2-40B4-BE49-F238E27FC236}">
-                <a16:creationId xmlns:a16="http://schemas.microsoft.com/office/drawing/2014/main" id="{332319A4-EDEF-445D-8878-2F14D46B82B3}"/>
+                <a16:creationId xmlns:a16="http://schemas.microsoft.com/office/drawing/2014/main" xmlns="" id="{332319A4-EDEF-445D-8878-2F14D46B82B3}"/>
               </a:ext>
             </a:extLst>
           </p:cNvPr>
@@ -12227,7 +13209,7 @@
           <p:cNvPr id="33" name="直接连接符 32">
             <a:extLst>
               <a:ext uri="{FF2B5EF4-FFF2-40B4-BE49-F238E27FC236}">
-                <a16:creationId xmlns:a16="http://schemas.microsoft.com/office/drawing/2014/main" id="{A87A82AC-996A-4E14-ACEE-3BA4212B3B61}"/>
+                <a16:creationId xmlns:a16="http://schemas.microsoft.com/office/drawing/2014/main" xmlns="" id="{A87A82AC-996A-4E14-ACEE-3BA4212B3B61}"/>
               </a:ext>
             </a:extLst>
           </p:cNvPr>
@@ -12265,7 +13247,7 @@
           <p:cNvPr id="35" name="直接箭头连接符 34">
             <a:extLst>
               <a:ext uri="{FF2B5EF4-FFF2-40B4-BE49-F238E27FC236}">
-                <a16:creationId xmlns:a16="http://schemas.microsoft.com/office/drawing/2014/main" id="{62B9A743-D85E-46B2-B38A-41F7FEF3C1C3}"/>
+                <a16:creationId xmlns:a16="http://schemas.microsoft.com/office/drawing/2014/main" xmlns="" id="{62B9A743-D85E-46B2-B38A-41F7FEF3C1C3}"/>
               </a:ext>
             </a:extLst>
           </p:cNvPr>
@@ -12307,7 +13289,7 @@
           <p:cNvPr id="38" name="文本框 37">
             <a:extLst>
               <a:ext uri="{FF2B5EF4-FFF2-40B4-BE49-F238E27FC236}">
-                <a16:creationId xmlns:a16="http://schemas.microsoft.com/office/drawing/2014/main" id="{D9A5D5E7-BB28-4677-B9E6-DEA410579E62}"/>
+                <a16:creationId xmlns:a16="http://schemas.microsoft.com/office/drawing/2014/main" xmlns="" id="{D9A5D5E7-BB28-4677-B9E6-DEA410579E62}"/>
               </a:ext>
             </a:extLst>
           </p:cNvPr>
@@ -12343,7 +13325,7 @@
           <p:cNvPr id="39" name="直接连接符 38">
             <a:extLst>
               <a:ext uri="{FF2B5EF4-FFF2-40B4-BE49-F238E27FC236}">
-                <a16:creationId xmlns:a16="http://schemas.microsoft.com/office/drawing/2014/main" id="{BF77CF8B-47AA-4B47-8A2A-6A7590AFF07C}"/>
+                <a16:creationId xmlns:a16="http://schemas.microsoft.com/office/drawing/2014/main" xmlns="" id="{BF77CF8B-47AA-4B47-8A2A-6A7590AFF07C}"/>
               </a:ext>
             </a:extLst>
           </p:cNvPr>
@@ -12381,7 +13363,7 @@
           <p:cNvPr id="42" name="直接连接符 41">
             <a:extLst>
               <a:ext uri="{FF2B5EF4-FFF2-40B4-BE49-F238E27FC236}">
-                <a16:creationId xmlns:a16="http://schemas.microsoft.com/office/drawing/2014/main" id="{C5045DDD-E178-402C-953A-67052ACA12FB}"/>
+                <a16:creationId xmlns:a16="http://schemas.microsoft.com/office/drawing/2014/main" xmlns="" id="{C5045DDD-E178-402C-953A-67052ACA12FB}"/>
               </a:ext>
             </a:extLst>
           </p:cNvPr>
@@ -12419,7 +13401,7 @@
           <p:cNvPr id="44" name="直接箭头连接符 43">
             <a:extLst>
               <a:ext uri="{FF2B5EF4-FFF2-40B4-BE49-F238E27FC236}">
-                <a16:creationId xmlns:a16="http://schemas.microsoft.com/office/drawing/2014/main" id="{9F2DED1B-EA36-4339-9606-4DBFB50C7105}"/>
+                <a16:creationId xmlns:a16="http://schemas.microsoft.com/office/drawing/2014/main" xmlns="" id="{9F2DED1B-EA36-4339-9606-4DBFB50C7105}"/>
               </a:ext>
             </a:extLst>
           </p:cNvPr>
@@ -12461,7 +13443,7 @@
           <p:cNvPr id="46" name="直接箭头连接符 45">
             <a:extLst>
               <a:ext uri="{FF2B5EF4-FFF2-40B4-BE49-F238E27FC236}">
-                <a16:creationId xmlns:a16="http://schemas.microsoft.com/office/drawing/2014/main" id="{22B75982-36ED-4560-B672-9495A0D0EDD8}"/>
+                <a16:creationId xmlns:a16="http://schemas.microsoft.com/office/drawing/2014/main" xmlns="" id="{22B75982-36ED-4560-B672-9495A0D0EDD8}"/>
               </a:ext>
             </a:extLst>
           </p:cNvPr>
@@ -12503,7 +13485,7 @@
           <p:cNvPr id="48" name="文本框 47">
             <a:extLst>
               <a:ext uri="{FF2B5EF4-FFF2-40B4-BE49-F238E27FC236}">
-                <a16:creationId xmlns:a16="http://schemas.microsoft.com/office/drawing/2014/main" id="{83718A39-B313-4362-8B3C-EA030263ED2B}"/>
+                <a16:creationId xmlns:a16="http://schemas.microsoft.com/office/drawing/2014/main" xmlns="" id="{83718A39-B313-4362-8B3C-EA030263ED2B}"/>
               </a:ext>
             </a:extLst>
           </p:cNvPr>
@@ -12539,7 +13521,7 @@
           <p:cNvPr id="49" name="文本框 48">
             <a:extLst>
               <a:ext uri="{FF2B5EF4-FFF2-40B4-BE49-F238E27FC236}">
-                <a16:creationId xmlns:a16="http://schemas.microsoft.com/office/drawing/2014/main" id="{CC7FAA2A-6F9C-494C-81A7-1ABCC359BE2E}"/>
+                <a16:creationId xmlns:a16="http://schemas.microsoft.com/office/drawing/2014/main" xmlns="" id="{CC7FAA2A-6F9C-494C-81A7-1ABCC359BE2E}"/>
               </a:ext>
             </a:extLst>
           </p:cNvPr>
@@ -12575,7 +13557,7 @@
           <p:cNvPr id="52" name="直接连接符 51">
             <a:extLst>
               <a:ext uri="{FF2B5EF4-FFF2-40B4-BE49-F238E27FC236}">
-                <a16:creationId xmlns:a16="http://schemas.microsoft.com/office/drawing/2014/main" id="{BB4D258D-95C1-457D-B699-D5251BC12442}"/>
+                <a16:creationId xmlns:a16="http://schemas.microsoft.com/office/drawing/2014/main" xmlns="" id="{BB4D258D-95C1-457D-B699-D5251BC12442}"/>
               </a:ext>
             </a:extLst>
           </p:cNvPr>
@@ -12613,7 +13595,7 @@
           <p:cNvPr id="53" name="直接连接符 52">
             <a:extLst>
               <a:ext uri="{FF2B5EF4-FFF2-40B4-BE49-F238E27FC236}">
-                <a16:creationId xmlns:a16="http://schemas.microsoft.com/office/drawing/2014/main" id="{6FFDBD13-E351-460E-AB4B-440F86D1F2BA}"/>
+                <a16:creationId xmlns:a16="http://schemas.microsoft.com/office/drawing/2014/main" xmlns="" id="{6FFDBD13-E351-460E-AB4B-440F86D1F2BA}"/>
               </a:ext>
             </a:extLst>
           </p:cNvPr>
@@ -12651,7 +13633,7 @@
           <p:cNvPr id="54" name="文本框 53">
             <a:extLst>
               <a:ext uri="{FF2B5EF4-FFF2-40B4-BE49-F238E27FC236}">
-                <a16:creationId xmlns:a16="http://schemas.microsoft.com/office/drawing/2014/main" id="{7524F993-73F3-425E-A9DE-A9686B460D06}"/>
+                <a16:creationId xmlns:a16="http://schemas.microsoft.com/office/drawing/2014/main" xmlns="" id="{7524F993-73F3-425E-A9DE-A9686B460D06}"/>
               </a:ext>
             </a:extLst>
           </p:cNvPr>
@@ -12686,7 +13668,7 @@
           <p:cNvPr id="55" name="文本框 54">
             <a:extLst>
               <a:ext uri="{FF2B5EF4-FFF2-40B4-BE49-F238E27FC236}">
-                <a16:creationId xmlns:a16="http://schemas.microsoft.com/office/drawing/2014/main" id="{658BB7DA-1658-4AC7-80F8-2C24A0B43FB0}"/>
+                <a16:creationId xmlns:a16="http://schemas.microsoft.com/office/drawing/2014/main" xmlns="" id="{658BB7DA-1658-4AC7-80F8-2C24A0B43FB0}"/>
               </a:ext>
             </a:extLst>
           </p:cNvPr>
@@ -12721,7 +13703,7 @@
           <p:cNvPr id="56" name="文本框 55">
             <a:extLst>
               <a:ext uri="{FF2B5EF4-FFF2-40B4-BE49-F238E27FC236}">
-                <a16:creationId xmlns:a16="http://schemas.microsoft.com/office/drawing/2014/main" id="{0696FC52-DDCA-465A-B985-FBA025B3BDDE}"/>
+                <a16:creationId xmlns:a16="http://schemas.microsoft.com/office/drawing/2014/main" xmlns="" id="{0696FC52-DDCA-465A-B985-FBA025B3BDDE}"/>
               </a:ext>
             </a:extLst>
           </p:cNvPr>
@@ -12786,7 +13768,7 @@
           <p:cNvPr id="5" name="矩形 4">
             <a:extLst>
               <a:ext uri="{FF2B5EF4-FFF2-40B4-BE49-F238E27FC236}">
-                <a16:creationId xmlns:a16="http://schemas.microsoft.com/office/drawing/2014/main" id="{A8F539A8-B16E-41CF-A419-11E029F9723B}"/>
+                <a16:creationId xmlns:a16="http://schemas.microsoft.com/office/drawing/2014/main" xmlns="" id="{A8F539A8-B16E-41CF-A419-11E029F9723B}"/>
               </a:ext>
             </a:extLst>
           </p:cNvPr>
@@ -12845,7 +13827,7 @@
           <p:cNvPr id="6" name="矩形 5">
             <a:extLst>
               <a:ext uri="{FF2B5EF4-FFF2-40B4-BE49-F238E27FC236}">
-                <a16:creationId xmlns:a16="http://schemas.microsoft.com/office/drawing/2014/main" id="{B40BC23C-09E7-4A93-A8FE-F8074E5036EC}"/>
+                <a16:creationId xmlns:a16="http://schemas.microsoft.com/office/drawing/2014/main" xmlns="" id="{B40BC23C-09E7-4A93-A8FE-F8074E5036EC}"/>
               </a:ext>
             </a:extLst>
           </p:cNvPr>
@@ -12898,7 +13880,7 @@
           <p:cNvPr id="7" name="矩形 6">
             <a:extLst>
               <a:ext uri="{FF2B5EF4-FFF2-40B4-BE49-F238E27FC236}">
-                <a16:creationId xmlns:a16="http://schemas.microsoft.com/office/drawing/2014/main" id="{49579DFD-8B12-4C4C-B8A5-E11CAA20ED67}"/>
+                <a16:creationId xmlns:a16="http://schemas.microsoft.com/office/drawing/2014/main" xmlns="" id="{49579DFD-8B12-4C4C-B8A5-E11CAA20ED67}"/>
               </a:ext>
             </a:extLst>
           </p:cNvPr>
@@ -12954,7 +13936,7 @@
           <p:cNvPr id="8" name="矩形 7">
             <a:extLst>
               <a:ext uri="{FF2B5EF4-FFF2-40B4-BE49-F238E27FC236}">
-                <a16:creationId xmlns:a16="http://schemas.microsoft.com/office/drawing/2014/main" id="{FB9DCE2F-47CA-442E-9BC1-2066DFD4C965}"/>
+                <a16:creationId xmlns:a16="http://schemas.microsoft.com/office/drawing/2014/main" xmlns="" id="{FB9DCE2F-47CA-442E-9BC1-2066DFD4C965}"/>
               </a:ext>
             </a:extLst>
           </p:cNvPr>
@@ -13010,7 +13992,7 @@
           <p:cNvPr id="9" name="矩形 8">
             <a:extLst>
               <a:ext uri="{FF2B5EF4-FFF2-40B4-BE49-F238E27FC236}">
-                <a16:creationId xmlns:a16="http://schemas.microsoft.com/office/drawing/2014/main" id="{302CC764-DFB2-4E04-B857-3F5440C97624}"/>
+                <a16:creationId xmlns:a16="http://schemas.microsoft.com/office/drawing/2014/main" xmlns="" id="{302CC764-DFB2-4E04-B857-3F5440C97624}"/>
               </a:ext>
             </a:extLst>
           </p:cNvPr>
@@ -13077,7 +14059,7 @@
           <p:cNvPr id="10" name="矩形 9">
             <a:extLst>
               <a:ext uri="{FF2B5EF4-FFF2-40B4-BE49-F238E27FC236}">
-                <a16:creationId xmlns:a16="http://schemas.microsoft.com/office/drawing/2014/main" id="{3CB4B6CC-3E38-49AA-AD1E-E29D8F41D319}"/>
+                <a16:creationId xmlns:a16="http://schemas.microsoft.com/office/drawing/2014/main" xmlns="" id="{3CB4B6CC-3E38-49AA-AD1E-E29D8F41D319}"/>
               </a:ext>
             </a:extLst>
           </p:cNvPr>
@@ -13136,7 +14118,7 @@
           <p:cNvPr id="11" name="矩形 10">
             <a:extLst>
               <a:ext uri="{FF2B5EF4-FFF2-40B4-BE49-F238E27FC236}">
-                <a16:creationId xmlns:a16="http://schemas.microsoft.com/office/drawing/2014/main" id="{CF2406F2-2FE6-4DCF-ABEC-8C36830939AD}"/>
+                <a16:creationId xmlns:a16="http://schemas.microsoft.com/office/drawing/2014/main" xmlns="" id="{CF2406F2-2FE6-4DCF-ABEC-8C36830939AD}"/>
               </a:ext>
             </a:extLst>
           </p:cNvPr>
@@ -13192,7 +14174,7 @@
           <p:cNvPr id="12" name="矩形 11">
             <a:extLst>
               <a:ext uri="{FF2B5EF4-FFF2-40B4-BE49-F238E27FC236}">
-                <a16:creationId xmlns:a16="http://schemas.microsoft.com/office/drawing/2014/main" id="{1E551881-63E9-4878-93FC-5492E1A93577}"/>
+                <a16:creationId xmlns:a16="http://schemas.microsoft.com/office/drawing/2014/main" xmlns="" id="{1E551881-63E9-4878-93FC-5492E1A93577}"/>
               </a:ext>
             </a:extLst>
           </p:cNvPr>
@@ -13291,7 +14273,7 @@
           <p:cNvPr id="17" name="矩形 16">
             <a:extLst>
               <a:ext uri="{FF2B5EF4-FFF2-40B4-BE49-F238E27FC236}">
-                <a16:creationId xmlns:a16="http://schemas.microsoft.com/office/drawing/2014/main" id="{C804C088-43B1-4FB2-81D2-8071B47E0D6D}"/>
+                <a16:creationId xmlns:a16="http://schemas.microsoft.com/office/drawing/2014/main" xmlns="" id="{C804C088-43B1-4FB2-81D2-8071B47E0D6D}"/>
               </a:ext>
             </a:extLst>
           </p:cNvPr>
@@ -13347,7 +14329,7 @@
           <p:cNvPr id="19" name="直接连接符 18">
             <a:extLst>
               <a:ext uri="{FF2B5EF4-FFF2-40B4-BE49-F238E27FC236}">
-                <a16:creationId xmlns:a16="http://schemas.microsoft.com/office/drawing/2014/main" id="{BD25F028-ACE6-47A4-AD54-56EB759B0EB3}"/>
+                <a16:creationId xmlns:a16="http://schemas.microsoft.com/office/drawing/2014/main" xmlns="" id="{BD25F028-ACE6-47A4-AD54-56EB759B0EB3}"/>
               </a:ext>
             </a:extLst>
           </p:cNvPr>
@@ -13385,7 +14367,7 @@
           <p:cNvPr id="21" name="直接连接符 20">
             <a:extLst>
               <a:ext uri="{FF2B5EF4-FFF2-40B4-BE49-F238E27FC236}">
-                <a16:creationId xmlns:a16="http://schemas.microsoft.com/office/drawing/2014/main" id="{A77B04CC-4D75-4C3C-BB51-D40CFB36F41D}"/>
+                <a16:creationId xmlns:a16="http://schemas.microsoft.com/office/drawing/2014/main" xmlns="" id="{A77B04CC-4D75-4C3C-BB51-D40CFB36F41D}"/>
               </a:ext>
             </a:extLst>
           </p:cNvPr>
@@ -13424,7 +14406,7 @@
           <p:cNvPr id="23" name="直接连接符 22">
             <a:extLst>
               <a:ext uri="{FF2B5EF4-FFF2-40B4-BE49-F238E27FC236}">
-                <a16:creationId xmlns:a16="http://schemas.microsoft.com/office/drawing/2014/main" id="{75C97A6D-688C-4A8D-8A5B-EC1B72830BDC}"/>
+                <a16:creationId xmlns:a16="http://schemas.microsoft.com/office/drawing/2014/main" xmlns="" id="{75C97A6D-688C-4A8D-8A5B-EC1B72830BDC}"/>
               </a:ext>
             </a:extLst>
           </p:cNvPr>
@@ -13462,7 +14444,7 @@
           <p:cNvPr id="27" name="直接连接符 26">
             <a:extLst>
               <a:ext uri="{FF2B5EF4-FFF2-40B4-BE49-F238E27FC236}">
-                <a16:creationId xmlns:a16="http://schemas.microsoft.com/office/drawing/2014/main" id="{29BC3382-9CBC-4BF6-9426-127E8BC3E069}"/>
+                <a16:creationId xmlns:a16="http://schemas.microsoft.com/office/drawing/2014/main" xmlns="" id="{29BC3382-9CBC-4BF6-9426-127E8BC3E069}"/>
               </a:ext>
             </a:extLst>
           </p:cNvPr>
@@ -13502,7 +14484,7 @@
           <p:cNvPr id="28" name="直接连接符 27">
             <a:extLst>
               <a:ext uri="{FF2B5EF4-FFF2-40B4-BE49-F238E27FC236}">
-                <a16:creationId xmlns:a16="http://schemas.microsoft.com/office/drawing/2014/main" id="{3D0E42C7-AC05-4832-805B-B70AD25676E2}"/>
+                <a16:creationId xmlns:a16="http://schemas.microsoft.com/office/drawing/2014/main" xmlns="" id="{3D0E42C7-AC05-4832-805B-B70AD25676E2}"/>
               </a:ext>
             </a:extLst>
           </p:cNvPr>
@@ -13541,7 +14523,7 @@
           <p:cNvPr id="32" name="直接连接符 31">
             <a:extLst>
               <a:ext uri="{FF2B5EF4-FFF2-40B4-BE49-F238E27FC236}">
-                <a16:creationId xmlns:a16="http://schemas.microsoft.com/office/drawing/2014/main" id="{AA9BDD91-520D-4107-8A6B-4753FA0C29B7}"/>
+                <a16:creationId xmlns:a16="http://schemas.microsoft.com/office/drawing/2014/main" xmlns="" id="{AA9BDD91-520D-4107-8A6B-4753FA0C29B7}"/>
               </a:ext>
             </a:extLst>
           </p:cNvPr>
@@ -13579,7 +14561,7 @@
           <p:cNvPr id="34" name="直接连接符 33">
             <a:extLst>
               <a:ext uri="{FF2B5EF4-FFF2-40B4-BE49-F238E27FC236}">
-                <a16:creationId xmlns:a16="http://schemas.microsoft.com/office/drawing/2014/main" id="{F03F1281-D5B8-49F8-BC41-061F7E58FD3F}"/>
+                <a16:creationId xmlns:a16="http://schemas.microsoft.com/office/drawing/2014/main" xmlns="" id="{F03F1281-D5B8-49F8-BC41-061F7E58FD3F}"/>
               </a:ext>
             </a:extLst>
           </p:cNvPr>
@@ -13618,7 +14600,7 @@
           <p:cNvPr id="38" name="文本框 37">
             <a:extLst>
               <a:ext uri="{FF2B5EF4-FFF2-40B4-BE49-F238E27FC236}">
-                <a16:creationId xmlns:a16="http://schemas.microsoft.com/office/drawing/2014/main" id="{499BA314-9AA6-43ED-9ACE-B36F46CA46B8}"/>
+                <a16:creationId xmlns:a16="http://schemas.microsoft.com/office/drawing/2014/main" xmlns="" id="{499BA314-9AA6-43ED-9ACE-B36F46CA46B8}"/>
               </a:ext>
             </a:extLst>
           </p:cNvPr>
@@ -13653,7 +14635,7 @@
           <p:cNvPr id="39" name="文本框 38">
             <a:extLst>
               <a:ext uri="{FF2B5EF4-FFF2-40B4-BE49-F238E27FC236}">
-                <a16:creationId xmlns:a16="http://schemas.microsoft.com/office/drawing/2014/main" id="{0D5A61F1-AD15-4D34-8B56-B6F4D35E9389}"/>
+                <a16:creationId xmlns:a16="http://schemas.microsoft.com/office/drawing/2014/main" xmlns="" id="{0D5A61F1-AD15-4D34-8B56-B6F4D35E9389}"/>
               </a:ext>
             </a:extLst>
           </p:cNvPr>
